--- a/07_md_implementation/simulation07.pptx
+++ b/07_md_implementation/simulation07.pptx
@@ -5,10 +5,13 @@
     <p:sldMasterId id="2147483665" r:id="rId1"/>
   </p:sldMasterIdLst>
   <p:notesMasterIdLst>
-    <p:notesMasterId r:id="rId3"/>
+    <p:notesMasterId r:id="rId6"/>
   </p:notesMasterIdLst>
   <p:sldIdLst>
     <p:sldId id="256" r:id="rId2"/>
+    <p:sldId id="258" r:id="rId3"/>
+    <p:sldId id="259" r:id="rId4"/>
+    <p:sldId id="257" r:id="rId5"/>
   </p:sldIdLst>
   <p:sldSz cx="9144000" cy="6858000" type="screen4x3"/>
   <p:notesSz cx="6858000" cy="9144000"/>
@@ -1319,6 +1322,1344 @@
     <p:extLst>
       <p:ext uri="{BB962C8B-B14F-4D97-AF65-F5344CB8AC3E}">
         <p14:creationId xmlns:p14="http://schemas.microsoft.com/office/powerpoint/2010/main" val="4079533921"/>
+      </p:ext>
+    </p:extLst>
+  </p:cSld>
+  <p:clrMapOvr>
+    <a:masterClrMapping/>
+  </p:clrMapOvr>
+</p:sld>
+</file>
+
+<file path=ppt/slides/slide2.xml><?xml version="1.0" encoding="utf-8"?>
+<p:sld xmlns:a="http://schemas.openxmlformats.org/drawingml/2006/main" xmlns:r="http://schemas.openxmlformats.org/officeDocument/2006/relationships" xmlns:p="http://schemas.openxmlformats.org/presentationml/2006/main">
+  <p:cSld>
+    <p:spTree>
+      <p:nvGrpSpPr>
+        <p:cNvPr id="1" name=""/>
+        <p:cNvGrpSpPr/>
+        <p:nvPr/>
+      </p:nvGrpSpPr>
+      <p:grpSpPr>
+        <a:xfrm>
+          <a:off x="0" y="0"/>
+          <a:ext cx="0" cy="0"/>
+          <a:chOff x="0" y="0"/>
+          <a:chExt cx="0" cy="0"/>
+        </a:xfrm>
+      </p:grpSpPr>
+      <p:sp>
+        <p:nvSpPr>
+          <p:cNvPr id="2" name="テキスト プレースホルダー 1">
+            <a:extLst>
+              <a:ext uri="{FF2B5EF4-FFF2-40B4-BE49-F238E27FC236}">
+                <a16:creationId xmlns:a16="http://schemas.microsoft.com/office/drawing/2014/main" id="{4D974D7E-1D55-B6CE-610C-9C0F84179D56}"/>
+              </a:ext>
+            </a:extLst>
+          </p:cNvPr>
+          <p:cNvSpPr>
+            <a:spLocks noGrp="1"/>
+          </p:cNvSpPr>
+          <p:nvPr>
+            <p:ph type="body" sz="quarter" idx="10"/>
+          </p:nvPr>
+        </p:nvSpPr>
+        <p:spPr/>
+        <p:txBody>
+          <a:bodyPr/>
+          <a:lstStyle/>
+          <a:p>
+            <a:r>
+              <a:rPr kumimoji="1" lang="ja-JP" altLang="en-US" dirty="0"/>
+              <a:t>分子動力学法の実装</a:t>
+            </a:r>
+          </a:p>
+        </p:txBody>
+      </p:sp>
+      <mc:AlternateContent xmlns:mc="http://schemas.openxmlformats.org/markup-compatibility/2006">
+        <mc:Choice xmlns:a14="http://schemas.microsoft.com/office/drawing/2010/main" Requires="a14">
+          <p:sp>
+            <p:nvSpPr>
+              <p:cNvPr id="4" name="テキスト ボックス 3">
+                <a:extLst>
+                  <a:ext uri="{FF2B5EF4-FFF2-40B4-BE49-F238E27FC236}">
+                    <a16:creationId xmlns:a16="http://schemas.microsoft.com/office/drawing/2014/main" id="{B1B4F1D2-E5E0-F0F4-A2D5-D8B1DFBDCF02}"/>
+                  </a:ext>
+                </a:extLst>
+              </p:cNvPr>
+              <p:cNvSpPr txBox="1"/>
+              <p:nvPr/>
+            </p:nvSpPr>
+            <p:spPr>
+              <a:xfrm>
+                <a:off x="2843808" y="2276872"/>
+                <a:ext cx="2713307" cy="923330"/>
+              </a:xfrm>
+              <a:prstGeom prst="rect">
+                <a:avLst/>
+              </a:prstGeom>
+              <a:noFill/>
+            </p:spPr>
+            <p:txBody>
+              <a:bodyPr wrap="none" rtlCol="0">
+                <a:spAutoFit/>
+              </a:bodyPr>
+              <a:lstStyle/>
+              <a:p>
+                <a14:m>
+                  <m:oMathPara xmlns:m="http://schemas.openxmlformats.org/officeDocument/2006/math">
+                    <m:oMathParaPr>
+                      <m:jc m:val="centerGroup"/>
+                    </m:oMathParaPr>
+                    <m:oMath xmlns:m="http://schemas.openxmlformats.org/officeDocument/2006/math">
+                      <m:r>
+                        <a:rPr kumimoji="1" lang="en-US" altLang="ja-JP" sz="5400" b="0" i="1" smtClean="0">
+                          <a:latin typeface="Cambria Math" panose="02040503050406030204" pitchFamily="18" charset="0"/>
+                        </a:rPr>
+                        <m:t>𝑚𝑎</m:t>
+                      </m:r>
+                      <m:r>
+                        <a:rPr kumimoji="1" lang="en-US" altLang="ja-JP" sz="5400" b="0" i="1" smtClean="0">
+                          <a:latin typeface="Cambria Math" panose="02040503050406030204" pitchFamily="18" charset="0"/>
+                        </a:rPr>
+                        <m:t>=</m:t>
+                      </m:r>
+                      <m:r>
+                        <a:rPr kumimoji="1" lang="en-US" altLang="ja-JP" sz="5400" b="0" i="1" smtClean="0">
+                          <a:latin typeface="Cambria Math" panose="02040503050406030204" pitchFamily="18" charset="0"/>
+                        </a:rPr>
+                        <m:t>𝐹</m:t>
+                      </m:r>
+                    </m:oMath>
+                  </m:oMathPara>
+                </a14:m>
+                <a:endParaRPr kumimoji="1" lang="ja-JP" altLang="en-US" sz="5400" dirty="0"/>
+              </a:p>
+            </p:txBody>
+          </p:sp>
+        </mc:Choice>
+        <mc:Fallback>
+          <p:sp>
+            <p:nvSpPr>
+              <p:cNvPr id="4" name="テキスト ボックス 3">
+                <a:extLst>
+                  <a:ext uri="{FF2B5EF4-FFF2-40B4-BE49-F238E27FC236}">
+                    <a16:creationId xmlns:a16="http://schemas.microsoft.com/office/drawing/2014/main" id="{B1B4F1D2-E5E0-F0F4-A2D5-D8B1DFBDCF02}"/>
+                  </a:ext>
+                </a:extLst>
+              </p:cNvPr>
+              <p:cNvSpPr txBox="1">
+                <a:spLocks noRot="1" noChangeAspect="1" noMove="1" noResize="1" noEditPoints="1" noAdjustHandles="1" noChangeArrowheads="1" noChangeShapeType="1" noTextEdit="1"/>
+              </p:cNvSpPr>
+              <p:nvPr/>
+            </p:nvSpPr>
+            <p:spPr>
+              <a:xfrm>
+                <a:off x="2843808" y="2276872"/>
+                <a:ext cx="2713307" cy="923330"/>
+              </a:xfrm>
+              <a:prstGeom prst="rect">
+                <a:avLst/>
+              </a:prstGeom>
+              <a:blipFill>
+                <a:blip r:embed="rId2"/>
+                <a:stretch>
+                  <a:fillRect/>
+                </a:stretch>
+              </a:blipFill>
+            </p:spPr>
+            <p:txBody>
+              <a:bodyPr/>
+              <a:lstStyle/>
+              <a:p>
+                <a:r>
+                  <a:rPr lang="ja-JP" altLang="en-US">
+                    <a:noFill/>
+                  </a:rPr>
+                  <a:t> </a:t>
+                </a:r>
+              </a:p>
+            </p:txBody>
+          </p:sp>
+        </mc:Fallback>
+      </mc:AlternateContent>
+      <p:sp>
+        <p:nvSpPr>
+          <p:cNvPr id="5" name="テキスト ボックス 4">
+            <a:extLst>
+              <a:ext uri="{FF2B5EF4-FFF2-40B4-BE49-F238E27FC236}">
+                <a16:creationId xmlns:a16="http://schemas.microsoft.com/office/drawing/2014/main" id="{370D8F8A-66A7-253E-0DC2-33D5FD578604}"/>
+              </a:ext>
+            </a:extLst>
+          </p:cNvPr>
+          <p:cNvSpPr txBox="1"/>
+          <p:nvPr/>
+        </p:nvSpPr>
+        <p:spPr>
+          <a:xfrm>
+            <a:off x="899592" y="1340768"/>
+            <a:ext cx="6955750" cy="769441"/>
+          </a:xfrm>
+          <a:prstGeom prst="rect">
+            <a:avLst/>
+          </a:prstGeom>
+          <a:noFill/>
+        </p:spPr>
+        <p:txBody>
+          <a:bodyPr wrap="none" rtlCol="0">
+            <a:spAutoFit/>
+          </a:bodyPr>
+          <a:lstStyle/>
+          <a:p>
+            <a:r>
+              <a:rPr lang="ja-JP" altLang="en-US" sz="4400" dirty="0"/>
+              <a:t>運動方程式を数値積分する</a:t>
+            </a:r>
+            <a:endParaRPr kumimoji="1" lang="ja-JP" altLang="en-US" sz="4400" dirty="0"/>
+          </a:p>
+        </p:txBody>
+      </p:sp>
+      <p:sp>
+        <p:nvSpPr>
+          <p:cNvPr id="7" name="テキスト ボックス 6">
+            <a:extLst>
+              <a:ext uri="{FF2B5EF4-FFF2-40B4-BE49-F238E27FC236}">
+                <a16:creationId xmlns:a16="http://schemas.microsoft.com/office/drawing/2014/main" id="{7BAA19D0-ABB8-A8C4-D4DD-AB80384D5A11}"/>
+              </a:ext>
+            </a:extLst>
+          </p:cNvPr>
+          <p:cNvSpPr txBox="1"/>
+          <p:nvPr/>
+        </p:nvSpPr>
+        <p:spPr>
+          <a:xfrm>
+            <a:off x="611560" y="3717032"/>
+            <a:ext cx="7952818" cy="1815882"/>
+          </a:xfrm>
+          <a:prstGeom prst="rect">
+            <a:avLst/>
+          </a:prstGeom>
+          <a:noFill/>
+        </p:spPr>
+        <p:txBody>
+          <a:bodyPr wrap="none" rtlCol="0">
+            <a:spAutoFit/>
+          </a:bodyPr>
+          <a:lstStyle/>
+          <a:p>
+            <a:pPr marL="342900" indent="-342900">
+              <a:buAutoNum type="arabicPeriod"/>
+            </a:pPr>
+            <a:r>
+              <a:rPr kumimoji="1" lang="ja-JP" altLang="en-US" sz="2800" dirty="0"/>
+              <a:t>原子の初期配置と初期速度を決める</a:t>
+            </a:r>
+            <a:endParaRPr kumimoji="1" lang="en-US" altLang="ja-JP" sz="2800" dirty="0"/>
+          </a:p>
+          <a:p>
+            <a:pPr marL="342900" indent="-342900">
+              <a:buAutoNum type="arabicPeriod"/>
+            </a:pPr>
+            <a:r>
+              <a:rPr kumimoji="1" lang="ja-JP" altLang="en-US" sz="2800" dirty="0"/>
+              <a:t>原子の位置を更新</a:t>
+            </a:r>
+            <a:endParaRPr kumimoji="1" lang="en-US" altLang="ja-JP" sz="2800" dirty="0"/>
+          </a:p>
+          <a:p>
+            <a:pPr marL="342900" indent="-342900">
+              <a:buAutoNum type="arabicPeriod"/>
+            </a:pPr>
+            <a:r>
+              <a:rPr lang="ja-JP" altLang="en-US" sz="2800" dirty="0"/>
+              <a:t>原子間に働く力</a:t>
+            </a:r>
+            <a:r>
+              <a:rPr lang="en-US" altLang="ja-JP" sz="2800" dirty="0"/>
+              <a:t>(</a:t>
+            </a:r>
+            <a:r>
+              <a:rPr lang="ja-JP" altLang="en-US" sz="2800" dirty="0"/>
+              <a:t>力積</a:t>
+            </a:r>
+            <a:r>
+              <a:rPr lang="en-US" altLang="ja-JP" sz="2800" dirty="0"/>
+              <a:t>)</a:t>
+            </a:r>
+            <a:r>
+              <a:rPr lang="ja-JP" altLang="en-US" sz="2800" dirty="0"/>
+              <a:t>を計算し、運動量を更新</a:t>
+            </a:r>
+            <a:endParaRPr lang="en-US" altLang="ja-JP" sz="2800" dirty="0"/>
+          </a:p>
+          <a:p>
+            <a:pPr marL="342900" indent="-342900">
+              <a:buAutoNum type="arabicPeriod"/>
+            </a:pPr>
+            <a:r>
+              <a:rPr lang="en-US" altLang="ja-JP" sz="2800" dirty="0"/>
+              <a:t>2.3.</a:t>
+            </a:r>
+            <a:r>
+              <a:rPr lang="ja-JP" altLang="en-US" sz="2800" dirty="0"/>
+              <a:t>のステップを繰り返す</a:t>
+            </a:r>
+            <a:endParaRPr kumimoji="1" lang="ja-JP" altLang="en-US" sz="2800" dirty="0"/>
+          </a:p>
+        </p:txBody>
+      </p:sp>
+    </p:spTree>
+    <p:extLst>
+      <p:ext uri="{BB962C8B-B14F-4D97-AF65-F5344CB8AC3E}">
+        <p14:creationId xmlns:p14="http://schemas.microsoft.com/office/powerpoint/2010/main" val="3797248255"/>
+      </p:ext>
+    </p:extLst>
+  </p:cSld>
+  <p:clrMapOvr>
+    <a:masterClrMapping/>
+  </p:clrMapOvr>
+</p:sld>
+</file>
+
+<file path=ppt/slides/slide3.xml><?xml version="1.0" encoding="utf-8"?>
+<p:sld xmlns:a="http://schemas.openxmlformats.org/drawingml/2006/main" xmlns:r="http://schemas.openxmlformats.org/officeDocument/2006/relationships" xmlns:p="http://schemas.openxmlformats.org/presentationml/2006/main">
+  <p:cSld>
+    <p:spTree>
+      <p:nvGrpSpPr>
+        <p:cNvPr id="1" name=""/>
+        <p:cNvGrpSpPr/>
+        <p:nvPr/>
+      </p:nvGrpSpPr>
+      <p:grpSpPr>
+        <a:xfrm>
+          <a:off x="0" y="0"/>
+          <a:ext cx="0" cy="0"/>
+          <a:chOff x="0" y="0"/>
+          <a:chExt cx="0" cy="0"/>
+        </a:xfrm>
+      </p:grpSpPr>
+      <p:sp>
+        <p:nvSpPr>
+          <p:cNvPr id="2" name="テキスト プレースホルダー 1">
+            <a:extLst>
+              <a:ext uri="{FF2B5EF4-FFF2-40B4-BE49-F238E27FC236}">
+                <a16:creationId xmlns:a16="http://schemas.microsoft.com/office/drawing/2014/main" id="{0D0A40CB-2D3B-66ED-D687-3CE760775CDA}"/>
+              </a:ext>
+            </a:extLst>
+          </p:cNvPr>
+          <p:cNvSpPr>
+            <a:spLocks noGrp="1"/>
+          </p:cNvSpPr>
+          <p:nvPr>
+            <p:ph type="body" sz="quarter" idx="10"/>
+          </p:nvPr>
+        </p:nvSpPr>
+        <p:spPr/>
+        <p:txBody>
+          <a:bodyPr/>
+          <a:lstStyle/>
+          <a:p>
+            <a:endParaRPr kumimoji="1" lang="ja-JP" altLang="en-US"/>
+          </a:p>
+        </p:txBody>
+      </p:sp>
+    </p:spTree>
+    <p:extLst>
+      <p:ext uri="{BB962C8B-B14F-4D97-AF65-F5344CB8AC3E}">
+        <p14:creationId xmlns:p14="http://schemas.microsoft.com/office/powerpoint/2010/main" val="2066843108"/>
+      </p:ext>
+    </p:extLst>
+  </p:cSld>
+  <p:clrMapOvr>
+    <a:masterClrMapping/>
+  </p:clrMapOvr>
+</p:sld>
+</file>
+
+<file path=ppt/slides/slide4.xml><?xml version="1.0" encoding="utf-8"?>
+<p:sld xmlns:a="http://schemas.openxmlformats.org/drawingml/2006/main" xmlns:r="http://schemas.openxmlformats.org/officeDocument/2006/relationships" xmlns:p="http://schemas.openxmlformats.org/presentationml/2006/main">
+  <p:cSld>
+    <p:spTree>
+      <p:nvGrpSpPr>
+        <p:cNvPr id="1" name=""/>
+        <p:cNvGrpSpPr/>
+        <p:nvPr/>
+      </p:nvGrpSpPr>
+      <p:grpSpPr>
+        <a:xfrm>
+          <a:off x="0" y="0"/>
+          <a:ext cx="0" cy="0"/>
+          <a:chOff x="0" y="0"/>
+          <a:chExt cx="0" cy="0"/>
+        </a:xfrm>
+      </p:grpSpPr>
+      <p:sp>
+        <p:nvSpPr>
+          <p:cNvPr id="2" name="テキスト プレースホルダー 1">
+            <a:extLst>
+              <a:ext uri="{FF2B5EF4-FFF2-40B4-BE49-F238E27FC236}">
+                <a16:creationId xmlns:a16="http://schemas.microsoft.com/office/drawing/2014/main" id="{ADB4B589-734B-6CFD-F3E0-2CE080814CF4}"/>
+              </a:ext>
+            </a:extLst>
+          </p:cNvPr>
+          <p:cNvSpPr>
+            <a:spLocks noGrp="1"/>
+          </p:cNvSpPr>
+          <p:nvPr>
+            <p:ph type="body" sz="quarter" idx="10"/>
+          </p:nvPr>
+        </p:nvSpPr>
+        <p:spPr/>
+        <p:txBody>
+          <a:bodyPr/>
+          <a:lstStyle/>
+          <a:p>
+            <a:r>
+              <a:rPr kumimoji="1" lang="ja-JP" altLang="en-US" dirty="0"/>
+              <a:t>計算機の仕組み</a:t>
+            </a:r>
+          </a:p>
+        </p:txBody>
+      </p:sp>
+      <p:sp>
+        <p:nvSpPr>
+          <p:cNvPr id="3" name="テキスト ボックス 2">
+            <a:extLst>
+              <a:ext uri="{FF2B5EF4-FFF2-40B4-BE49-F238E27FC236}">
+                <a16:creationId xmlns:a16="http://schemas.microsoft.com/office/drawing/2014/main" id="{58585192-50B5-42F2-7745-F03B4F1C7817}"/>
+              </a:ext>
+            </a:extLst>
+          </p:cNvPr>
+          <p:cNvSpPr txBox="1"/>
+          <p:nvPr/>
+        </p:nvSpPr>
+        <p:spPr bwMode="auto">
+          <a:xfrm>
+            <a:off x="2555776" y="1196752"/>
+            <a:ext cx="4320480" cy="923330"/>
+          </a:xfrm>
+          <a:prstGeom prst="rect">
+            <a:avLst/>
+          </a:prstGeom>
+          <a:noFill/>
+          <a:ln w="9525">
+            <a:noFill/>
+            <a:miter lim="800000"/>
+            <a:headEnd/>
+            <a:tailEnd/>
+          </a:ln>
+        </p:spPr>
+        <p:txBody>
+          <a:bodyPr wrap="square" rtlCol="0">
+            <a:spAutoFit/>
+          </a:bodyPr>
+          <a:lstStyle/>
+          <a:p>
+            <a:r>
+              <a:rPr kumimoji="1" lang="ja-JP" altLang="en-US" sz="1800" dirty="0"/>
+              <a:t>メモリからデータと命令を取ってきて</a:t>
+            </a:r>
+            <a:endParaRPr kumimoji="1" lang="en-US" altLang="ja-JP" sz="1800" dirty="0"/>
+          </a:p>
+          <a:p>
+            <a:r>
+              <a:rPr lang="ja-JP" altLang="en-US" sz="1800" dirty="0"/>
+              <a:t>演算機に投げ</a:t>
+            </a:r>
+            <a:endParaRPr lang="en-US" altLang="ja-JP" sz="1800" dirty="0"/>
+          </a:p>
+          <a:p>
+            <a:r>
+              <a:rPr kumimoji="1" lang="ja-JP" altLang="en-US" sz="1800" dirty="0"/>
+              <a:t>演算結果をメモリに書き戻す</a:t>
+            </a:r>
+          </a:p>
+        </p:txBody>
+      </p:sp>
+      <p:sp>
+        <p:nvSpPr>
+          <p:cNvPr id="4" name="テキスト ボックス 3">
+            <a:extLst>
+              <a:ext uri="{FF2B5EF4-FFF2-40B4-BE49-F238E27FC236}">
+                <a16:creationId xmlns:a16="http://schemas.microsoft.com/office/drawing/2014/main" id="{38B0F9E4-845C-5D68-4E13-E6E9B54DCA3D}"/>
+              </a:ext>
+            </a:extLst>
+          </p:cNvPr>
+          <p:cNvSpPr txBox="1"/>
+          <p:nvPr/>
+        </p:nvSpPr>
+        <p:spPr bwMode="auto">
+          <a:xfrm>
+            <a:off x="323528" y="1340768"/>
+            <a:ext cx="2024913" cy="584775"/>
+          </a:xfrm>
+          <a:prstGeom prst="rect">
+            <a:avLst/>
+          </a:prstGeom>
+          <a:noFill/>
+          <a:ln w="9525">
+            <a:noFill/>
+            <a:miter lim="800000"/>
+            <a:headEnd/>
+            <a:tailEnd/>
+          </a:ln>
+        </p:spPr>
+        <p:txBody>
+          <a:bodyPr wrap="none" rtlCol="0">
+            <a:spAutoFit/>
+          </a:bodyPr>
+          <a:lstStyle/>
+          <a:p>
+            <a:r>
+              <a:rPr kumimoji="1" lang="ja-JP" altLang="en-US" sz="3200" dirty="0"/>
+              <a:t>計算機とは</a:t>
+            </a:r>
+          </a:p>
+        </p:txBody>
+      </p:sp>
+      <p:sp>
+        <p:nvSpPr>
+          <p:cNvPr id="5" name="テキスト ボックス 4">
+            <a:extLst>
+              <a:ext uri="{FF2B5EF4-FFF2-40B4-BE49-F238E27FC236}">
+                <a16:creationId xmlns:a16="http://schemas.microsoft.com/office/drawing/2014/main" id="{BADC6BDF-F249-6400-A995-EB6E8BB131FF}"/>
+              </a:ext>
+            </a:extLst>
+          </p:cNvPr>
+          <p:cNvSpPr txBox="1"/>
+          <p:nvPr/>
+        </p:nvSpPr>
+        <p:spPr bwMode="auto">
+          <a:xfrm>
+            <a:off x="6588224" y="1340768"/>
+            <a:ext cx="2232248" cy="584775"/>
+          </a:xfrm>
+          <a:prstGeom prst="rect">
+            <a:avLst/>
+          </a:prstGeom>
+          <a:noFill/>
+          <a:ln w="9525">
+            <a:noFill/>
+            <a:miter lim="800000"/>
+            <a:headEnd/>
+            <a:tailEnd/>
+          </a:ln>
+        </p:spPr>
+        <p:txBody>
+          <a:bodyPr wrap="square" rtlCol="0">
+            <a:spAutoFit/>
+          </a:bodyPr>
+          <a:lstStyle/>
+          <a:p>
+            <a:r>
+              <a:rPr kumimoji="1" lang="ja-JP" altLang="en-US" sz="3200" dirty="0"/>
+              <a:t>装置のこと</a:t>
+            </a:r>
+          </a:p>
+        </p:txBody>
+      </p:sp>
+      <p:sp>
+        <p:nvSpPr>
+          <p:cNvPr id="6" name="角丸四角形 22">
+            <a:extLst>
+              <a:ext uri="{FF2B5EF4-FFF2-40B4-BE49-F238E27FC236}">
+                <a16:creationId xmlns:a16="http://schemas.microsoft.com/office/drawing/2014/main" id="{ACF9D9CF-7A0B-086B-99FB-1C761C86F2F3}"/>
+              </a:ext>
+            </a:extLst>
+          </p:cNvPr>
+          <p:cNvSpPr/>
+          <p:nvPr/>
+        </p:nvSpPr>
+        <p:spPr>
+          <a:xfrm>
+            <a:off x="251520" y="1052736"/>
+            <a:ext cx="8712968" cy="1117600"/>
+          </a:xfrm>
+          <a:prstGeom prst="roundRect">
+            <a:avLst/>
+          </a:prstGeom>
+          <a:noFill/>
+          <a:ln>
+            <a:solidFill>
+              <a:schemeClr val="tx1"/>
+            </a:solidFill>
+          </a:ln>
+          <a:effectLst/>
+        </p:spPr>
+        <p:style>
+          <a:lnRef idx="1">
+            <a:schemeClr val="accent1"/>
+          </a:lnRef>
+          <a:fillRef idx="3">
+            <a:schemeClr val="accent1"/>
+          </a:fillRef>
+          <a:effectRef idx="2">
+            <a:schemeClr val="accent1"/>
+          </a:effectRef>
+          <a:fontRef idx="minor">
+            <a:schemeClr val="lt1"/>
+          </a:fontRef>
+        </p:style>
+        <p:txBody>
+          <a:bodyPr rtlCol="0" anchor="ctr"/>
+          <a:lstStyle/>
+          <a:p>
+            <a:pPr algn="ctr"/>
+            <a:endParaRPr kumimoji="1" lang="ja-JP" altLang="en-US" dirty="0">
+              <a:solidFill>
+                <a:srgbClr val="000000"/>
+              </a:solidFill>
+            </a:endParaRPr>
+          </a:p>
+        </p:txBody>
+      </p:sp>
+      <p:pic>
+        <p:nvPicPr>
+          <p:cNvPr id="7" name="Picture 4" descr="CPUã®ã¤ã©ã¹ãï¼ã³ã³ãã¥ã¼ã¿ã¼ï¼">
+            <a:extLst>
+              <a:ext uri="{FF2B5EF4-FFF2-40B4-BE49-F238E27FC236}">
+                <a16:creationId xmlns:a16="http://schemas.microsoft.com/office/drawing/2014/main" id="{FC0CB5F9-8BA7-B2BE-7209-08D98C6ECC6B}"/>
+              </a:ext>
+            </a:extLst>
+          </p:cNvPr>
+          <p:cNvPicPr>
+            <a:picLocks noChangeAspect="1" noChangeArrowheads="1"/>
+          </p:cNvPicPr>
+          <p:nvPr/>
+        </p:nvPicPr>
+        <p:blipFill>
+          <a:blip r:embed="rId2">
+            <a:extLst>
+              <a:ext uri="{28A0092B-C50C-407E-A947-70E740481C1C}">
+                <a14:useLocalDpi xmlns:a14="http://schemas.microsoft.com/office/drawing/2010/main" val="0"/>
+              </a:ext>
+            </a:extLst>
+          </a:blip>
+          <a:srcRect/>
+          <a:stretch>
+            <a:fillRect/>
+          </a:stretch>
+        </p:blipFill>
+        <p:spPr bwMode="auto">
+          <a:xfrm>
+            <a:off x="1403648" y="2564904"/>
+            <a:ext cx="1709531" cy="1474471"/>
+          </a:xfrm>
+          <a:prstGeom prst="rect">
+            <a:avLst/>
+          </a:prstGeom>
+          <a:noFill/>
+          <a:extLst>
+            <a:ext uri="{909E8E84-426E-40DD-AFC4-6F175D3DCCD1}">
+              <a14:hiddenFill xmlns:a14="http://schemas.microsoft.com/office/drawing/2010/main">
+                <a:solidFill>
+                  <a:srgbClr val="FFFFFF"/>
+                </a:solidFill>
+              </a14:hiddenFill>
+            </a:ext>
+          </a:extLst>
+        </p:spPr>
+      </p:pic>
+      <p:pic>
+        <p:nvPicPr>
+          <p:cNvPr id="8" name="Picture 6" descr="ã¡ã¢ãªã¼ã®ã¤ã©ã¹ãï¼ã³ã³ãã¥ã¼ã¿ã¼ï¼">
+            <a:extLst>
+              <a:ext uri="{FF2B5EF4-FFF2-40B4-BE49-F238E27FC236}">
+                <a16:creationId xmlns:a16="http://schemas.microsoft.com/office/drawing/2014/main" id="{2DD77F57-0C99-B019-415D-B1DA7BF6CFE7}"/>
+              </a:ext>
+            </a:extLst>
+          </p:cNvPr>
+          <p:cNvPicPr>
+            <a:picLocks noChangeAspect="1" noChangeArrowheads="1"/>
+          </p:cNvPicPr>
+          <p:nvPr/>
+        </p:nvPicPr>
+        <p:blipFill>
+          <a:blip r:embed="rId3" cstate="print">
+            <a:extLst>
+              <a:ext uri="{28A0092B-C50C-407E-A947-70E740481C1C}">
+                <a14:useLocalDpi xmlns:a14="http://schemas.microsoft.com/office/drawing/2010/main" val="0"/>
+              </a:ext>
+            </a:extLst>
+          </a:blip>
+          <a:srcRect/>
+          <a:stretch>
+            <a:fillRect/>
+          </a:stretch>
+        </p:blipFill>
+        <p:spPr bwMode="auto">
+          <a:xfrm>
+            <a:off x="6314840" y="2585680"/>
+            <a:ext cx="1413080" cy="1434599"/>
+          </a:xfrm>
+          <a:prstGeom prst="rect">
+            <a:avLst/>
+          </a:prstGeom>
+          <a:noFill/>
+          <a:extLst>
+            <a:ext uri="{909E8E84-426E-40DD-AFC4-6F175D3DCCD1}">
+              <a14:hiddenFill xmlns:a14="http://schemas.microsoft.com/office/drawing/2010/main">
+                <a:solidFill>
+                  <a:srgbClr val="FFFFFF"/>
+                </a:solidFill>
+              </a14:hiddenFill>
+            </a:ext>
+          </a:extLst>
+        </p:spPr>
+      </p:pic>
+      <p:pic>
+        <p:nvPicPr>
+          <p:cNvPr id="9" name="Picture 2" descr="ä¼ç¤¾ã®å»ºç©ã®ã¢ã¤ã³ã³ï¼å·¥å ´ï¼">
+            <a:extLst>
+              <a:ext uri="{FF2B5EF4-FFF2-40B4-BE49-F238E27FC236}">
+                <a16:creationId xmlns:a16="http://schemas.microsoft.com/office/drawing/2014/main" id="{1CF74050-7236-0435-E6CC-2EF6BCA99A8D}"/>
+              </a:ext>
+            </a:extLst>
+          </p:cNvPr>
+          <p:cNvPicPr>
+            <a:picLocks noChangeAspect="1" noChangeArrowheads="1"/>
+          </p:cNvPicPr>
+          <p:nvPr/>
+        </p:nvPicPr>
+        <p:blipFill>
+          <a:blip r:embed="rId4">
+            <a:extLst>
+              <a:ext uri="{28A0092B-C50C-407E-A947-70E740481C1C}">
+                <a14:useLocalDpi xmlns:a14="http://schemas.microsoft.com/office/drawing/2010/main" val="0"/>
+              </a:ext>
+            </a:extLst>
+          </a:blip>
+          <a:srcRect/>
+          <a:stretch>
+            <a:fillRect/>
+          </a:stretch>
+        </p:blipFill>
+        <p:spPr bwMode="auto">
+          <a:xfrm>
+            <a:off x="223619" y="3982830"/>
+            <a:ext cx="1273797" cy="1184632"/>
+          </a:xfrm>
+          <a:prstGeom prst="rect">
+            <a:avLst/>
+          </a:prstGeom>
+          <a:noFill/>
+          <a:extLst>
+            <a:ext uri="{909E8E84-426E-40DD-AFC4-6F175D3DCCD1}">
+              <a14:hiddenFill xmlns:a14="http://schemas.microsoft.com/office/drawing/2010/main">
+                <a:solidFill>
+                  <a:srgbClr val="FFFFFF"/>
+                </a:solidFill>
+              </a14:hiddenFill>
+            </a:ext>
+          </a:extLst>
+        </p:spPr>
+      </p:pic>
+      <p:pic>
+        <p:nvPicPr>
+          <p:cNvPr id="10" name="Picture 2" descr="ä¼ç¤¾ã®å»ºç©ã®ã¢ã¤ã³ã³ï¼å·¥å ´ï¼">
+            <a:extLst>
+              <a:ext uri="{FF2B5EF4-FFF2-40B4-BE49-F238E27FC236}">
+                <a16:creationId xmlns:a16="http://schemas.microsoft.com/office/drawing/2014/main" id="{47019394-8029-4C62-B922-5DBFC614FE54}"/>
+              </a:ext>
+            </a:extLst>
+          </p:cNvPr>
+          <p:cNvPicPr>
+            <a:picLocks noChangeAspect="1" noChangeArrowheads="1"/>
+          </p:cNvPicPr>
+          <p:nvPr/>
+        </p:nvPicPr>
+        <p:blipFill>
+          <a:blip r:embed="rId4">
+            <a:extLst>
+              <a:ext uri="{28A0092B-C50C-407E-A947-70E740481C1C}">
+                <a14:useLocalDpi xmlns:a14="http://schemas.microsoft.com/office/drawing/2010/main" val="0"/>
+              </a:ext>
+            </a:extLst>
+          </a:blip>
+          <a:srcRect/>
+          <a:stretch>
+            <a:fillRect/>
+          </a:stretch>
+        </p:blipFill>
+        <p:spPr bwMode="auto">
+          <a:xfrm>
+            <a:off x="196960" y="5130910"/>
+            <a:ext cx="1273797" cy="1184632"/>
+          </a:xfrm>
+          <a:prstGeom prst="rect">
+            <a:avLst/>
+          </a:prstGeom>
+          <a:noFill/>
+          <a:extLst>
+            <a:ext uri="{909E8E84-426E-40DD-AFC4-6F175D3DCCD1}">
+              <a14:hiddenFill xmlns:a14="http://schemas.microsoft.com/office/drawing/2010/main">
+                <a:solidFill>
+                  <a:srgbClr val="FFFFFF"/>
+                </a:solidFill>
+              </a14:hiddenFill>
+            </a:ext>
+          </a:extLst>
+        </p:spPr>
+      </p:pic>
+      <p:pic>
+        <p:nvPicPr>
+          <p:cNvPr id="11" name="図 10">
+            <a:extLst>
+              <a:ext uri="{FF2B5EF4-FFF2-40B4-BE49-F238E27FC236}">
+                <a16:creationId xmlns:a16="http://schemas.microsoft.com/office/drawing/2014/main" id="{6DC38429-DED7-803F-4C14-460C9D43057C}"/>
+              </a:ext>
+            </a:extLst>
+          </p:cNvPr>
+          <p:cNvPicPr>
+            <a:picLocks noChangeAspect="1"/>
+          </p:cNvPicPr>
+          <p:nvPr/>
+        </p:nvPicPr>
+        <p:blipFill>
+          <a:blip r:embed="rId5"/>
+          <a:stretch>
+            <a:fillRect/>
+          </a:stretch>
+        </p:blipFill>
+        <p:spPr>
+          <a:xfrm>
+            <a:off x="3220026" y="3303315"/>
+            <a:ext cx="920471" cy="1102360"/>
+          </a:xfrm>
+          <a:prstGeom prst="rect">
+            <a:avLst/>
+          </a:prstGeom>
+        </p:spPr>
+      </p:pic>
+      <p:sp>
+        <p:nvSpPr>
+          <p:cNvPr id="12" name="テキスト ボックス 11">
+            <a:extLst>
+              <a:ext uri="{FF2B5EF4-FFF2-40B4-BE49-F238E27FC236}">
+                <a16:creationId xmlns:a16="http://schemas.microsoft.com/office/drawing/2014/main" id="{9B117A79-F2B3-B724-C3A7-CE24106FF887}"/>
+              </a:ext>
+            </a:extLst>
+          </p:cNvPr>
+          <p:cNvSpPr txBox="1"/>
+          <p:nvPr/>
+        </p:nvSpPr>
+        <p:spPr bwMode="auto">
+          <a:xfrm>
+            <a:off x="1831916" y="2225876"/>
+            <a:ext cx="728084" cy="400110"/>
+          </a:xfrm>
+          <a:prstGeom prst="rect">
+            <a:avLst/>
+          </a:prstGeom>
+          <a:noFill/>
+          <a:ln w="9525">
+            <a:noFill/>
+            <a:miter lim="800000"/>
+            <a:headEnd/>
+            <a:tailEnd/>
+          </a:ln>
+        </p:spPr>
+        <p:txBody>
+          <a:bodyPr wrap="none" rtlCol="0">
+            <a:spAutoFit/>
+          </a:bodyPr>
+          <a:lstStyle/>
+          <a:p>
+            <a:r>
+              <a:rPr kumimoji="1" lang="en-US" altLang="ja-JP" sz="2000" dirty="0"/>
+              <a:t>CPU</a:t>
+            </a:r>
+            <a:endParaRPr kumimoji="1" lang="ja-JP" altLang="en-US" sz="2000" dirty="0"/>
+          </a:p>
+        </p:txBody>
+      </p:sp>
+      <p:sp>
+        <p:nvSpPr>
+          <p:cNvPr id="13" name="テキスト ボックス 12">
+            <a:extLst>
+              <a:ext uri="{FF2B5EF4-FFF2-40B4-BE49-F238E27FC236}">
+                <a16:creationId xmlns:a16="http://schemas.microsoft.com/office/drawing/2014/main" id="{67B79253-8BDF-E249-CC1E-3CC49F9E4EDD}"/>
+              </a:ext>
+            </a:extLst>
+          </p:cNvPr>
+          <p:cNvSpPr txBox="1"/>
+          <p:nvPr/>
+        </p:nvSpPr>
+        <p:spPr bwMode="auto">
+          <a:xfrm>
+            <a:off x="6732240" y="2276872"/>
+            <a:ext cx="707245" cy="400110"/>
+          </a:xfrm>
+          <a:prstGeom prst="rect">
+            <a:avLst/>
+          </a:prstGeom>
+          <a:noFill/>
+          <a:ln w="9525">
+            <a:noFill/>
+            <a:miter lim="800000"/>
+            <a:headEnd/>
+            <a:tailEnd/>
+          </a:ln>
+        </p:spPr>
+        <p:txBody>
+          <a:bodyPr wrap="none" rtlCol="0">
+            <a:spAutoFit/>
+          </a:bodyPr>
+          <a:lstStyle/>
+          <a:p>
+            <a:r>
+              <a:rPr kumimoji="1" lang="ja-JP" altLang="en-US" sz="2000" dirty="0"/>
+              <a:t>メモリ</a:t>
+            </a:r>
+          </a:p>
+        </p:txBody>
+      </p:sp>
+      <p:pic>
+        <p:nvPicPr>
+          <p:cNvPr id="14" name="図 13">
+            <a:extLst>
+              <a:ext uri="{FF2B5EF4-FFF2-40B4-BE49-F238E27FC236}">
+                <a16:creationId xmlns:a16="http://schemas.microsoft.com/office/drawing/2014/main" id="{2ACF7C56-D862-FD62-902A-596E8EFC9AD7}"/>
+              </a:ext>
+            </a:extLst>
+          </p:cNvPr>
+          <p:cNvPicPr>
+            <a:picLocks noChangeAspect="1"/>
+          </p:cNvPicPr>
+          <p:nvPr/>
+        </p:nvPicPr>
+        <p:blipFill>
+          <a:blip r:embed="rId6"/>
+          <a:stretch>
+            <a:fillRect/>
+          </a:stretch>
+        </p:blipFill>
+        <p:spPr>
+          <a:xfrm>
+            <a:off x="2327216" y="4441235"/>
+            <a:ext cx="739140" cy="739140"/>
+          </a:xfrm>
+          <a:prstGeom prst="rect">
+            <a:avLst/>
+          </a:prstGeom>
+        </p:spPr>
+      </p:pic>
+      <p:sp>
+        <p:nvSpPr>
+          <p:cNvPr id="15" name="左矢印 14">
+            <a:extLst>
+              <a:ext uri="{FF2B5EF4-FFF2-40B4-BE49-F238E27FC236}">
+                <a16:creationId xmlns:a16="http://schemas.microsoft.com/office/drawing/2014/main" id="{F5415AF1-216D-6BEF-730B-3C54814AC9DE}"/>
+              </a:ext>
+            </a:extLst>
+          </p:cNvPr>
+          <p:cNvSpPr/>
+          <p:nvPr/>
+        </p:nvSpPr>
+        <p:spPr>
+          <a:xfrm>
+            <a:off x="3152716" y="4613955"/>
+            <a:ext cx="538480" cy="345440"/>
+          </a:xfrm>
+          <a:prstGeom prst="leftArrow">
+            <a:avLst/>
+          </a:prstGeom>
+          <a:solidFill>
+            <a:srgbClr val="FF0000"/>
+          </a:solidFill>
+          <a:ln>
+            <a:solidFill>
+              <a:schemeClr val="tx1"/>
+            </a:solidFill>
+          </a:ln>
+          <a:effectLst/>
+        </p:spPr>
+        <p:style>
+          <a:lnRef idx="1">
+            <a:schemeClr val="accent1"/>
+          </a:lnRef>
+          <a:fillRef idx="3">
+            <a:schemeClr val="accent1"/>
+          </a:fillRef>
+          <a:effectRef idx="2">
+            <a:schemeClr val="accent1"/>
+          </a:effectRef>
+          <a:fontRef idx="minor">
+            <a:schemeClr val="lt1"/>
+          </a:fontRef>
+        </p:style>
+        <p:txBody>
+          <a:bodyPr rtlCol="0" anchor="ctr"/>
+          <a:lstStyle/>
+          <a:p>
+            <a:pPr algn="ctr"/>
+            <a:endParaRPr kumimoji="1" lang="ja-JP" altLang="en-US" dirty="0">
+              <a:solidFill>
+                <a:srgbClr val="000000"/>
+              </a:solidFill>
+            </a:endParaRPr>
+          </a:p>
+        </p:txBody>
+      </p:sp>
+      <p:sp>
+        <p:nvSpPr>
+          <p:cNvPr id="16" name="左矢印 15">
+            <a:extLst>
+              <a:ext uri="{FF2B5EF4-FFF2-40B4-BE49-F238E27FC236}">
+                <a16:creationId xmlns:a16="http://schemas.microsoft.com/office/drawing/2014/main" id="{1736B895-AA62-3749-58B2-0A25F735F009}"/>
+              </a:ext>
+            </a:extLst>
+          </p:cNvPr>
+          <p:cNvSpPr/>
+          <p:nvPr/>
+        </p:nvSpPr>
+        <p:spPr>
+          <a:xfrm rot="10800000">
+            <a:off x="3904556" y="5558835"/>
+            <a:ext cx="538480" cy="345440"/>
+          </a:xfrm>
+          <a:prstGeom prst="leftArrow">
+            <a:avLst/>
+          </a:prstGeom>
+          <a:solidFill>
+            <a:srgbClr val="FF0000"/>
+          </a:solidFill>
+          <a:ln>
+            <a:solidFill>
+              <a:schemeClr val="tx1"/>
+            </a:solidFill>
+          </a:ln>
+          <a:effectLst/>
+        </p:spPr>
+        <p:style>
+          <a:lnRef idx="1">
+            <a:schemeClr val="accent1"/>
+          </a:lnRef>
+          <a:fillRef idx="3">
+            <a:schemeClr val="accent1"/>
+          </a:fillRef>
+          <a:effectRef idx="2">
+            <a:schemeClr val="accent1"/>
+          </a:effectRef>
+          <a:fontRef idx="minor">
+            <a:schemeClr val="lt1"/>
+          </a:fontRef>
+        </p:style>
+        <p:txBody>
+          <a:bodyPr rtlCol="0" anchor="ctr"/>
+          <a:lstStyle/>
+          <a:p>
+            <a:pPr algn="ctr"/>
+            <a:endParaRPr kumimoji="1" lang="ja-JP" altLang="en-US" dirty="0">
+              <a:solidFill>
+                <a:srgbClr val="000000"/>
+              </a:solidFill>
+            </a:endParaRPr>
+          </a:p>
+        </p:txBody>
+      </p:sp>
+      <p:pic>
+        <p:nvPicPr>
+          <p:cNvPr id="17" name="図 16">
+            <a:extLst>
+              <a:ext uri="{FF2B5EF4-FFF2-40B4-BE49-F238E27FC236}">
+                <a16:creationId xmlns:a16="http://schemas.microsoft.com/office/drawing/2014/main" id="{064C0906-B53F-B3A5-CF38-5338BDCF4BBE}"/>
+              </a:ext>
+            </a:extLst>
+          </p:cNvPr>
+          <p:cNvPicPr>
+            <a:picLocks noChangeAspect="1"/>
+          </p:cNvPicPr>
+          <p:nvPr/>
+        </p:nvPicPr>
+        <p:blipFill>
+          <a:blip r:embed="rId6"/>
+          <a:stretch>
+            <a:fillRect/>
+          </a:stretch>
+        </p:blipFill>
+        <p:spPr>
+          <a:xfrm>
+            <a:off x="4613216" y="5345475"/>
+            <a:ext cx="739140" cy="739140"/>
+          </a:xfrm>
+          <a:prstGeom prst="rect">
+            <a:avLst/>
+          </a:prstGeom>
+        </p:spPr>
+      </p:pic>
+      <p:sp>
+        <p:nvSpPr>
+          <p:cNvPr id="18" name="テキスト ボックス 17">
+            <a:extLst>
+              <a:ext uri="{FF2B5EF4-FFF2-40B4-BE49-F238E27FC236}">
+                <a16:creationId xmlns:a16="http://schemas.microsoft.com/office/drawing/2014/main" id="{07E0039A-EB3E-4E83-3158-D1EE85C24F85}"/>
+              </a:ext>
+            </a:extLst>
+          </p:cNvPr>
+          <p:cNvSpPr txBox="1"/>
+          <p:nvPr/>
+        </p:nvSpPr>
+        <p:spPr bwMode="auto">
+          <a:xfrm>
+            <a:off x="490796" y="3638595"/>
+            <a:ext cx="954107" cy="400110"/>
+          </a:xfrm>
+          <a:prstGeom prst="rect">
+            <a:avLst/>
+          </a:prstGeom>
+          <a:noFill/>
+          <a:ln w="9525">
+            <a:noFill/>
+            <a:miter lim="800000"/>
+            <a:headEnd/>
+            <a:tailEnd/>
+          </a:ln>
+        </p:spPr>
+        <p:txBody>
+          <a:bodyPr wrap="none" rtlCol="0">
+            <a:spAutoFit/>
+          </a:bodyPr>
+          <a:lstStyle/>
+          <a:p>
+            <a:r>
+              <a:rPr kumimoji="1" lang="ja-JP" altLang="en-US" sz="2000" dirty="0"/>
+              <a:t>演算機</a:t>
+            </a:r>
+          </a:p>
+        </p:txBody>
+      </p:sp>
+      <p:sp>
+        <p:nvSpPr>
+          <p:cNvPr id="19" name="テキスト ボックス 18">
+            <a:extLst>
+              <a:ext uri="{FF2B5EF4-FFF2-40B4-BE49-F238E27FC236}">
+                <a16:creationId xmlns:a16="http://schemas.microsoft.com/office/drawing/2014/main" id="{40E54D7C-EEF8-958D-B85B-0609F51800A6}"/>
+              </a:ext>
+            </a:extLst>
+          </p:cNvPr>
+          <p:cNvSpPr txBox="1"/>
+          <p:nvPr/>
+        </p:nvSpPr>
+        <p:spPr bwMode="auto">
+          <a:xfrm>
+            <a:off x="2360236" y="4095795"/>
+            <a:ext cx="806631" cy="400110"/>
+          </a:xfrm>
+          <a:prstGeom prst="rect">
+            <a:avLst/>
+          </a:prstGeom>
+          <a:noFill/>
+          <a:ln w="9525">
+            <a:noFill/>
+            <a:miter lim="800000"/>
+            <a:headEnd/>
+            <a:tailEnd/>
+          </a:ln>
+        </p:spPr>
+        <p:txBody>
+          <a:bodyPr wrap="none" rtlCol="0">
+            <a:spAutoFit/>
+          </a:bodyPr>
+          <a:lstStyle/>
+          <a:p>
+            <a:r>
+              <a:rPr kumimoji="1" lang="ja-JP" altLang="en-US" sz="2000" dirty="0"/>
+              <a:t>データ</a:t>
+            </a:r>
+          </a:p>
+        </p:txBody>
+      </p:sp>
+      <p:sp>
+        <p:nvSpPr>
+          <p:cNvPr id="20" name="テキスト ボックス 19">
+            <a:extLst>
+              <a:ext uri="{FF2B5EF4-FFF2-40B4-BE49-F238E27FC236}">
+                <a16:creationId xmlns:a16="http://schemas.microsoft.com/office/drawing/2014/main" id="{31106362-3437-81E4-BC85-8A89070D49A3}"/>
+              </a:ext>
+            </a:extLst>
+          </p:cNvPr>
+          <p:cNvSpPr txBox="1"/>
+          <p:nvPr/>
+        </p:nvSpPr>
+        <p:spPr bwMode="auto">
+          <a:xfrm>
+            <a:off x="4382076" y="4959395"/>
+            <a:ext cx="1210588" cy="400110"/>
+          </a:xfrm>
+          <a:prstGeom prst="rect">
+            <a:avLst/>
+          </a:prstGeom>
+          <a:noFill/>
+          <a:ln w="9525">
+            <a:noFill/>
+            <a:miter lim="800000"/>
+            <a:headEnd/>
+            <a:tailEnd/>
+          </a:ln>
+        </p:spPr>
+        <p:txBody>
+          <a:bodyPr wrap="none" rtlCol="0">
+            <a:spAutoFit/>
+          </a:bodyPr>
+          <a:lstStyle/>
+          <a:p>
+            <a:r>
+              <a:rPr kumimoji="1" lang="ja-JP" altLang="en-US" sz="2000" dirty="0"/>
+              <a:t>演算結果</a:t>
+            </a:r>
+          </a:p>
+        </p:txBody>
+      </p:sp>
+      <p:pic>
+        <p:nvPicPr>
+          <p:cNvPr id="21" name="図 20">
+            <a:extLst>
+              <a:ext uri="{FF2B5EF4-FFF2-40B4-BE49-F238E27FC236}">
+                <a16:creationId xmlns:a16="http://schemas.microsoft.com/office/drawing/2014/main" id="{25F54E18-93E5-19DB-57EC-59E07EFBFAA2}"/>
+              </a:ext>
+            </a:extLst>
+          </p:cNvPr>
+          <p:cNvPicPr>
+            <a:picLocks noChangeAspect="1"/>
+          </p:cNvPicPr>
+          <p:nvPr/>
+        </p:nvPicPr>
+        <p:blipFill>
+          <a:blip r:embed="rId7"/>
+          <a:stretch>
+            <a:fillRect/>
+          </a:stretch>
+        </p:blipFill>
+        <p:spPr>
+          <a:xfrm>
+            <a:off x="5977196" y="4055155"/>
+            <a:ext cx="2390877" cy="1852930"/>
+          </a:xfrm>
+          <a:prstGeom prst="rect">
+            <a:avLst/>
+          </a:prstGeom>
+        </p:spPr>
+      </p:pic>
+      <p:pic>
+        <p:nvPicPr>
+          <p:cNvPr id="22" name="図 21">
+            <a:extLst>
+              <a:ext uri="{FF2B5EF4-FFF2-40B4-BE49-F238E27FC236}">
+                <a16:creationId xmlns:a16="http://schemas.microsoft.com/office/drawing/2014/main" id="{B561641A-E348-5C3F-9284-2FE998CA52FA}"/>
+              </a:ext>
+            </a:extLst>
+          </p:cNvPr>
+          <p:cNvPicPr>
+            <a:picLocks noChangeAspect="1"/>
+          </p:cNvPicPr>
+          <p:nvPr/>
+        </p:nvPicPr>
+        <p:blipFill>
+          <a:blip r:embed="rId8"/>
+          <a:stretch>
+            <a:fillRect/>
+          </a:stretch>
+        </p:blipFill>
+        <p:spPr>
+          <a:xfrm>
+            <a:off x="3264476" y="4989875"/>
+            <a:ext cx="823478" cy="646430"/>
+          </a:xfrm>
+          <a:prstGeom prst="rect">
+            <a:avLst/>
+          </a:prstGeom>
+        </p:spPr>
+      </p:pic>
+      <p:sp>
+        <p:nvSpPr>
+          <p:cNvPr id="23" name="Text Box 46">
+            <a:extLst>
+              <a:ext uri="{FF2B5EF4-FFF2-40B4-BE49-F238E27FC236}">
+                <a16:creationId xmlns:a16="http://schemas.microsoft.com/office/drawing/2014/main" id="{5E32F9F8-8984-C4E4-DE30-37DC7F1EB4F1}"/>
+              </a:ext>
+            </a:extLst>
+          </p:cNvPr>
+          <p:cNvSpPr txBox="1">
+            <a:spLocks noChangeArrowheads="1"/>
+          </p:cNvSpPr>
+          <p:nvPr/>
+        </p:nvSpPr>
+        <p:spPr bwMode="auto">
+          <a:xfrm>
+            <a:off x="617796" y="6284700"/>
+            <a:ext cx="6705682" cy="584775"/>
+          </a:xfrm>
+          <a:prstGeom prst="rect">
+            <a:avLst/>
+          </a:prstGeom>
+          <a:noFill/>
+          <a:ln w="9525">
+            <a:noFill/>
+            <a:miter lim="800000"/>
+            <a:headEnd/>
+            <a:tailEnd/>
+          </a:ln>
+        </p:spPr>
+        <p:txBody>
+          <a:bodyPr wrap="none">
+            <a:spAutoFit/>
+          </a:bodyPr>
+          <a:lstStyle/>
+          <a:p>
+            <a:r>
+              <a:rPr lang="ja-JP" altLang="en-US" sz="3200" dirty="0"/>
+              <a:t>近年の計算機はメモリ転送がボトルネック</a:t>
+            </a:r>
+            <a:endParaRPr lang="en-US" altLang="ja-JP" sz="3200" dirty="0"/>
+          </a:p>
+        </p:txBody>
+      </p:sp>
+      <p:sp>
+        <p:nvSpPr>
+          <p:cNvPr id="24" name="テキスト ボックス 23">
+            <a:extLst>
+              <a:ext uri="{FF2B5EF4-FFF2-40B4-BE49-F238E27FC236}">
+                <a16:creationId xmlns:a16="http://schemas.microsoft.com/office/drawing/2014/main" id="{2472AC8E-E9B8-966F-1577-74D57C2F1FC6}"/>
+              </a:ext>
+            </a:extLst>
+          </p:cNvPr>
+          <p:cNvSpPr txBox="1"/>
+          <p:nvPr/>
+        </p:nvSpPr>
+        <p:spPr bwMode="auto">
+          <a:xfrm>
+            <a:off x="4097596" y="3689395"/>
+            <a:ext cx="1220206" cy="400110"/>
+          </a:xfrm>
+          <a:prstGeom prst="rect">
+            <a:avLst/>
+          </a:prstGeom>
+          <a:noFill/>
+          <a:ln w="9525">
+            <a:noFill/>
+            <a:miter lim="800000"/>
+            <a:headEnd/>
+            <a:tailEnd/>
+          </a:ln>
+        </p:spPr>
+        <p:txBody>
+          <a:bodyPr wrap="none" rtlCol="0">
+            <a:spAutoFit/>
+          </a:bodyPr>
+          <a:lstStyle/>
+          <a:p>
+            <a:r>
+              <a:rPr kumimoji="1" lang="ja-JP" altLang="en-US" sz="2000" dirty="0"/>
+              <a:t>メモリ転送</a:t>
+            </a:r>
+          </a:p>
+        </p:txBody>
+      </p:sp>
+    </p:spTree>
+    <p:extLst>
+      <p:ext uri="{BB962C8B-B14F-4D97-AF65-F5344CB8AC3E}">
+        <p14:creationId xmlns:p14="http://schemas.microsoft.com/office/powerpoint/2010/main" val="1986855414"/>
       </p:ext>
     </p:extLst>
   </p:cSld>

--- a/07_md_implementation/simulation07.pptx
+++ b/07_md_implementation/simulation07.pptx
@@ -5,13 +5,15 @@
     <p:sldMasterId id="2147483665" r:id="rId1"/>
   </p:sldMasterIdLst>
   <p:notesMasterIdLst>
-    <p:notesMasterId r:id="rId6"/>
+    <p:notesMasterId r:id="rId8"/>
   </p:notesMasterIdLst>
   <p:sldIdLst>
     <p:sldId id="256" r:id="rId2"/>
-    <p:sldId id="258" r:id="rId3"/>
-    <p:sldId id="259" r:id="rId4"/>
-    <p:sldId id="257" r:id="rId5"/>
+    <p:sldId id="260" r:id="rId3"/>
+    <p:sldId id="258" r:id="rId4"/>
+    <p:sldId id="261" r:id="rId5"/>
+    <p:sldId id="259" r:id="rId6"/>
+    <p:sldId id="257" r:id="rId7"/>
   </p:sldIdLst>
   <p:sldSz cx="9144000" cy="6858000" type="screen4x3"/>
   <p:notesSz cx="6858000" cy="9144000"/>
@@ -222,7 +224,7 @@
           </a:lstStyle>
           <a:p>
             <a:fld id="{6B8D1B20-A248-FB47-8240-73C0C5F47C9D}" type="datetimeFigureOut">
-              <a:t>2022/5/12</a:t>
+              <a:t>2022/5/13</a:t>
             </a:fld>
             <a:endParaRPr kumimoji="1" lang="ja-JP" altLang="en-US"/>
           </a:p>
@@ -1353,7 +1355,7 @@
           <p:cNvPr id="2" name="テキスト プレースホルダー 1">
             <a:extLst>
               <a:ext uri="{FF2B5EF4-FFF2-40B4-BE49-F238E27FC236}">
-                <a16:creationId xmlns:a16="http://schemas.microsoft.com/office/drawing/2014/main" id="{4D974D7E-1D55-B6CE-610C-9C0F84179D56}"/>
+                <a16:creationId xmlns:a16="http://schemas.microsoft.com/office/drawing/2014/main" id="{7B7782D0-CA79-4CA0-1C5D-E3E73EDBC973}"/>
               </a:ext>
             </a:extLst>
           </p:cNvPr>
@@ -1370,14 +1372,271 @@
           <a:lstStyle/>
           <a:p>
             <a:r>
+              <a:rPr lang="ja-JP" altLang="en-US" dirty="0"/>
+              <a:t>はじめに</a:t>
+            </a:r>
+            <a:endParaRPr kumimoji="1" lang="ja-JP" altLang="en-US" dirty="0"/>
+          </a:p>
+        </p:txBody>
+      </p:sp>
+      <p:sp>
+        <p:nvSpPr>
+          <p:cNvPr id="3" name="テキスト ボックス 2">
+            <a:extLst>
+              <a:ext uri="{FF2B5EF4-FFF2-40B4-BE49-F238E27FC236}">
+                <a16:creationId xmlns:a16="http://schemas.microsoft.com/office/drawing/2014/main" id="{F430CAAB-52C2-B5C1-67AA-BD8E9079FB19}"/>
+              </a:ext>
+            </a:extLst>
+          </p:cNvPr>
+          <p:cNvSpPr txBox="1"/>
+          <p:nvPr/>
+        </p:nvSpPr>
+        <p:spPr>
+          <a:xfrm>
+            <a:off x="179512" y="1052736"/>
+            <a:ext cx="3416320" cy="523220"/>
+          </a:xfrm>
+          <a:prstGeom prst="rect">
+            <a:avLst/>
+          </a:prstGeom>
+          <a:noFill/>
+        </p:spPr>
+        <p:txBody>
+          <a:bodyPr wrap="none" rtlCol="0">
+            <a:spAutoFit/>
+          </a:bodyPr>
+          <a:lstStyle/>
+          <a:p>
+            <a:r>
+              <a:rPr lang="ja-JP" altLang="en-US" sz="2800" dirty="0">
+                <a:solidFill>
+                  <a:srgbClr val="011893"/>
+                </a:solidFill>
+              </a:rPr>
+              <a:t>分子動力学法の実装</a:t>
+            </a:r>
+            <a:endParaRPr kumimoji="1" lang="ja-JP" altLang="en-US" sz="2800" dirty="0">
+              <a:solidFill>
+                <a:srgbClr val="011893"/>
+              </a:solidFill>
+            </a:endParaRPr>
+          </a:p>
+        </p:txBody>
+      </p:sp>
+      <p:sp>
+        <p:nvSpPr>
+          <p:cNvPr id="4" name="テキスト ボックス 3">
+            <a:extLst>
+              <a:ext uri="{FF2B5EF4-FFF2-40B4-BE49-F238E27FC236}">
+                <a16:creationId xmlns:a16="http://schemas.microsoft.com/office/drawing/2014/main" id="{18CAC2BD-2822-2511-21B0-F19FDFD43935}"/>
+              </a:ext>
+            </a:extLst>
+          </p:cNvPr>
+          <p:cNvSpPr txBox="1"/>
+          <p:nvPr/>
+        </p:nvSpPr>
+        <p:spPr>
+          <a:xfrm>
+            <a:off x="683568" y="1700808"/>
+            <a:ext cx="7560840" cy="1384995"/>
+          </a:xfrm>
+          <a:prstGeom prst="rect">
+            <a:avLst/>
+          </a:prstGeom>
+          <a:noFill/>
+        </p:spPr>
+        <p:txBody>
+          <a:bodyPr wrap="square" rtlCol="0">
+            <a:spAutoFit/>
+          </a:bodyPr>
+          <a:lstStyle/>
+          <a:p>
+            <a:pPr marL="457200" indent="-457200">
+              <a:buFont typeface="Arial" panose="020B0604020202020204" pitchFamily="34" charset="0"/>
+              <a:buChar char="•"/>
+            </a:pPr>
+            <a:r>
+              <a:rPr lang="ja-JP" altLang="en-US" sz="2800" dirty="0"/>
+              <a:t>分子動力学法には様々な種類がある</a:t>
+            </a:r>
+            <a:endParaRPr lang="en-US" altLang="ja-JP" sz="2800" dirty="0"/>
+          </a:p>
+          <a:p>
+            <a:pPr marL="457200" indent="-457200">
+              <a:buFont typeface="Arial" panose="020B0604020202020204" pitchFamily="34" charset="0"/>
+              <a:buChar char="•"/>
+            </a:pPr>
+            <a:r>
+              <a:rPr kumimoji="1" lang="ja-JP" altLang="en-US" sz="2800" dirty="0"/>
+              <a:t>短距離古典分子動力学法のコードは比較的単純</a:t>
+            </a:r>
+            <a:endParaRPr kumimoji="1" lang="en-US" altLang="ja-JP" sz="2800" dirty="0"/>
+          </a:p>
+        </p:txBody>
+      </p:sp>
+      <p:sp>
+        <p:nvSpPr>
+          <p:cNvPr id="5" name="テキスト ボックス 4">
+            <a:extLst>
+              <a:ext uri="{FF2B5EF4-FFF2-40B4-BE49-F238E27FC236}">
+                <a16:creationId xmlns:a16="http://schemas.microsoft.com/office/drawing/2014/main" id="{E28A454D-BAA7-9A28-1995-0083B775C6AA}"/>
+              </a:ext>
+            </a:extLst>
+          </p:cNvPr>
+          <p:cNvSpPr txBox="1"/>
+          <p:nvPr/>
+        </p:nvSpPr>
+        <p:spPr>
+          <a:xfrm>
+            <a:off x="251520" y="3861048"/>
+            <a:ext cx="2339102" cy="523220"/>
+          </a:xfrm>
+          <a:prstGeom prst="rect">
+            <a:avLst/>
+          </a:prstGeom>
+          <a:noFill/>
+        </p:spPr>
+        <p:txBody>
+          <a:bodyPr wrap="none" rtlCol="0">
+            <a:spAutoFit/>
+          </a:bodyPr>
+          <a:lstStyle/>
+          <a:p>
+            <a:r>
+              <a:rPr lang="ja-JP" altLang="en-US" sz="2800" dirty="0">
+                <a:solidFill>
+                  <a:srgbClr val="011893"/>
+                </a:solidFill>
+              </a:rPr>
+              <a:t>本講義の目的</a:t>
+            </a:r>
+            <a:endParaRPr kumimoji="1" lang="ja-JP" altLang="en-US" sz="2800" dirty="0">
+              <a:solidFill>
+                <a:srgbClr val="011893"/>
+              </a:solidFill>
+            </a:endParaRPr>
+          </a:p>
+        </p:txBody>
+      </p:sp>
+      <p:sp>
+        <p:nvSpPr>
+          <p:cNvPr id="7" name="テキスト ボックス 6">
+            <a:extLst>
+              <a:ext uri="{FF2B5EF4-FFF2-40B4-BE49-F238E27FC236}">
+                <a16:creationId xmlns:a16="http://schemas.microsoft.com/office/drawing/2014/main" id="{9145B582-358A-3024-49AA-5BD281927CF0}"/>
+              </a:ext>
+            </a:extLst>
+          </p:cNvPr>
+          <p:cNvSpPr txBox="1"/>
+          <p:nvPr/>
+        </p:nvSpPr>
+        <p:spPr>
+          <a:xfrm>
+            <a:off x="683568" y="4509120"/>
+            <a:ext cx="7560840" cy="1815882"/>
+          </a:xfrm>
+          <a:prstGeom prst="rect">
+            <a:avLst/>
+          </a:prstGeom>
+          <a:noFill/>
+        </p:spPr>
+        <p:txBody>
+          <a:bodyPr wrap="square" rtlCol="0">
+            <a:spAutoFit/>
+          </a:bodyPr>
+          <a:lstStyle/>
+          <a:p>
+            <a:pPr marL="457200" indent="-457200">
+              <a:buFont typeface="Arial" panose="020B0604020202020204" pitchFamily="34" charset="0"/>
+              <a:buChar char="•"/>
+            </a:pPr>
+            <a:r>
+              <a:rPr kumimoji="1" lang="ja-JP" altLang="en-US" sz="2800" dirty="0"/>
+              <a:t>効率の良いコードの実装には、ハードウェアの理解が必須であることを知る</a:t>
+            </a:r>
+            <a:endParaRPr kumimoji="1" lang="en-US" altLang="ja-JP" sz="2800" dirty="0"/>
+          </a:p>
+          <a:p>
+            <a:pPr marL="457200" indent="-457200">
+              <a:buFont typeface="Arial" panose="020B0604020202020204" pitchFamily="34" charset="0"/>
+              <a:buChar char="•"/>
+            </a:pPr>
+            <a:r>
+              <a:rPr lang="ja-JP" altLang="en-US" sz="2800" dirty="0">
+                <a:solidFill>
+                  <a:srgbClr val="FF0000"/>
+                </a:solidFill>
+              </a:rPr>
+              <a:t>単純なコードであっても、計算機の性能を引き出すのは面倒であることを知る</a:t>
+            </a:r>
+            <a:endParaRPr kumimoji="1" lang="en-US" altLang="ja-JP" sz="2800" dirty="0">
+              <a:solidFill>
+                <a:srgbClr val="FF0000"/>
+              </a:solidFill>
+            </a:endParaRPr>
+          </a:p>
+        </p:txBody>
+      </p:sp>
+    </p:spTree>
+    <p:extLst>
+      <p:ext uri="{BB962C8B-B14F-4D97-AF65-F5344CB8AC3E}">
+        <p14:creationId xmlns:p14="http://schemas.microsoft.com/office/powerpoint/2010/main" val="3102113686"/>
+      </p:ext>
+    </p:extLst>
+  </p:cSld>
+  <p:clrMapOvr>
+    <a:masterClrMapping/>
+  </p:clrMapOvr>
+</p:sld>
+</file>
+
+<file path=ppt/slides/slide3.xml><?xml version="1.0" encoding="utf-8"?>
+<p:sld xmlns:a="http://schemas.openxmlformats.org/drawingml/2006/main" xmlns:r="http://schemas.openxmlformats.org/officeDocument/2006/relationships" xmlns:p="http://schemas.openxmlformats.org/presentationml/2006/main">
+  <p:cSld>
+    <p:spTree>
+      <p:nvGrpSpPr>
+        <p:cNvPr id="1" name=""/>
+        <p:cNvGrpSpPr/>
+        <p:nvPr/>
+      </p:nvGrpSpPr>
+      <p:grpSpPr>
+        <a:xfrm>
+          <a:off x="0" y="0"/>
+          <a:ext cx="0" cy="0"/>
+          <a:chOff x="0" y="0"/>
+          <a:chExt cx="0" cy="0"/>
+        </a:xfrm>
+      </p:grpSpPr>
+      <p:sp>
+        <p:nvSpPr>
+          <p:cNvPr id="2" name="テキスト プレースホルダー 1">
+            <a:extLst>
+              <a:ext uri="{FF2B5EF4-FFF2-40B4-BE49-F238E27FC236}">
+                <a16:creationId xmlns:a16="http://schemas.microsoft.com/office/drawing/2014/main" id="{4D974D7E-1D55-B6CE-610C-9C0F84179D56}"/>
+              </a:ext>
+            </a:extLst>
+          </p:cNvPr>
+          <p:cNvSpPr>
+            <a:spLocks noGrp="1"/>
+          </p:cNvSpPr>
+          <p:nvPr>
+            <p:ph type="body" sz="quarter" idx="10"/>
+          </p:nvPr>
+        </p:nvSpPr>
+        <p:spPr/>
+        <p:txBody>
+          <a:bodyPr/>
+          <a:lstStyle/>
+          <a:p>
+            <a:r>
               <a:rPr kumimoji="1" lang="ja-JP" altLang="en-US" dirty="0"/>
               <a:t>分子動力学法の実装</a:t>
             </a:r>
           </a:p>
         </p:txBody>
       </p:sp>
-      <mc:AlternateContent xmlns:mc="http://schemas.openxmlformats.org/markup-compatibility/2006">
-        <mc:Choice xmlns:a14="http://schemas.microsoft.com/office/drawing/2010/main" Requires="a14">
+      <mc:AlternateContent xmlns:mc="http://schemas.openxmlformats.org/markup-compatibility/2006" xmlns:a14="http://schemas.microsoft.com/office/drawing/2010/main">
+        <mc:Choice Requires="a14">
           <p:sp>
             <p:nvSpPr>
               <p:cNvPr id="4" name="テキスト ボックス 3">
@@ -1406,6 +1665,7 @@
               </a:bodyPr>
               <a:lstStyle/>
               <a:p>
+                <a:pPr/>
                 <a14:m>
                   <m:oMathPara xmlns:m="http://schemas.openxmlformats.org/officeDocument/2006/math">
                     <m:oMathParaPr>
@@ -1438,7 +1698,7 @@
             </p:txBody>
           </p:sp>
         </mc:Choice>
-        <mc:Fallback>
+        <mc:Fallback xmlns="">
           <p:sp>
             <p:nvSpPr>
               <p:cNvPr id="4" name="テキスト ボックス 3">
@@ -1621,7 +1881,7 @@
 </p:sld>
 </file>
 
-<file path=ppt/slides/slide3.xml><?xml version="1.0" encoding="utf-8"?>
+<file path=ppt/slides/slide4.xml><?xml version="1.0" encoding="utf-8"?>
 <p:sld xmlns:a="http://schemas.openxmlformats.org/drawingml/2006/main" xmlns:r="http://schemas.openxmlformats.org/officeDocument/2006/relationships" xmlns:p="http://schemas.openxmlformats.org/presentationml/2006/main">
   <p:cSld>
     <p:spTree>
@@ -1643,7 +1903,7 @@
           <p:cNvPr id="2" name="テキスト プレースホルダー 1">
             <a:extLst>
               <a:ext uri="{FF2B5EF4-FFF2-40B4-BE49-F238E27FC236}">
-                <a16:creationId xmlns:a16="http://schemas.microsoft.com/office/drawing/2014/main" id="{0D0A40CB-2D3B-66ED-D687-3CE760775CDA}"/>
+                <a16:creationId xmlns:a16="http://schemas.microsoft.com/office/drawing/2014/main" id="{2DB34402-11C5-02D3-D58A-E07EFA4EA95C}"/>
               </a:ext>
             </a:extLst>
           </p:cNvPr>
@@ -1659,7 +1919,777 @@
           <a:bodyPr/>
           <a:lstStyle/>
           <a:p>
+            <a:r>
+              <a:rPr kumimoji="1" lang="ja-JP" altLang="en-US" dirty="0"/>
+              <a:t>分子動力学法の実装</a:t>
+            </a:r>
+          </a:p>
+        </p:txBody>
+      </p:sp>
+      <mc:AlternateContent xmlns:mc="http://schemas.openxmlformats.org/markup-compatibility/2006">
+        <mc:Choice xmlns:a14="http://schemas.microsoft.com/office/drawing/2010/main" Requires="a14">
+          <p:sp>
+            <p:nvSpPr>
+              <p:cNvPr id="3" name="テキスト ボックス 2">
+                <a:extLst>
+                  <a:ext uri="{FF2B5EF4-FFF2-40B4-BE49-F238E27FC236}">
+                    <a16:creationId xmlns:a16="http://schemas.microsoft.com/office/drawing/2014/main" id="{8499BD7F-531C-F280-AC80-ABF95836768C}"/>
+                  </a:ext>
+                </a:extLst>
+              </p:cNvPr>
+              <p:cNvSpPr txBox="1"/>
+              <p:nvPr/>
+            </p:nvSpPr>
+            <p:spPr>
+              <a:xfrm>
+                <a:off x="2699792" y="1628800"/>
+                <a:ext cx="2713307" cy="923330"/>
+              </a:xfrm>
+              <a:prstGeom prst="rect">
+                <a:avLst/>
+              </a:prstGeom>
+              <a:noFill/>
+            </p:spPr>
+            <p:txBody>
+              <a:bodyPr wrap="none" rtlCol="0">
+                <a:spAutoFit/>
+              </a:bodyPr>
+              <a:lstStyle/>
+              <a:p>
+                <a:pPr/>
+                <a14:m>
+                  <m:oMathPara xmlns:m="http://schemas.openxmlformats.org/officeDocument/2006/math">
+                    <m:oMathParaPr>
+                      <m:jc m:val="centerGroup"/>
+                    </m:oMathParaPr>
+                    <m:oMath xmlns:m="http://schemas.openxmlformats.org/officeDocument/2006/math">
+                      <m:r>
+                        <a:rPr kumimoji="1" lang="en-US" altLang="ja-JP" sz="5400" b="0" i="1" smtClean="0">
+                          <a:latin typeface="Cambria Math" panose="02040503050406030204" pitchFamily="18" charset="0"/>
+                        </a:rPr>
+                        <m:t>𝑚𝑎</m:t>
+                      </m:r>
+                      <m:r>
+                        <a:rPr kumimoji="1" lang="en-US" altLang="ja-JP" sz="5400" b="0" i="1" smtClean="0">
+                          <a:latin typeface="Cambria Math" panose="02040503050406030204" pitchFamily="18" charset="0"/>
+                        </a:rPr>
+                        <m:t>=</m:t>
+                      </m:r>
+                      <m:r>
+                        <a:rPr kumimoji="1" lang="en-US" altLang="ja-JP" sz="5400" b="0" i="1" smtClean="0">
+                          <a:latin typeface="Cambria Math" panose="02040503050406030204" pitchFamily="18" charset="0"/>
+                        </a:rPr>
+                        <m:t>𝐹</m:t>
+                      </m:r>
+                    </m:oMath>
+                  </m:oMathPara>
+                </a14:m>
+                <a:endParaRPr kumimoji="1" lang="ja-JP" altLang="en-US" sz="5400" dirty="0"/>
+              </a:p>
+            </p:txBody>
+          </p:sp>
+        </mc:Choice>
+        <mc:Fallback>
+          <p:sp>
+            <p:nvSpPr>
+              <p:cNvPr id="3" name="テキスト ボックス 2">
+                <a:extLst>
+                  <a:ext uri="{FF2B5EF4-FFF2-40B4-BE49-F238E27FC236}">
+                    <a16:creationId xmlns:a16="http://schemas.microsoft.com/office/drawing/2014/main" id="{8499BD7F-531C-F280-AC80-ABF95836768C}"/>
+                  </a:ext>
+                </a:extLst>
+              </p:cNvPr>
+              <p:cNvSpPr txBox="1">
+                <a:spLocks noRot="1" noChangeAspect="1" noMove="1" noResize="1" noEditPoints="1" noAdjustHandles="1" noChangeArrowheads="1" noChangeShapeType="1" noTextEdit="1"/>
+              </p:cNvSpPr>
+              <p:nvPr/>
+            </p:nvSpPr>
+            <p:spPr>
+              <a:xfrm>
+                <a:off x="2699792" y="1628800"/>
+                <a:ext cx="2713307" cy="923330"/>
+              </a:xfrm>
+              <a:prstGeom prst="rect">
+                <a:avLst/>
+              </a:prstGeom>
+              <a:blipFill>
+                <a:blip r:embed="rId2"/>
+                <a:stretch>
+                  <a:fillRect/>
+                </a:stretch>
+              </a:blipFill>
+            </p:spPr>
+            <p:txBody>
+              <a:bodyPr/>
+              <a:lstStyle/>
+              <a:p>
+                <a:r>
+                  <a:rPr lang="ja-JP" altLang="en-US">
+                    <a:noFill/>
+                  </a:rPr>
+                  <a:t> </a:t>
+                </a:r>
+              </a:p>
+            </p:txBody>
+          </p:sp>
+        </mc:Fallback>
+      </mc:AlternateContent>
+      <p:sp>
+        <p:nvSpPr>
+          <p:cNvPr id="4" name="テキスト ボックス 3">
+            <a:extLst>
+              <a:ext uri="{FF2B5EF4-FFF2-40B4-BE49-F238E27FC236}">
+                <a16:creationId xmlns:a16="http://schemas.microsoft.com/office/drawing/2014/main" id="{4FE912E9-6388-492D-88B8-71EB38471E21}"/>
+              </a:ext>
+            </a:extLst>
+          </p:cNvPr>
+          <p:cNvSpPr txBox="1"/>
+          <p:nvPr/>
+        </p:nvSpPr>
+        <p:spPr>
+          <a:xfrm>
+            <a:off x="899592" y="1196752"/>
+            <a:ext cx="2339102" cy="461665"/>
+          </a:xfrm>
+          <a:prstGeom prst="rect">
+            <a:avLst/>
+          </a:prstGeom>
+          <a:noFill/>
+        </p:spPr>
+        <p:txBody>
+          <a:bodyPr wrap="none" rtlCol="0">
+            <a:spAutoFit/>
+          </a:bodyPr>
+          <a:lstStyle/>
+          <a:p>
+            <a:r>
+              <a:rPr kumimoji="1" lang="ja-JP" altLang="en-US" sz="2400" dirty="0"/>
+              <a:t>物体の加速度は</a:t>
+            </a:r>
+          </a:p>
+        </p:txBody>
+      </p:sp>
+      <p:sp>
+        <p:nvSpPr>
+          <p:cNvPr id="5" name="テキスト ボックス 4">
+            <a:extLst>
+              <a:ext uri="{FF2B5EF4-FFF2-40B4-BE49-F238E27FC236}">
+                <a16:creationId xmlns:a16="http://schemas.microsoft.com/office/drawing/2014/main" id="{E63BAD3A-F38D-F909-1B45-E35E4C76A79A}"/>
+              </a:ext>
+            </a:extLst>
+          </p:cNvPr>
+          <p:cNvSpPr txBox="1"/>
+          <p:nvPr/>
+        </p:nvSpPr>
+        <p:spPr>
+          <a:xfrm>
+            <a:off x="4860032" y="1196752"/>
+            <a:ext cx="3570208" cy="461665"/>
+          </a:xfrm>
+          <a:prstGeom prst="rect">
+            <a:avLst/>
+          </a:prstGeom>
+          <a:noFill/>
+        </p:spPr>
+        <p:txBody>
+          <a:bodyPr wrap="none" rtlCol="0">
+            <a:spAutoFit/>
+          </a:bodyPr>
+          <a:lstStyle/>
+          <a:p>
+            <a:r>
+              <a:rPr kumimoji="1" lang="ja-JP" altLang="en-US" sz="2400" dirty="0"/>
+              <a:t>物体に働く力に比例する</a:t>
+            </a:r>
+          </a:p>
+        </p:txBody>
+      </p:sp>
+      <p:sp>
+        <p:nvSpPr>
+          <p:cNvPr id="6" name="四角形: 角を丸くする 5">
+            <a:extLst>
+              <a:ext uri="{FF2B5EF4-FFF2-40B4-BE49-F238E27FC236}">
+                <a16:creationId xmlns:a16="http://schemas.microsoft.com/office/drawing/2014/main" id="{B8E28444-80B8-C146-2B6F-C3BBDC757406}"/>
+              </a:ext>
+            </a:extLst>
+          </p:cNvPr>
+          <p:cNvSpPr/>
+          <p:nvPr/>
+        </p:nvSpPr>
+        <p:spPr>
+          <a:xfrm>
+            <a:off x="2699792" y="1844824"/>
+            <a:ext cx="1296144" cy="648072"/>
+          </a:xfrm>
+          <a:prstGeom prst="roundRect">
+            <a:avLst>
+              <a:gd name="adj" fmla="val 25844"/>
+            </a:avLst>
+          </a:prstGeom>
+          <a:noFill/>
+          <a:ln>
+            <a:solidFill>
+              <a:srgbClr val="FF0000"/>
+            </a:solidFill>
+            <a:prstDash val="dash"/>
+          </a:ln>
+        </p:spPr>
+        <p:style>
+          <a:lnRef idx="2">
+            <a:schemeClr val="accent1">
+              <a:shade val="50000"/>
+            </a:schemeClr>
+          </a:lnRef>
+          <a:fillRef idx="1">
+            <a:schemeClr val="accent1"/>
+          </a:fillRef>
+          <a:effectRef idx="0">
+            <a:schemeClr val="accent1"/>
+          </a:effectRef>
+          <a:fontRef idx="minor">
+            <a:schemeClr val="lt1"/>
+          </a:fontRef>
+        </p:style>
+        <p:txBody>
+          <a:bodyPr rtlCol="0" anchor="ctr"/>
+          <a:lstStyle/>
+          <a:p>
+            <a:pPr algn="ctr"/>
             <a:endParaRPr kumimoji="1" lang="ja-JP" altLang="en-US"/>
+          </a:p>
+        </p:txBody>
+      </p:sp>
+      <p:sp>
+        <p:nvSpPr>
+          <p:cNvPr id="7" name="四角形: 角を丸くする 6">
+            <a:extLst>
+              <a:ext uri="{FF2B5EF4-FFF2-40B4-BE49-F238E27FC236}">
+                <a16:creationId xmlns:a16="http://schemas.microsoft.com/office/drawing/2014/main" id="{9485FDED-C186-5696-13F0-522C5124196F}"/>
+              </a:ext>
+            </a:extLst>
+          </p:cNvPr>
+          <p:cNvSpPr/>
+          <p:nvPr/>
+        </p:nvSpPr>
+        <p:spPr>
+          <a:xfrm>
+            <a:off x="4644008" y="1844824"/>
+            <a:ext cx="648072" cy="648072"/>
+          </a:xfrm>
+          <a:prstGeom prst="roundRect">
+            <a:avLst>
+              <a:gd name="adj" fmla="val 25844"/>
+            </a:avLst>
+          </a:prstGeom>
+          <a:noFill/>
+          <a:ln>
+            <a:solidFill>
+              <a:srgbClr val="FF0000"/>
+            </a:solidFill>
+            <a:prstDash val="dash"/>
+          </a:ln>
+        </p:spPr>
+        <p:style>
+          <a:lnRef idx="2">
+            <a:schemeClr val="accent1">
+              <a:shade val="50000"/>
+            </a:schemeClr>
+          </a:lnRef>
+          <a:fillRef idx="1">
+            <a:schemeClr val="accent1"/>
+          </a:fillRef>
+          <a:effectRef idx="0">
+            <a:schemeClr val="accent1"/>
+          </a:effectRef>
+          <a:fontRef idx="minor">
+            <a:schemeClr val="lt1"/>
+          </a:fontRef>
+        </p:style>
+        <p:txBody>
+          <a:bodyPr rtlCol="0" anchor="ctr"/>
+          <a:lstStyle/>
+          <a:p>
+            <a:pPr algn="ctr"/>
+            <a:endParaRPr kumimoji="1" lang="ja-JP" altLang="en-US"/>
+          </a:p>
+        </p:txBody>
+      </p:sp>
+      <p:cxnSp>
+        <p:nvCxnSpPr>
+          <p:cNvPr id="8" name="コネクタ: カギ線 7">
+            <a:extLst>
+              <a:ext uri="{FF2B5EF4-FFF2-40B4-BE49-F238E27FC236}">
+                <a16:creationId xmlns:a16="http://schemas.microsoft.com/office/drawing/2014/main" id="{B79CD062-FDD1-6236-6424-3D089FB70B41}"/>
+              </a:ext>
+            </a:extLst>
+          </p:cNvPr>
+          <p:cNvCxnSpPr>
+            <a:stCxn id="4" idx="2"/>
+            <a:endCxn id="6" idx="1"/>
+          </p:cNvCxnSpPr>
+          <p:nvPr/>
+        </p:nvCxnSpPr>
+        <p:spPr>
+          <a:xfrm rot="16200000" flipH="1">
+            <a:off x="2129246" y="1598313"/>
+            <a:ext cx="510443" cy="630649"/>
+          </a:xfrm>
+          <a:prstGeom prst="bentConnector2">
+            <a:avLst/>
+          </a:prstGeom>
+          <a:ln>
+            <a:solidFill>
+              <a:schemeClr val="tx1"/>
+            </a:solidFill>
+            <a:headEnd type="none" w="med" len="med"/>
+            <a:tailEnd type="triangle"/>
+          </a:ln>
+        </p:spPr>
+        <p:style>
+          <a:lnRef idx="1">
+            <a:schemeClr val="accent1"/>
+          </a:lnRef>
+          <a:fillRef idx="0">
+            <a:schemeClr val="accent1"/>
+          </a:fillRef>
+          <a:effectRef idx="0">
+            <a:schemeClr val="accent1"/>
+          </a:effectRef>
+          <a:fontRef idx="minor">
+            <a:schemeClr val="tx1"/>
+          </a:fontRef>
+        </p:style>
+      </p:cxnSp>
+      <p:cxnSp>
+        <p:nvCxnSpPr>
+          <p:cNvPr id="9" name="コネクタ: カギ線 8">
+            <a:extLst>
+              <a:ext uri="{FF2B5EF4-FFF2-40B4-BE49-F238E27FC236}">
+                <a16:creationId xmlns:a16="http://schemas.microsoft.com/office/drawing/2014/main" id="{62C1FDC5-B089-8838-48A9-287AD2E77884}"/>
+              </a:ext>
+            </a:extLst>
+          </p:cNvPr>
+          <p:cNvCxnSpPr>
+            <a:cxnSpLocks/>
+            <a:stCxn id="5" idx="2"/>
+            <a:endCxn id="7" idx="3"/>
+          </p:cNvCxnSpPr>
+          <p:nvPr/>
+        </p:nvCxnSpPr>
+        <p:spPr>
+          <a:xfrm rot="5400000">
+            <a:off x="5713387" y="1237110"/>
+            <a:ext cx="510443" cy="1353056"/>
+          </a:xfrm>
+          <a:prstGeom prst="bentConnector2">
+            <a:avLst/>
+          </a:prstGeom>
+          <a:ln>
+            <a:solidFill>
+              <a:schemeClr val="tx1"/>
+            </a:solidFill>
+            <a:headEnd type="none" w="med" len="med"/>
+            <a:tailEnd type="triangle"/>
+          </a:ln>
+        </p:spPr>
+        <p:style>
+          <a:lnRef idx="1">
+            <a:schemeClr val="accent1"/>
+          </a:lnRef>
+          <a:fillRef idx="0">
+            <a:schemeClr val="accent1"/>
+          </a:fillRef>
+          <a:effectRef idx="0">
+            <a:schemeClr val="accent1"/>
+          </a:effectRef>
+          <a:fontRef idx="minor">
+            <a:schemeClr val="tx1"/>
+          </a:fontRef>
+        </p:style>
+      </p:cxnSp>
+    </p:spTree>
+    <p:extLst>
+      <p:ext uri="{BB962C8B-B14F-4D97-AF65-F5344CB8AC3E}">
+        <p14:creationId xmlns:p14="http://schemas.microsoft.com/office/powerpoint/2010/main" val="204555959"/>
+      </p:ext>
+    </p:extLst>
+  </p:cSld>
+  <p:clrMapOvr>
+    <a:masterClrMapping/>
+  </p:clrMapOvr>
+</p:sld>
+</file>
+
+<file path=ppt/slides/slide5.xml><?xml version="1.0" encoding="utf-8"?>
+<p:sld xmlns:a="http://schemas.openxmlformats.org/drawingml/2006/main" xmlns:r="http://schemas.openxmlformats.org/officeDocument/2006/relationships" xmlns:p="http://schemas.openxmlformats.org/presentationml/2006/main">
+  <p:cSld>
+    <p:spTree>
+      <p:nvGrpSpPr>
+        <p:cNvPr id="1" name=""/>
+        <p:cNvGrpSpPr/>
+        <p:nvPr/>
+      </p:nvGrpSpPr>
+      <p:grpSpPr>
+        <a:xfrm>
+          <a:off x="0" y="0"/>
+          <a:ext cx="0" cy="0"/>
+          <a:chOff x="0" y="0"/>
+          <a:chExt cx="0" cy="0"/>
+        </a:xfrm>
+      </p:grpSpPr>
+      <p:sp>
+        <p:nvSpPr>
+          <p:cNvPr id="2" name="テキスト プレースホルダー 1">
+            <a:extLst>
+              <a:ext uri="{FF2B5EF4-FFF2-40B4-BE49-F238E27FC236}">
+                <a16:creationId xmlns:a16="http://schemas.microsoft.com/office/drawing/2014/main" id="{0D0A40CB-2D3B-66ED-D687-3CE760775CDA}"/>
+              </a:ext>
+            </a:extLst>
+          </p:cNvPr>
+          <p:cNvSpPr>
+            <a:spLocks noGrp="1"/>
+          </p:cNvSpPr>
+          <p:nvPr>
+            <p:ph type="body" sz="quarter" idx="10"/>
+          </p:nvPr>
+        </p:nvSpPr>
+        <p:spPr/>
+        <p:txBody>
+          <a:bodyPr/>
+          <a:lstStyle/>
+          <a:p>
+            <a:r>
+              <a:rPr kumimoji="1" lang="ja-JP" altLang="en-US" dirty="0"/>
+              <a:t>分子動力学法の実装</a:t>
+            </a:r>
+          </a:p>
+        </p:txBody>
+      </p:sp>
+      <p:sp>
+        <p:nvSpPr>
+          <p:cNvPr id="14" name="テキスト ボックス 13">
+            <a:extLst>
+              <a:ext uri="{FF2B5EF4-FFF2-40B4-BE49-F238E27FC236}">
+                <a16:creationId xmlns:a16="http://schemas.microsoft.com/office/drawing/2014/main" id="{F5C66EB0-6FF6-DB0F-21E9-21C7073D67E9}"/>
+              </a:ext>
+            </a:extLst>
+          </p:cNvPr>
+          <p:cNvSpPr txBox="1"/>
+          <p:nvPr/>
+        </p:nvSpPr>
+        <p:spPr>
+          <a:xfrm>
+            <a:off x="2771800" y="2996952"/>
+            <a:ext cx="2954655" cy="461665"/>
+          </a:xfrm>
+          <a:prstGeom prst="rect">
+            <a:avLst/>
+          </a:prstGeom>
+          <a:noFill/>
+          <a:ln>
+            <a:solidFill>
+              <a:schemeClr val="tx1"/>
+            </a:solidFill>
+          </a:ln>
+        </p:spPr>
+        <p:txBody>
+          <a:bodyPr wrap="none" rtlCol="0">
+            <a:spAutoFit/>
+          </a:bodyPr>
+          <a:lstStyle/>
+          <a:p>
+            <a:r>
+              <a:rPr kumimoji="1" lang="ja-JP" altLang="en-US" sz="2400" dirty="0"/>
+              <a:t>物体に働く力の分類</a:t>
+            </a:r>
+          </a:p>
+        </p:txBody>
+      </p:sp>
+      <p:sp>
+        <p:nvSpPr>
+          <p:cNvPr id="15" name="テキスト ボックス 14">
+            <a:extLst>
+              <a:ext uri="{FF2B5EF4-FFF2-40B4-BE49-F238E27FC236}">
+                <a16:creationId xmlns:a16="http://schemas.microsoft.com/office/drawing/2014/main" id="{A3ECB531-0B65-3948-D565-8658A170056E}"/>
+              </a:ext>
+            </a:extLst>
+          </p:cNvPr>
+          <p:cNvSpPr txBox="1"/>
+          <p:nvPr/>
+        </p:nvSpPr>
+        <p:spPr>
+          <a:xfrm>
+            <a:off x="1259632" y="3789040"/>
+            <a:ext cx="800219" cy="461665"/>
+          </a:xfrm>
+          <a:prstGeom prst="rect">
+            <a:avLst/>
+          </a:prstGeom>
+          <a:noFill/>
+          <a:ln>
+            <a:solidFill>
+              <a:schemeClr val="tx1"/>
+            </a:solidFill>
+          </a:ln>
+        </p:spPr>
+        <p:txBody>
+          <a:bodyPr wrap="none" rtlCol="0">
+            <a:spAutoFit/>
+          </a:bodyPr>
+          <a:lstStyle/>
+          <a:p>
+            <a:r>
+              <a:rPr kumimoji="1" lang="ja-JP" altLang="en-US" sz="2400" dirty="0"/>
+              <a:t>外力</a:t>
+            </a:r>
+          </a:p>
+        </p:txBody>
+      </p:sp>
+      <p:sp>
+        <p:nvSpPr>
+          <p:cNvPr id="16" name="テキスト ボックス 15">
+            <a:extLst>
+              <a:ext uri="{FF2B5EF4-FFF2-40B4-BE49-F238E27FC236}">
+                <a16:creationId xmlns:a16="http://schemas.microsoft.com/office/drawing/2014/main" id="{2D9B5640-7A15-BCDA-CE41-A1561ACAD0A5}"/>
+              </a:ext>
+            </a:extLst>
+          </p:cNvPr>
+          <p:cNvSpPr txBox="1"/>
+          <p:nvPr/>
+        </p:nvSpPr>
+        <p:spPr>
+          <a:xfrm>
+            <a:off x="5868144" y="3789040"/>
+            <a:ext cx="1415772" cy="461665"/>
+          </a:xfrm>
+          <a:prstGeom prst="rect">
+            <a:avLst/>
+          </a:prstGeom>
+          <a:noFill/>
+          <a:ln>
+            <a:solidFill>
+              <a:schemeClr val="tx1"/>
+            </a:solidFill>
+          </a:ln>
+        </p:spPr>
+        <p:txBody>
+          <a:bodyPr wrap="none" rtlCol="0">
+            <a:spAutoFit/>
+          </a:bodyPr>
+          <a:lstStyle/>
+          <a:p>
+            <a:r>
+              <a:rPr lang="ja-JP" altLang="en-US" sz="2400" dirty="0"/>
+              <a:t>原子間</a:t>
+            </a:r>
+            <a:r>
+              <a:rPr kumimoji="1" lang="ja-JP" altLang="en-US" sz="2400" dirty="0"/>
+              <a:t>力</a:t>
+            </a:r>
+          </a:p>
+        </p:txBody>
+      </p:sp>
+      <p:sp>
+        <p:nvSpPr>
+          <p:cNvPr id="18" name="テキスト ボックス 17">
+            <a:extLst>
+              <a:ext uri="{FF2B5EF4-FFF2-40B4-BE49-F238E27FC236}">
+                <a16:creationId xmlns:a16="http://schemas.microsoft.com/office/drawing/2014/main" id="{91491DBE-FB55-95D6-3B26-39C6C1291077}"/>
+              </a:ext>
+            </a:extLst>
+          </p:cNvPr>
+          <p:cNvSpPr txBox="1"/>
+          <p:nvPr/>
+        </p:nvSpPr>
+        <p:spPr>
+          <a:xfrm>
+            <a:off x="611560" y="4437112"/>
+            <a:ext cx="2262158" cy="646331"/>
+          </a:xfrm>
+          <a:prstGeom prst="rect">
+            <a:avLst/>
+          </a:prstGeom>
+          <a:noFill/>
+        </p:spPr>
+        <p:txBody>
+          <a:bodyPr wrap="none" rtlCol="0">
+            <a:spAutoFit/>
+          </a:bodyPr>
+          <a:lstStyle/>
+          <a:p>
+            <a:r>
+              <a:rPr kumimoji="1" lang="ja-JP" altLang="en-US" dirty="0"/>
+              <a:t>重力</a:t>
+            </a:r>
+            <a:endParaRPr kumimoji="1" lang="en-US" altLang="ja-JP" dirty="0"/>
+          </a:p>
+          <a:p>
+            <a:r>
+              <a:rPr kumimoji="1" lang="ja-JP" altLang="en-US" dirty="0"/>
+              <a:t>外場による振動など</a:t>
+            </a:r>
+          </a:p>
+        </p:txBody>
+      </p:sp>
+      <p:sp>
+        <p:nvSpPr>
+          <p:cNvPr id="19" name="テキスト ボックス 18">
+            <a:extLst>
+              <a:ext uri="{FF2B5EF4-FFF2-40B4-BE49-F238E27FC236}">
+                <a16:creationId xmlns:a16="http://schemas.microsoft.com/office/drawing/2014/main" id="{6CDCC7D8-D2E9-780B-D827-C15ECA34401A}"/>
+              </a:ext>
+            </a:extLst>
+          </p:cNvPr>
+          <p:cNvSpPr txBox="1"/>
+          <p:nvPr/>
+        </p:nvSpPr>
+        <p:spPr>
+          <a:xfrm>
+            <a:off x="7164288" y="4797152"/>
+            <a:ext cx="1107996" cy="461665"/>
+          </a:xfrm>
+          <a:prstGeom prst="rect">
+            <a:avLst/>
+          </a:prstGeom>
+          <a:noFill/>
+          <a:ln>
+            <a:solidFill>
+              <a:schemeClr val="tx1"/>
+            </a:solidFill>
+          </a:ln>
+        </p:spPr>
+        <p:txBody>
+          <a:bodyPr wrap="none" rtlCol="0">
+            <a:spAutoFit/>
+          </a:bodyPr>
+          <a:lstStyle/>
+          <a:p>
+            <a:r>
+              <a:rPr lang="ja-JP" altLang="en-US" sz="2400" dirty="0"/>
+              <a:t>多体力</a:t>
+            </a:r>
+            <a:endParaRPr kumimoji="1" lang="ja-JP" altLang="en-US" sz="2400" dirty="0"/>
+          </a:p>
+        </p:txBody>
+      </p:sp>
+      <p:sp>
+        <p:nvSpPr>
+          <p:cNvPr id="20" name="テキスト ボックス 19">
+            <a:extLst>
+              <a:ext uri="{FF2B5EF4-FFF2-40B4-BE49-F238E27FC236}">
+                <a16:creationId xmlns:a16="http://schemas.microsoft.com/office/drawing/2014/main" id="{E3A9578A-BBDA-8CF7-253D-6621FB43F688}"/>
+              </a:ext>
+            </a:extLst>
+          </p:cNvPr>
+          <p:cNvSpPr txBox="1"/>
+          <p:nvPr/>
+        </p:nvSpPr>
+        <p:spPr>
+          <a:xfrm>
+            <a:off x="4932040" y="4797152"/>
+            <a:ext cx="1107996" cy="461665"/>
+          </a:xfrm>
+          <a:prstGeom prst="rect">
+            <a:avLst/>
+          </a:prstGeom>
+          <a:noFill/>
+          <a:ln>
+            <a:solidFill>
+              <a:schemeClr val="tx1"/>
+            </a:solidFill>
+          </a:ln>
+        </p:spPr>
+        <p:txBody>
+          <a:bodyPr wrap="none" rtlCol="0">
+            <a:spAutoFit/>
+          </a:bodyPr>
+          <a:lstStyle/>
+          <a:p>
+            <a:r>
+              <a:rPr lang="ja-JP" altLang="en-US" sz="2400" dirty="0"/>
+              <a:t>二体力</a:t>
+            </a:r>
+            <a:endParaRPr kumimoji="1" lang="ja-JP" altLang="en-US" sz="2400" dirty="0"/>
+          </a:p>
+        </p:txBody>
+      </p:sp>
+      <p:sp>
+        <p:nvSpPr>
+          <p:cNvPr id="21" name="テキスト ボックス 20">
+            <a:extLst>
+              <a:ext uri="{FF2B5EF4-FFF2-40B4-BE49-F238E27FC236}">
+                <a16:creationId xmlns:a16="http://schemas.microsoft.com/office/drawing/2014/main" id="{CE2137DE-C96A-2EEC-56D7-98732975B626}"/>
+              </a:ext>
+            </a:extLst>
+          </p:cNvPr>
+          <p:cNvSpPr txBox="1"/>
+          <p:nvPr/>
+        </p:nvSpPr>
+        <p:spPr>
+          <a:xfrm>
+            <a:off x="3779912" y="5805264"/>
+            <a:ext cx="1415772" cy="461665"/>
+          </a:xfrm>
+          <a:prstGeom prst="rect">
+            <a:avLst/>
+          </a:prstGeom>
+          <a:noFill/>
+          <a:ln>
+            <a:solidFill>
+              <a:schemeClr val="tx1"/>
+            </a:solidFill>
+          </a:ln>
+        </p:spPr>
+        <p:txBody>
+          <a:bodyPr wrap="none" rtlCol="0">
+            <a:spAutoFit/>
+          </a:bodyPr>
+          <a:lstStyle/>
+          <a:p>
+            <a:r>
+              <a:rPr kumimoji="1" lang="ja-JP" altLang="en-US" sz="2400" dirty="0"/>
+              <a:t>短距離力</a:t>
+            </a:r>
+          </a:p>
+        </p:txBody>
+      </p:sp>
+      <p:sp>
+        <p:nvSpPr>
+          <p:cNvPr id="22" name="テキスト ボックス 21">
+            <a:extLst>
+              <a:ext uri="{FF2B5EF4-FFF2-40B4-BE49-F238E27FC236}">
+                <a16:creationId xmlns:a16="http://schemas.microsoft.com/office/drawing/2014/main" id="{3EF8EB5B-4E35-812C-70EA-050581728043}"/>
+              </a:ext>
+            </a:extLst>
+          </p:cNvPr>
+          <p:cNvSpPr txBox="1"/>
+          <p:nvPr/>
+        </p:nvSpPr>
+        <p:spPr>
+          <a:xfrm>
+            <a:off x="5652120" y="5805264"/>
+            <a:ext cx="1415772" cy="461665"/>
+          </a:xfrm>
+          <a:prstGeom prst="rect">
+            <a:avLst/>
+          </a:prstGeom>
+          <a:noFill/>
+          <a:ln>
+            <a:solidFill>
+              <a:schemeClr val="tx1"/>
+            </a:solidFill>
+          </a:ln>
+        </p:spPr>
+        <p:txBody>
+          <a:bodyPr wrap="none" rtlCol="0">
+            <a:spAutoFit/>
+          </a:bodyPr>
+          <a:lstStyle/>
+          <a:p>
+            <a:r>
+              <a:rPr kumimoji="1" lang="ja-JP" altLang="en-US" sz="2400" dirty="0"/>
+              <a:t>長距離力</a:t>
+            </a:r>
           </a:p>
         </p:txBody>
       </p:sp>
@@ -1676,7 +2706,7 @@
 </p:sld>
 </file>
 
-<file path=ppt/slides/slide4.xml><?xml version="1.0" encoding="utf-8"?>
+<file path=ppt/slides/slide6.xml><?xml version="1.0" encoding="utf-8"?>
 <p:sld xmlns:a="http://schemas.openxmlformats.org/drawingml/2006/main" xmlns:r="http://schemas.openxmlformats.org/officeDocument/2006/relationships" xmlns:p="http://schemas.openxmlformats.org/presentationml/2006/main">
   <p:cSld>
     <p:spTree>

--- a/07_md_implementation/simulation07.pptx
+++ b/07_md_implementation/simulation07.pptx
@@ -5,7 +5,7 @@
     <p:sldMasterId id="2147483665" r:id="rId1"/>
   </p:sldMasterIdLst>
   <p:notesMasterIdLst>
-    <p:notesMasterId r:id="rId13"/>
+    <p:notesMasterId r:id="rId15"/>
   </p:notesMasterIdLst>
   <p:sldIdLst>
     <p:sldId id="256" r:id="rId2"/>
@@ -18,7 +18,9 @@
     <p:sldId id="264" r:id="rId9"/>
     <p:sldId id="265" r:id="rId10"/>
     <p:sldId id="266" r:id="rId11"/>
-    <p:sldId id="257" r:id="rId12"/>
+    <p:sldId id="267" r:id="rId12"/>
+    <p:sldId id="268" r:id="rId13"/>
+    <p:sldId id="257" r:id="rId14"/>
   </p:sldIdLst>
   <p:sldSz cx="9144000" cy="6858000" type="screen4x3"/>
   <p:notesSz cx="6858000" cy="9144000"/>
@@ -1378,8 +1380,137 @@
           <a:p>
             <a:r>
               <a:rPr kumimoji="1" lang="ja-JP" altLang="en-US"/>
-              <a:t>分子動力学法の種類のまとめ</a:t>
+              <a:t>分子動力学法の</a:t>
             </a:r>
+            <a:r>
+              <a:rPr lang="ja-JP" altLang="en-US"/>
+              <a:t>概要のまとめ</a:t>
+            </a:r>
+            <a:endParaRPr kumimoji="1" lang="ja-JP" altLang="en-US" dirty="0"/>
+          </a:p>
+        </p:txBody>
+      </p:sp>
+      <p:sp>
+        <p:nvSpPr>
+          <p:cNvPr id="3" name="テキスト ボックス 2">
+            <a:extLst>
+              <a:ext uri="{FF2B5EF4-FFF2-40B4-BE49-F238E27FC236}">
+                <a16:creationId xmlns:a16="http://schemas.microsoft.com/office/drawing/2014/main" id="{859E57B7-F86F-CCA6-F016-AD41DCA94EBB}"/>
+              </a:ext>
+            </a:extLst>
+          </p:cNvPr>
+          <p:cNvSpPr txBox="1"/>
+          <p:nvPr/>
+        </p:nvSpPr>
+        <p:spPr>
+          <a:xfrm>
+            <a:off x="251520" y="1268760"/>
+            <a:ext cx="8352928" cy="5262979"/>
+          </a:xfrm>
+          <a:prstGeom prst="rect">
+            <a:avLst/>
+          </a:prstGeom>
+          <a:noFill/>
+        </p:spPr>
+        <p:txBody>
+          <a:bodyPr wrap="square" rtlCol="0">
+            <a:spAutoFit/>
+          </a:bodyPr>
+          <a:lstStyle/>
+          <a:p>
+            <a:pPr marL="342900" indent="-342900">
+              <a:buFont typeface="Arial" panose="020B0604020202020204" pitchFamily="34" charset="0"/>
+              <a:buChar char="•"/>
+            </a:pPr>
+            <a:r>
+              <a:rPr lang="ja-JP" altLang="en-US" sz="2800"/>
+              <a:t>分子動力学法</a:t>
+            </a:r>
+            <a:r>
+              <a:rPr lang="en-US" altLang="ja-JP" sz="2800"/>
+              <a:t>(Molecular Dynamics method, MD)</a:t>
+            </a:r>
+            <a:r>
+              <a:rPr lang="ja-JP" altLang="en-US" sz="2800"/>
+              <a:t>は、原子に働く力を計算し、運動方程式を数値積分することで時間発展させる手法</a:t>
+            </a:r>
+            <a:endParaRPr lang="en-US" altLang="ja-JP" sz="2800"/>
+          </a:p>
+          <a:p>
+            <a:pPr marL="342900" indent="-342900">
+              <a:buFont typeface="Arial" panose="020B0604020202020204" pitchFamily="34" charset="0"/>
+              <a:buChar char="•"/>
+            </a:pPr>
+            <a:r>
+              <a:rPr kumimoji="1" lang="ja-JP" altLang="en-US" sz="2800"/>
+              <a:t>原子のまわりの電子状態を真面目に解くのが</a:t>
+            </a:r>
+            <a:r>
+              <a:rPr kumimoji="1" lang="ja-JP" altLang="en-US" sz="2800">
+                <a:solidFill>
+                  <a:srgbClr val="FF0000"/>
+                </a:solidFill>
+              </a:rPr>
+              <a:t>第一原理</a:t>
+            </a:r>
+            <a:r>
+              <a:rPr kumimoji="1" lang="en-US" altLang="ja-JP" sz="2800">
+                <a:solidFill>
+                  <a:srgbClr val="FF0000"/>
+                </a:solidFill>
+              </a:rPr>
+              <a:t>MD</a:t>
+            </a:r>
+            <a:r>
+              <a:rPr kumimoji="1" lang="ja-JP" altLang="en-US" sz="2800"/>
+              <a:t>、経験ポテンシャルで代用するのが</a:t>
+            </a:r>
+            <a:r>
+              <a:rPr kumimoji="1" lang="ja-JP" altLang="en-US" sz="2800">
+                <a:solidFill>
+                  <a:srgbClr val="FF0000"/>
+                </a:solidFill>
+              </a:rPr>
+              <a:t>古典</a:t>
+            </a:r>
+            <a:r>
+              <a:rPr kumimoji="1" lang="en-US" altLang="ja-JP" sz="2800">
+                <a:solidFill>
+                  <a:srgbClr val="FF0000"/>
+                </a:solidFill>
+              </a:rPr>
+              <a:t>MD</a:t>
+            </a:r>
+            <a:endParaRPr kumimoji="1" lang="en-US" altLang="ja-JP" sz="2800"/>
+          </a:p>
+          <a:p>
+            <a:pPr marL="342900" indent="-342900">
+              <a:buFont typeface="Arial" panose="020B0604020202020204" pitchFamily="34" charset="0"/>
+              <a:buChar char="•"/>
+            </a:pPr>
+            <a:r>
+              <a:rPr kumimoji="1" lang="ja-JP" altLang="en-US" sz="2800"/>
+              <a:t>経験ポテンシャルを使う場合、力が遠距離まで届く場合と近距離で減衰する場合で扱いが大きく異る</a:t>
+            </a:r>
+            <a:endParaRPr kumimoji="1" lang="en-US" altLang="ja-JP" sz="2800"/>
+          </a:p>
+          <a:p>
+            <a:pPr marL="342900" indent="-342900">
+              <a:buFont typeface="Arial" panose="020B0604020202020204" pitchFamily="34" charset="0"/>
+              <a:buChar char="•"/>
+            </a:pPr>
+            <a:r>
+              <a:rPr lang="ja-JP" altLang="en-US" sz="2800"/>
+              <a:t>粒子法と分子動力学法は数値計算手法としての性質は似ているが、解いている支配方程式が異なる</a:t>
+            </a:r>
+            <a:endParaRPr kumimoji="1" lang="en-US" altLang="ja-JP" sz="2800"/>
+          </a:p>
+          <a:p>
+            <a:pPr marL="342900" indent="-342900">
+              <a:buFont typeface="Arial" panose="020B0604020202020204" pitchFamily="34" charset="0"/>
+              <a:buChar char="•"/>
+            </a:pPr>
+            <a:endParaRPr kumimoji="1" lang="en-US" altLang="ja-JP" sz="2800"/>
           </a:p>
         </p:txBody>
       </p:sp>
@@ -1397,6 +1528,2160 @@
 </file>
 
 <file path=ppt/slides/slide11.xml><?xml version="1.0" encoding="utf-8"?>
+<p:sld xmlns:a="http://schemas.openxmlformats.org/drawingml/2006/main" xmlns:r="http://schemas.openxmlformats.org/officeDocument/2006/relationships" xmlns:p="http://schemas.openxmlformats.org/presentationml/2006/main">
+  <p:cSld>
+    <p:spTree>
+      <p:nvGrpSpPr>
+        <p:cNvPr id="1" name=""/>
+        <p:cNvGrpSpPr/>
+        <p:nvPr/>
+      </p:nvGrpSpPr>
+      <p:grpSpPr>
+        <a:xfrm>
+          <a:off x="0" y="0"/>
+          <a:ext cx="0" cy="0"/>
+          <a:chOff x="0" y="0"/>
+          <a:chExt cx="0" cy="0"/>
+        </a:xfrm>
+      </p:grpSpPr>
+      <p:sp>
+        <p:nvSpPr>
+          <p:cNvPr id="2" name="テキスト プレースホルダー 1">
+            <a:extLst>
+              <a:ext uri="{FF2B5EF4-FFF2-40B4-BE49-F238E27FC236}">
+                <a16:creationId xmlns:a16="http://schemas.microsoft.com/office/drawing/2014/main" id="{69377B02-49D6-543D-71FC-E197A1957BED}"/>
+              </a:ext>
+            </a:extLst>
+          </p:cNvPr>
+          <p:cNvSpPr>
+            <a:spLocks noGrp="1"/>
+          </p:cNvSpPr>
+          <p:nvPr>
+            <p:ph type="body" sz="quarter" idx="10"/>
+          </p:nvPr>
+        </p:nvSpPr>
+        <p:spPr/>
+        <p:txBody>
+          <a:bodyPr/>
+          <a:lstStyle/>
+          <a:p>
+            <a:r>
+              <a:rPr lang="ja-JP" altLang="en-US"/>
+              <a:t>実装の基礎</a:t>
+            </a:r>
+            <a:endParaRPr kumimoji="1" lang="ja-JP" altLang="en-US"/>
+          </a:p>
+        </p:txBody>
+      </p:sp>
+      <p:sp>
+        <p:nvSpPr>
+          <p:cNvPr id="3" name="テキスト ボックス 2">
+            <a:extLst>
+              <a:ext uri="{FF2B5EF4-FFF2-40B4-BE49-F238E27FC236}">
+                <a16:creationId xmlns:a16="http://schemas.microsoft.com/office/drawing/2014/main" id="{26DAA14A-6F56-57A0-3FA5-1958F13FC372}"/>
+              </a:ext>
+            </a:extLst>
+          </p:cNvPr>
+          <p:cNvSpPr txBox="1"/>
+          <p:nvPr/>
+        </p:nvSpPr>
+        <p:spPr>
+          <a:xfrm>
+            <a:off x="467544" y="1052736"/>
+            <a:ext cx="7366119" cy="954107"/>
+          </a:xfrm>
+          <a:prstGeom prst="rect">
+            <a:avLst/>
+          </a:prstGeom>
+          <a:noFill/>
+        </p:spPr>
+        <p:txBody>
+          <a:bodyPr wrap="none" rtlCol="0">
+            <a:spAutoFit/>
+          </a:bodyPr>
+          <a:lstStyle/>
+          <a:p>
+            <a:r>
+              <a:rPr lang="ja-JP" altLang="en-US" sz="2800"/>
+              <a:t>簡単のため、二体相互作用のみを考える</a:t>
+            </a:r>
+            <a:endParaRPr lang="en-US" altLang="ja-JP" sz="2800"/>
+          </a:p>
+          <a:p>
+            <a:r>
+              <a:rPr kumimoji="1" lang="ja-JP" altLang="en-US" sz="2800"/>
+              <a:t>運動を支配するハミルトニアンは以下の通り</a:t>
+            </a:r>
+          </a:p>
+        </p:txBody>
+      </p:sp>
+      <mc:AlternateContent xmlns:mc="http://schemas.openxmlformats.org/markup-compatibility/2006">
+        <mc:Choice xmlns:a14="http://schemas.microsoft.com/office/drawing/2010/main" Requires="a14">
+          <p:sp>
+            <p:nvSpPr>
+              <p:cNvPr id="4" name="テキスト ボックス 3">
+                <a:extLst>
+                  <a:ext uri="{FF2B5EF4-FFF2-40B4-BE49-F238E27FC236}">
+                    <a16:creationId xmlns:a16="http://schemas.microsoft.com/office/drawing/2014/main" id="{CADDEA40-86CF-B6FC-52E3-F1006B690DB9}"/>
+                  </a:ext>
+                </a:extLst>
+              </p:cNvPr>
+              <p:cNvSpPr txBox="1"/>
+              <p:nvPr/>
+            </p:nvSpPr>
+            <p:spPr>
+              <a:xfrm>
+                <a:off x="1907704" y="2276872"/>
+                <a:ext cx="5076390" cy="1563954"/>
+              </a:xfrm>
+              <a:prstGeom prst="rect">
+                <a:avLst/>
+              </a:prstGeom>
+              <a:noFill/>
+            </p:spPr>
+            <p:txBody>
+              <a:bodyPr wrap="none" rtlCol="0">
+                <a:spAutoFit/>
+              </a:bodyPr>
+              <a:lstStyle/>
+              <a:p>
+                <a14:m>
+                  <m:oMathPara xmlns:m="http://schemas.openxmlformats.org/officeDocument/2006/math">
+                    <m:oMathParaPr>
+                      <m:jc m:val="centerGroup"/>
+                    </m:oMathParaPr>
+                    <m:oMath xmlns:m="http://schemas.openxmlformats.org/officeDocument/2006/math">
+                      <m:r>
+                        <a:rPr kumimoji="1" lang="en-US" altLang="ja-JP" sz="3600" b="0" i="1" smtClean="0">
+                          <a:latin typeface="Cambria Math" panose="02040503050406030204" pitchFamily="18" charset="0"/>
+                        </a:rPr>
+                        <m:t>𝐻</m:t>
+                      </m:r>
+                      <m:r>
+                        <a:rPr kumimoji="1" lang="en-US" altLang="ja-JP" sz="3600" b="0" i="1" smtClean="0">
+                          <a:latin typeface="Cambria Math" panose="02040503050406030204" pitchFamily="18" charset="0"/>
+                        </a:rPr>
+                        <m:t>=</m:t>
+                      </m:r>
+                      <m:nary>
+                        <m:naryPr>
+                          <m:chr m:val="∑"/>
+                          <m:supHide m:val="on"/>
+                          <m:ctrlPr>
+                            <a:rPr kumimoji="1" lang="en-US" altLang="ja-JP" sz="3600" b="0" i="1" smtClean="0">
+                              <a:latin typeface="Cambria Math" panose="02040503050406030204" pitchFamily="18" charset="0"/>
+                            </a:rPr>
+                          </m:ctrlPr>
+                        </m:naryPr>
+                        <m:sub>
+                          <m:r>
+                            <a:rPr kumimoji="1" lang="en-US" altLang="ja-JP" sz="3600" b="0" i="1" smtClean="0">
+                              <a:latin typeface="Cambria Math" panose="02040503050406030204" pitchFamily="18" charset="0"/>
+                            </a:rPr>
+                            <m:t>𝑖</m:t>
+                          </m:r>
+                        </m:sub>
+                        <m:sup/>
+                        <m:e>
+                          <m:f>
+                            <m:fPr>
+                              <m:ctrlPr>
+                                <a:rPr kumimoji="1" lang="en-US" altLang="ja-JP" sz="3600" b="0" i="1" smtClean="0">
+                                  <a:latin typeface="Cambria Math" panose="02040503050406030204" pitchFamily="18" charset="0"/>
+                                </a:rPr>
+                              </m:ctrlPr>
+                            </m:fPr>
+                            <m:num>
+                              <m:sSubSup>
+                                <m:sSubSupPr>
+                                  <m:ctrlPr>
+                                    <a:rPr kumimoji="1" lang="en-US" altLang="ja-JP" sz="3600" b="0" i="1" smtClean="0">
+                                      <a:latin typeface="Cambria Math" panose="02040503050406030204" pitchFamily="18" charset="0"/>
+                                    </a:rPr>
+                                  </m:ctrlPr>
+                                </m:sSubSupPr>
+                                <m:e>
+                                  <m:acc>
+                                    <m:accPr>
+                                      <m:chr m:val="⃗"/>
+                                      <m:ctrlPr>
+                                        <a:rPr kumimoji="1" lang="en-US" altLang="ja-JP" sz="3600" b="0" i="1" smtClean="0">
+                                          <a:latin typeface="Cambria Math" panose="02040503050406030204" pitchFamily="18" charset="0"/>
+                                        </a:rPr>
+                                      </m:ctrlPr>
+                                    </m:accPr>
+                                    <m:e>
+                                      <m:r>
+                                        <a:rPr kumimoji="1" lang="en-US" altLang="ja-JP" sz="3600" b="0" i="1" smtClean="0">
+                                          <a:latin typeface="Cambria Math" panose="02040503050406030204" pitchFamily="18" charset="0"/>
+                                        </a:rPr>
+                                        <m:t>𝑝</m:t>
+                                      </m:r>
+                                    </m:e>
+                                  </m:acc>
+                                </m:e>
+                                <m:sub>
+                                  <m:r>
+                                    <a:rPr kumimoji="1" lang="en-US" altLang="ja-JP" sz="3600" b="0" i="1" smtClean="0">
+                                      <a:latin typeface="Cambria Math" panose="02040503050406030204" pitchFamily="18" charset="0"/>
+                                    </a:rPr>
+                                    <m:t>𝑖</m:t>
+                                  </m:r>
+                                </m:sub>
+                                <m:sup>
+                                  <m:r>
+                                    <a:rPr kumimoji="1" lang="en-US" altLang="ja-JP" sz="3600" b="0" i="1" smtClean="0">
+                                      <a:latin typeface="Cambria Math" panose="02040503050406030204" pitchFamily="18" charset="0"/>
+                                    </a:rPr>
+                                    <m:t>2</m:t>
+                                  </m:r>
+                                </m:sup>
+                              </m:sSubSup>
+                            </m:num>
+                            <m:den>
+                              <m:r>
+                                <a:rPr kumimoji="1" lang="en-US" altLang="ja-JP" sz="3600" b="0" i="1" smtClean="0">
+                                  <a:latin typeface="Cambria Math" panose="02040503050406030204" pitchFamily="18" charset="0"/>
+                                </a:rPr>
+                                <m:t>2</m:t>
+                              </m:r>
+                              <m:r>
+                                <a:rPr kumimoji="1" lang="en-US" altLang="ja-JP" sz="3600" b="0" i="1" smtClean="0">
+                                  <a:latin typeface="Cambria Math" panose="02040503050406030204" pitchFamily="18" charset="0"/>
+                                </a:rPr>
+                                <m:t>𝑚</m:t>
+                              </m:r>
+                            </m:den>
+                          </m:f>
+                          <m:r>
+                            <a:rPr kumimoji="1" lang="en-US" altLang="ja-JP" sz="3600" b="0" i="1" smtClean="0">
+                              <a:latin typeface="Cambria Math" panose="02040503050406030204" pitchFamily="18" charset="0"/>
+                            </a:rPr>
+                            <m:t>+</m:t>
+                          </m:r>
+                          <m:nary>
+                            <m:naryPr>
+                              <m:chr m:val="∑"/>
+                              <m:supHide m:val="on"/>
+                              <m:ctrlPr>
+                                <a:rPr kumimoji="1" lang="en-US" altLang="ja-JP" sz="3600" b="0" i="1" smtClean="0">
+                                  <a:latin typeface="Cambria Math" panose="02040503050406030204" pitchFamily="18" charset="0"/>
+                                </a:rPr>
+                              </m:ctrlPr>
+                            </m:naryPr>
+                            <m:sub>
+                              <m:r>
+                                <a:rPr kumimoji="1" lang="en-US" altLang="ja-JP" sz="3600" b="0" i="1" smtClean="0">
+                                  <a:latin typeface="Cambria Math" panose="02040503050406030204" pitchFamily="18" charset="0"/>
+                                </a:rPr>
+                                <m:t>𝑖</m:t>
+                              </m:r>
+                              <m:r>
+                                <a:rPr kumimoji="1" lang="en-US" altLang="ja-JP" sz="3600" b="0" i="1" smtClean="0">
+                                  <a:latin typeface="Cambria Math" panose="02040503050406030204" pitchFamily="18" charset="0"/>
+                                </a:rPr>
+                                <m:t>&lt;</m:t>
+                              </m:r>
+                              <m:r>
+                                <a:rPr kumimoji="1" lang="en-US" altLang="ja-JP" sz="3600" b="0" i="1" smtClean="0">
+                                  <a:latin typeface="Cambria Math" panose="02040503050406030204" pitchFamily="18" charset="0"/>
+                                </a:rPr>
+                                <m:t>𝑗</m:t>
+                              </m:r>
+                            </m:sub>
+                            <m:sup/>
+                            <m:e>
+                              <m:r>
+                                <a:rPr kumimoji="1" lang="en-US" altLang="ja-JP" sz="3600" b="0" i="1" smtClean="0">
+                                  <a:latin typeface="Cambria Math" panose="02040503050406030204" pitchFamily="18" charset="0"/>
+                                </a:rPr>
+                                <m:t>𝑉</m:t>
+                              </m:r>
+                              <m:r>
+                                <a:rPr kumimoji="1" lang="en-US" altLang="ja-JP" sz="3600" b="0" i="1" smtClean="0">
+                                  <a:latin typeface="Cambria Math" panose="02040503050406030204" pitchFamily="18" charset="0"/>
+                                </a:rPr>
+                                <m:t>(</m:t>
+                              </m:r>
+                              <m:sSub>
+                                <m:sSubPr>
+                                  <m:ctrlPr>
+                                    <a:rPr kumimoji="1" lang="en-US" altLang="ja-JP" sz="3600" b="0" i="1" smtClean="0">
+                                      <a:latin typeface="Cambria Math" panose="02040503050406030204" pitchFamily="18" charset="0"/>
+                                    </a:rPr>
+                                  </m:ctrlPr>
+                                </m:sSubPr>
+                                <m:e>
+                                  <m:r>
+                                    <a:rPr kumimoji="1" lang="en-US" altLang="ja-JP" sz="3600" b="0" i="1" smtClean="0">
+                                      <a:latin typeface="Cambria Math" panose="02040503050406030204" pitchFamily="18" charset="0"/>
+                                    </a:rPr>
+                                    <m:t>𝑞</m:t>
+                                  </m:r>
+                                </m:e>
+                                <m:sub>
+                                  <m:r>
+                                    <a:rPr kumimoji="1" lang="en-US" altLang="ja-JP" sz="3600" b="0" i="1" smtClean="0">
+                                      <a:latin typeface="Cambria Math" panose="02040503050406030204" pitchFamily="18" charset="0"/>
+                                    </a:rPr>
+                                    <m:t>𝑖𝑗</m:t>
+                                  </m:r>
+                                </m:sub>
+                              </m:sSub>
+                              <m:r>
+                                <a:rPr kumimoji="1" lang="en-US" altLang="ja-JP" sz="3600" b="0" i="1" smtClean="0">
+                                  <a:latin typeface="Cambria Math" panose="02040503050406030204" pitchFamily="18" charset="0"/>
+                                </a:rPr>
+                                <m:t>)</m:t>
+                              </m:r>
+                            </m:e>
+                          </m:nary>
+                        </m:e>
+                      </m:nary>
+                    </m:oMath>
+                  </m:oMathPara>
+                </a14:m>
+                <a:endParaRPr kumimoji="1" lang="ja-JP" altLang="en-US" sz="3600"/>
+              </a:p>
+            </p:txBody>
+          </p:sp>
+        </mc:Choice>
+        <mc:Fallback>
+          <p:sp>
+            <p:nvSpPr>
+              <p:cNvPr id="4" name="テキスト ボックス 3">
+                <a:extLst>
+                  <a:ext uri="{FF2B5EF4-FFF2-40B4-BE49-F238E27FC236}">
+                    <a16:creationId xmlns:a16="http://schemas.microsoft.com/office/drawing/2014/main" id="{CADDEA40-86CF-B6FC-52E3-F1006B690DB9}"/>
+                  </a:ext>
+                </a:extLst>
+              </p:cNvPr>
+              <p:cNvSpPr txBox="1">
+                <a:spLocks noRot="1" noChangeAspect="1" noMove="1" noResize="1" noEditPoints="1" noAdjustHandles="1" noChangeArrowheads="1" noChangeShapeType="1" noTextEdit="1"/>
+              </p:cNvSpPr>
+              <p:nvPr/>
+            </p:nvSpPr>
+            <p:spPr>
+              <a:xfrm>
+                <a:off x="1907704" y="2276872"/>
+                <a:ext cx="5076390" cy="1563954"/>
+              </a:xfrm>
+              <a:prstGeom prst="rect">
+                <a:avLst/>
+              </a:prstGeom>
+              <a:blipFill>
+                <a:blip r:embed="rId2"/>
+                <a:stretch>
+                  <a:fillRect/>
+                </a:stretch>
+              </a:blipFill>
+            </p:spPr>
+            <p:txBody>
+              <a:bodyPr/>
+              <a:lstStyle/>
+              <a:p>
+                <a:r>
+                  <a:rPr lang="ja-JP" altLang="en-US">
+                    <a:noFill/>
+                  </a:rPr>
+                  <a:t> </a:t>
+                </a:r>
+              </a:p>
+            </p:txBody>
+          </p:sp>
+        </mc:Fallback>
+      </mc:AlternateContent>
+      <mc:AlternateContent xmlns:mc="http://schemas.openxmlformats.org/markup-compatibility/2006">
+        <mc:Choice xmlns:a14="http://schemas.microsoft.com/office/drawing/2010/main" Requires="a14">
+          <p:sp>
+            <p:nvSpPr>
+              <p:cNvPr id="6" name="テキスト ボックス 5">
+                <a:extLst>
+                  <a:ext uri="{FF2B5EF4-FFF2-40B4-BE49-F238E27FC236}">
+                    <a16:creationId xmlns:a16="http://schemas.microsoft.com/office/drawing/2014/main" id="{CC1C8236-BFC3-CB7F-18F3-E377BD4CAF85}"/>
+                  </a:ext>
+                </a:extLst>
+              </p:cNvPr>
+              <p:cNvSpPr txBox="1"/>
+              <p:nvPr/>
+            </p:nvSpPr>
+            <p:spPr>
+              <a:xfrm>
+                <a:off x="2051720" y="4149080"/>
+                <a:ext cx="4572000" cy="823944"/>
+              </a:xfrm>
+              <a:prstGeom prst="rect">
+                <a:avLst/>
+              </a:prstGeom>
+              <a:noFill/>
+            </p:spPr>
+            <p:txBody>
+              <a:bodyPr wrap="square">
+                <a:spAutoFit/>
+              </a:bodyPr>
+              <a:lstStyle/>
+              <a:p>
+                <a:pPr/>
+                <a14:m>
+                  <m:oMathPara xmlns:m="http://schemas.openxmlformats.org/officeDocument/2006/math">
+                    <m:oMathParaPr>
+                      <m:jc m:val="centerGroup"/>
+                    </m:oMathParaPr>
+                    <m:oMath xmlns:m="http://schemas.openxmlformats.org/officeDocument/2006/math">
+                      <m:sSub>
+                        <m:sSubPr>
+                          <m:ctrlPr>
+                            <a:rPr kumimoji="1" lang="en-US" altLang="ja-JP" sz="4400" b="0" i="1" smtClean="0">
+                              <a:latin typeface="Cambria Math" panose="02040503050406030204" pitchFamily="18" charset="0"/>
+                            </a:rPr>
+                          </m:ctrlPr>
+                        </m:sSubPr>
+                        <m:e>
+                          <m:r>
+                            <a:rPr kumimoji="1" lang="en-US" altLang="ja-JP" sz="4400" b="0" i="1" smtClean="0">
+                              <a:latin typeface="Cambria Math" panose="02040503050406030204" pitchFamily="18" charset="0"/>
+                            </a:rPr>
+                            <m:t>𝑞</m:t>
+                          </m:r>
+                        </m:e>
+                        <m:sub>
+                          <m:r>
+                            <a:rPr kumimoji="1" lang="en-US" altLang="ja-JP" sz="4400" b="0" i="1" smtClean="0">
+                              <a:latin typeface="Cambria Math" panose="02040503050406030204" pitchFamily="18" charset="0"/>
+                            </a:rPr>
+                            <m:t>𝑖𝑗</m:t>
+                          </m:r>
+                        </m:sub>
+                      </m:sSub>
+                      <m:r>
+                        <a:rPr kumimoji="1" lang="en-US" altLang="ja-JP" sz="4400" b="0" i="1" smtClean="0">
+                          <a:latin typeface="Cambria Math" panose="02040503050406030204" pitchFamily="18" charset="0"/>
+                        </a:rPr>
+                        <m:t>≡|</m:t>
+                      </m:r>
+                      <m:sSub>
+                        <m:sSubPr>
+                          <m:ctrlPr>
+                            <a:rPr lang="en-US" altLang="ja-JP" sz="4400" i="1">
+                              <a:latin typeface="Cambria Math" panose="02040503050406030204" pitchFamily="18" charset="0"/>
+                            </a:rPr>
+                          </m:ctrlPr>
+                        </m:sSubPr>
+                        <m:e>
+                          <m:acc>
+                            <m:accPr>
+                              <m:chr m:val="⃗"/>
+                              <m:ctrlPr>
+                                <a:rPr lang="en-US" altLang="ja-JP" sz="4400" i="1">
+                                  <a:latin typeface="Cambria Math" panose="02040503050406030204" pitchFamily="18" charset="0"/>
+                                </a:rPr>
+                              </m:ctrlPr>
+                            </m:accPr>
+                            <m:e>
+                              <m:r>
+                                <a:rPr lang="en-US" altLang="ja-JP" sz="4400" i="1">
+                                  <a:latin typeface="Cambria Math" panose="02040503050406030204" pitchFamily="18" charset="0"/>
+                                </a:rPr>
+                                <m:t>𝑞</m:t>
+                              </m:r>
+                            </m:e>
+                          </m:acc>
+                        </m:e>
+                        <m:sub>
+                          <m:r>
+                            <a:rPr lang="en-US" altLang="ja-JP" sz="4400" i="1">
+                              <a:latin typeface="Cambria Math" panose="02040503050406030204" pitchFamily="18" charset="0"/>
+                            </a:rPr>
+                            <m:t>𝑖</m:t>
+                          </m:r>
+                        </m:sub>
+                      </m:sSub>
+                      <m:r>
+                        <a:rPr lang="en-US" altLang="ja-JP" sz="4400" i="1">
+                          <a:latin typeface="Cambria Math" panose="02040503050406030204" pitchFamily="18" charset="0"/>
+                        </a:rPr>
+                        <m:t>−</m:t>
+                      </m:r>
+                      <m:sSub>
+                        <m:sSubPr>
+                          <m:ctrlPr>
+                            <a:rPr lang="en-US" altLang="ja-JP" sz="4400" i="1">
+                              <a:latin typeface="Cambria Math" panose="02040503050406030204" pitchFamily="18" charset="0"/>
+                            </a:rPr>
+                          </m:ctrlPr>
+                        </m:sSubPr>
+                        <m:e>
+                          <m:acc>
+                            <m:accPr>
+                              <m:chr m:val="⃗"/>
+                              <m:ctrlPr>
+                                <a:rPr lang="en-US" altLang="ja-JP" sz="4400" i="1">
+                                  <a:latin typeface="Cambria Math" panose="02040503050406030204" pitchFamily="18" charset="0"/>
+                                </a:rPr>
+                              </m:ctrlPr>
+                            </m:accPr>
+                            <m:e>
+                              <m:r>
+                                <a:rPr lang="en-US" altLang="ja-JP" sz="4400" i="1">
+                                  <a:latin typeface="Cambria Math" panose="02040503050406030204" pitchFamily="18" charset="0"/>
+                                </a:rPr>
+                                <m:t>𝑞</m:t>
+                              </m:r>
+                            </m:e>
+                          </m:acc>
+                        </m:e>
+                        <m:sub>
+                          <m:r>
+                            <a:rPr lang="en-US" altLang="ja-JP" sz="4400" b="0" i="1" smtClean="0">
+                              <a:latin typeface="Cambria Math" panose="02040503050406030204" pitchFamily="18" charset="0"/>
+                            </a:rPr>
+                            <m:t>𝑗</m:t>
+                          </m:r>
+                        </m:sub>
+                      </m:sSub>
+                      <m:r>
+                        <a:rPr kumimoji="1" lang="en-US" altLang="ja-JP" sz="4400" b="0" i="1" smtClean="0">
+                          <a:latin typeface="Cambria Math" panose="02040503050406030204" pitchFamily="18" charset="0"/>
+                        </a:rPr>
+                        <m:t>|</m:t>
+                      </m:r>
+                    </m:oMath>
+                  </m:oMathPara>
+                </a14:m>
+                <a:endParaRPr lang="ja-JP" altLang="en-US" sz="4400"/>
+              </a:p>
+            </p:txBody>
+          </p:sp>
+        </mc:Choice>
+        <mc:Fallback>
+          <p:sp>
+            <p:nvSpPr>
+              <p:cNvPr id="6" name="テキスト ボックス 5">
+                <a:extLst>
+                  <a:ext uri="{FF2B5EF4-FFF2-40B4-BE49-F238E27FC236}">
+                    <a16:creationId xmlns:a16="http://schemas.microsoft.com/office/drawing/2014/main" id="{CC1C8236-BFC3-CB7F-18F3-E377BD4CAF85}"/>
+                  </a:ext>
+                </a:extLst>
+              </p:cNvPr>
+              <p:cNvSpPr txBox="1">
+                <a:spLocks noRot="1" noChangeAspect="1" noMove="1" noResize="1" noEditPoints="1" noAdjustHandles="1" noChangeArrowheads="1" noChangeShapeType="1" noTextEdit="1"/>
+              </p:cNvSpPr>
+              <p:nvPr/>
+            </p:nvSpPr>
+            <p:spPr>
+              <a:xfrm>
+                <a:off x="2051720" y="4149080"/>
+                <a:ext cx="4572000" cy="823944"/>
+              </a:xfrm>
+              <a:prstGeom prst="rect">
+                <a:avLst/>
+              </a:prstGeom>
+              <a:blipFill>
+                <a:blip r:embed="rId3"/>
+                <a:stretch>
+                  <a:fillRect/>
+                </a:stretch>
+              </a:blipFill>
+            </p:spPr>
+            <p:txBody>
+              <a:bodyPr/>
+              <a:lstStyle/>
+              <a:p>
+                <a:r>
+                  <a:rPr lang="ja-JP" altLang="en-US">
+                    <a:noFill/>
+                  </a:rPr>
+                  <a:t> </a:t>
+                </a:r>
+              </a:p>
+            </p:txBody>
+          </p:sp>
+        </mc:Fallback>
+      </mc:AlternateContent>
+    </p:spTree>
+    <p:extLst>
+      <p:ext uri="{BB962C8B-B14F-4D97-AF65-F5344CB8AC3E}">
+        <p14:creationId xmlns:p14="http://schemas.microsoft.com/office/powerpoint/2010/main" val="2575138092"/>
+      </p:ext>
+    </p:extLst>
+  </p:cSld>
+  <p:clrMapOvr>
+    <a:masterClrMapping/>
+  </p:clrMapOvr>
+</p:sld>
+</file>
+
+<file path=ppt/slides/slide12.xml><?xml version="1.0" encoding="utf-8"?>
+<p:sld xmlns:a="http://schemas.openxmlformats.org/drawingml/2006/main" xmlns:r="http://schemas.openxmlformats.org/officeDocument/2006/relationships" xmlns:p="http://schemas.openxmlformats.org/presentationml/2006/main">
+  <p:cSld>
+    <p:spTree>
+      <p:nvGrpSpPr>
+        <p:cNvPr id="1" name=""/>
+        <p:cNvGrpSpPr/>
+        <p:nvPr/>
+      </p:nvGrpSpPr>
+      <p:grpSpPr>
+        <a:xfrm>
+          <a:off x="0" y="0"/>
+          <a:ext cx="0" cy="0"/>
+          <a:chOff x="0" y="0"/>
+          <a:chExt cx="0" cy="0"/>
+        </a:xfrm>
+      </p:grpSpPr>
+      <p:sp>
+        <p:nvSpPr>
+          <p:cNvPr id="2" name="テキスト プレースホルダー 1">
+            <a:extLst>
+              <a:ext uri="{FF2B5EF4-FFF2-40B4-BE49-F238E27FC236}">
+                <a16:creationId xmlns:a16="http://schemas.microsoft.com/office/drawing/2014/main" id="{F41FDDA9-3F82-C654-FDE0-A81D2B23AFDC}"/>
+              </a:ext>
+            </a:extLst>
+          </p:cNvPr>
+          <p:cNvSpPr>
+            <a:spLocks noGrp="1"/>
+          </p:cNvSpPr>
+          <p:nvPr>
+            <p:ph type="body" sz="quarter" idx="10"/>
+          </p:nvPr>
+        </p:nvSpPr>
+        <p:spPr/>
+        <p:txBody>
+          <a:bodyPr/>
+          <a:lstStyle/>
+          <a:p>
+            <a:r>
+              <a:rPr lang="ja-JP" altLang="en-US"/>
+              <a:t>実装の基礎</a:t>
+            </a:r>
+            <a:endParaRPr kumimoji="1" lang="ja-JP" altLang="en-US"/>
+          </a:p>
+        </p:txBody>
+      </p:sp>
+      <p:sp>
+        <p:nvSpPr>
+          <p:cNvPr id="3" name="テキスト ボックス 2">
+            <a:extLst>
+              <a:ext uri="{FF2B5EF4-FFF2-40B4-BE49-F238E27FC236}">
+                <a16:creationId xmlns:a16="http://schemas.microsoft.com/office/drawing/2014/main" id="{02F7C5A8-E3A9-D452-D19C-C97237E71CBA}"/>
+              </a:ext>
+            </a:extLst>
+          </p:cNvPr>
+          <p:cNvSpPr txBox="1"/>
+          <p:nvPr/>
+        </p:nvSpPr>
+        <p:spPr>
+          <a:xfrm>
+            <a:off x="395536" y="1052736"/>
+            <a:ext cx="4801314" cy="646331"/>
+          </a:xfrm>
+          <a:prstGeom prst="rect">
+            <a:avLst/>
+          </a:prstGeom>
+          <a:noFill/>
+        </p:spPr>
+        <p:txBody>
+          <a:bodyPr wrap="none" rtlCol="0">
+            <a:spAutoFit/>
+          </a:bodyPr>
+          <a:lstStyle/>
+          <a:p>
+            <a:r>
+              <a:rPr lang="ja-JP" altLang="en-US" sz="3600"/>
+              <a:t>位置の時間発展は簡単</a:t>
+            </a:r>
+            <a:endParaRPr kumimoji="1" lang="ja-JP" altLang="en-US" sz="3600"/>
+          </a:p>
+        </p:txBody>
+      </p:sp>
+      <mc:AlternateContent xmlns:mc="http://schemas.openxmlformats.org/markup-compatibility/2006">
+        <mc:Choice xmlns:a14="http://schemas.microsoft.com/office/drawing/2010/main" Requires="a14">
+          <p:sp>
+            <p:nvSpPr>
+              <p:cNvPr id="4" name="テキスト ボックス 3">
+                <a:extLst>
+                  <a:ext uri="{FF2B5EF4-FFF2-40B4-BE49-F238E27FC236}">
+                    <a16:creationId xmlns:a16="http://schemas.microsoft.com/office/drawing/2014/main" id="{743414BD-3EF7-F8F8-F07E-BE0BB6325E25}"/>
+                  </a:ext>
+                </a:extLst>
+              </p:cNvPr>
+              <p:cNvSpPr txBox="1"/>
+              <p:nvPr/>
+            </p:nvSpPr>
+            <p:spPr>
+              <a:xfrm>
+                <a:off x="1907704" y="1700808"/>
+                <a:ext cx="4532202" cy="1400640"/>
+              </a:xfrm>
+              <a:prstGeom prst="rect">
+                <a:avLst/>
+              </a:prstGeom>
+              <a:noFill/>
+            </p:spPr>
+            <p:txBody>
+              <a:bodyPr wrap="none" rtlCol="0">
+                <a:spAutoFit/>
+              </a:bodyPr>
+              <a:lstStyle/>
+              <a:p>
+                <a14:m>
+                  <m:oMathPara xmlns:m="http://schemas.openxmlformats.org/officeDocument/2006/math">
+                    <m:oMathParaPr>
+                      <m:jc m:val="centerGroup"/>
+                    </m:oMathParaPr>
+                    <m:oMath xmlns:m="http://schemas.openxmlformats.org/officeDocument/2006/math">
+                      <m:r>
+                        <a:rPr kumimoji="1" lang="en-US" altLang="ja-JP" sz="3200" b="0" i="1" smtClean="0">
+                          <a:latin typeface="Cambria Math" panose="02040503050406030204" pitchFamily="18" charset="0"/>
+                        </a:rPr>
+                        <m:t>𝐻</m:t>
+                      </m:r>
+                      <m:r>
+                        <a:rPr kumimoji="1" lang="en-US" altLang="ja-JP" sz="3200" b="0" i="1" smtClean="0">
+                          <a:latin typeface="Cambria Math" panose="02040503050406030204" pitchFamily="18" charset="0"/>
+                        </a:rPr>
+                        <m:t>=</m:t>
+                      </m:r>
+                      <m:nary>
+                        <m:naryPr>
+                          <m:chr m:val="∑"/>
+                          <m:supHide m:val="on"/>
+                          <m:ctrlPr>
+                            <a:rPr kumimoji="1" lang="en-US" altLang="ja-JP" sz="3200" b="0" i="1" smtClean="0">
+                              <a:latin typeface="Cambria Math" panose="02040503050406030204" pitchFamily="18" charset="0"/>
+                            </a:rPr>
+                          </m:ctrlPr>
+                        </m:naryPr>
+                        <m:sub>
+                          <m:r>
+                            <a:rPr kumimoji="1" lang="en-US" altLang="ja-JP" sz="3200" b="0" i="1" smtClean="0">
+                              <a:latin typeface="Cambria Math" panose="02040503050406030204" pitchFamily="18" charset="0"/>
+                            </a:rPr>
+                            <m:t>𝑖</m:t>
+                          </m:r>
+                        </m:sub>
+                        <m:sup/>
+                        <m:e>
+                          <m:f>
+                            <m:fPr>
+                              <m:ctrlPr>
+                                <a:rPr kumimoji="1" lang="en-US" altLang="ja-JP" sz="3200" b="0" i="1" smtClean="0">
+                                  <a:latin typeface="Cambria Math" panose="02040503050406030204" pitchFamily="18" charset="0"/>
+                                </a:rPr>
+                              </m:ctrlPr>
+                            </m:fPr>
+                            <m:num>
+                              <m:sSubSup>
+                                <m:sSubSupPr>
+                                  <m:ctrlPr>
+                                    <a:rPr kumimoji="1" lang="en-US" altLang="ja-JP" sz="3200" b="0" i="1" smtClean="0">
+                                      <a:latin typeface="Cambria Math" panose="02040503050406030204" pitchFamily="18" charset="0"/>
+                                    </a:rPr>
+                                  </m:ctrlPr>
+                                </m:sSubSupPr>
+                                <m:e>
+                                  <m:acc>
+                                    <m:accPr>
+                                      <m:chr m:val="⃗"/>
+                                      <m:ctrlPr>
+                                        <a:rPr kumimoji="1" lang="en-US" altLang="ja-JP" sz="3200" b="0" i="1" smtClean="0">
+                                          <a:latin typeface="Cambria Math" panose="02040503050406030204" pitchFamily="18" charset="0"/>
+                                        </a:rPr>
+                                      </m:ctrlPr>
+                                    </m:accPr>
+                                    <m:e>
+                                      <m:r>
+                                        <a:rPr kumimoji="1" lang="en-US" altLang="ja-JP" sz="3200" b="0" i="1" smtClean="0">
+                                          <a:latin typeface="Cambria Math" panose="02040503050406030204" pitchFamily="18" charset="0"/>
+                                        </a:rPr>
+                                        <m:t>𝑝</m:t>
+                                      </m:r>
+                                    </m:e>
+                                  </m:acc>
+                                </m:e>
+                                <m:sub>
+                                  <m:r>
+                                    <a:rPr kumimoji="1" lang="en-US" altLang="ja-JP" sz="3200" b="0" i="1" smtClean="0">
+                                      <a:latin typeface="Cambria Math" panose="02040503050406030204" pitchFamily="18" charset="0"/>
+                                    </a:rPr>
+                                    <m:t>𝑖</m:t>
+                                  </m:r>
+                                </m:sub>
+                                <m:sup>
+                                  <m:r>
+                                    <a:rPr kumimoji="1" lang="en-US" altLang="ja-JP" sz="3200" b="0" i="1" smtClean="0">
+                                      <a:latin typeface="Cambria Math" panose="02040503050406030204" pitchFamily="18" charset="0"/>
+                                    </a:rPr>
+                                    <m:t>2</m:t>
+                                  </m:r>
+                                </m:sup>
+                              </m:sSubSup>
+                            </m:num>
+                            <m:den>
+                              <m:r>
+                                <a:rPr kumimoji="1" lang="en-US" altLang="ja-JP" sz="3200" b="0" i="1" smtClean="0">
+                                  <a:latin typeface="Cambria Math" panose="02040503050406030204" pitchFamily="18" charset="0"/>
+                                </a:rPr>
+                                <m:t>2</m:t>
+                              </m:r>
+                              <m:r>
+                                <a:rPr kumimoji="1" lang="en-US" altLang="ja-JP" sz="3200" b="0" i="1" smtClean="0">
+                                  <a:latin typeface="Cambria Math" panose="02040503050406030204" pitchFamily="18" charset="0"/>
+                                </a:rPr>
+                                <m:t>𝑚</m:t>
+                              </m:r>
+                            </m:den>
+                          </m:f>
+                          <m:r>
+                            <a:rPr kumimoji="1" lang="en-US" altLang="ja-JP" sz="3200" b="0" i="1" smtClean="0">
+                              <a:latin typeface="Cambria Math" panose="02040503050406030204" pitchFamily="18" charset="0"/>
+                            </a:rPr>
+                            <m:t>+</m:t>
+                          </m:r>
+                          <m:nary>
+                            <m:naryPr>
+                              <m:chr m:val="∑"/>
+                              <m:supHide m:val="on"/>
+                              <m:ctrlPr>
+                                <a:rPr kumimoji="1" lang="en-US" altLang="ja-JP" sz="3200" b="0" i="1" smtClean="0">
+                                  <a:latin typeface="Cambria Math" panose="02040503050406030204" pitchFamily="18" charset="0"/>
+                                </a:rPr>
+                              </m:ctrlPr>
+                            </m:naryPr>
+                            <m:sub>
+                              <m:r>
+                                <a:rPr kumimoji="1" lang="en-US" altLang="ja-JP" sz="3200" b="0" i="1" smtClean="0">
+                                  <a:latin typeface="Cambria Math" panose="02040503050406030204" pitchFamily="18" charset="0"/>
+                                </a:rPr>
+                                <m:t>𝑖</m:t>
+                              </m:r>
+                              <m:r>
+                                <a:rPr kumimoji="1" lang="en-US" altLang="ja-JP" sz="3200" b="0" i="1" smtClean="0">
+                                  <a:latin typeface="Cambria Math" panose="02040503050406030204" pitchFamily="18" charset="0"/>
+                                </a:rPr>
+                                <m:t>&lt;</m:t>
+                              </m:r>
+                              <m:r>
+                                <a:rPr kumimoji="1" lang="en-US" altLang="ja-JP" sz="3200" b="0" i="1" smtClean="0">
+                                  <a:latin typeface="Cambria Math" panose="02040503050406030204" pitchFamily="18" charset="0"/>
+                                </a:rPr>
+                                <m:t>𝑗</m:t>
+                              </m:r>
+                            </m:sub>
+                            <m:sup/>
+                            <m:e>
+                              <m:r>
+                                <a:rPr kumimoji="1" lang="en-US" altLang="ja-JP" sz="3200" b="0" i="1" smtClean="0">
+                                  <a:latin typeface="Cambria Math" panose="02040503050406030204" pitchFamily="18" charset="0"/>
+                                </a:rPr>
+                                <m:t>𝑉</m:t>
+                              </m:r>
+                              <m:r>
+                                <a:rPr kumimoji="1" lang="en-US" altLang="ja-JP" sz="3200" b="0" i="1" smtClean="0">
+                                  <a:latin typeface="Cambria Math" panose="02040503050406030204" pitchFamily="18" charset="0"/>
+                                </a:rPr>
+                                <m:t>(</m:t>
+                              </m:r>
+                              <m:sSub>
+                                <m:sSubPr>
+                                  <m:ctrlPr>
+                                    <a:rPr kumimoji="1" lang="en-US" altLang="ja-JP" sz="3200" b="0" i="1" smtClean="0">
+                                      <a:latin typeface="Cambria Math" panose="02040503050406030204" pitchFamily="18" charset="0"/>
+                                    </a:rPr>
+                                  </m:ctrlPr>
+                                </m:sSubPr>
+                                <m:e>
+                                  <m:r>
+                                    <a:rPr kumimoji="1" lang="en-US" altLang="ja-JP" sz="3200" b="0" i="1" smtClean="0">
+                                      <a:latin typeface="Cambria Math" panose="02040503050406030204" pitchFamily="18" charset="0"/>
+                                    </a:rPr>
+                                    <m:t>𝑞</m:t>
+                                  </m:r>
+                                </m:e>
+                                <m:sub>
+                                  <m:r>
+                                    <a:rPr kumimoji="1" lang="en-US" altLang="ja-JP" sz="3200" b="0" i="1" smtClean="0">
+                                      <a:latin typeface="Cambria Math" panose="02040503050406030204" pitchFamily="18" charset="0"/>
+                                    </a:rPr>
+                                    <m:t>𝑖𝑗</m:t>
+                                  </m:r>
+                                </m:sub>
+                              </m:sSub>
+                              <m:r>
+                                <a:rPr kumimoji="1" lang="en-US" altLang="ja-JP" sz="3200" b="0" i="1" smtClean="0">
+                                  <a:latin typeface="Cambria Math" panose="02040503050406030204" pitchFamily="18" charset="0"/>
+                                </a:rPr>
+                                <m:t>)</m:t>
+                              </m:r>
+                            </m:e>
+                          </m:nary>
+                        </m:e>
+                      </m:nary>
+                    </m:oMath>
+                  </m:oMathPara>
+                </a14:m>
+                <a:endParaRPr kumimoji="1" lang="ja-JP" altLang="en-US" sz="3200"/>
+              </a:p>
+            </p:txBody>
+          </p:sp>
+        </mc:Choice>
+        <mc:Fallback>
+          <p:sp>
+            <p:nvSpPr>
+              <p:cNvPr id="4" name="テキスト ボックス 3">
+                <a:extLst>
+                  <a:ext uri="{FF2B5EF4-FFF2-40B4-BE49-F238E27FC236}">
+                    <a16:creationId xmlns:a16="http://schemas.microsoft.com/office/drawing/2014/main" id="{743414BD-3EF7-F8F8-F07E-BE0BB6325E25}"/>
+                  </a:ext>
+                </a:extLst>
+              </p:cNvPr>
+              <p:cNvSpPr txBox="1">
+                <a:spLocks noRot="1" noChangeAspect="1" noMove="1" noResize="1" noEditPoints="1" noAdjustHandles="1" noChangeArrowheads="1" noChangeShapeType="1" noTextEdit="1"/>
+              </p:cNvSpPr>
+              <p:nvPr/>
+            </p:nvSpPr>
+            <p:spPr>
+              <a:xfrm>
+                <a:off x="1907704" y="1700808"/>
+                <a:ext cx="4532202" cy="1400640"/>
+              </a:xfrm>
+              <a:prstGeom prst="rect">
+                <a:avLst/>
+              </a:prstGeom>
+              <a:blipFill>
+                <a:blip r:embed="rId2"/>
+                <a:stretch>
+                  <a:fillRect/>
+                </a:stretch>
+              </a:blipFill>
+            </p:spPr>
+            <p:txBody>
+              <a:bodyPr/>
+              <a:lstStyle/>
+              <a:p>
+                <a:r>
+                  <a:rPr lang="ja-JP" altLang="en-US">
+                    <a:noFill/>
+                  </a:rPr>
+                  <a:t> </a:t>
+                </a:r>
+              </a:p>
+            </p:txBody>
+          </p:sp>
+        </mc:Fallback>
+      </mc:AlternateContent>
+      <mc:AlternateContent xmlns:mc="http://schemas.openxmlformats.org/markup-compatibility/2006">
+        <mc:Choice xmlns:a14="http://schemas.microsoft.com/office/drawing/2010/main" Requires="a14">
+          <p:sp>
+            <p:nvSpPr>
+              <p:cNvPr id="5" name="テキスト ボックス 4">
+                <a:extLst>
+                  <a:ext uri="{FF2B5EF4-FFF2-40B4-BE49-F238E27FC236}">
+                    <a16:creationId xmlns:a16="http://schemas.microsoft.com/office/drawing/2014/main" id="{EF93ADA1-FF4A-431B-396C-FC7AC1AA3C03}"/>
+                  </a:ext>
+                </a:extLst>
+              </p:cNvPr>
+              <p:cNvSpPr txBox="1"/>
+              <p:nvPr/>
+            </p:nvSpPr>
+            <p:spPr>
+              <a:xfrm>
+                <a:off x="683568" y="3284984"/>
+                <a:ext cx="3198055" cy="1172693"/>
+              </a:xfrm>
+              <a:prstGeom prst="rect">
+                <a:avLst/>
+              </a:prstGeom>
+              <a:noFill/>
+            </p:spPr>
+            <p:txBody>
+              <a:bodyPr wrap="none" rtlCol="0">
+                <a:spAutoFit/>
+              </a:bodyPr>
+              <a:lstStyle/>
+              <a:p>
+                <a14:m>
+                  <m:oMathPara xmlns:m="http://schemas.openxmlformats.org/officeDocument/2006/math">
+                    <m:oMathParaPr>
+                      <m:jc m:val="centerGroup"/>
+                    </m:oMathParaPr>
+                    <m:oMath xmlns:m="http://schemas.openxmlformats.org/officeDocument/2006/math">
+                      <m:f>
+                        <m:fPr>
+                          <m:ctrlPr>
+                            <a:rPr kumimoji="1" lang="en-US" altLang="ja-JP" sz="3200" b="0" i="1" smtClean="0">
+                              <a:latin typeface="Cambria Math" panose="02040503050406030204" pitchFamily="18" charset="0"/>
+                            </a:rPr>
+                          </m:ctrlPr>
+                        </m:fPr>
+                        <m:num>
+                          <m:r>
+                            <a:rPr kumimoji="1" lang="en-US" altLang="ja-JP" sz="3200" b="0" i="1" smtClean="0">
+                              <a:latin typeface="Cambria Math" panose="02040503050406030204" pitchFamily="18" charset="0"/>
+                            </a:rPr>
+                            <m:t>𝑑</m:t>
+                          </m:r>
+                          <m:sSubSup>
+                            <m:sSubSupPr>
+                              <m:ctrlPr>
+                                <a:rPr kumimoji="1" lang="en-US" altLang="ja-JP" sz="3200" b="0" i="1" smtClean="0">
+                                  <a:latin typeface="Cambria Math" panose="02040503050406030204" pitchFamily="18" charset="0"/>
+                                </a:rPr>
+                              </m:ctrlPr>
+                            </m:sSubSupPr>
+                            <m:e>
+                              <m:r>
+                                <a:rPr kumimoji="1" lang="en-US" altLang="ja-JP" sz="3200" b="0" i="1" smtClean="0">
+                                  <a:latin typeface="Cambria Math" panose="02040503050406030204" pitchFamily="18" charset="0"/>
+                                </a:rPr>
+                                <m:t>𝑞</m:t>
+                              </m:r>
+                            </m:e>
+                            <m:sub>
+                              <m:r>
+                                <a:rPr kumimoji="1" lang="en-US" altLang="ja-JP" sz="3200" b="0" i="1" smtClean="0">
+                                  <a:latin typeface="Cambria Math" panose="02040503050406030204" pitchFamily="18" charset="0"/>
+                                </a:rPr>
+                                <m:t>𝑖</m:t>
+                              </m:r>
+                            </m:sub>
+                            <m:sup>
+                              <m:r>
+                                <a:rPr kumimoji="1" lang="en-US" altLang="ja-JP" sz="3200" b="0" i="1" smtClean="0">
+                                  <a:latin typeface="Cambria Math" panose="02040503050406030204" pitchFamily="18" charset="0"/>
+                                </a:rPr>
+                                <m:t>𝑥</m:t>
+                              </m:r>
+                            </m:sup>
+                          </m:sSubSup>
+                        </m:num>
+                        <m:den>
+                          <m:r>
+                            <a:rPr kumimoji="1" lang="en-US" altLang="ja-JP" sz="3200" b="0" i="1" smtClean="0">
+                              <a:latin typeface="Cambria Math" panose="02040503050406030204" pitchFamily="18" charset="0"/>
+                            </a:rPr>
+                            <m:t>𝑑𝑡</m:t>
+                          </m:r>
+                        </m:den>
+                      </m:f>
+                      <m:r>
+                        <a:rPr kumimoji="1" lang="en-US" altLang="ja-JP" sz="3200" b="0" i="1" smtClean="0">
+                          <a:latin typeface="Cambria Math" panose="02040503050406030204" pitchFamily="18" charset="0"/>
+                        </a:rPr>
+                        <m:t>=</m:t>
+                      </m:r>
+                      <m:f>
+                        <m:fPr>
+                          <m:ctrlPr>
+                            <a:rPr kumimoji="1" lang="en-US" altLang="ja-JP" sz="3200" b="0" i="1" smtClean="0">
+                              <a:latin typeface="Cambria Math" panose="02040503050406030204" pitchFamily="18" charset="0"/>
+                            </a:rPr>
+                          </m:ctrlPr>
+                        </m:fPr>
+                        <m:num>
+                          <m:r>
+                            <a:rPr kumimoji="1" lang="en-US" altLang="ja-JP" sz="3200" b="0" i="1" smtClean="0">
+                              <a:latin typeface="Cambria Math" panose="02040503050406030204" pitchFamily="18" charset="0"/>
+                            </a:rPr>
+                            <m:t>𝜕</m:t>
+                          </m:r>
+                          <m:r>
+                            <a:rPr kumimoji="1" lang="en-US" altLang="ja-JP" sz="3200" b="0" i="1" smtClean="0">
+                              <a:latin typeface="Cambria Math" panose="02040503050406030204" pitchFamily="18" charset="0"/>
+                            </a:rPr>
+                            <m:t>𝐻</m:t>
+                          </m:r>
+                        </m:num>
+                        <m:den>
+                          <m:r>
+                            <a:rPr kumimoji="1" lang="en-US" altLang="ja-JP" sz="3200" b="0" i="1" smtClean="0">
+                              <a:latin typeface="Cambria Math" panose="02040503050406030204" pitchFamily="18" charset="0"/>
+                            </a:rPr>
+                            <m:t>𝜕</m:t>
+                          </m:r>
+                          <m:sSubSup>
+                            <m:sSubSupPr>
+                              <m:ctrlPr>
+                                <a:rPr kumimoji="1" lang="en-US" altLang="ja-JP" sz="3200" b="0" i="1" smtClean="0">
+                                  <a:latin typeface="Cambria Math" panose="02040503050406030204" pitchFamily="18" charset="0"/>
+                                </a:rPr>
+                              </m:ctrlPr>
+                            </m:sSubSupPr>
+                            <m:e>
+                              <m:r>
+                                <a:rPr kumimoji="1" lang="en-US" altLang="ja-JP" sz="3200" b="0" i="1" smtClean="0">
+                                  <a:latin typeface="Cambria Math" panose="02040503050406030204" pitchFamily="18" charset="0"/>
+                                </a:rPr>
+                                <m:t>𝑝</m:t>
+                              </m:r>
+                            </m:e>
+                            <m:sub>
+                              <m:r>
+                                <a:rPr kumimoji="1" lang="en-US" altLang="ja-JP" sz="3200" b="0" i="1" smtClean="0">
+                                  <a:latin typeface="Cambria Math" panose="02040503050406030204" pitchFamily="18" charset="0"/>
+                                </a:rPr>
+                                <m:t>𝑖</m:t>
+                              </m:r>
+                            </m:sub>
+                            <m:sup>
+                              <m:r>
+                                <a:rPr kumimoji="1" lang="en-US" altLang="ja-JP" sz="3200" b="0" i="1" smtClean="0">
+                                  <a:latin typeface="Cambria Math" panose="02040503050406030204" pitchFamily="18" charset="0"/>
+                                </a:rPr>
+                                <m:t>𝑥</m:t>
+                              </m:r>
+                            </m:sup>
+                          </m:sSubSup>
+                        </m:den>
+                      </m:f>
+                      <m:r>
+                        <a:rPr kumimoji="1" lang="en-US" altLang="ja-JP" sz="3200" b="0" i="1" smtClean="0">
+                          <a:latin typeface="Cambria Math" panose="02040503050406030204" pitchFamily="18" charset="0"/>
+                        </a:rPr>
+                        <m:t>=</m:t>
+                      </m:r>
+                      <m:f>
+                        <m:fPr>
+                          <m:ctrlPr>
+                            <a:rPr kumimoji="1" lang="en-US" altLang="ja-JP" sz="3200" b="0" i="1" smtClean="0">
+                              <a:latin typeface="Cambria Math" panose="02040503050406030204" pitchFamily="18" charset="0"/>
+                            </a:rPr>
+                          </m:ctrlPr>
+                        </m:fPr>
+                        <m:num>
+                          <m:sSubSup>
+                            <m:sSubSupPr>
+                              <m:ctrlPr>
+                                <a:rPr kumimoji="1" lang="en-US" altLang="ja-JP" sz="3200" b="0" i="1" smtClean="0">
+                                  <a:latin typeface="Cambria Math" panose="02040503050406030204" pitchFamily="18" charset="0"/>
+                                </a:rPr>
+                              </m:ctrlPr>
+                            </m:sSubSupPr>
+                            <m:e>
+                              <m:r>
+                                <a:rPr kumimoji="1" lang="en-US" altLang="ja-JP" sz="3200" b="0" i="1" smtClean="0">
+                                  <a:latin typeface="Cambria Math" panose="02040503050406030204" pitchFamily="18" charset="0"/>
+                                </a:rPr>
+                                <m:t>𝑝</m:t>
+                              </m:r>
+                            </m:e>
+                            <m:sub>
+                              <m:r>
+                                <a:rPr kumimoji="1" lang="en-US" altLang="ja-JP" sz="3200" b="0" i="1" smtClean="0">
+                                  <a:latin typeface="Cambria Math" panose="02040503050406030204" pitchFamily="18" charset="0"/>
+                                </a:rPr>
+                                <m:t>𝑖</m:t>
+                              </m:r>
+                            </m:sub>
+                            <m:sup>
+                              <m:r>
+                                <a:rPr kumimoji="1" lang="en-US" altLang="ja-JP" sz="3200" b="0" i="1" smtClean="0">
+                                  <a:latin typeface="Cambria Math" panose="02040503050406030204" pitchFamily="18" charset="0"/>
+                                </a:rPr>
+                                <m:t>𝑥</m:t>
+                              </m:r>
+                            </m:sup>
+                          </m:sSubSup>
+                        </m:num>
+                        <m:den>
+                          <m:r>
+                            <a:rPr kumimoji="1" lang="en-US" altLang="ja-JP" sz="3200" b="0" i="1" smtClean="0">
+                              <a:latin typeface="Cambria Math" panose="02040503050406030204" pitchFamily="18" charset="0"/>
+                            </a:rPr>
+                            <m:t>𝑚</m:t>
+                          </m:r>
+                        </m:den>
+                      </m:f>
+                    </m:oMath>
+                  </m:oMathPara>
+                </a14:m>
+                <a:endParaRPr kumimoji="1" lang="ja-JP" altLang="en-US" sz="3200"/>
+              </a:p>
+            </p:txBody>
+          </p:sp>
+        </mc:Choice>
+        <mc:Fallback>
+          <p:sp>
+            <p:nvSpPr>
+              <p:cNvPr id="5" name="テキスト ボックス 4">
+                <a:extLst>
+                  <a:ext uri="{FF2B5EF4-FFF2-40B4-BE49-F238E27FC236}">
+                    <a16:creationId xmlns:a16="http://schemas.microsoft.com/office/drawing/2014/main" id="{EF93ADA1-FF4A-431B-396C-FC7AC1AA3C03}"/>
+                  </a:ext>
+                </a:extLst>
+              </p:cNvPr>
+              <p:cNvSpPr txBox="1">
+                <a:spLocks noRot="1" noChangeAspect="1" noMove="1" noResize="1" noEditPoints="1" noAdjustHandles="1" noChangeArrowheads="1" noChangeShapeType="1" noTextEdit="1"/>
+              </p:cNvSpPr>
+              <p:nvPr/>
+            </p:nvSpPr>
+            <p:spPr>
+              <a:xfrm>
+                <a:off x="683568" y="3284984"/>
+                <a:ext cx="3198055" cy="1172693"/>
+              </a:xfrm>
+              <a:prstGeom prst="rect">
+                <a:avLst/>
+              </a:prstGeom>
+              <a:blipFill>
+                <a:blip r:embed="rId3"/>
+                <a:stretch>
+                  <a:fillRect/>
+                </a:stretch>
+              </a:blipFill>
+            </p:spPr>
+            <p:txBody>
+              <a:bodyPr/>
+              <a:lstStyle/>
+              <a:p>
+                <a:r>
+                  <a:rPr lang="ja-JP" altLang="en-US">
+                    <a:noFill/>
+                  </a:rPr>
+                  <a:t> </a:t>
+                </a:r>
+              </a:p>
+            </p:txBody>
+          </p:sp>
+        </mc:Fallback>
+      </mc:AlternateContent>
+      <mc:AlternateContent xmlns:mc="http://schemas.openxmlformats.org/markup-compatibility/2006">
+        <mc:Choice xmlns:a14="http://schemas.microsoft.com/office/drawing/2010/main" Requires="a14">
+          <p:sp>
+            <p:nvSpPr>
+              <p:cNvPr id="6" name="テキスト ボックス 5">
+                <a:extLst>
+                  <a:ext uri="{FF2B5EF4-FFF2-40B4-BE49-F238E27FC236}">
+                    <a16:creationId xmlns:a16="http://schemas.microsoft.com/office/drawing/2014/main" id="{7CEA0352-382A-AFB0-F47E-28D915F450BF}"/>
+                  </a:ext>
+                </a:extLst>
+              </p:cNvPr>
+              <p:cNvSpPr txBox="1"/>
+              <p:nvPr/>
+            </p:nvSpPr>
+            <p:spPr>
+              <a:xfrm>
+                <a:off x="4788024" y="4437112"/>
+                <a:ext cx="2902461" cy="1146981"/>
+              </a:xfrm>
+              <a:prstGeom prst="rect">
+                <a:avLst/>
+              </a:prstGeom>
+              <a:noFill/>
+            </p:spPr>
+            <p:txBody>
+              <a:bodyPr wrap="none" rtlCol="0">
+                <a:spAutoFit/>
+              </a:bodyPr>
+              <a:lstStyle/>
+              <a:p>
+                <a14:m>
+                  <m:oMathPara xmlns:m="http://schemas.openxmlformats.org/officeDocument/2006/math">
+                    <m:oMathParaPr>
+                      <m:jc m:val="centerGroup"/>
+                    </m:oMathParaPr>
+                    <m:oMath xmlns:m="http://schemas.openxmlformats.org/officeDocument/2006/math">
+                      <m:f>
+                        <m:fPr>
+                          <m:ctrlPr>
+                            <a:rPr kumimoji="1" lang="en-US" altLang="ja-JP" sz="3200" b="0" i="1" smtClean="0">
+                              <a:latin typeface="Cambria Math" panose="02040503050406030204" pitchFamily="18" charset="0"/>
+                            </a:rPr>
+                          </m:ctrlPr>
+                        </m:fPr>
+                        <m:num>
+                          <m:r>
+                            <a:rPr kumimoji="1" lang="en-US" altLang="ja-JP" sz="3200" b="0" i="1" smtClean="0">
+                              <a:latin typeface="Cambria Math" panose="02040503050406030204" pitchFamily="18" charset="0"/>
+                            </a:rPr>
+                            <m:t>𝑑</m:t>
+                          </m:r>
+                          <m:sSub>
+                            <m:sSubPr>
+                              <m:ctrlPr>
+                                <a:rPr kumimoji="1" lang="en-US" altLang="ja-JP" sz="3200" b="0" i="1" smtClean="0">
+                                  <a:latin typeface="Cambria Math" panose="02040503050406030204" pitchFamily="18" charset="0"/>
+                                </a:rPr>
+                              </m:ctrlPr>
+                            </m:sSubPr>
+                            <m:e>
+                              <m:acc>
+                                <m:accPr>
+                                  <m:chr m:val="⃗"/>
+                                  <m:ctrlPr>
+                                    <a:rPr kumimoji="1" lang="en-US" altLang="ja-JP" sz="3200" b="0" i="1" smtClean="0">
+                                      <a:latin typeface="Cambria Math" panose="02040503050406030204" pitchFamily="18" charset="0"/>
+                                    </a:rPr>
+                                  </m:ctrlPr>
+                                </m:accPr>
+                                <m:e>
+                                  <m:r>
+                                    <a:rPr kumimoji="1" lang="en-US" altLang="ja-JP" sz="3200" b="0" i="1" smtClean="0">
+                                      <a:latin typeface="Cambria Math" panose="02040503050406030204" pitchFamily="18" charset="0"/>
+                                    </a:rPr>
+                                    <m:t>𝑞</m:t>
+                                  </m:r>
+                                </m:e>
+                              </m:acc>
+                            </m:e>
+                            <m:sub>
+                              <m:r>
+                                <a:rPr kumimoji="1" lang="en-US" altLang="ja-JP" sz="3200" b="0" i="1" smtClean="0">
+                                  <a:latin typeface="Cambria Math" panose="02040503050406030204" pitchFamily="18" charset="0"/>
+                                </a:rPr>
+                                <m:t>𝑖</m:t>
+                              </m:r>
+                            </m:sub>
+                          </m:sSub>
+                        </m:num>
+                        <m:den>
+                          <m:r>
+                            <a:rPr kumimoji="1" lang="en-US" altLang="ja-JP" sz="3200" b="0" i="1" smtClean="0">
+                              <a:latin typeface="Cambria Math" panose="02040503050406030204" pitchFamily="18" charset="0"/>
+                            </a:rPr>
+                            <m:t>𝑑𝑡</m:t>
+                          </m:r>
+                        </m:den>
+                      </m:f>
+                      <m:r>
+                        <a:rPr kumimoji="1" lang="en-US" altLang="ja-JP" sz="3200" b="0" i="1" smtClean="0">
+                          <a:latin typeface="Cambria Math" panose="02040503050406030204" pitchFamily="18" charset="0"/>
+                        </a:rPr>
+                        <m:t>=</m:t>
+                      </m:r>
+                      <m:f>
+                        <m:fPr>
+                          <m:ctrlPr>
+                            <a:rPr kumimoji="1" lang="en-US" altLang="ja-JP" sz="3200" b="0" i="1" smtClean="0">
+                              <a:latin typeface="Cambria Math" panose="02040503050406030204" pitchFamily="18" charset="0"/>
+                            </a:rPr>
+                          </m:ctrlPr>
+                        </m:fPr>
+                        <m:num>
+                          <m:r>
+                            <a:rPr kumimoji="1" lang="en-US" altLang="ja-JP" sz="3200" b="0" i="1" smtClean="0">
+                              <a:latin typeface="Cambria Math" panose="02040503050406030204" pitchFamily="18" charset="0"/>
+                            </a:rPr>
+                            <m:t>𝜕</m:t>
+                          </m:r>
+                          <m:r>
+                            <a:rPr kumimoji="1" lang="en-US" altLang="ja-JP" sz="3200" b="0" i="1" smtClean="0">
+                              <a:latin typeface="Cambria Math" panose="02040503050406030204" pitchFamily="18" charset="0"/>
+                            </a:rPr>
+                            <m:t>𝐻</m:t>
+                          </m:r>
+                        </m:num>
+                        <m:den>
+                          <m:r>
+                            <a:rPr kumimoji="1" lang="en-US" altLang="ja-JP" sz="3200" b="0" i="1" smtClean="0">
+                              <a:latin typeface="Cambria Math" panose="02040503050406030204" pitchFamily="18" charset="0"/>
+                            </a:rPr>
+                            <m:t>𝜕</m:t>
+                          </m:r>
+                          <m:sSub>
+                            <m:sSubPr>
+                              <m:ctrlPr>
+                                <a:rPr kumimoji="1" lang="en-US" altLang="ja-JP" sz="3200" b="0" i="1" smtClean="0">
+                                  <a:latin typeface="Cambria Math" panose="02040503050406030204" pitchFamily="18" charset="0"/>
+                                </a:rPr>
+                              </m:ctrlPr>
+                            </m:sSubPr>
+                            <m:e>
+                              <m:acc>
+                                <m:accPr>
+                                  <m:chr m:val="⃗"/>
+                                  <m:ctrlPr>
+                                    <a:rPr kumimoji="1" lang="en-US" altLang="ja-JP" sz="3200" b="0" i="1" smtClean="0">
+                                      <a:latin typeface="Cambria Math" panose="02040503050406030204" pitchFamily="18" charset="0"/>
+                                    </a:rPr>
+                                  </m:ctrlPr>
+                                </m:accPr>
+                                <m:e>
+                                  <m:r>
+                                    <a:rPr kumimoji="1" lang="en-US" altLang="ja-JP" sz="3200" b="0" i="1" smtClean="0">
+                                      <a:latin typeface="Cambria Math" panose="02040503050406030204" pitchFamily="18" charset="0"/>
+                                    </a:rPr>
+                                    <m:t>𝑝</m:t>
+                                  </m:r>
+                                </m:e>
+                              </m:acc>
+                            </m:e>
+                            <m:sub>
+                              <m:r>
+                                <a:rPr kumimoji="1" lang="en-US" altLang="ja-JP" sz="3200" b="0" i="1" smtClean="0">
+                                  <a:latin typeface="Cambria Math" panose="02040503050406030204" pitchFamily="18" charset="0"/>
+                                </a:rPr>
+                                <m:t>𝑖</m:t>
+                              </m:r>
+                            </m:sub>
+                          </m:sSub>
+                        </m:den>
+                      </m:f>
+                      <m:r>
+                        <a:rPr kumimoji="1" lang="en-US" altLang="ja-JP" sz="3200" b="0" i="1" smtClean="0">
+                          <a:latin typeface="Cambria Math" panose="02040503050406030204" pitchFamily="18" charset="0"/>
+                        </a:rPr>
+                        <m:t>=</m:t>
+                      </m:r>
+                      <m:f>
+                        <m:fPr>
+                          <m:ctrlPr>
+                            <a:rPr kumimoji="1" lang="en-US" altLang="ja-JP" sz="3200" b="0" i="1" smtClean="0">
+                              <a:latin typeface="Cambria Math" panose="02040503050406030204" pitchFamily="18" charset="0"/>
+                            </a:rPr>
+                          </m:ctrlPr>
+                        </m:fPr>
+                        <m:num>
+                          <m:sSub>
+                            <m:sSubPr>
+                              <m:ctrlPr>
+                                <a:rPr kumimoji="1" lang="en-US" altLang="ja-JP" sz="3200" b="0" i="1" smtClean="0">
+                                  <a:latin typeface="Cambria Math" panose="02040503050406030204" pitchFamily="18" charset="0"/>
+                                </a:rPr>
+                              </m:ctrlPr>
+                            </m:sSubPr>
+                            <m:e>
+                              <m:acc>
+                                <m:accPr>
+                                  <m:chr m:val="⃗"/>
+                                  <m:ctrlPr>
+                                    <a:rPr kumimoji="1" lang="en-US" altLang="ja-JP" sz="3200" b="0" i="1" smtClean="0">
+                                      <a:latin typeface="Cambria Math" panose="02040503050406030204" pitchFamily="18" charset="0"/>
+                                    </a:rPr>
+                                  </m:ctrlPr>
+                                </m:accPr>
+                                <m:e>
+                                  <m:r>
+                                    <a:rPr kumimoji="1" lang="en-US" altLang="ja-JP" sz="3200" b="0" i="1" smtClean="0">
+                                      <a:latin typeface="Cambria Math" panose="02040503050406030204" pitchFamily="18" charset="0"/>
+                                    </a:rPr>
+                                    <m:t>𝑝</m:t>
+                                  </m:r>
+                                </m:e>
+                              </m:acc>
+                            </m:e>
+                            <m:sub>
+                              <m:r>
+                                <a:rPr kumimoji="1" lang="en-US" altLang="ja-JP" sz="3200" b="0" i="1" smtClean="0">
+                                  <a:latin typeface="Cambria Math" panose="02040503050406030204" pitchFamily="18" charset="0"/>
+                                </a:rPr>
+                                <m:t>𝑖</m:t>
+                              </m:r>
+                            </m:sub>
+                          </m:sSub>
+                        </m:num>
+                        <m:den>
+                          <m:r>
+                            <a:rPr kumimoji="1" lang="en-US" altLang="ja-JP" sz="3200" b="0" i="1" smtClean="0">
+                              <a:latin typeface="Cambria Math" panose="02040503050406030204" pitchFamily="18" charset="0"/>
+                            </a:rPr>
+                            <m:t>𝑚</m:t>
+                          </m:r>
+                        </m:den>
+                      </m:f>
+                    </m:oMath>
+                  </m:oMathPara>
+                </a14:m>
+                <a:endParaRPr kumimoji="1" lang="ja-JP" altLang="en-US" sz="3200"/>
+              </a:p>
+            </p:txBody>
+          </p:sp>
+        </mc:Choice>
+        <mc:Fallback>
+          <p:sp>
+            <p:nvSpPr>
+              <p:cNvPr id="6" name="テキスト ボックス 5">
+                <a:extLst>
+                  <a:ext uri="{FF2B5EF4-FFF2-40B4-BE49-F238E27FC236}">
+                    <a16:creationId xmlns:a16="http://schemas.microsoft.com/office/drawing/2014/main" id="{7CEA0352-382A-AFB0-F47E-28D915F450BF}"/>
+                  </a:ext>
+                </a:extLst>
+              </p:cNvPr>
+              <p:cNvSpPr txBox="1">
+                <a:spLocks noRot="1" noChangeAspect="1" noMove="1" noResize="1" noEditPoints="1" noAdjustHandles="1" noChangeArrowheads="1" noChangeShapeType="1" noTextEdit="1"/>
+              </p:cNvSpPr>
+              <p:nvPr/>
+            </p:nvSpPr>
+            <p:spPr>
+              <a:xfrm>
+                <a:off x="4788024" y="4437112"/>
+                <a:ext cx="2902461" cy="1146981"/>
+              </a:xfrm>
+              <a:prstGeom prst="rect">
+                <a:avLst/>
+              </a:prstGeom>
+              <a:blipFill>
+                <a:blip r:embed="rId4"/>
+                <a:stretch>
+                  <a:fillRect/>
+                </a:stretch>
+              </a:blipFill>
+            </p:spPr>
+            <p:txBody>
+              <a:bodyPr/>
+              <a:lstStyle/>
+              <a:p>
+                <a:r>
+                  <a:rPr lang="ja-JP" altLang="en-US">
+                    <a:noFill/>
+                  </a:rPr>
+                  <a:t> </a:t>
+                </a:r>
+              </a:p>
+            </p:txBody>
+          </p:sp>
+        </mc:Fallback>
+      </mc:AlternateContent>
+      <mc:AlternateContent xmlns:mc="http://schemas.openxmlformats.org/markup-compatibility/2006">
+        <mc:Choice xmlns:a14="http://schemas.microsoft.com/office/drawing/2010/main" Requires="a14">
+          <p:sp>
+            <p:nvSpPr>
+              <p:cNvPr id="7" name="テキスト ボックス 6">
+                <a:extLst>
+                  <a:ext uri="{FF2B5EF4-FFF2-40B4-BE49-F238E27FC236}">
+                    <a16:creationId xmlns:a16="http://schemas.microsoft.com/office/drawing/2014/main" id="{4936EE90-A57E-4AB1-FC25-673953BD2FDF}"/>
+                  </a:ext>
+                </a:extLst>
+              </p:cNvPr>
+              <p:cNvSpPr txBox="1"/>
+              <p:nvPr/>
+            </p:nvSpPr>
+            <p:spPr>
+              <a:xfrm>
+                <a:off x="683568" y="4437112"/>
+                <a:ext cx="3222292" cy="1280928"/>
+              </a:xfrm>
+              <a:prstGeom prst="rect">
+                <a:avLst/>
+              </a:prstGeom>
+              <a:noFill/>
+            </p:spPr>
+            <p:txBody>
+              <a:bodyPr wrap="none" rtlCol="0">
+                <a:spAutoFit/>
+              </a:bodyPr>
+              <a:lstStyle/>
+              <a:p>
+                <a14:m>
+                  <m:oMathPara xmlns:m="http://schemas.openxmlformats.org/officeDocument/2006/math">
+                    <m:oMathParaPr>
+                      <m:jc m:val="centerGroup"/>
+                    </m:oMathParaPr>
+                    <m:oMath xmlns:m="http://schemas.openxmlformats.org/officeDocument/2006/math">
+                      <m:f>
+                        <m:fPr>
+                          <m:ctrlPr>
+                            <a:rPr kumimoji="1" lang="en-US" altLang="ja-JP" sz="3200" b="0" i="1" smtClean="0">
+                              <a:latin typeface="Cambria Math" panose="02040503050406030204" pitchFamily="18" charset="0"/>
+                            </a:rPr>
+                          </m:ctrlPr>
+                        </m:fPr>
+                        <m:num>
+                          <m:r>
+                            <a:rPr kumimoji="1" lang="en-US" altLang="ja-JP" sz="3200" b="0" i="1" smtClean="0">
+                              <a:latin typeface="Cambria Math" panose="02040503050406030204" pitchFamily="18" charset="0"/>
+                            </a:rPr>
+                            <m:t>𝑑</m:t>
+                          </m:r>
+                          <m:sSubSup>
+                            <m:sSubSupPr>
+                              <m:ctrlPr>
+                                <a:rPr kumimoji="1" lang="en-US" altLang="ja-JP" sz="3200" b="0" i="1" smtClean="0">
+                                  <a:latin typeface="Cambria Math" panose="02040503050406030204" pitchFamily="18" charset="0"/>
+                                </a:rPr>
+                              </m:ctrlPr>
+                            </m:sSubSupPr>
+                            <m:e>
+                              <m:r>
+                                <a:rPr kumimoji="1" lang="en-US" altLang="ja-JP" sz="3200" b="0" i="1" smtClean="0">
+                                  <a:latin typeface="Cambria Math" panose="02040503050406030204" pitchFamily="18" charset="0"/>
+                                </a:rPr>
+                                <m:t>𝑞</m:t>
+                              </m:r>
+                            </m:e>
+                            <m:sub>
+                              <m:r>
+                                <a:rPr kumimoji="1" lang="en-US" altLang="ja-JP" sz="3200" b="0" i="1" smtClean="0">
+                                  <a:latin typeface="Cambria Math" panose="02040503050406030204" pitchFamily="18" charset="0"/>
+                                </a:rPr>
+                                <m:t>𝑖</m:t>
+                              </m:r>
+                            </m:sub>
+                            <m:sup>
+                              <m:r>
+                                <a:rPr kumimoji="1" lang="en-US" altLang="ja-JP" sz="3200" b="0" i="1" smtClean="0">
+                                  <a:latin typeface="Cambria Math" panose="02040503050406030204" pitchFamily="18" charset="0"/>
+                                </a:rPr>
+                                <m:t>𝑦</m:t>
+                              </m:r>
+                            </m:sup>
+                          </m:sSubSup>
+                        </m:num>
+                        <m:den>
+                          <m:r>
+                            <a:rPr kumimoji="1" lang="en-US" altLang="ja-JP" sz="3200" b="0" i="1" smtClean="0">
+                              <a:latin typeface="Cambria Math" panose="02040503050406030204" pitchFamily="18" charset="0"/>
+                            </a:rPr>
+                            <m:t>𝑑𝑡</m:t>
+                          </m:r>
+                        </m:den>
+                      </m:f>
+                      <m:r>
+                        <a:rPr kumimoji="1" lang="en-US" altLang="ja-JP" sz="3200" b="0" i="1" smtClean="0">
+                          <a:latin typeface="Cambria Math" panose="02040503050406030204" pitchFamily="18" charset="0"/>
+                        </a:rPr>
+                        <m:t>=</m:t>
+                      </m:r>
+                      <m:f>
+                        <m:fPr>
+                          <m:ctrlPr>
+                            <a:rPr kumimoji="1" lang="en-US" altLang="ja-JP" sz="3200" b="0" i="1" smtClean="0">
+                              <a:latin typeface="Cambria Math" panose="02040503050406030204" pitchFamily="18" charset="0"/>
+                            </a:rPr>
+                          </m:ctrlPr>
+                        </m:fPr>
+                        <m:num>
+                          <m:r>
+                            <a:rPr kumimoji="1" lang="en-US" altLang="ja-JP" sz="3200" b="0" i="1" smtClean="0">
+                              <a:latin typeface="Cambria Math" panose="02040503050406030204" pitchFamily="18" charset="0"/>
+                            </a:rPr>
+                            <m:t>𝜕</m:t>
+                          </m:r>
+                          <m:r>
+                            <a:rPr kumimoji="1" lang="en-US" altLang="ja-JP" sz="3200" b="0" i="1" smtClean="0">
+                              <a:latin typeface="Cambria Math" panose="02040503050406030204" pitchFamily="18" charset="0"/>
+                            </a:rPr>
+                            <m:t>𝐻</m:t>
+                          </m:r>
+                        </m:num>
+                        <m:den>
+                          <m:r>
+                            <a:rPr kumimoji="1" lang="en-US" altLang="ja-JP" sz="3200" b="0" i="1" smtClean="0">
+                              <a:latin typeface="Cambria Math" panose="02040503050406030204" pitchFamily="18" charset="0"/>
+                            </a:rPr>
+                            <m:t>𝜕</m:t>
+                          </m:r>
+                          <m:sSubSup>
+                            <m:sSubSupPr>
+                              <m:ctrlPr>
+                                <a:rPr kumimoji="1" lang="en-US" altLang="ja-JP" sz="3200" b="0" i="1" smtClean="0">
+                                  <a:latin typeface="Cambria Math" panose="02040503050406030204" pitchFamily="18" charset="0"/>
+                                </a:rPr>
+                              </m:ctrlPr>
+                            </m:sSubSupPr>
+                            <m:e>
+                              <m:r>
+                                <a:rPr kumimoji="1" lang="en-US" altLang="ja-JP" sz="3200" b="0" i="1" smtClean="0">
+                                  <a:latin typeface="Cambria Math" panose="02040503050406030204" pitchFamily="18" charset="0"/>
+                                </a:rPr>
+                                <m:t>𝑝</m:t>
+                              </m:r>
+                            </m:e>
+                            <m:sub>
+                              <m:r>
+                                <a:rPr kumimoji="1" lang="en-US" altLang="ja-JP" sz="3200" b="0" i="1" smtClean="0">
+                                  <a:latin typeface="Cambria Math" panose="02040503050406030204" pitchFamily="18" charset="0"/>
+                                </a:rPr>
+                                <m:t>𝑖</m:t>
+                              </m:r>
+                            </m:sub>
+                            <m:sup>
+                              <m:r>
+                                <a:rPr kumimoji="1" lang="en-US" altLang="ja-JP" sz="3200" b="0" i="1" smtClean="0">
+                                  <a:latin typeface="Cambria Math" panose="02040503050406030204" pitchFamily="18" charset="0"/>
+                                </a:rPr>
+                                <m:t>𝑦</m:t>
+                              </m:r>
+                            </m:sup>
+                          </m:sSubSup>
+                        </m:den>
+                      </m:f>
+                      <m:r>
+                        <a:rPr kumimoji="1" lang="en-US" altLang="ja-JP" sz="3200" b="0" i="1" smtClean="0">
+                          <a:latin typeface="Cambria Math" panose="02040503050406030204" pitchFamily="18" charset="0"/>
+                        </a:rPr>
+                        <m:t>=</m:t>
+                      </m:r>
+                      <m:f>
+                        <m:fPr>
+                          <m:ctrlPr>
+                            <a:rPr kumimoji="1" lang="en-US" altLang="ja-JP" sz="3200" b="0" i="1" smtClean="0">
+                              <a:latin typeface="Cambria Math" panose="02040503050406030204" pitchFamily="18" charset="0"/>
+                            </a:rPr>
+                          </m:ctrlPr>
+                        </m:fPr>
+                        <m:num>
+                          <m:sSubSup>
+                            <m:sSubSupPr>
+                              <m:ctrlPr>
+                                <a:rPr kumimoji="1" lang="en-US" altLang="ja-JP" sz="3200" b="0" i="1" smtClean="0">
+                                  <a:latin typeface="Cambria Math" panose="02040503050406030204" pitchFamily="18" charset="0"/>
+                                </a:rPr>
+                              </m:ctrlPr>
+                            </m:sSubSupPr>
+                            <m:e>
+                              <m:r>
+                                <a:rPr kumimoji="1" lang="en-US" altLang="ja-JP" sz="3200" b="0" i="1" smtClean="0">
+                                  <a:latin typeface="Cambria Math" panose="02040503050406030204" pitchFamily="18" charset="0"/>
+                                </a:rPr>
+                                <m:t>𝑝</m:t>
+                              </m:r>
+                            </m:e>
+                            <m:sub>
+                              <m:r>
+                                <a:rPr kumimoji="1" lang="en-US" altLang="ja-JP" sz="3200" b="0" i="1" smtClean="0">
+                                  <a:latin typeface="Cambria Math" panose="02040503050406030204" pitchFamily="18" charset="0"/>
+                                </a:rPr>
+                                <m:t>𝑖</m:t>
+                              </m:r>
+                            </m:sub>
+                            <m:sup>
+                              <m:r>
+                                <a:rPr kumimoji="1" lang="en-US" altLang="ja-JP" sz="3200" b="0" i="1" smtClean="0">
+                                  <a:latin typeface="Cambria Math" panose="02040503050406030204" pitchFamily="18" charset="0"/>
+                                </a:rPr>
+                                <m:t>𝑦</m:t>
+                              </m:r>
+                            </m:sup>
+                          </m:sSubSup>
+                        </m:num>
+                        <m:den>
+                          <m:r>
+                            <a:rPr kumimoji="1" lang="en-US" altLang="ja-JP" sz="3200" b="0" i="1" smtClean="0">
+                              <a:latin typeface="Cambria Math" panose="02040503050406030204" pitchFamily="18" charset="0"/>
+                            </a:rPr>
+                            <m:t>𝑚</m:t>
+                          </m:r>
+                        </m:den>
+                      </m:f>
+                    </m:oMath>
+                  </m:oMathPara>
+                </a14:m>
+                <a:endParaRPr kumimoji="1" lang="ja-JP" altLang="en-US" sz="3200"/>
+              </a:p>
+            </p:txBody>
+          </p:sp>
+        </mc:Choice>
+        <mc:Fallback>
+          <p:sp>
+            <p:nvSpPr>
+              <p:cNvPr id="7" name="テキスト ボックス 6">
+                <a:extLst>
+                  <a:ext uri="{FF2B5EF4-FFF2-40B4-BE49-F238E27FC236}">
+                    <a16:creationId xmlns:a16="http://schemas.microsoft.com/office/drawing/2014/main" id="{4936EE90-A57E-4AB1-FC25-673953BD2FDF}"/>
+                  </a:ext>
+                </a:extLst>
+              </p:cNvPr>
+              <p:cNvSpPr txBox="1">
+                <a:spLocks noRot="1" noChangeAspect="1" noMove="1" noResize="1" noEditPoints="1" noAdjustHandles="1" noChangeArrowheads="1" noChangeShapeType="1" noTextEdit="1"/>
+              </p:cNvSpPr>
+              <p:nvPr/>
+            </p:nvSpPr>
+            <p:spPr>
+              <a:xfrm>
+                <a:off x="683568" y="4437112"/>
+                <a:ext cx="3222292" cy="1280928"/>
+              </a:xfrm>
+              <a:prstGeom prst="rect">
+                <a:avLst/>
+              </a:prstGeom>
+              <a:blipFill>
+                <a:blip r:embed="rId5"/>
+                <a:stretch>
+                  <a:fillRect/>
+                </a:stretch>
+              </a:blipFill>
+            </p:spPr>
+            <p:txBody>
+              <a:bodyPr/>
+              <a:lstStyle/>
+              <a:p>
+                <a:r>
+                  <a:rPr lang="ja-JP" altLang="en-US">
+                    <a:noFill/>
+                  </a:rPr>
+                  <a:t> </a:t>
+                </a:r>
+              </a:p>
+            </p:txBody>
+          </p:sp>
+        </mc:Fallback>
+      </mc:AlternateContent>
+      <mc:AlternateContent xmlns:mc="http://schemas.openxmlformats.org/markup-compatibility/2006">
+        <mc:Choice xmlns:a14="http://schemas.microsoft.com/office/drawing/2010/main" Requires="a14">
+          <p:sp>
+            <p:nvSpPr>
+              <p:cNvPr id="8" name="テキスト ボックス 7">
+                <a:extLst>
+                  <a:ext uri="{FF2B5EF4-FFF2-40B4-BE49-F238E27FC236}">
+                    <a16:creationId xmlns:a16="http://schemas.microsoft.com/office/drawing/2014/main" id="{3698666D-1107-031F-36B7-B8C1D54BA977}"/>
+                  </a:ext>
+                </a:extLst>
+              </p:cNvPr>
+              <p:cNvSpPr txBox="1"/>
+              <p:nvPr/>
+            </p:nvSpPr>
+            <p:spPr>
+              <a:xfrm>
+                <a:off x="683568" y="5589240"/>
+                <a:ext cx="3198055" cy="1172693"/>
+              </a:xfrm>
+              <a:prstGeom prst="rect">
+                <a:avLst/>
+              </a:prstGeom>
+              <a:noFill/>
+            </p:spPr>
+            <p:txBody>
+              <a:bodyPr wrap="none" rtlCol="0">
+                <a:spAutoFit/>
+              </a:bodyPr>
+              <a:lstStyle/>
+              <a:p>
+                <a14:m>
+                  <m:oMathPara xmlns:m="http://schemas.openxmlformats.org/officeDocument/2006/math">
+                    <m:oMathParaPr>
+                      <m:jc m:val="centerGroup"/>
+                    </m:oMathParaPr>
+                    <m:oMath xmlns:m="http://schemas.openxmlformats.org/officeDocument/2006/math">
+                      <m:f>
+                        <m:fPr>
+                          <m:ctrlPr>
+                            <a:rPr kumimoji="1" lang="en-US" altLang="ja-JP" sz="3200" b="0" i="1" smtClean="0">
+                              <a:latin typeface="Cambria Math" panose="02040503050406030204" pitchFamily="18" charset="0"/>
+                            </a:rPr>
+                          </m:ctrlPr>
+                        </m:fPr>
+                        <m:num>
+                          <m:r>
+                            <a:rPr kumimoji="1" lang="en-US" altLang="ja-JP" sz="3200" b="0" i="1" smtClean="0">
+                              <a:latin typeface="Cambria Math" panose="02040503050406030204" pitchFamily="18" charset="0"/>
+                            </a:rPr>
+                            <m:t>𝑑</m:t>
+                          </m:r>
+                          <m:sSubSup>
+                            <m:sSubSupPr>
+                              <m:ctrlPr>
+                                <a:rPr kumimoji="1" lang="en-US" altLang="ja-JP" sz="3200" b="0" i="1" smtClean="0">
+                                  <a:latin typeface="Cambria Math" panose="02040503050406030204" pitchFamily="18" charset="0"/>
+                                </a:rPr>
+                              </m:ctrlPr>
+                            </m:sSubSupPr>
+                            <m:e>
+                              <m:r>
+                                <a:rPr kumimoji="1" lang="en-US" altLang="ja-JP" sz="3200" b="0" i="1" smtClean="0">
+                                  <a:latin typeface="Cambria Math" panose="02040503050406030204" pitchFamily="18" charset="0"/>
+                                </a:rPr>
+                                <m:t>𝑞</m:t>
+                              </m:r>
+                            </m:e>
+                            <m:sub>
+                              <m:r>
+                                <a:rPr kumimoji="1" lang="en-US" altLang="ja-JP" sz="3200" b="0" i="1" smtClean="0">
+                                  <a:latin typeface="Cambria Math" panose="02040503050406030204" pitchFamily="18" charset="0"/>
+                                </a:rPr>
+                                <m:t>𝑖</m:t>
+                              </m:r>
+                            </m:sub>
+                            <m:sup>
+                              <m:r>
+                                <a:rPr kumimoji="1" lang="en-US" altLang="ja-JP" sz="3200" b="0" i="1" smtClean="0">
+                                  <a:latin typeface="Cambria Math" panose="02040503050406030204" pitchFamily="18" charset="0"/>
+                                </a:rPr>
+                                <m:t>𝑧</m:t>
+                              </m:r>
+                            </m:sup>
+                          </m:sSubSup>
+                        </m:num>
+                        <m:den>
+                          <m:r>
+                            <a:rPr kumimoji="1" lang="en-US" altLang="ja-JP" sz="3200" b="0" i="1" smtClean="0">
+                              <a:latin typeface="Cambria Math" panose="02040503050406030204" pitchFamily="18" charset="0"/>
+                            </a:rPr>
+                            <m:t>𝑑𝑡</m:t>
+                          </m:r>
+                        </m:den>
+                      </m:f>
+                      <m:r>
+                        <a:rPr kumimoji="1" lang="en-US" altLang="ja-JP" sz="3200" b="0" i="1" smtClean="0">
+                          <a:latin typeface="Cambria Math" panose="02040503050406030204" pitchFamily="18" charset="0"/>
+                        </a:rPr>
+                        <m:t>=</m:t>
+                      </m:r>
+                      <m:f>
+                        <m:fPr>
+                          <m:ctrlPr>
+                            <a:rPr kumimoji="1" lang="en-US" altLang="ja-JP" sz="3200" b="0" i="1" smtClean="0">
+                              <a:latin typeface="Cambria Math" panose="02040503050406030204" pitchFamily="18" charset="0"/>
+                            </a:rPr>
+                          </m:ctrlPr>
+                        </m:fPr>
+                        <m:num>
+                          <m:r>
+                            <a:rPr kumimoji="1" lang="en-US" altLang="ja-JP" sz="3200" b="0" i="1" smtClean="0">
+                              <a:latin typeface="Cambria Math" panose="02040503050406030204" pitchFamily="18" charset="0"/>
+                            </a:rPr>
+                            <m:t>𝜕</m:t>
+                          </m:r>
+                          <m:r>
+                            <a:rPr kumimoji="1" lang="en-US" altLang="ja-JP" sz="3200" b="0" i="1" smtClean="0">
+                              <a:latin typeface="Cambria Math" panose="02040503050406030204" pitchFamily="18" charset="0"/>
+                            </a:rPr>
+                            <m:t>𝐻</m:t>
+                          </m:r>
+                        </m:num>
+                        <m:den>
+                          <m:r>
+                            <a:rPr kumimoji="1" lang="en-US" altLang="ja-JP" sz="3200" b="0" i="1" smtClean="0">
+                              <a:latin typeface="Cambria Math" panose="02040503050406030204" pitchFamily="18" charset="0"/>
+                            </a:rPr>
+                            <m:t>𝜕</m:t>
+                          </m:r>
+                          <m:sSubSup>
+                            <m:sSubSupPr>
+                              <m:ctrlPr>
+                                <a:rPr kumimoji="1" lang="en-US" altLang="ja-JP" sz="3200" b="0" i="1" smtClean="0">
+                                  <a:latin typeface="Cambria Math" panose="02040503050406030204" pitchFamily="18" charset="0"/>
+                                </a:rPr>
+                              </m:ctrlPr>
+                            </m:sSubSupPr>
+                            <m:e>
+                              <m:r>
+                                <a:rPr kumimoji="1" lang="en-US" altLang="ja-JP" sz="3200" b="0" i="1" smtClean="0">
+                                  <a:latin typeface="Cambria Math" panose="02040503050406030204" pitchFamily="18" charset="0"/>
+                                </a:rPr>
+                                <m:t>𝑝</m:t>
+                              </m:r>
+                            </m:e>
+                            <m:sub>
+                              <m:r>
+                                <a:rPr kumimoji="1" lang="en-US" altLang="ja-JP" sz="3200" b="0" i="1" smtClean="0">
+                                  <a:latin typeface="Cambria Math" panose="02040503050406030204" pitchFamily="18" charset="0"/>
+                                </a:rPr>
+                                <m:t>𝑖</m:t>
+                              </m:r>
+                            </m:sub>
+                            <m:sup>
+                              <m:r>
+                                <a:rPr kumimoji="1" lang="en-US" altLang="ja-JP" sz="3200" b="0" i="1" smtClean="0">
+                                  <a:latin typeface="Cambria Math" panose="02040503050406030204" pitchFamily="18" charset="0"/>
+                                </a:rPr>
+                                <m:t>𝑧</m:t>
+                              </m:r>
+                            </m:sup>
+                          </m:sSubSup>
+                        </m:den>
+                      </m:f>
+                      <m:r>
+                        <a:rPr kumimoji="1" lang="en-US" altLang="ja-JP" sz="3200" b="0" i="1" smtClean="0">
+                          <a:latin typeface="Cambria Math" panose="02040503050406030204" pitchFamily="18" charset="0"/>
+                        </a:rPr>
+                        <m:t>=</m:t>
+                      </m:r>
+                      <m:f>
+                        <m:fPr>
+                          <m:ctrlPr>
+                            <a:rPr kumimoji="1" lang="en-US" altLang="ja-JP" sz="3200" b="0" i="1" smtClean="0">
+                              <a:latin typeface="Cambria Math" panose="02040503050406030204" pitchFamily="18" charset="0"/>
+                            </a:rPr>
+                          </m:ctrlPr>
+                        </m:fPr>
+                        <m:num>
+                          <m:sSubSup>
+                            <m:sSubSupPr>
+                              <m:ctrlPr>
+                                <a:rPr kumimoji="1" lang="en-US" altLang="ja-JP" sz="3200" b="0" i="1" smtClean="0">
+                                  <a:latin typeface="Cambria Math" panose="02040503050406030204" pitchFamily="18" charset="0"/>
+                                </a:rPr>
+                              </m:ctrlPr>
+                            </m:sSubSupPr>
+                            <m:e>
+                              <m:r>
+                                <a:rPr kumimoji="1" lang="en-US" altLang="ja-JP" sz="3200" b="0" i="1" smtClean="0">
+                                  <a:latin typeface="Cambria Math" panose="02040503050406030204" pitchFamily="18" charset="0"/>
+                                </a:rPr>
+                                <m:t>𝑝</m:t>
+                              </m:r>
+                            </m:e>
+                            <m:sub>
+                              <m:r>
+                                <a:rPr kumimoji="1" lang="en-US" altLang="ja-JP" sz="3200" b="0" i="1" smtClean="0">
+                                  <a:latin typeface="Cambria Math" panose="02040503050406030204" pitchFamily="18" charset="0"/>
+                                </a:rPr>
+                                <m:t>𝑖</m:t>
+                              </m:r>
+                            </m:sub>
+                            <m:sup>
+                              <m:r>
+                                <a:rPr kumimoji="1" lang="en-US" altLang="ja-JP" sz="3200" b="0" i="1" smtClean="0">
+                                  <a:latin typeface="Cambria Math" panose="02040503050406030204" pitchFamily="18" charset="0"/>
+                                </a:rPr>
+                                <m:t>𝑧</m:t>
+                              </m:r>
+                            </m:sup>
+                          </m:sSubSup>
+                        </m:num>
+                        <m:den>
+                          <m:r>
+                            <a:rPr kumimoji="1" lang="en-US" altLang="ja-JP" sz="3200" b="0" i="1" smtClean="0">
+                              <a:latin typeface="Cambria Math" panose="02040503050406030204" pitchFamily="18" charset="0"/>
+                            </a:rPr>
+                            <m:t>𝑚</m:t>
+                          </m:r>
+                        </m:den>
+                      </m:f>
+                    </m:oMath>
+                  </m:oMathPara>
+                </a14:m>
+                <a:endParaRPr kumimoji="1" lang="ja-JP" altLang="en-US" sz="3200"/>
+              </a:p>
+            </p:txBody>
+          </p:sp>
+        </mc:Choice>
+        <mc:Fallback>
+          <p:sp>
+            <p:nvSpPr>
+              <p:cNvPr id="8" name="テキスト ボックス 7">
+                <a:extLst>
+                  <a:ext uri="{FF2B5EF4-FFF2-40B4-BE49-F238E27FC236}">
+                    <a16:creationId xmlns:a16="http://schemas.microsoft.com/office/drawing/2014/main" id="{3698666D-1107-031F-36B7-B8C1D54BA977}"/>
+                  </a:ext>
+                </a:extLst>
+              </p:cNvPr>
+              <p:cNvSpPr txBox="1">
+                <a:spLocks noRot="1" noChangeAspect="1" noMove="1" noResize="1" noEditPoints="1" noAdjustHandles="1" noChangeArrowheads="1" noChangeShapeType="1" noTextEdit="1"/>
+              </p:cNvSpPr>
+              <p:nvPr/>
+            </p:nvSpPr>
+            <p:spPr>
+              <a:xfrm>
+                <a:off x="683568" y="5589240"/>
+                <a:ext cx="3198055" cy="1172693"/>
+              </a:xfrm>
+              <a:prstGeom prst="rect">
+                <a:avLst/>
+              </a:prstGeom>
+              <a:blipFill>
+                <a:blip r:embed="rId6"/>
+                <a:stretch>
+                  <a:fillRect/>
+                </a:stretch>
+              </a:blipFill>
+            </p:spPr>
+            <p:txBody>
+              <a:bodyPr/>
+              <a:lstStyle/>
+              <a:p>
+                <a:r>
+                  <a:rPr lang="ja-JP" altLang="en-US">
+                    <a:noFill/>
+                  </a:rPr>
+                  <a:t> </a:t>
+                </a:r>
+              </a:p>
+            </p:txBody>
+          </p:sp>
+        </mc:Fallback>
+      </mc:AlternateContent>
+      <p:sp>
+        <p:nvSpPr>
+          <p:cNvPr id="9" name="左中かっこ 8">
+            <a:extLst>
+              <a:ext uri="{FF2B5EF4-FFF2-40B4-BE49-F238E27FC236}">
+                <a16:creationId xmlns:a16="http://schemas.microsoft.com/office/drawing/2014/main" id="{874FF4BB-C326-407E-1807-351E95D28E26}"/>
+              </a:ext>
+            </a:extLst>
+          </p:cNvPr>
+          <p:cNvSpPr/>
+          <p:nvPr/>
+        </p:nvSpPr>
+        <p:spPr>
+          <a:xfrm flipH="1">
+            <a:off x="3923928" y="3429000"/>
+            <a:ext cx="432048" cy="3240360"/>
+          </a:xfrm>
+          <a:prstGeom prst="leftBrace">
+            <a:avLst/>
+          </a:prstGeom>
+          <a:ln>
+            <a:solidFill>
+              <a:schemeClr val="tx1"/>
+            </a:solidFill>
+            <a:headEnd type="none" w="med" len="med"/>
+            <a:tailEnd type="none" w="med" len="med"/>
+          </a:ln>
+        </p:spPr>
+        <p:style>
+          <a:lnRef idx="1">
+            <a:schemeClr val="accent1"/>
+          </a:lnRef>
+          <a:fillRef idx="0">
+            <a:schemeClr val="accent1"/>
+          </a:fillRef>
+          <a:effectRef idx="0">
+            <a:schemeClr val="accent1"/>
+          </a:effectRef>
+          <a:fontRef idx="minor">
+            <a:schemeClr val="tx1"/>
+          </a:fontRef>
+        </p:style>
+        <p:txBody>
+          <a:bodyPr rtlCol="0" anchor="ctr"/>
+          <a:lstStyle/>
+          <a:p>
+            <a:pPr algn="ctr"/>
+            <a:endParaRPr kumimoji="1" lang="ja-JP" altLang="en-US"/>
+          </a:p>
+        </p:txBody>
+      </p:sp>
+      <p:sp>
+        <p:nvSpPr>
+          <p:cNvPr id="10" name="テキスト ボックス 9">
+            <a:extLst>
+              <a:ext uri="{FF2B5EF4-FFF2-40B4-BE49-F238E27FC236}">
+                <a16:creationId xmlns:a16="http://schemas.microsoft.com/office/drawing/2014/main" id="{47EB32DC-B117-F72E-C8BA-1666454BDA6F}"/>
+              </a:ext>
+            </a:extLst>
+          </p:cNvPr>
+          <p:cNvSpPr txBox="1"/>
+          <p:nvPr/>
+        </p:nvSpPr>
+        <p:spPr>
+          <a:xfrm>
+            <a:off x="4788024" y="3645024"/>
+            <a:ext cx="3570208" cy="461665"/>
+          </a:xfrm>
+          <a:prstGeom prst="rect">
+            <a:avLst/>
+          </a:prstGeom>
+          <a:noFill/>
+        </p:spPr>
+        <p:txBody>
+          <a:bodyPr wrap="none" rtlCol="0">
+            <a:spAutoFit/>
+          </a:bodyPr>
+          <a:lstStyle/>
+          <a:p>
+            <a:r>
+              <a:rPr lang="ja-JP" altLang="en-US" sz="2400"/>
+              <a:t>まとめてベクトル形式で</a:t>
+            </a:r>
+            <a:endParaRPr kumimoji="1" lang="ja-JP" altLang="en-US" sz="2400"/>
+          </a:p>
+        </p:txBody>
+      </p:sp>
+    </p:spTree>
+    <p:extLst>
+      <p:ext uri="{BB962C8B-B14F-4D97-AF65-F5344CB8AC3E}">
+        <p14:creationId xmlns:p14="http://schemas.microsoft.com/office/powerpoint/2010/main" val="1047456210"/>
+      </p:ext>
+    </p:extLst>
+  </p:cSld>
+  <p:clrMapOvr>
+    <a:masterClrMapping/>
+  </p:clrMapOvr>
+</p:sld>
+</file>
+
+<file path=ppt/slides/slide13.xml><?xml version="1.0" encoding="utf-8"?>
 <p:sld xmlns:a="http://schemas.openxmlformats.org/drawingml/2006/main" xmlns:r="http://schemas.openxmlformats.org/officeDocument/2006/relationships" xmlns:p="http://schemas.openxmlformats.org/presentationml/2006/main">
   <p:cSld>
     <p:spTree>
@@ -2690,7 +4975,11 @@
             </a:r>
             <a:r>
               <a:rPr kumimoji="1" lang="ja-JP" altLang="en-US"/>
-              <a:t>動力学法の種類</a:t>
+              <a:t>動力学法の</a:t>
+            </a:r>
+            <a:r>
+              <a:rPr lang="ja-JP" altLang="en-US"/>
+              <a:t>概要</a:t>
             </a:r>
             <a:endParaRPr kumimoji="1" lang="ja-JP" altLang="en-US" dirty="0"/>
           </a:p>
@@ -2982,7 +5271,11 @@
           <a:p>
             <a:r>
               <a:rPr kumimoji="1" lang="ja-JP" altLang="en-US"/>
-              <a:t>分子動力学法の種類</a:t>
+              <a:t>分子動力学法の</a:t>
+            </a:r>
+            <a:r>
+              <a:rPr lang="ja-JP" altLang="en-US"/>
+              <a:t>概要</a:t>
             </a:r>
             <a:endParaRPr kumimoji="1" lang="ja-JP" altLang="en-US" dirty="0"/>
           </a:p>
@@ -4206,16 +6499,12 @@
           <a:lstStyle/>
           <a:p>
             <a:r>
-              <a:rPr kumimoji="1" lang="ja-JP" altLang="en-US" dirty="0"/>
-              <a:t>分子</a:t>
-            </a:r>
-            <a:r>
               <a:rPr kumimoji="1" lang="ja-JP" altLang="en-US"/>
-              <a:t>動力学法の</a:t>
+              <a:t>分子動力学法の</a:t>
             </a:r>
             <a:r>
               <a:rPr lang="ja-JP" altLang="en-US"/>
-              <a:t>種類</a:t>
+              <a:t>概要</a:t>
             </a:r>
             <a:endParaRPr kumimoji="1" lang="ja-JP" altLang="en-US" dirty="0"/>
           </a:p>
@@ -4811,7 +7100,7 @@
         </p:nvSpPr>
         <p:spPr>
           <a:xfrm>
-            <a:off x="323528" y="4077072"/>
+            <a:off x="179512" y="4005064"/>
             <a:ext cx="5979522" cy="954107"/>
           </a:xfrm>
           <a:prstGeom prst="rect">
@@ -4866,7 +7155,7 @@
         </p:nvSpPr>
         <p:spPr>
           <a:xfrm>
-            <a:off x="251520" y="5229200"/>
+            <a:off x="179512" y="5013176"/>
             <a:ext cx="8499443" cy="954107"/>
           </a:xfrm>
           <a:prstGeom prst="rect">
@@ -4916,6 +7205,53 @@
               <a:t> (ab initio MD, Car-Parrinello method)</a:t>
             </a:r>
             <a:endParaRPr kumimoji="1" lang="ja-JP" altLang="en-US" sz="2800"/>
+          </a:p>
+        </p:txBody>
+      </p:sp>
+      <p:sp>
+        <p:nvSpPr>
+          <p:cNvPr id="8" name="テキスト ボックス 7">
+            <a:extLst>
+              <a:ext uri="{FF2B5EF4-FFF2-40B4-BE49-F238E27FC236}">
+                <a16:creationId xmlns:a16="http://schemas.microsoft.com/office/drawing/2014/main" id="{81B1BF58-4B70-4440-0B06-96C7C36BBFDD}"/>
+              </a:ext>
+            </a:extLst>
+          </p:cNvPr>
+          <p:cNvSpPr txBox="1"/>
+          <p:nvPr/>
+        </p:nvSpPr>
+        <p:spPr>
+          <a:xfrm>
+            <a:off x="522744" y="6309320"/>
+            <a:ext cx="7793672" cy="369332"/>
+          </a:xfrm>
+          <a:prstGeom prst="rect">
+            <a:avLst/>
+          </a:prstGeom>
+          <a:noFill/>
+        </p:spPr>
+        <p:txBody>
+          <a:bodyPr wrap="none" rtlCol="0">
+            <a:spAutoFit/>
+          </a:bodyPr>
+          <a:lstStyle/>
+          <a:p>
+            <a:r>
+              <a:rPr lang="en-US" altLang="ja-JP"/>
+              <a:t>※</a:t>
+            </a:r>
+            <a:r>
+              <a:rPr kumimoji="1" lang="ja-JP" altLang="en-US"/>
+              <a:t> 電子状態は密度汎関数理論</a:t>
+            </a:r>
+            <a:r>
+              <a:rPr kumimoji="1" lang="en-US" altLang="ja-JP"/>
+              <a:t>(Density Functional Theory, DFT)</a:t>
+            </a:r>
+            <a:r>
+              <a:rPr kumimoji="1" lang="ja-JP" altLang="en-US"/>
+              <a:t>で計算する</a:t>
+            </a:r>
           </a:p>
         </p:txBody>
       </p:sp>
@@ -4976,9 +7312,9 @@
             </a:r>
             <a:r>
               <a:rPr lang="ja-JP" altLang="en-US"/>
-              <a:t>種類</a:t>
+              <a:t>概要</a:t>
             </a:r>
-            <a:endParaRPr kumimoji="1" lang="ja-JP" altLang="en-US"/>
+            <a:endParaRPr kumimoji="1" lang="ja-JP" altLang="en-US" dirty="0"/>
           </a:p>
         </p:txBody>
       </p:sp>
@@ -6303,9 +8639,9 @@
             </a:r>
             <a:r>
               <a:rPr lang="ja-JP" altLang="en-US"/>
-              <a:t>種類</a:t>
+              <a:t>概要</a:t>
             </a:r>
-            <a:endParaRPr kumimoji="1" lang="ja-JP" altLang="en-US"/>
+            <a:endParaRPr kumimoji="1" lang="ja-JP" altLang="en-US" dirty="0"/>
           </a:p>
         </p:txBody>
       </p:sp>
@@ -9668,7 +12004,7 @@
         </p:nvGrpSpPr>
         <p:grpSpPr bwMode="auto">
           <a:xfrm>
-            <a:off x="2483768" y="1988840"/>
+            <a:off x="2339752" y="1988840"/>
             <a:ext cx="1587499" cy="1589087"/>
             <a:chOff x="272" y="516"/>
             <a:chExt cx="2948" cy="2835"/>
@@ -13175,7 +15511,7 @@
         </p:nvGrpSpPr>
         <p:grpSpPr bwMode="auto">
           <a:xfrm>
-            <a:off x="754982" y="2061863"/>
+            <a:off x="610966" y="2061863"/>
             <a:ext cx="1676400" cy="1128712"/>
             <a:chOff x="5327650" y="1719263"/>
             <a:chExt cx="2206625" cy="1485900"/>
@@ -14024,7 +16360,7 @@
         </p:nvSpPr>
         <p:spPr>
           <a:xfrm>
-            <a:off x="683568" y="4221088"/>
+            <a:off x="467544" y="4221088"/>
             <a:ext cx="3775393" cy="954107"/>
           </a:xfrm>
           <a:prstGeom prst="rect">
@@ -14067,7 +16403,7 @@
         </p:nvSpPr>
         <p:spPr>
           <a:xfrm>
-            <a:off x="539552" y="1268760"/>
+            <a:off x="395536" y="1268760"/>
             <a:ext cx="3775393" cy="523220"/>
           </a:xfrm>
           <a:prstGeom prst="rect">
@@ -14138,7 +16474,7 @@
         </p:nvSpPr>
         <p:spPr>
           <a:xfrm>
-            <a:off x="5004048" y="4221088"/>
+            <a:off x="4932040" y="4221088"/>
             <a:ext cx="3775393" cy="954107"/>
           </a:xfrm>
           <a:prstGeom prst="rect">
@@ -14181,7 +16517,7 @@
         </p:nvSpPr>
         <p:spPr>
           <a:xfrm>
-            <a:off x="755576" y="5445224"/>
+            <a:off x="539552" y="5445224"/>
             <a:ext cx="3570208" cy="461665"/>
           </a:xfrm>
           <a:prstGeom prst="rect">
@@ -14217,7 +16553,7 @@
         </p:nvSpPr>
         <p:spPr>
           <a:xfrm>
-            <a:off x="4860032" y="5445224"/>
+            <a:off x="4788024" y="5445224"/>
             <a:ext cx="4185761" cy="461665"/>
           </a:xfrm>
           <a:prstGeom prst="rect">

--- a/07_md_implementation/simulation07.pptx
+++ b/07_md_implementation/simulation07.pptx
@@ -5,7 +5,7 @@
     <p:sldMasterId id="2147483665" r:id="rId1"/>
   </p:sldMasterIdLst>
   <p:notesMasterIdLst>
-    <p:notesMasterId r:id="rId15"/>
+    <p:notesMasterId r:id="rId16"/>
   </p:notesMasterIdLst>
   <p:sldIdLst>
     <p:sldId id="256" r:id="rId2"/>
@@ -20,7 +20,8 @@
     <p:sldId id="266" r:id="rId11"/>
     <p:sldId id="267" r:id="rId12"/>
     <p:sldId id="268" r:id="rId13"/>
-    <p:sldId id="257" r:id="rId14"/>
+    <p:sldId id="269" r:id="rId14"/>
+    <p:sldId id="257" r:id="rId15"/>
   </p:sldIdLst>
   <p:sldSz cx="9144000" cy="6858000" type="screen4x3"/>
   <p:notesSz cx="6858000" cy="9144000"/>
@@ -231,7 +232,7 @@
           </a:lstStyle>
           <a:p>
             <a:fld id="{6B8D1B20-A248-FB47-8240-73C0C5F47C9D}" type="datetimeFigureOut">
-              <a:t>2022/5/15</a:t>
+              <a:t>2022/5/16</a:t>
             </a:fld>
             <a:endParaRPr kumimoji="1" lang="ja-JP" altLang="en-US"/>
           </a:p>
@@ -1615,8 +1616,8 @@
           </a:p>
         </p:txBody>
       </p:sp>
-      <mc:AlternateContent xmlns:mc="http://schemas.openxmlformats.org/markup-compatibility/2006">
-        <mc:Choice xmlns:a14="http://schemas.microsoft.com/office/drawing/2010/main" Requires="a14">
+      <mc:AlternateContent xmlns:mc="http://schemas.openxmlformats.org/markup-compatibility/2006" xmlns:a14="http://schemas.microsoft.com/office/drawing/2010/main">
+        <mc:Choice Requires="a14">
           <p:sp>
             <p:nvSpPr>
               <p:cNvPr id="4" name="テキスト ボックス 3">
@@ -1645,6 +1646,7 @@
               </a:bodyPr>
               <a:lstStyle/>
               <a:p>
+                <a:pPr/>
                 <a14:m>
                   <m:oMathPara xmlns:m="http://schemas.openxmlformats.org/officeDocument/2006/math">
                     <m:oMathParaPr>
@@ -1846,7 +1848,7 @@
             </p:txBody>
           </p:sp>
         </mc:Choice>
-        <mc:Fallback>
+        <mc:Fallback xmlns="">
           <p:sp>
             <p:nvSpPr>
               <p:cNvPr id="4" name="テキスト ボックス 3">
@@ -1891,8 +1893,8 @@
           </p:sp>
         </mc:Fallback>
       </mc:AlternateContent>
-      <mc:AlternateContent xmlns:mc="http://schemas.openxmlformats.org/markup-compatibility/2006">
-        <mc:Choice xmlns:a14="http://schemas.microsoft.com/office/drawing/2010/main" Requires="a14">
+      <mc:AlternateContent xmlns:mc="http://schemas.openxmlformats.org/markup-compatibility/2006" xmlns:a14="http://schemas.microsoft.com/office/drawing/2010/main">
+        <mc:Choice Requires="a14">
           <p:sp>
             <p:nvSpPr>
               <p:cNvPr id="6" name="テキスト ボックス 5">
@@ -2053,7 +2055,7 @@
             </p:txBody>
           </p:sp>
         </mc:Choice>
-        <mc:Fallback>
+        <mc:Fallback xmlns="">
           <p:sp>
             <p:nvSpPr>
               <p:cNvPr id="6" name="テキスト ボックス 5">
@@ -2193,8 +2195,8 @@
           </a:p>
         </p:txBody>
       </p:sp>
-      <mc:AlternateContent xmlns:mc="http://schemas.openxmlformats.org/markup-compatibility/2006">
-        <mc:Choice xmlns:a14="http://schemas.microsoft.com/office/drawing/2010/main" Requires="a14">
+      <mc:AlternateContent xmlns:mc="http://schemas.openxmlformats.org/markup-compatibility/2006" xmlns:a14="http://schemas.microsoft.com/office/drawing/2010/main">
+        <mc:Choice Requires="a14">
           <p:sp>
             <p:nvSpPr>
               <p:cNvPr id="4" name="テキスト ボックス 3">
@@ -2223,6 +2225,7 @@
               </a:bodyPr>
               <a:lstStyle/>
               <a:p>
+                <a:pPr/>
                 <a14:m>
                   <m:oMathPara xmlns:m="http://schemas.openxmlformats.org/officeDocument/2006/math">
                     <m:oMathParaPr>
@@ -2424,7 +2427,7 @@
             </p:txBody>
           </p:sp>
         </mc:Choice>
-        <mc:Fallback>
+        <mc:Fallback xmlns="">
           <p:sp>
             <p:nvSpPr>
               <p:cNvPr id="4" name="テキスト ボックス 3">
@@ -2469,8 +2472,8 @@
           </p:sp>
         </mc:Fallback>
       </mc:AlternateContent>
-      <mc:AlternateContent xmlns:mc="http://schemas.openxmlformats.org/markup-compatibility/2006">
-        <mc:Choice xmlns:a14="http://schemas.microsoft.com/office/drawing/2010/main" Requires="a14">
+      <mc:AlternateContent xmlns:mc="http://schemas.openxmlformats.org/markup-compatibility/2006" xmlns:a14="http://schemas.microsoft.com/office/drawing/2010/main">
+        <mc:Choice Requires="a14">
           <p:sp>
             <p:nvSpPr>
               <p:cNvPr id="5" name="テキスト ボックス 4">
@@ -2499,6 +2502,7 @@
               </a:bodyPr>
               <a:lstStyle/>
               <a:p>
+                <a:pPr/>
                 <a14:m>
                   <m:oMathPara xmlns:m="http://schemas.openxmlformats.org/officeDocument/2006/math">
                     <m:oMathParaPr>
@@ -2699,7 +2703,7 @@
             </p:txBody>
           </p:sp>
         </mc:Choice>
-        <mc:Fallback>
+        <mc:Fallback xmlns="">
           <p:sp>
             <p:nvSpPr>
               <p:cNvPr id="5" name="テキスト ボックス 4">
@@ -2744,8 +2748,8 @@
           </p:sp>
         </mc:Fallback>
       </mc:AlternateContent>
-      <mc:AlternateContent xmlns:mc="http://schemas.openxmlformats.org/markup-compatibility/2006">
-        <mc:Choice xmlns:a14="http://schemas.microsoft.com/office/drawing/2010/main" Requires="a14">
+      <mc:AlternateContent xmlns:mc="http://schemas.openxmlformats.org/markup-compatibility/2006" xmlns:a14="http://schemas.microsoft.com/office/drawing/2010/main">
+        <mc:Choice Requires="a14">
           <p:sp>
             <p:nvSpPr>
               <p:cNvPr id="6" name="テキスト ボックス 5">
@@ -2774,6 +2778,7 @@
               </a:bodyPr>
               <a:lstStyle/>
               <a:p>
+                <a:pPr/>
                 <a14:m>
                   <m:oMathPara xmlns:m="http://schemas.openxmlformats.org/officeDocument/2006/math">
                     <m:oMathParaPr>
@@ -2986,7 +2991,7 @@
             </p:txBody>
           </p:sp>
         </mc:Choice>
-        <mc:Fallback>
+        <mc:Fallback xmlns="">
           <p:sp>
             <p:nvSpPr>
               <p:cNvPr id="6" name="テキスト ボックス 5">
@@ -3031,8 +3036,8 @@
           </p:sp>
         </mc:Fallback>
       </mc:AlternateContent>
-      <mc:AlternateContent xmlns:mc="http://schemas.openxmlformats.org/markup-compatibility/2006">
-        <mc:Choice xmlns:a14="http://schemas.microsoft.com/office/drawing/2010/main" Requires="a14">
+      <mc:AlternateContent xmlns:mc="http://schemas.openxmlformats.org/markup-compatibility/2006" xmlns:a14="http://schemas.microsoft.com/office/drawing/2010/main">
+        <mc:Choice Requires="a14">
           <p:sp>
             <p:nvSpPr>
               <p:cNvPr id="7" name="テキスト ボックス 6">
@@ -3061,6 +3066,7 @@
               </a:bodyPr>
               <a:lstStyle/>
               <a:p>
+                <a:pPr/>
                 <a14:m>
                   <m:oMathPara xmlns:m="http://schemas.openxmlformats.org/officeDocument/2006/math">
                     <m:oMathParaPr>
@@ -3261,7 +3267,7 @@
             </p:txBody>
           </p:sp>
         </mc:Choice>
-        <mc:Fallback>
+        <mc:Fallback xmlns="">
           <p:sp>
             <p:nvSpPr>
               <p:cNvPr id="7" name="テキスト ボックス 6">
@@ -3306,8 +3312,8 @@
           </p:sp>
         </mc:Fallback>
       </mc:AlternateContent>
-      <mc:AlternateContent xmlns:mc="http://schemas.openxmlformats.org/markup-compatibility/2006">
-        <mc:Choice xmlns:a14="http://schemas.microsoft.com/office/drawing/2010/main" Requires="a14">
+      <mc:AlternateContent xmlns:mc="http://schemas.openxmlformats.org/markup-compatibility/2006" xmlns:a14="http://schemas.microsoft.com/office/drawing/2010/main">
+        <mc:Choice Requires="a14">
           <p:sp>
             <p:nvSpPr>
               <p:cNvPr id="8" name="テキスト ボックス 7">
@@ -3336,6 +3342,7 @@
               </a:bodyPr>
               <a:lstStyle/>
               <a:p>
+                <a:pPr/>
                 <a14:m>
                   <m:oMathPara xmlns:m="http://schemas.openxmlformats.org/officeDocument/2006/math">
                     <m:oMathParaPr>
@@ -3536,7 +3543,7 @@
             </p:txBody>
           </p:sp>
         </mc:Choice>
-        <mc:Fallback>
+        <mc:Fallback xmlns="">
           <p:sp>
             <p:nvSpPr>
               <p:cNvPr id="8" name="テキスト ボックス 7">
@@ -3682,6 +3689,954 @@
 </file>
 
 <file path=ppt/slides/slide13.xml><?xml version="1.0" encoding="utf-8"?>
+<p:sld xmlns:a="http://schemas.openxmlformats.org/drawingml/2006/main" xmlns:r="http://schemas.openxmlformats.org/officeDocument/2006/relationships" xmlns:p="http://schemas.openxmlformats.org/presentationml/2006/main">
+  <p:cSld>
+    <p:spTree>
+      <p:nvGrpSpPr>
+        <p:cNvPr id="1" name=""/>
+        <p:cNvGrpSpPr/>
+        <p:nvPr/>
+      </p:nvGrpSpPr>
+      <p:grpSpPr>
+        <a:xfrm>
+          <a:off x="0" y="0"/>
+          <a:ext cx="0" cy="0"/>
+          <a:chOff x="0" y="0"/>
+          <a:chExt cx="0" cy="0"/>
+        </a:xfrm>
+      </p:grpSpPr>
+      <p:sp>
+        <p:nvSpPr>
+          <p:cNvPr id="2" name="テキスト プレースホルダー 1">
+            <a:extLst>
+              <a:ext uri="{FF2B5EF4-FFF2-40B4-BE49-F238E27FC236}">
+                <a16:creationId xmlns:a16="http://schemas.microsoft.com/office/drawing/2014/main" id="{3B49A070-ECE1-FA36-F5AA-1E6BE4AF2EC3}"/>
+              </a:ext>
+            </a:extLst>
+          </p:cNvPr>
+          <p:cNvSpPr>
+            <a:spLocks noGrp="1"/>
+          </p:cNvSpPr>
+          <p:nvPr>
+            <p:ph type="body" sz="quarter" idx="10"/>
+          </p:nvPr>
+        </p:nvSpPr>
+        <p:spPr/>
+        <p:txBody>
+          <a:bodyPr/>
+          <a:lstStyle/>
+          <a:p>
+            <a:r>
+              <a:rPr kumimoji="1" lang="ja-JP" altLang="en-US"/>
+              <a:t>実装の基礎</a:t>
+            </a:r>
+          </a:p>
+        </p:txBody>
+      </p:sp>
+      <p:sp>
+        <p:nvSpPr>
+          <p:cNvPr id="3" name="テキスト ボックス 2">
+            <a:extLst>
+              <a:ext uri="{FF2B5EF4-FFF2-40B4-BE49-F238E27FC236}">
+                <a16:creationId xmlns:a16="http://schemas.microsoft.com/office/drawing/2014/main" id="{240DCB0B-402E-09B5-24EF-D346A75E87F0}"/>
+              </a:ext>
+            </a:extLst>
+          </p:cNvPr>
+          <p:cNvSpPr txBox="1"/>
+          <p:nvPr/>
+        </p:nvSpPr>
+        <p:spPr>
+          <a:xfrm>
+            <a:off x="395536" y="1052736"/>
+            <a:ext cx="7109639" cy="646331"/>
+          </a:xfrm>
+          <a:prstGeom prst="rect">
+            <a:avLst/>
+          </a:prstGeom>
+          <a:noFill/>
+        </p:spPr>
+        <p:txBody>
+          <a:bodyPr wrap="none" rtlCol="0">
+            <a:spAutoFit/>
+          </a:bodyPr>
+          <a:lstStyle/>
+          <a:p>
+            <a:r>
+              <a:rPr lang="ja-JP" altLang="en-US" sz="3600"/>
+              <a:t>運動量の時間発展はちょっと面倒</a:t>
+            </a:r>
+            <a:endParaRPr kumimoji="1" lang="ja-JP" altLang="en-US" sz="3600"/>
+          </a:p>
+        </p:txBody>
+      </p:sp>
+      <mc:AlternateContent xmlns:mc="http://schemas.openxmlformats.org/markup-compatibility/2006">
+        <mc:Choice xmlns:a14="http://schemas.microsoft.com/office/drawing/2010/main" Requires="a14">
+          <p:sp>
+            <p:nvSpPr>
+              <p:cNvPr id="4" name="テキスト ボックス 3">
+                <a:extLst>
+                  <a:ext uri="{FF2B5EF4-FFF2-40B4-BE49-F238E27FC236}">
+                    <a16:creationId xmlns:a16="http://schemas.microsoft.com/office/drawing/2014/main" id="{857312BA-3B22-8A53-A0A3-AF1CD80B7939}"/>
+                  </a:ext>
+                </a:extLst>
+              </p:cNvPr>
+              <p:cNvSpPr txBox="1"/>
+              <p:nvPr/>
+            </p:nvSpPr>
+            <p:spPr>
+              <a:xfrm>
+                <a:off x="1907704" y="1844824"/>
+                <a:ext cx="4532202" cy="1400640"/>
+              </a:xfrm>
+              <a:prstGeom prst="rect">
+                <a:avLst/>
+              </a:prstGeom>
+              <a:noFill/>
+            </p:spPr>
+            <p:txBody>
+              <a:bodyPr wrap="none" rtlCol="0">
+                <a:spAutoFit/>
+              </a:bodyPr>
+              <a:lstStyle/>
+              <a:p>
+                <a:pPr/>
+                <a14:m>
+                  <m:oMathPara xmlns:m="http://schemas.openxmlformats.org/officeDocument/2006/math">
+                    <m:oMathParaPr>
+                      <m:jc m:val="centerGroup"/>
+                    </m:oMathParaPr>
+                    <m:oMath xmlns:m="http://schemas.openxmlformats.org/officeDocument/2006/math">
+                      <m:r>
+                        <a:rPr kumimoji="1" lang="en-US" altLang="ja-JP" sz="3200" b="0" i="1" smtClean="0">
+                          <a:latin typeface="Cambria Math" panose="02040503050406030204" pitchFamily="18" charset="0"/>
+                        </a:rPr>
+                        <m:t>𝐻</m:t>
+                      </m:r>
+                      <m:r>
+                        <a:rPr kumimoji="1" lang="en-US" altLang="ja-JP" sz="3200" b="0" i="1" smtClean="0">
+                          <a:latin typeface="Cambria Math" panose="02040503050406030204" pitchFamily="18" charset="0"/>
+                        </a:rPr>
+                        <m:t>=</m:t>
+                      </m:r>
+                      <m:nary>
+                        <m:naryPr>
+                          <m:chr m:val="∑"/>
+                          <m:supHide m:val="on"/>
+                          <m:ctrlPr>
+                            <a:rPr kumimoji="1" lang="en-US" altLang="ja-JP" sz="3200" b="0" i="1" smtClean="0">
+                              <a:latin typeface="Cambria Math" panose="02040503050406030204" pitchFamily="18" charset="0"/>
+                            </a:rPr>
+                          </m:ctrlPr>
+                        </m:naryPr>
+                        <m:sub>
+                          <m:r>
+                            <a:rPr kumimoji="1" lang="en-US" altLang="ja-JP" sz="3200" b="0" i="1" smtClean="0">
+                              <a:latin typeface="Cambria Math" panose="02040503050406030204" pitchFamily="18" charset="0"/>
+                            </a:rPr>
+                            <m:t>𝑖</m:t>
+                          </m:r>
+                        </m:sub>
+                        <m:sup/>
+                        <m:e>
+                          <m:f>
+                            <m:fPr>
+                              <m:ctrlPr>
+                                <a:rPr kumimoji="1" lang="en-US" altLang="ja-JP" sz="3200" b="0" i="1" smtClean="0">
+                                  <a:latin typeface="Cambria Math" panose="02040503050406030204" pitchFamily="18" charset="0"/>
+                                </a:rPr>
+                              </m:ctrlPr>
+                            </m:fPr>
+                            <m:num>
+                              <m:sSubSup>
+                                <m:sSubSupPr>
+                                  <m:ctrlPr>
+                                    <a:rPr kumimoji="1" lang="en-US" altLang="ja-JP" sz="3200" b="0" i="1" smtClean="0">
+                                      <a:latin typeface="Cambria Math" panose="02040503050406030204" pitchFamily="18" charset="0"/>
+                                    </a:rPr>
+                                  </m:ctrlPr>
+                                </m:sSubSupPr>
+                                <m:e>
+                                  <m:acc>
+                                    <m:accPr>
+                                      <m:chr m:val="⃗"/>
+                                      <m:ctrlPr>
+                                        <a:rPr kumimoji="1" lang="en-US" altLang="ja-JP" sz="3200" b="0" i="1" smtClean="0">
+                                          <a:latin typeface="Cambria Math" panose="02040503050406030204" pitchFamily="18" charset="0"/>
+                                        </a:rPr>
+                                      </m:ctrlPr>
+                                    </m:accPr>
+                                    <m:e>
+                                      <m:r>
+                                        <a:rPr kumimoji="1" lang="en-US" altLang="ja-JP" sz="3200" b="0" i="1" smtClean="0">
+                                          <a:latin typeface="Cambria Math" panose="02040503050406030204" pitchFamily="18" charset="0"/>
+                                        </a:rPr>
+                                        <m:t>𝑝</m:t>
+                                      </m:r>
+                                    </m:e>
+                                  </m:acc>
+                                </m:e>
+                                <m:sub>
+                                  <m:r>
+                                    <a:rPr kumimoji="1" lang="en-US" altLang="ja-JP" sz="3200" b="0" i="1" smtClean="0">
+                                      <a:latin typeface="Cambria Math" panose="02040503050406030204" pitchFamily="18" charset="0"/>
+                                    </a:rPr>
+                                    <m:t>𝑖</m:t>
+                                  </m:r>
+                                </m:sub>
+                                <m:sup>
+                                  <m:r>
+                                    <a:rPr kumimoji="1" lang="en-US" altLang="ja-JP" sz="3200" b="0" i="1" smtClean="0">
+                                      <a:latin typeface="Cambria Math" panose="02040503050406030204" pitchFamily="18" charset="0"/>
+                                    </a:rPr>
+                                    <m:t>2</m:t>
+                                  </m:r>
+                                </m:sup>
+                              </m:sSubSup>
+                            </m:num>
+                            <m:den>
+                              <m:r>
+                                <a:rPr kumimoji="1" lang="en-US" altLang="ja-JP" sz="3200" b="0" i="1" smtClean="0">
+                                  <a:latin typeface="Cambria Math" panose="02040503050406030204" pitchFamily="18" charset="0"/>
+                                </a:rPr>
+                                <m:t>2</m:t>
+                              </m:r>
+                              <m:r>
+                                <a:rPr kumimoji="1" lang="en-US" altLang="ja-JP" sz="3200" b="0" i="1" smtClean="0">
+                                  <a:latin typeface="Cambria Math" panose="02040503050406030204" pitchFamily="18" charset="0"/>
+                                </a:rPr>
+                                <m:t>𝑚</m:t>
+                              </m:r>
+                            </m:den>
+                          </m:f>
+                          <m:r>
+                            <a:rPr kumimoji="1" lang="en-US" altLang="ja-JP" sz="3200" b="0" i="1" smtClean="0">
+                              <a:latin typeface="Cambria Math" panose="02040503050406030204" pitchFamily="18" charset="0"/>
+                            </a:rPr>
+                            <m:t>+</m:t>
+                          </m:r>
+                          <m:nary>
+                            <m:naryPr>
+                              <m:chr m:val="∑"/>
+                              <m:supHide m:val="on"/>
+                              <m:ctrlPr>
+                                <a:rPr kumimoji="1" lang="en-US" altLang="ja-JP" sz="3200" b="0" i="1" smtClean="0">
+                                  <a:latin typeface="Cambria Math" panose="02040503050406030204" pitchFamily="18" charset="0"/>
+                                </a:rPr>
+                              </m:ctrlPr>
+                            </m:naryPr>
+                            <m:sub>
+                              <m:r>
+                                <a:rPr kumimoji="1" lang="en-US" altLang="ja-JP" sz="3200" b="0" i="1" smtClean="0">
+                                  <a:latin typeface="Cambria Math" panose="02040503050406030204" pitchFamily="18" charset="0"/>
+                                </a:rPr>
+                                <m:t>𝑖</m:t>
+                              </m:r>
+                              <m:r>
+                                <a:rPr kumimoji="1" lang="en-US" altLang="ja-JP" sz="3200" b="0" i="1" smtClean="0">
+                                  <a:latin typeface="Cambria Math" panose="02040503050406030204" pitchFamily="18" charset="0"/>
+                                </a:rPr>
+                                <m:t>&lt;</m:t>
+                              </m:r>
+                              <m:r>
+                                <a:rPr kumimoji="1" lang="en-US" altLang="ja-JP" sz="3200" b="0" i="1" smtClean="0">
+                                  <a:latin typeface="Cambria Math" panose="02040503050406030204" pitchFamily="18" charset="0"/>
+                                </a:rPr>
+                                <m:t>𝑗</m:t>
+                              </m:r>
+                            </m:sub>
+                            <m:sup/>
+                            <m:e>
+                              <m:r>
+                                <a:rPr kumimoji="1" lang="en-US" altLang="ja-JP" sz="3200" b="0" i="1" smtClean="0">
+                                  <a:latin typeface="Cambria Math" panose="02040503050406030204" pitchFamily="18" charset="0"/>
+                                </a:rPr>
+                                <m:t>𝑉</m:t>
+                              </m:r>
+                              <m:r>
+                                <a:rPr kumimoji="1" lang="en-US" altLang="ja-JP" sz="3200" b="0" i="1" smtClean="0">
+                                  <a:latin typeface="Cambria Math" panose="02040503050406030204" pitchFamily="18" charset="0"/>
+                                </a:rPr>
+                                <m:t>(</m:t>
+                              </m:r>
+                              <m:sSub>
+                                <m:sSubPr>
+                                  <m:ctrlPr>
+                                    <a:rPr kumimoji="1" lang="en-US" altLang="ja-JP" sz="3200" b="0" i="1" smtClean="0">
+                                      <a:latin typeface="Cambria Math" panose="02040503050406030204" pitchFamily="18" charset="0"/>
+                                    </a:rPr>
+                                  </m:ctrlPr>
+                                </m:sSubPr>
+                                <m:e>
+                                  <m:r>
+                                    <a:rPr kumimoji="1" lang="en-US" altLang="ja-JP" sz="3200" b="0" i="1" smtClean="0">
+                                      <a:latin typeface="Cambria Math" panose="02040503050406030204" pitchFamily="18" charset="0"/>
+                                    </a:rPr>
+                                    <m:t>𝑞</m:t>
+                                  </m:r>
+                                </m:e>
+                                <m:sub>
+                                  <m:r>
+                                    <a:rPr kumimoji="1" lang="en-US" altLang="ja-JP" sz="3200" b="0" i="1" smtClean="0">
+                                      <a:latin typeface="Cambria Math" panose="02040503050406030204" pitchFamily="18" charset="0"/>
+                                    </a:rPr>
+                                    <m:t>𝑖𝑗</m:t>
+                                  </m:r>
+                                </m:sub>
+                              </m:sSub>
+                              <m:r>
+                                <a:rPr kumimoji="1" lang="en-US" altLang="ja-JP" sz="3200" b="0" i="1" smtClean="0">
+                                  <a:latin typeface="Cambria Math" panose="02040503050406030204" pitchFamily="18" charset="0"/>
+                                </a:rPr>
+                                <m:t>)</m:t>
+                              </m:r>
+                            </m:e>
+                          </m:nary>
+                        </m:e>
+                      </m:nary>
+                    </m:oMath>
+                  </m:oMathPara>
+                </a14:m>
+                <a:endParaRPr kumimoji="1" lang="ja-JP" altLang="en-US" sz="3200"/>
+              </a:p>
+            </p:txBody>
+          </p:sp>
+        </mc:Choice>
+        <mc:Fallback>
+          <p:sp>
+            <p:nvSpPr>
+              <p:cNvPr id="4" name="テキスト ボックス 3">
+                <a:extLst>
+                  <a:ext uri="{FF2B5EF4-FFF2-40B4-BE49-F238E27FC236}">
+                    <a16:creationId xmlns:a16="http://schemas.microsoft.com/office/drawing/2014/main" id="{857312BA-3B22-8A53-A0A3-AF1CD80B7939}"/>
+                  </a:ext>
+                </a:extLst>
+              </p:cNvPr>
+              <p:cNvSpPr txBox="1">
+                <a:spLocks noRot="1" noChangeAspect="1" noMove="1" noResize="1" noEditPoints="1" noAdjustHandles="1" noChangeArrowheads="1" noChangeShapeType="1" noTextEdit="1"/>
+              </p:cNvSpPr>
+              <p:nvPr/>
+            </p:nvSpPr>
+            <p:spPr>
+              <a:xfrm>
+                <a:off x="1907704" y="1844824"/>
+                <a:ext cx="4532202" cy="1400640"/>
+              </a:xfrm>
+              <a:prstGeom prst="rect">
+                <a:avLst/>
+              </a:prstGeom>
+              <a:blipFill>
+                <a:blip r:embed="rId2"/>
+                <a:stretch>
+                  <a:fillRect/>
+                </a:stretch>
+              </a:blipFill>
+            </p:spPr>
+            <p:txBody>
+              <a:bodyPr/>
+              <a:lstStyle/>
+              <a:p>
+                <a:r>
+                  <a:rPr lang="ja-JP" altLang="en-US">
+                    <a:noFill/>
+                  </a:rPr>
+                  <a:t> </a:t>
+                </a:r>
+              </a:p>
+            </p:txBody>
+          </p:sp>
+        </mc:Fallback>
+      </mc:AlternateContent>
+      <mc:AlternateContent xmlns:mc="http://schemas.openxmlformats.org/markup-compatibility/2006">
+        <mc:Choice xmlns:a14="http://schemas.microsoft.com/office/drawing/2010/main" Requires="a14">
+          <p:sp>
+            <p:nvSpPr>
+              <p:cNvPr id="5" name="テキスト ボックス 4">
+                <a:extLst>
+                  <a:ext uri="{FF2B5EF4-FFF2-40B4-BE49-F238E27FC236}">
+                    <a16:creationId xmlns:a16="http://schemas.microsoft.com/office/drawing/2014/main" id="{76F44888-FD76-3689-1364-ED4CCF6A39C2}"/>
+                  </a:ext>
+                </a:extLst>
+              </p:cNvPr>
+              <p:cNvSpPr txBox="1"/>
+              <p:nvPr/>
+            </p:nvSpPr>
+            <p:spPr>
+              <a:xfrm>
+                <a:off x="1259632" y="3429000"/>
+                <a:ext cx="5463675" cy="1423659"/>
+              </a:xfrm>
+              <a:prstGeom prst="rect">
+                <a:avLst/>
+              </a:prstGeom>
+              <a:noFill/>
+            </p:spPr>
+            <p:txBody>
+              <a:bodyPr wrap="none" rtlCol="0">
+                <a:spAutoFit/>
+              </a:bodyPr>
+              <a:lstStyle/>
+              <a:p>
+                <a:pPr/>
+                <a14:m>
+                  <m:oMathPara xmlns:m="http://schemas.openxmlformats.org/officeDocument/2006/math">
+                    <m:oMathParaPr>
+                      <m:jc m:val="centerGroup"/>
+                    </m:oMathParaPr>
+                    <m:oMath xmlns:m="http://schemas.openxmlformats.org/officeDocument/2006/math">
+                      <m:f>
+                        <m:fPr>
+                          <m:ctrlPr>
+                            <a:rPr kumimoji="1" lang="en-US" altLang="ja-JP" sz="3200" b="0" i="1" smtClean="0">
+                              <a:latin typeface="Cambria Math" panose="02040503050406030204" pitchFamily="18" charset="0"/>
+                            </a:rPr>
+                          </m:ctrlPr>
+                        </m:fPr>
+                        <m:num>
+                          <m:r>
+                            <a:rPr kumimoji="1" lang="en-US" altLang="ja-JP" sz="3200" b="0" i="1" smtClean="0">
+                              <a:latin typeface="Cambria Math" panose="02040503050406030204" pitchFamily="18" charset="0"/>
+                            </a:rPr>
+                            <m:t>𝑑</m:t>
+                          </m:r>
+                          <m:sSubSup>
+                            <m:sSubSupPr>
+                              <m:ctrlPr>
+                                <a:rPr kumimoji="1" lang="en-US" altLang="ja-JP" sz="3200" b="0" i="1" smtClean="0">
+                                  <a:latin typeface="Cambria Math" panose="02040503050406030204" pitchFamily="18" charset="0"/>
+                                </a:rPr>
+                              </m:ctrlPr>
+                            </m:sSubSupPr>
+                            <m:e>
+                              <m:r>
+                                <a:rPr kumimoji="1" lang="en-US" altLang="ja-JP" sz="3200" b="0" i="1" smtClean="0">
+                                  <a:latin typeface="Cambria Math" panose="02040503050406030204" pitchFamily="18" charset="0"/>
+                                </a:rPr>
+                                <m:t>𝑝</m:t>
+                              </m:r>
+                            </m:e>
+                            <m:sub>
+                              <m:r>
+                                <a:rPr kumimoji="1" lang="en-US" altLang="ja-JP" sz="3200" b="0" i="1" smtClean="0">
+                                  <a:latin typeface="Cambria Math" panose="02040503050406030204" pitchFamily="18" charset="0"/>
+                                </a:rPr>
+                                <m:t>𝑖</m:t>
+                              </m:r>
+                            </m:sub>
+                            <m:sup>
+                              <m:r>
+                                <a:rPr kumimoji="1" lang="en-US" altLang="ja-JP" sz="3200" b="0" i="1" smtClean="0">
+                                  <a:latin typeface="Cambria Math" panose="02040503050406030204" pitchFamily="18" charset="0"/>
+                                </a:rPr>
+                                <m:t>𝑥</m:t>
+                              </m:r>
+                            </m:sup>
+                          </m:sSubSup>
+                        </m:num>
+                        <m:den>
+                          <m:r>
+                            <a:rPr kumimoji="1" lang="en-US" altLang="ja-JP" sz="3200" b="0" i="1" smtClean="0">
+                              <a:latin typeface="Cambria Math" panose="02040503050406030204" pitchFamily="18" charset="0"/>
+                            </a:rPr>
+                            <m:t>𝑑𝑡</m:t>
+                          </m:r>
+                        </m:den>
+                      </m:f>
+                      <m:r>
+                        <a:rPr kumimoji="1" lang="en-US" altLang="ja-JP" sz="3200" b="0" i="1" smtClean="0">
+                          <a:latin typeface="Cambria Math" panose="02040503050406030204" pitchFamily="18" charset="0"/>
+                        </a:rPr>
+                        <m:t>=</m:t>
+                      </m:r>
+                      <m:r>
+                        <a:rPr kumimoji="1" lang="en-US" altLang="ja-JP" sz="3200" b="0" i="1" smtClean="0">
+                          <a:latin typeface="Cambria Math" panose="02040503050406030204" pitchFamily="18" charset="0"/>
+                        </a:rPr>
+                        <m:t>−</m:t>
+                      </m:r>
+                      <m:f>
+                        <m:fPr>
+                          <m:ctrlPr>
+                            <a:rPr kumimoji="1" lang="en-US" altLang="ja-JP" sz="3200" b="0" i="1" smtClean="0">
+                              <a:latin typeface="Cambria Math" panose="02040503050406030204" pitchFamily="18" charset="0"/>
+                            </a:rPr>
+                          </m:ctrlPr>
+                        </m:fPr>
+                        <m:num>
+                          <m:r>
+                            <a:rPr kumimoji="1" lang="en-US" altLang="ja-JP" sz="3200" b="0" i="1" smtClean="0">
+                              <a:latin typeface="Cambria Math" panose="02040503050406030204" pitchFamily="18" charset="0"/>
+                            </a:rPr>
+                            <m:t>𝜕</m:t>
+                          </m:r>
+                          <m:r>
+                            <a:rPr kumimoji="1" lang="en-US" altLang="ja-JP" sz="3200" b="0" i="1" smtClean="0">
+                              <a:latin typeface="Cambria Math" panose="02040503050406030204" pitchFamily="18" charset="0"/>
+                            </a:rPr>
+                            <m:t>𝐻</m:t>
+                          </m:r>
+                        </m:num>
+                        <m:den>
+                          <m:r>
+                            <a:rPr kumimoji="1" lang="en-US" altLang="ja-JP" sz="3200" b="0" i="1" smtClean="0">
+                              <a:latin typeface="Cambria Math" panose="02040503050406030204" pitchFamily="18" charset="0"/>
+                            </a:rPr>
+                            <m:t>𝜕</m:t>
+                          </m:r>
+                          <m:sSubSup>
+                            <m:sSubSupPr>
+                              <m:ctrlPr>
+                                <a:rPr kumimoji="1" lang="en-US" altLang="ja-JP" sz="3200" b="0" i="1" smtClean="0">
+                                  <a:latin typeface="Cambria Math" panose="02040503050406030204" pitchFamily="18" charset="0"/>
+                                </a:rPr>
+                              </m:ctrlPr>
+                            </m:sSubSupPr>
+                            <m:e>
+                              <m:r>
+                                <a:rPr kumimoji="1" lang="en-US" altLang="ja-JP" sz="3200" b="0" i="1" smtClean="0">
+                                  <a:latin typeface="Cambria Math" panose="02040503050406030204" pitchFamily="18" charset="0"/>
+                                </a:rPr>
+                                <m:t>𝑞</m:t>
+                              </m:r>
+                            </m:e>
+                            <m:sub>
+                              <m:r>
+                                <a:rPr kumimoji="1" lang="en-US" altLang="ja-JP" sz="3200" b="0" i="1" smtClean="0">
+                                  <a:latin typeface="Cambria Math" panose="02040503050406030204" pitchFamily="18" charset="0"/>
+                                </a:rPr>
+                                <m:t>𝑖</m:t>
+                              </m:r>
+                            </m:sub>
+                            <m:sup>
+                              <m:r>
+                                <a:rPr kumimoji="1" lang="en-US" altLang="ja-JP" sz="3200" b="0" i="1" smtClean="0">
+                                  <a:latin typeface="Cambria Math" panose="02040503050406030204" pitchFamily="18" charset="0"/>
+                                </a:rPr>
+                                <m:t>𝑥</m:t>
+                              </m:r>
+                            </m:sup>
+                          </m:sSubSup>
+                        </m:den>
+                      </m:f>
+                      <m:r>
+                        <a:rPr kumimoji="1" lang="en-US" altLang="ja-JP" sz="3200" b="0" i="1" smtClean="0">
+                          <a:latin typeface="Cambria Math" panose="02040503050406030204" pitchFamily="18" charset="0"/>
+                        </a:rPr>
+                        <m:t>=</m:t>
+                      </m:r>
+                      <m:r>
+                        <a:rPr kumimoji="1" lang="en-US" altLang="ja-JP" sz="3200" b="0" i="1" smtClean="0">
+                          <a:latin typeface="Cambria Math" panose="02040503050406030204" pitchFamily="18" charset="0"/>
+                        </a:rPr>
+                        <m:t>−</m:t>
+                      </m:r>
+                      <m:nary>
+                        <m:naryPr>
+                          <m:chr m:val="∑"/>
+                          <m:supHide m:val="on"/>
+                          <m:ctrlPr>
+                            <a:rPr lang="en-US" altLang="ja-JP" sz="3200" i="1">
+                              <a:latin typeface="Cambria Math" panose="02040503050406030204" pitchFamily="18" charset="0"/>
+                            </a:rPr>
+                          </m:ctrlPr>
+                        </m:naryPr>
+                        <m:sub>
+                          <m:r>
+                            <a:rPr lang="en-US" altLang="ja-JP" sz="3200" i="1">
+                              <a:latin typeface="Cambria Math" panose="02040503050406030204" pitchFamily="18" charset="0"/>
+                            </a:rPr>
+                            <m:t>𝑖</m:t>
+                          </m:r>
+                          <m:r>
+                            <a:rPr lang="en-US" altLang="ja-JP" sz="3200" i="1">
+                              <a:latin typeface="Cambria Math" panose="02040503050406030204" pitchFamily="18" charset="0"/>
+                            </a:rPr>
+                            <m:t>&lt;</m:t>
+                          </m:r>
+                          <m:r>
+                            <a:rPr lang="en-US" altLang="ja-JP" sz="3200" i="1">
+                              <a:latin typeface="Cambria Math" panose="02040503050406030204" pitchFamily="18" charset="0"/>
+                            </a:rPr>
+                            <m:t>𝑗</m:t>
+                          </m:r>
+                        </m:sub>
+                        <m:sup/>
+                        <m:e>
+                          <m:f>
+                            <m:fPr>
+                              <m:ctrlPr>
+                                <a:rPr lang="en-US" altLang="ja-JP" sz="3200" b="0" i="1" smtClean="0">
+                                  <a:latin typeface="Cambria Math" panose="02040503050406030204" pitchFamily="18" charset="0"/>
+                                </a:rPr>
+                              </m:ctrlPr>
+                            </m:fPr>
+                            <m:num>
+                              <m:r>
+                                <a:rPr lang="en-US" altLang="ja-JP" sz="3200" b="0" i="1" smtClean="0">
+                                  <a:latin typeface="Cambria Math" panose="02040503050406030204" pitchFamily="18" charset="0"/>
+                                </a:rPr>
+                                <m:t>𝜕</m:t>
+                              </m:r>
+                              <m:r>
+                                <a:rPr lang="en-US" altLang="ja-JP" sz="3200" i="1">
+                                  <a:latin typeface="Cambria Math" panose="02040503050406030204" pitchFamily="18" charset="0"/>
+                                </a:rPr>
+                                <m:t>𝑉</m:t>
+                              </m:r>
+                              <m:d>
+                                <m:dPr>
+                                  <m:ctrlPr>
+                                    <a:rPr lang="en-US" altLang="ja-JP" sz="3200" i="1">
+                                      <a:latin typeface="Cambria Math" panose="02040503050406030204" pitchFamily="18" charset="0"/>
+                                    </a:rPr>
+                                  </m:ctrlPr>
+                                </m:dPr>
+                                <m:e>
+                                  <m:sSub>
+                                    <m:sSubPr>
+                                      <m:ctrlPr>
+                                        <a:rPr lang="en-US" altLang="ja-JP" sz="3200" i="1">
+                                          <a:latin typeface="Cambria Math" panose="02040503050406030204" pitchFamily="18" charset="0"/>
+                                        </a:rPr>
+                                      </m:ctrlPr>
+                                    </m:sSubPr>
+                                    <m:e>
+                                      <m:r>
+                                        <a:rPr lang="en-US" altLang="ja-JP" sz="3200" i="1">
+                                          <a:latin typeface="Cambria Math" panose="02040503050406030204" pitchFamily="18" charset="0"/>
+                                        </a:rPr>
+                                        <m:t>𝑞</m:t>
+                                      </m:r>
+                                    </m:e>
+                                    <m:sub>
+                                      <m:r>
+                                        <a:rPr lang="en-US" altLang="ja-JP" sz="3200" i="1">
+                                          <a:latin typeface="Cambria Math" panose="02040503050406030204" pitchFamily="18" charset="0"/>
+                                        </a:rPr>
+                                        <m:t>𝑖𝑗</m:t>
+                                      </m:r>
+                                    </m:sub>
+                                  </m:sSub>
+                                </m:e>
+                              </m:d>
+                            </m:num>
+                            <m:den>
+                              <m:r>
+                                <a:rPr lang="en-US" altLang="ja-JP" sz="3200" b="0" i="1" smtClean="0">
+                                  <a:latin typeface="Cambria Math" panose="02040503050406030204" pitchFamily="18" charset="0"/>
+                                </a:rPr>
+                                <m:t>𝜕</m:t>
+                              </m:r>
+                              <m:sSubSup>
+                                <m:sSubSupPr>
+                                  <m:ctrlPr>
+                                    <a:rPr lang="en-US" altLang="ja-JP" sz="3200" b="0" i="1" smtClean="0">
+                                      <a:latin typeface="Cambria Math" panose="02040503050406030204" pitchFamily="18" charset="0"/>
+                                    </a:rPr>
+                                  </m:ctrlPr>
+                                </m:sSubSupPr>
+                                <m:e>
+                                  <m:r>
+                                    <a:rPr lang="en-US" altLang="ja-JP" sz="3200" b="0" i="1" smtClean="0">
+                                      <a:latin typeface="Cambria Math" panose="02040503050406030204" pitchFamily="18" charset="0"/>
+                                    </a:rPr>
+                                    <m:t>𝑞</m:t>
+                                  </m:r>
+                                </m:e>
+                                <m:sub>
+                                  <m:r>
+                                    <a:rPr lang="en-US" altLang="ja-JP" sz="3200" b="0" i="1" smtClean="0">
+                                      <a:latin typeface="Cambria Math" panose="02040503050406030204" pitchFamily="18" charset="0"/>
+                                    </a:rPr>
+                                    <m:t>𝑖</m:t>
+                                  </m:r>
+                                </m:sub>
+                                <m:sup>
+                                  <m:r>
+                                    <a:rPr lang="en-US" altLang="ja-JP" sz="3200" b="0" i="1" smtClean="0">
+                                      <a:latin typeface="Cambria Math" panose="02040503050406030204" pitchFamily="18" charset="0"/>
+                                    </a:rPr>
+                                    <m:t>𝑥</m:t>
+                                  </m:r>
+                                </m:sup>
+                              </m:sSubSup>
+                            </m:den>
+                          </m:f>
+                        </m:e>
+                      </m:nary>
+                    </m:oMath>
+                  </m:oMathPara>
+                </a14:m>
+                <a:endParaRPr kumimoji="1" lang="ja-JP" altLang="en-US" sz="3200"/>
+              </a:p>
+            </p:txBody>
+          </p:sp>
+        </mc:Choice>
+        <mc:Fallback>
+          <p:sp>
+            <p:nvSpPr>
+              <p:cNvPr id="5" name="テキスト ボックス 4">
+                <a:extLst>
+                  <a:ext uri="{FF2B5EF4-FFF2-40B4-BE49-F238E27FC236}">
+                    <a16:creationId xmlns:a16="http://schemas.microsoft.com/office/drawing/2014/main" id="{76F44888-FD76-3689-1364-ED4CCF6A39C2}"/>
+                  </a:ext>
+                </a:extLst>
+              </p:cNvPr>
+              <p:cNvSpPr txBox="1">
+                <a:spLocks noRot="1" noChangeAspect="1" noMove="1" noResize="1" noEditPoints="1" noAdjustHandles="1" noChangeArrowheads="1" noChangeShapeType="1" noTextEdit="1"/>
+              </p:cNvSpPr>
+              <p:nvPr/>
+            </p:nvSpPr>
+            <p:spPr>
+              <a:xfrm>
+                <a:off x="1259632" y="3429000"/>
+                <a:ext cx="5463675" cy="1423659"/>
+              </a:xfrm>
+              <a:prstGeom prst="rect">
+                <a:avLst/>
+              </a:prstGeom>
+              <a:blipFill>
+                <a:blip r:embed="rId3"/>
+                <a:stretch>
+                  <a:fillRect/>
+                </a:stretch>
+              </a:blipFill>
+            </p:spPr>
+            <p:txBody>
+              <a:bodyPr/>
+              <a:lstStyle/>
+              <a:p>
+                <a:r>
+                  <a:rPr lang="ja-JP" altLang="en-US">
+                    <a:noFill/>
+                  </a:rPr>
+                  <a:t> </a:t>
+                </a:r>
+              </a:p>
+            </p:txBody>
+          </p:sp>
+        </mc:Fallback>
+      </mc:AlternateContent>
+      <mc:AlternateContent xmlns:mc="http://schemas.openxmlformats.org/markup-compatibility/2006">
+        <mc:Choice xmlns:a14="http://schemas.microsoft.com/office/drawing/2010/main" Requires="a14">
+          <p:sp>
+            <p:nvSpPr>
+              <p:cNvPr id="6" name="テキスト ボックス 5">
+                <a:extLst>
+                  <a:ext uri="{FF2B5EF4-FFF2-40B4-BE49-F238E27FC236}">
+                    <a16:creationId xmlns:a16="http://schemas.microsoft.com/office/drawing/2014/main" id="{EA74C5E1-5921-CFE5-3A98-56259A00DE48}"/>
+                  </a:ext>
+                </a:extLst>
+              </p:cNvPr>
+              <p:cNvSpPr txBox="1"/>
+              <p:nvPr/>
+            </p:nvSpPr>
+            <p:spPr>
+              <a:xfrm>
+                <a:off x="2123728" y="5229200"/>
+                <a:ext cx="4572000" cy="823944"/>
+              </a:xfrm>
+              <a:prstGeom prst="rect">
+                <a:avLst/>
+              </a:prstGeom>
+              <a:noFill/>
+            </p:spPr>
+            <p:txBody>
+              <a:bodyPr wrap="square">
+                <a:spAutoFit/>
+              </a:bodyPr>
+              <a:lstStyle/>
+              <a:p>
+                <a:pPr/>
+                <a14:m>
+                  <m:oMathPara xmlns:m="http://schemas.openxmlformats.org/officeDocument/2006/math">
+                    <m:oMathParaPr>
+                      <m:jc m:val="centerGroup"/>
+                    </m:oMathParaPr>
+                    <m:oMath xmlns:m="http://schemas.openxmlformats.org/officeDocument/2006/math">
+                      <m:sSub>
+                        <m:sSubPr>
+                          <m:ctrlPr>
+                            <a:rPr kumimoji="1" lang="en-US" altLang="ja-JP" sz="4400" b="0" i="1" smtClean="0">
+                              <a:latin typeface="Cambria Math" panose="02040503050406030204" pitchFamily="18" charset="0"/>
+                            </a:rPr>
+                          </m:ctrlPr>
+                        </m:sSubPr>
+                        <m:e>
+                          <m:r>
+                            <a:rPr kumimoji="1" lang="en-US" altLang="ja-JP" sz="4400" b="0" i="1" smtClean="0">
+                              <a:latin typeface="Cambria Math" panose="02040503050406030204" pitchFamily="18" charset="0"/>
+                            </a:rPr>
+                            <m:t>𝑞</m:t>
+                          </m:r>
+                        </m:e>
+                        <m:sub>
+                          <m:r>
+                            <a:rPr kumimoji="1" lang="en-US" altLang="ja-JP" sz="4400" b="0" i="1" smtClean="0">
+                              <a:latin typeface="Cambria Math" panose="02040503050406030204" pitchFamily="18" charset="0"/>
+                            </a:rPr>
+                            <m:t>𝑖𝑗</m:t>
+                          </m:r>
+                        </m:sub>
+                      </m:sSub>
+                      <m:r>
+                        <a:rPr kumimoji="1" lang="en-US" altLang="ja-JP" sz="4400" b="0" i="1" smtClean="0">
+                          <a:latin typeface="Cambria Math" panose="02040503050406030204" pitchFamily="18" charset="0"/>
+                        </a:rPr>
+                        <m:t>≡|</m:t>
+                      </m:r>
+                      <m:sSub>
+                        <m:sSubPr>
+                          <m:ctrlPr>
+                            <a:rPr lang="en-US" altLang="ja-JP" sz="4400" i="1">
+                              <a:latin typeface="Cambria Math" panose="02040503050406030204" pitchFamily="18" charset="0"/>
+                            </a:rPr>
+                          </m:ctrlPr>
+                        </m:sSubPr>
+                        <m:e>
+                          <m:acc>
+                            <m:accPr>
+                              <m:chr m:val="⃗"/>
+                              <m:ctrlPr>
+                                <a:rPr lang="en-US" altLang="ja-JP" sz="4400" i="1">
+                                  <a:latin typeface="Cambria Math" panose="02040503050406030204" pitchFamily="18" charset="0"/>
+                                </a:rPr>
+                              </m:ctrlPr>
+                            </m:accPr>
+                            <m:e>
+                              <m:r>
+                                <a:rPr lang="en-US" altLang="ja-JP" sz="4400" i="1">
+                                  <a:latin typeface="Cambria Math" panose="02040503050406030204" pitchFamily="18" charset="0"/>
+                                </a:rPr>
+                                <m:t>𝑞</m:t>
+                              </m:r>
+                            </m:e>
+                          </m:acc>
+                        </m:e>
+                        <m:sub>
+                          <m:r>
+                            <a:rPr lang="en-US" altLang="ja-JP" sz="4400" i="1">
+                              <a:latin typeface="Cambria Math" panose="02040503050406030204" pitchFamily="18" charset="0"/>
+                            </a:rPr>
+                            <m:t>𝑖</m:t>
+                          </m:r>
+                        </m:sub>
+                      </m:sSub>
+                      <m:r>
+                        <a:rPr lang="en-US" altLang="ja-JP" sz="4400" i="1">
+                          <a:latin typeface="Cambria Math" panose="02040503050406030204" pitchFamily="18" charset="0"/>
+                        </a:rPr>
+                        <m:t>−</m:t>
+                      </m:r>
+                      <m:sSub>
+                        <m:sSubPr>
+                          <m:ctrlPr>
+                            <a:rPr lang="en-US" altLang="ja-JP" sz="4400" i="1">
+                              <a:latin typeface="Cambria Math" panose="02040503050406030204" pitchFamily="18" charset="0"/>
+                            </a:rPr>
+                          </m:ctrlPr>
+                        </m:sSubPr>
+                        <m:e>
+                          <m:acc>
+                            <m:accPr>
+                              <m:chr m:val="⃗"/>
+                              <m:ctrlPr>
+                                <a:rPr lang="en-US" altLang="ja-JP" sz="4400" i="1">
+                                  <a:latin typeface="Cambria Math" panose="02040503050406030204" pitchFamily="18" charset="0"/>
+                                </a:rPr>
+                              </m:ctrlPr>
+                            </m:accPr>
+                            <m:e>
+                              <m:r>
+                                <a:rPr lang="en-US" altLang="ja-JP" sz="4400" i="1">
+                                  <a:latin typeface="Cambria Math" panose="02040503050406030204" pitchFamily="18" charset="0"/>
+                                </a:rPr>
+                                <m:t>𝑞</m:t>
+                              </m:r>
+                            </m:e>
+                          </m:acc>
+                        </m:e>
+                        <m:sub>
+                          <m:r>
+                            <a:rPr lang="en-US" altLang="ja-JP" sz="4400" b="0" i="1" smtClean="0">
+                              <a:latin typeface="Cambria Math" panose="02040503050406030204" pitchFamily="18" charset="0"/>
+                            </a:rPr>
+                            <m:t>𝑗</m:t>
+                          </m:r>
+                        </m:sub>
+                      </m:sSub>
+                      <m:r>
+                        <a:rPr kumimoji="1" lang="en-US" altLang="ja-JP" sz="4400" b="0" i="1" smtClean="0">
+                          <a:latin typeface="Cambria Math" panose="02040503050406030204" pitchFamily="18" charset="0"/>
+                        </a:rPr>
+                        <m:t>|</m:t>
+                      </m:r>
+                    </m:oMath>
+                  </m:oMathPara>
+                </a14:m>
+                <a:endParaRPr lang="ja-JP" altLang="en-US" sz="4400"/>
+              </a:p>
+            </p:txBody>
+          </p:sp>
+        </mc:Choice>
+        <mc:Fallback>
+          <p:sp>
+            <p:nvSpPr>
+              <p:cNvPr id="6" name="テキスト ボックス 5">
+                <a:extLst>
+                  <a:ext uri="{FF2B5EF4-FFF2-40B4-BE49-F238E27FC236}">
+                    <a16:creationId xmlns:a16="http://schemas.microsoft.com/office/drawing/2014/main" id="{EA74C5E1-5921-CFE5-3A98-56259A00DE48}"/>
+                  </a:ext>
+                </a:extLst>
+              </p:cNvPr>
+              <p:cNvSpPr txBox="1">
+                <a:spLocks noRot="1" noChangeAspect="1" noMove="1" noResize="1" noEditPoints="1" noAdjustHandles="1" noChangeArrowheads="1" noChangeShapeType="1" noTextEdit="1"/>
+              </p:cNvSpPr>
+              <p:nvPr/>
+            </p:nvSpPr>
+            <p:spPr>
+              <a:xfrm>
+                <a:off x="2123728" y="5229200"/>
+                <a:ext cx="4572000" cy="823944"/>
+              </a:xfrm>
+              <a:prstGeom prst="rect">
+                <a:avLst/>
+              </a:prstGeom>
+              <a:blipFill>
+                <a:blip r:embed="rId4"/>
+                <a:stretch>
+                  <a:fillRect/>
+                </a:stretch>
+              </a:blipFill>
+            </p:spPr>
+            <p:txBody>
+              <a:bodyPr/>
+              <a:lstStyle/>
+              <a:p>
+                <a:r>
+                  <a:rPr lang="ja-JP" altLang="en-US">
+                    <a:noFill/>
+                  </a:rPr>
+                  <a:t> </a:t>
+                </a:r>
+              </a:p>
+            </p:txBody>
+          </p:sp>
+        </mc:Fallback>
+      </mc:AlternateContent>
+    </p:spTree>
+    <p:extLst>
+      <p:ext uri="{BB962C8B-B14F-4D97-AF65-F5344CB8AC3E}">
+        <p14:creationId xmlns:p14="http://schemas.microsoft.com/office/powerpoint/2010/main" val="2276948625"/>
+      </p:ext>
+    </p:extLst>
+  </p:cSld>
+  <p:clrMapOvr>
+    <a:masterClrMapping/>
+  </p:clrMapOvr>
+</p:sld>
+</file>
+
+<file path=ppt/slides/slide14.xml><?xml version="1.0" encoding="utf-8"?>
 <p:sld xmlns:a="http://schemas.openxmlformats.org/drawingml/2006/main" xmlns:r="http://schemas.openxmlformats.org/officeDocument/2006/relationships" xmlns:p="http://schemas.openxmlformats.org/presentationml/2006/main">
   <p:cSld>
     <p:spTree>

--- a/07_md_implementation/simulation07.pptx
+++ b/07_md_implementation/simulation07.pptx
@@ -5,7 +5,7 @@
     <p:sldMasterId id="2147483665" r:id="rId1"/>
   </p:sldMasterIdLst>
   <p:notesMasterIdLst>
-    <p:notesMasterId r:id="rId16"/>
+    <p:notesMasterId r:id="rId19"/>
   </p:notesMasterIdLst>
   <p:sldIdLst>
     <p:sldId id="256" r:id="rId2"/>
@@ -21,7 +21,10 @@
     <p:sldId id="267" r:id="rId12"/>
     <p:sldId id="268" r:id="rId13"/>
     <p:sldId id="269" r:id="rId14"/>
-    <p:sldId id="257" r:id="rId15"/>
+    <p:sldId id="270" r:id="rId15"/>
+    <p:sldId id="271" r:id="rId16"/>
+    <p:sldId id="272" r:id="rId17"/>
+    <p:sldId id="257" r:id="rId18"/>
   </p:sldIdLst>
   <p:sldSz cx="9144000" cy="6858000" type="screen4x3"/>
   <p:notesSz cx="6858000" cy="9144000"/>
@@ -232,7 +235,7 @@
           </a:lstStyle>
           <a:p>
             <a:fld id="{6B8D1B20-A248-FB47-8240-73C0C5F47C9D}" type="datetimeFigureOut">
-              <a:t>2022/5/16</a:t>
+              <a:t>2022/5/17</a:t>
             </a:fld>
             <a:endParaRPr kumimoji="1" lang="ja-JP" altLang="en-US"/>
           </a:p>
@@ -3727,7 +3730,7 @@
           <a:lstStyle/>
           <a:p>
             <a:r>
-              <a:rPr kumimoji="1" lang="ja-JP" altLang="en-US"/>
+              <a:rPr kumimoji="1" lang="ja-JP" altLang="en-US" dirty="0"/>
               <a:t>実装の基礎</a:t>
             </a:r>
           </a:p>
@@ -3769,8 +3772,8 @@
           </a:p>
         </p:txBody>
       </p:sp>
-      <mc:AlternateContent xmlns:mc="http://schemas.openxmlformats.org/markup-compatibility/2006">
-        <mc:Choice xmlns:a14="http://schemas.microsoft.com/office/drawing/2010/main" Requires="a14">
+      <mc:AlternateContent xmlns:mc="http://schemas.openxmlformats.org/markup-compatibility/2006" xmlns:a14="http://schemas.microsoft.com/office/drawing/2010/main">
+        <mc:Choice Requires="a14">
           <p:sp>
             <p:nvSpPr>
               <p:cNvPr id="4" name="テキスト ボックス 3">
@@ -4001,7 +4004,7 @@
             </p:txBody>
           </p:sp>
         </mc:Choice>
-        <mc:Fallback>
+        <mc:Fallback xmlns="">
           <p:sp>
             <p:nvSpPr>
               <p:cNvPr id="4" name="テキスト ボックス 3">
@@ -4046,8 +4049,8 @@
           </p:sp>
         </mc:Fallback>
       </mc:AlternateContent>
-      <mc:AlternateContent xmlns:mc="http://schemas.openxmlformats.org/markup-compatibility/2006">
-        <mc:Choice xmlns:a14="http://schemas.microsoft.com/office/drawing/2010/main" Requires="a14">
+      <mc:AlternateContent xmlns:mc="http://schemas.openxmlformats.org/markup-compatibility/2006" xmlns:a14="http://schemas.microsoft.com/office/drawing/2010/main">
+        <mc:Choice Requires="a14">
           <p:sp>
             <p:nvSpPr>
               <p:cNvPr id="5" name="テキスト ボックス 4">
@@ -4145,13 +4148,7 @@
                         <a:rPr kumimoji="1" lang="en-US" altLang="ja-JP" sz="3200" b="0" i="1" smtClean="0">
                           <a:latin typeface="Cambria Math" panose="02040503050406030204" pitchFamily="18" charset="0"/>
                         </a:rPr>
-                        <m:t>=</m:t>
-                      </m:r>
-                      <m:r>
-                        <a:rPr kumimoji="1" lang="en-US" altLang="ja-JP" sz="3200" b="0" i="1" smtClean="0">
-                          <a:latin typeface="Cambria Math" panose="02040503050406030204" pitchFamily="18" charset="0"/>
-                        </a:rPr>
-                        <m:t>−</m:t>
+                        <m:t>=−</m:t>
                       </m:r>
                       <m:f>
                         <m:fPr>
@@ -4221,13 +4218,7 @@
                         <a:rPr kumimoji="1" lang="en-US" altLang="ja-JP" sz="3200" b="0" i="1" smtClean="0">
                           <a:latin typeface="Cambria Math" panose="02040503050406030204" pitchFamily="18" charset="0"/>
                         </a:rPr>
-                        <m:t>=</m:t>
-                      </m:r>
-                      <m:r>
-                        <a:rPr kumimoji="1" lang="en-US" altLang="ja-JP" sz="3200" b="0" i="1" smtClean="0">
-                          <a:latin typeface="Cambria Math" panose="02040503050406030204" pitchFamily="18" charset="0"/>
-                        </a:rPr>
-                        <m:t>−</m:t>
+                        <m:t>=−</m:t>
                       </m:r>
                       <m:nary>
                         <m:naryPr>
@@ -4371,7 +4362,7 @@
             </p:txBody>
           </p:sp>
         </mc:Choice>
-        <mc:Fallback>
+        <mc:Fallback xmlns="">
           <p:sp>
             <p:nvSpPr>
               <p:cNvPr id="5" name="テキスト ボックス 4">
@@ -4432,8 +4423,8 @@
             </p:nvSpPr>
             <p:spPr>
               <a:xfrm>
-                <a:off x="2123728" y="5229200"/>
-                <a:ext cx="4572000" cy="823944"/>
+                <a:off x="1763688" y="5301208"/>
+                <a:ext cx="5724128" cy="872418"/>
               </a:xfrm>
               <a:prstGeom prst="rect">
                 <a:avLst/>
@@ -4482,7 +4473,69 @@
                         <a:rPr kumimoji="1" lang="en-US" altLang="ja-JP" sz="4400" b="0" i="1" smtClean="0">
                           <a:latin typeface="Cambria Math" panose="02040503050406030204" pitchFamily="18" charset="0"/>
                         </a:rPr>
-                        <m:t>≡|</m:t>
+                        <m:t>≡</m:t>
+                      </m:r>
+                      <m:d>
+                        <m:dPr>
+                          <m:begChr m:val="|"/>
+                          <m:endChr m:val="|"/>
+                          <m:ctrlPr>
+                            <a:rPr kumimoji="1" lang="en-US" altLang="ja-JP" sz="4400" b="0" i="1" smtClean="0">
+                              <a:latin typeface="Cambria Math" panose="02040503050406030204" pitchFamily="18" charset="0"/>
+                            </a:rPr>
+                          </m:ctrlPr>
+                        </m:dPr>
+                        <m:e>
+                          <m:sSub>
+                            <m:sSubPr>
+                              <m:ctrlPr>
+                                <a:rPr kumimoji="1" lang="en-US" altLang="ja-JP" sz="4400" b="0" i="1" smtClean="0">
+                                  <a:latin typeface="Cambria Math" panose="02040503050406030204" pitchFamily="18" charset="0"/>
+                                </a:rPr>
+                              </m:ctrlPr>
+                            </m:sSubPr>
+                            <m:e>
+                              <m:acc>
+                                <m:accPr>
+                                  <m:chr m:val="⃗"/>
+                                  <m:ctrlPr>
+                                    <a:rPr kumimoji="1" lang="en-US" altLang="ja-JP" sz="4400" b="0" i="1" smtClean="0">
+                                      <a:latin typeface="Cambria Math" panose="02040503050406030204" pitchFamily="18" charset="0"/>
+                                    </a:rPr>
+                                  </m:ctrlPr>
+                                </m:accPr>
+                                <m:e>
+                                  <m:r>
+                                    <a:rPr kumimoji="1" lang="en-US" altLang="ja-JP" sz="4400" b="0" i="1" smtClean="0">
+                                      <a:latin typeface="Cambria Math" panose="02040503050406030204" pitchFamily="18" charset="0"/>
+                                    </a:rPr>
+                                    <m:t>𝑞</m:t>
+                                  </m:r>
+                                </m:e>
+                              </m:acc>
+                            </m:e>
+                            <m:sub>
+                              <m:r>
+                                <a:rPr kumimoji="1" lang="en-US" altLang="ja-JP" sz="4400" b="0" i="1" smtClean="0">
+                                  <a:latin typeface="Cambria Math" panose="02040503050406030204" pitchFamily="18" charset="0"/>
+                                </a:rPr>
+                                <m:t>𝑖𝑗</m:t>
+                              </m:r>
+                            </m:sub>
+                          </m:sSub>
+                        </m:e>
+                      </m:d>
+                      <m:r>
+                        <a:rPr kumimoji="1" lang="en-US" altLang="ja-JP" sz="4400" b="0" i="1" smtClean="0">
+                          <a:latin typeface="Cambria Math" panose="02040503050406030204" pitchFamily="18" charset="0"/>
+                        </a:rPr>
+                        <m:t>=</m:t>
+                      </m:r>
+                      <m:r>
+                        <a:rPr kumimoji="1" lang="en-US" altLang="ja-JP" sz="4400" b="0" i="1" smtClean="0">
+                          <a:latin typeface="Cambria Math" panose="02040503050406030204" pitchFamily="18" charset="0"/>
+                        </a:rPr>
+                        <m:t>|</m:t>
                       </m:r>
                       <m:sSub>
                         <m:sSubPr>
@@ -4573,7 +4626,7 @@
                     </m:oMath>
                   </m:oMathPara>
                 </a14:m>
-                <a:endParaRPr lang="ja-JP" altLang="en-US" sz="4400"/>
+                <a:endParaRPr lang="ja-JP" altLang="en-US" sz="4400" dirty="0"/>
               </a:p>
             </p:txBody>
           </p:sp>
@@ -4595,8 +4648,8 @@
             </p:nvSpPr>
             <p:spPr>
               <a:xfrm>
-                <a:off x="2123728" y="5229200"/>
-                <a:ext cx="4572000" cy="823944"/>
+                <a:off x="1763688" y="5301208"/>
+                <a:ext cx="5724128" cy="872418"/>
               </a:xfrm>
               <a:prstGeom prst="rect">
                 <a:avLst/>
@@ -4637,6 +4690,4218 @@
 </file>
 
 <file path=ppt/slides/slide14.xml><?xml version="1.0" encoding="utf-8"?>
+<p:sld xmlns:a="http://schemas.openxmlformats.org/drawingml/2006/main" xmlns:r="http://schemas.openxmlformats.org/officeDocument/2006/relationships" xmlns:p="http://schemas.openxmlformats.org/presentationml/2006/main">
+  <p:cSld>
+    <p:spTree>
+      <p:nvGrpSpPr>
+        <p:cNvPr id="1" name=""/>
+        <p:cNvGrpSpPr/>
+        <p:nvPr/>
+      </p:nvGrpSpPr>
+      <p:grpSpPr>
+        <a:xfrm>
+          <a:off x="0" y="0"/>
+          <a:ext cx="0" cy="0"/>
+          <a:chOff x="0" y="0"/>
+          <a:chExt cx="0" cy="0"/>
+        </a:xfrm>
+      </p:grpSpPr>
+      <p:sp>
+        <p:nvSpPr>
+          <p:cNvPr id="2" name="テキスト プレースホルダー 1">
+            <a:extLst>
+              <a:ext uri="{FF2B5EF4-FFF2-40B4-BE49-F238E27FC236}">
+                <a16:creationId xmlns:a16="http://schemas.microsoft.com/office/drawing/2014/main" id="{4CE87CD6-05A2-804F-C599-D6E304DDC0B7}"/>
+              </a:ext>
+            </a:extLst>
+          </p:cNvPr>
+          <p:cNvSpPr>
+            <a:spLocks noGrp="1"/>
+          </p:cNvSpPr>
+          <p:nvPr>
+            <p:ph type="body" sz="quarter" idx="10"/>
+          </p:nvPr>
+        </p:nvSpPr>
+        <p:spPr/>
+        <p:txBody>
+          <a:bodyPr/>
+          <a:lstStyle/>
+          <a:p>
+            <a:r>
+              <a:rPr kumimoji="1" lang="ja-JP" altLang="en-US" dirty="0"/>
+              <a:t>実装の基礎</a:t>
+            </a:r>
+          </a:p>
+        </p:txBody>
+      </p:sp>
+      <mc:AlternateContent xmlns:mc="http://schemas.openxmlformats.org/markup-compatibility/2006">
+        <mc:Choice xmlns:a14="http://schemas.microsoft.com/office/drawing/2010/main" Requires="a14">
+          <p:sp>
+            <p:nvSpPr>
+              <p:cNvPr id="3" name="テキスト ボックス 2">
+                <a:extLst>
+                  <a:ext uri="{FF2B5EF4-FFF2-40B4-BE49-F238E27FC236}">
+                    <a16:creationId xmlns:a16="http://schemas.microsoft.com/office/drawing/2014/main" id="{000E3619-6C3C-8084-B51A-6B48BF854D11}"/>
+                  </a:ext>
+                </a:extLst>
+              </p:cNvPr>
+              <p:cNvSpPr txBox="1"/>
+              <p:nvPr/>
+            </p:nvSpPr>
+            <p:spPr>
+              <a:xfrm>
+                <a:off x="3347864" y="1052736"/>
+                <a:ext cx="5350119" cy="1113190"/>
+              </a:xfrm>
+              <a:prstGeom prst="rect">
+                <a:avLst/>
+              </a:prstGeom>
+              <a:noFill/>
+            </p:spPr>
+            <p:txBody>
+              <a:bodyPr wrap="none" rtlCol="0">
+                <a:spAutoFit/>
+              </a:bodyPr>
+              <a:lstStyle/>
+              <a:p>
+                <a14:m>
+                  <m:oMathPara xmlns:m="http://schemas.openxmlformats.org/officeDocument/2006/math">
+                    <m:oMathParaPr>
+                      <m:jc m:val="centerGroup"/>
+                    </m:oMathParaPr>
+                    <m:oMath xmlns:m="http://schemas.openxmlformats.org/officeDocument/2006/math">
+                      <m:sSubSup>
+                        <m:sSubSupPr>
+                          <m:ctrlPr>
+                            <a:rPr kumimoji="1" lang="en-US" altLang="ja-JP" sz="2800" b="0" i="1" smtClean="0">
+                              <a:latin typeface="Cambria Math" panose="02040503050406030204" pitchFamily="18" charset="0"/>
+                            </a:rPr>
+                          </m:ctrlPr>
+                        </m:sSubSupPr>
+                        <m:e>
+                          <m:r>
+                            <a:rPr kumimoji="1" lang="en-US" altLang="ja-JP" sz="2800" b="0" i="1" smtClean="0">
+                              <a:latin typeface="Cambria Math" panose="02040503050406030204" pitchFamily="18" charset="0"/>
+                            </a:rPr>
+                            <m:t>𝑓</m:t>
+                          </m:r>
+                        </m:e>
+                        <m:sub>
+                          <m:r>
+                            <a:rPr kumimoji="1" lang="en-US" altLang="ja-JP" sz="2800" b="0" i="1" smtClean="0">
+                              <a:latin typeface="Cambria Math" panose="02040503050406030204" pitchFamily="18" charset="0"/>
+                            </a:rPr>
+                            <m:t>𝑖𝑗</m:t>
+                          </m:r>
+                        </m:sub>
+                        <m:sup>
+                          <m:r>
+                            <a:rPr kumimoji="1" lang="en-US" altLang="ja-JP" sz="2800" b="0" i="1" smtClean="0">
+                              <a:latin typeface="Cambria Math" panose="02040503050406030204" pitchFamily="18" charset="0"/>
+                            </a:rPr>
+                            <m:t>𝑥</m:t>
+                          </m:r>
+                        </m:sup>
+                      </m:sSubSup>
+                      <m:r>
+                        <a:rPr kumimoji="1" lang="en-US" altLang="ja-JP" sz="2800" b="0" i="1" smtClean="0">
+                          <a:latin typeface="Cambria Math" panose="02040503050406030204" pitchFamily="18" charset="0"/>
+                        </a:rPr>
+                        <m:t>=−</m:t>
+                      </m:r>
+                      <m:f>
+                        <m:fPr>
+                          <m:ctrlPr>
+                            <a:rPr kumimoji="1" lang="en-US" altLang="ja-JP" sz="2800" b="0" i="1" smtClean="0">
+                              <a:latin typeface="Cambria Math" panose="02040503050406030204" pitchFamily="18" charset="0"/>
+                            </a:rPr>
+                          </m:ctrlPr>
+                        </m:fPr>
+                        <m:num>
+                          <m:r>
+                            <a:rPr kumimoji="1" lang="en-US" altLang="ja-JP" sz="2800" b="0" i="1" smtClean="0">
+                              <a:latin typeface="Cambria Math" panose="02040503050406030204" pitchFamily="18" charset="0"/>
+                            </a:rPr>
+                            <m:t>𝜕</m:t>
+                          </m:r>
+                          <m:r>
+                            <a:rPr kumimoji="1" lang="en-US" altLang="ja-JP" sz="2800" b="0" i="1" smtClean="0">
+                              <a:latin typeface="Cambria Math" panose="02040503050406030204" pitchFamily="18" charset="0"/>
+                            </a:rPr>
+                            <m:t>𝑉</m:t>
+                          </m:r>
+                          <m:d>
+                            <m:dPr>
+                              <m:ctrlPr>
+                                <a:rPr kumimoji="1" lang="en-US" altLang="ja-JP" sz="2800" b="0" i="1" smtClean="0">
+                                  <a:latin typeface="Cambria Math" panose="02040503050406030204" pitchFamily="18" charset="0"/>
+                                </a:rPr>
+                              </m:ctrlPr>
+                            </m:dPr>
+                            <m:e>
+                              <m:sSub>
+                                <m:sSubPr>
+                                  <m:ctrlPr>
+                                    <a:rPr kumimoji="1" lang="en-US" altLang="ja-JP" sz="2800" b="0" i="1" smtClean="0">
+                                      <a:latin typeface="Cambria Math" panose="02040503050406030204" pitchFamily="18" charset="0"/>
+                                    </a:rPr>
+                                  </m:ctrlPr>
+                                </m:sSubPr>
+                                <m:e>
+                                  <m:r>
+                                    <a:rPr kumimoji="1" lang="en-US" altLang="ja-JP" sz="2800" b="0" i="1" smtClean="0">
+                                      <a:latin typeface="Cambria Math" panose="02040503050406030204" pitchFamily="18" charset="0"/>
+                                    </a:rPr>
+                                    <m:t>𝑞</m:t>
+                                  </m:r>
+                                </m:e>
+                                <m:sub>
+                                  <m:r>
+                                    <a:rPr kumimoji="1" lang="en-US" altLang="ja-JP" sz="2800" b="0" i="1" smtClean="0">
+                                      <a:latin typeface="Cambria Math" panose="02040503050406030204" pitchFamily="18" charset="0"/>
+                                    </a:rPr>
+                                    <m:t>𝑖𝑗</m:t>
+                                  </m:r>
+                                </m:sub>
+                              </m:sSub>
+                            </m:e>
+                          </m:d>
+                        </m:num>
+                        <m:den>
+                          <m:r>
+                            <a:rPr kumimoji="1" lang="en-US" altLang="ja-JP" sz="2800" b="0" i="1" smtClean="0">
+                              <a:latin typeface="Cambria Math" panose="02040503050406030204" pitchFamily="18" charset="0"/>
+                            </a:rPr>
+                            <m:t>𝜕</m:t>
+                          </m:r>
+                          <m:sSubSup>
+                            <m:sSubSupPr>
+                              <m:ctrlPr>
+                                <a:rPr kumimoji="1" lang="en-US" altLang="ja-JP" sz="2800" b="0" i="1" smtClean="0">
+                                  <a:latin typeface="Cambria Math" panose="02040503050406030204" pitchFamily="18" charset="0"/>
+                                </a:rPr>
+                              </m:ctrlPr>
+                            </m:sSubSupPr>
+                            <m:e>
+                              <m:r>
+                                <a:rPr kumimoji="1" lang="en-US" altLang="ja-JP" sz="2800" b="0" i="1" smtClean="0">
+                                  <a:latin typeface="Cambria Math" panose="02040503050406030204" pitchFamily="18" charset="0"/>
+                                </a:rPr>
+                                <m:t>𝑞</m:t>
+                              </m:r>
+                            </m:e>
+                            <m:sub>
+                              <m:r>
+                                <a:rPr kumimoji="1" lang="en-US" altLang="ja-JP" sz="2800" b="0" i="1" smtClean="0">
+                                  <a:latin typeface="Cambria Math" panose="02040503050406030204" pitchFamily="18" charset="0"/>
+                                </a:rPr>
+                                <m:t>𝑖</m:t>
+                              </m:r>
+                            </m:sub>
+                            <m:sup>
+                              <m:r>
+                                <a:rPr kumimoji="1" lang="en-US" altLang="ja-JP" sz="2800" b="0" i="1" smtClean="0">
+                                  <a:latin typeface="Cambria Math" panose="02040503050406030204" pitchFamily="18" charset="0"/>
+                                </a:rPr>
+                                <m:t>𝑥</m:t>
+                              </m:r>
+                            </m:sup>
+                          </m:sSubSup>
+                        </m:den>
+                      </m:f>
+                      <m:r>
+                        <a:rPr kumimoji="1" lang="en-US" altLang="ja-JP" sz="2800" b="0" i="1" smtClean="0">
+                          <a:latin typeface="Cambria Math" panose="02040503050406030204" pitchFamily="18" charset="0"/>
+                        </a:rPr>
+                        <m:t>=−</m:t>
+                      </m:r>
+                      <m:f>
+                        <m:fPr>
+                          <m:ctrlPr>
+                            <a:rPr kumimoji="1" lang="en-US" altLang="ja-JP" sz="2800" b="0" i="1" smtClean="0">
+                              <a:latin typeface="Cambria Math" panose="02040503050406030204" pitchFamily="18" charset="0"/>
+                            </a:rPr>
+                          </m:ctrlPr>
+                        </m:fPr>
+                        <m:num>
+                          <m:r>
+                            <a:rPr kumimoji="1" lang="en-US" altLang="ja-JP" sz="2800" b="0" i="1" smtClean="0">
+                              <a:latin typeface="Cambria Math" panose="02040503050406030204" pitchFamily="18" charset="0"/>
+                            </a:rPr>
+                            <m:t>𝑑𝑉</m:t>
+                          </m:r>
+                          <m:d>
+                            <m:dPr>
+                              <m:ctrlPr>
+                                <a:rPr kumimoji="1" lang="en-US" altLang="ja-JP" sz="2800" b="0" i="1" smtClean="0">
+                                  <a:latin typeface="Cambria Math" panose="02040503050406030204" pitchFamily="18" charset="0"/>
+                                </a:rPr>
+                              </m:ctrlPr>
+                            </m:dPr>
+                            <m:e>
+                              <m:sSub>
+                                <m:sSubPr>
+                                  <m:ctrlPr>
+                                    <a:rPr kumimoji="1" lang="en-US" altLang="ja-JP" sz="2800" b="0" i="1" smtClean="0">
+                                      <a:latin typeface="Cambria Math" panose="02040503050406030204" pitchFamily="18" charset="0"/>
+                                    </a:rPr>
+                                  </m:ctrlPr>
+                                </m:sSubPr>
+                                <m:e>
+                                  <m:r>
+                                    <a:rPr kumimoji="1" lang="en-US" altLang="ja-JP" sz="2800" b="0" i="1" smtClean="0">
+                                      <a:latin typeface="Cambria Math" panose="02040503050406030204" pitchFamily="18" charset="0"/>
+                                    </a:rPr>
+                                    <m:t>𝑞</m:t>
+                                  </m:r>
+                                </m:e>
+                                <m:sub>
+                                  <m:r>
+                                    <a:rPr kumimoji="1" lang="en-US" altLang="ja-JP" sz="2800" b="0" i="1" smtClean="0">
+                                      <a:latin typeface="Cambria Math" panose="02040503050406030204" pitchFamily="18" charset="0"/>
+                                    </a:rPr>
+                                    <m:t>𝑖𝑗</m:t>
+                                  </m:r>
+                                </m:sub>
+                              </m:sSub>
+                            </m:e>
+                          </m:d>
+                        </m:num>
+                        <m:den>
+                          <m:r>
+                            <a:rPr kumimoji="1" lang="en-US" altLang="ja-JP" sz="2800" b="0" i="1" smtClean="0">
+                              <a:latin typeface="Cambria Math" panose="02040503050406030204" pitchFamily="18" charset="0"/>
+                            </a:rPr>
+                            <m:t>𝑑</m:t>
+                          </m:r>
+                          <m:sSub>
+                            <m:sSubPr>
+                              <m:ctrlPr>
+                                <a:rPr kumimoji="1" lang="en-US" altLang="ja-JP" sz="2800" b="0" i="1" smtClean="0">
+                                  <a:latin typeface="Cambria Math" panose="02040503050406030204" pitchFamily="18" charset="0"/>
+                                </a:rPr>
+                              </m:ctrlPr>
+                            </m:sSubPr>
+                            <m:e>
+                              <m:r>
+                                <a:rPr kumimoji="1" lang="en-US" altLang="ja-JP" sz="2800" b="0" i="1" smtClean="0">
+                                  <a:latin typeface="Cambria Math" panose="02040503050406030204" pitchFamily="18" charset="0"/>
+                                </a:rPr>
+                                <m:t>𝑞</m:t>
+                              </m:r>
+                            </m:e>
+                            <m:sub>
+                              <m:r>
+                                <a:rPr kumimoji="1" lang="en-US" altLang="ja-JP" sz="2800" b="0" i="1" smtClean="0">
+                                  <a:latin typeface="Cambria Math" panose="02040503050406030204" pitchFamily="18" charset="0"/>
+                                </a:rPr>
+                                <m:t>𝑖𝑗</m:t>
+                              </m:r>
+                            </m:sub>
+                          </m:sSub>
+                        </m:den>
+                      </m:f>
+                      <m:f>
+                        <m:fPr>
+                          <m:ctrlPr>
+                            <a:rPr kumimoji="1" lang="en-US" altLang="ja-JP" sz="2800" b="0" i="1" smtClean="0">
+                              <a:latin typeface="Cambria Math" panose="02040503050406030204" pitchFamily="18" charset="0"/>
+                            </a:rPr>
+                          </m:ctrlPr>
+                        </m:fPr>
+                        <m:num>
+                          <m:r>
+                            <a:rPr kumimoji="1" lang="en-US" altLang="ja-JP" sz="2800" b="0" i="1" smtClean="0">
+                              <a:latin typeface="Cambria Math" panose="02040503050406030204" pitchFamily="18" charset="0"/>
+                            </a:rPr>
+                            <m:t>𝜕</m:t>
+                          </m:r>
+                          <m:sSub>
+                            <m:sSubPr>
+                              <m:ctrlPr>
+                                <a:rPr kumimoji="1" lang="en-US" altLang="ja-JP" sz="2800" b="0" i="1" smtClean="0">
+                                  <a:latin typeface="Cambria Math" panose="02040503050406030204" pitchFamily="18" charset="0"/>
+                                </a:rPr>
+                              </m:ctrlPr>
+                            </m:sSubPr>
+                            <m:e>
+                              <m:r>
+                                <a:rPr kumimoji="1" lang="en-US" altLang="ja-JP" sz="2800" b="0" i="1" smtClean="0">
+                                  <a:latin typeface="Cambria Math" panose="02040503050406030204" pitchFamily="18" charset="0"/>
+                                </a:rPr>
+                                <m:t>𝑞</m:t>
+                              </m:r>
+                            </m:e>
+                            <m:sub>
+                              <m:r>
+                                <a:rPr kumimoji="1" lang="en-US" altLang="ja-JP" sz="2800" b="0" i="1" smtClean="0">
+                                  <a:latin typeface="Cambria Math" panose="02040503050406030204" pitchFamily="18" charset="0"/>
+                                </a:rPr>
+                                <m:t>𝑖𝑗</m:t>
+                              </m:r>
+                            </m:sub>
+                          </m:sSub>
+                        </m:num>
+                        <m:den>
+                          <m:r>
+                            <a:rPr kumimoji="1" lang="en-US" altLang="ja-JP" sz="2800" b="0" i="1" smtClean="0">
+                              <a:latin typeface="Cambria Math" panose="02040503050406030204" pitchFamily="18" charset="0"/>
+                            </a:rPr>
+                            <m:t>𝜕</m:t>
+                          </m:r>
+                          <m:sSubSup>
+                            <m:sSubSupPr>
+                              <m:ctrlPr>
+                                <a:rPr kumimoji="1" lang="en-US" altLang="ja-JP" sz="2800" b="0" i="1" smtClean="0">
+                                  <a:latin typeface="Cambria Math" panose="02040503050406030204" pitchFamily="18" charset="0"/>
+                                </a:rPr>
+                              </m:ctrlPr>
+                            </m:sSubSupPr>
+                            <m:e>
+                              <m:r>
+                                <a:rPr kumimoji="1" lang="en-US" altLang="ja-JP" sz="2800" b="0" i="1" smtClean="0">
+                                  <a:latin typeface="Cambria Math" panose="02040503050406030204" pitchFamily="18" charset="0"/>
+                                </a:rPr>
+                                <m:t>𝑞</m:t>
+                              </m:r>
+                            </m:e>
+                            <m:sub>
+                              <m:r>
+                                <a:rPr kumimoji="1" lang="en-US" altLang="ja-JP" sz="2800" b="0" i="1" smtClean="0">
+                                  <a:latin typeface="Cambria Math" panose="02040503050406030204" pitchFamily="18" charset="0"/>
+                                </a:rPr>
+                                <m:t>𝑖</m:t>
+                              </m:r>
+                            </m:sub>
+                            <m:sup>
+                              <m:r>
+                                <a:rPr kumimoji="1" lang="en-US" altLang="ja-JP" sz="2800" b="0" i="1" smtClean="0">
+                                  <a:latin typeface="Cambria Math" panose="02040503050406030204" pitchFamily="18" charset="0"/>
+                                </a:rPr>
+                                <m:t>𝑥</m:t>
+                              </m:r>
+                            </m:sup>
+                          </m:sSubSup>
+                        </m:den>
+                      </m:f>
+                    </m:oMath>
+                  </m:oMathPara>
+                </a14:m>
+                <a:endParaRPr kumimoji="1" lang="en-US" altLang="ja-JP" sz="2800" b="0" dirty="0"/>
+              </a:p>
+            </p:txBody>
+          </p:sp>
+        </mc:Choice>
+        <mc:Fallback>
+          <p:sp>
+            <p:nvSpPr>
+              <p:cNvPr id="3" name="テキスト ボックス 2">
+                <a:extLst>
+                  <a:ext uri="{FF2B5EF4-FFF2-40B4-BE49-F238E27FC236}">
+                    <a16:creationId xmlns:a16="http://schemas.microsoft.com/office/drawing/2014/main" id="{000E3619-6C3C-8084-B51A-6B48BF854D11}"/>
+                  </a:ext>
+                </a:extLst>
+              </p:cNvPr>
+              <p:cNvSpPr txBox="1">
+                <a:spLocks noRot="1" noChangeAspect="1" noMove="1" noResize="1" noEditPoints="1" noAdjustHandles="1" noChangeArrowheads="1" noChangeShapeType="1" noTextEdit="1"/>
+              </p:cNvSpPr>
+              <p:nvPr/>
+            </p:nvSpPr>
+            <p:spPr>
+              <a:xfrm>
+                <a:off x="3347864" y="1052736"/>
+                <a:ext cx="5350119" cy="1113190"/>
+              </a:xfrm>
+              <a:prstGeom prst="rect">
+                <a:avLst/>
+              </a:prstGeom>
+              <a:blipFill>
+                <a:blip r:embed="rId2"/>
+                <a:stretch>
+                  <a:fillRect/>
+                </a:stretch>
+              </a:blipFill>
+            </p:spPr>
+            <p:txBody>
+              <a:bodyPr/>
+              <a:lstStyle/>
+              <a:p>
+                <a:r>
+                  <a:rPr lang="ja-JP" altLang="en-US">
+                    <a:noFill/>
+                  </a:rPr>
+                  <a:t> </a:t>
+                </a:r>
+              </a:p>
+            </p:txBody>
+          </p:sp>
+        </mc:Fallback>
+      </mc:AlternateContent>
+      <p:grpSp>
+        <p:nvGrpSpPr>
+          <p:cNvPr id="16" name="グループ化 15">
+            <a:extLst>
+              <a:ext uri="{FF2B5EF4-FFF2-40B4-BE49-F238E27FC236}">
+                <a16:creationId xmlns:a16="http://schemas.microsoft.com/office/drawing/2014/main" id="{9905CCCA-6FDF-F552-8ADC-777957EBFD31}"/>
+              </a:ext>
+            </a:extLst>
+          </p:cNvPr>
+          <p:cNvGrpSpPr/>
+          <p:nvPr/>
+        </p:nvGrpSpPr>
+        <p:grpSpPr>
+          <a:xfrm>
+            <a:off x="5652120" y="4293096"/>
+            <a:ext cx="2880320" cy="2312967"/>
+            <a:chOff x="5292080" y="1268760"/>
+            <a:chExt cx="2880320" cy="2312967"/>
+          </a:xfrm>
+        </p:grpSpPr>
+        <p:sp>
+          <p:nvSpPr>
+            <p:cNvPr id="4" name="楕円 3">
+              <a:extLst>
+                <a:ext uri="{FF2B5EF4-FFF2-40B4-BE49-F238E27FC236}">
+                  <a16:creationId xmlns:a16="http://schemas.microsoft.com/office/drawing/2014/main" id="{1ECB27AF-CEC4-AEA2-6D5E-8C601036109B}"/>
+                </a:ext>
+              </a:extLst>
+            </p:cNvPr>
+            <p:cNvSpPr/>
+            <p:nvPr/>
+          </p:nvSpPr>
+          <p:spPr>
+            <a:xfrm>
+              <a:off x="5292080" y="2708920"/>
+              <a:ext cx="720080" cy="720080"/>
+            </a:xfrm>
+            <a:prstGeom prst="ellipse">
+              <a:avLst/>
+            </a:prstGeom>
+            <a:solidFill>
+              <a:srgbClr val="FF0000"/>
+            </a:solidFill>
+            <a:ln>
+              <a:solidFill>
+                <a:schemeClr val="tx1"/>
+              </a:solidFill>
+            </a:ln>
+          </p:spPr>
+          <p:style>
+            <a:lnRef idx="2">
+              <a:schemeClr val="accent1">
+                <a:shade val="50000"/>
+              </a:schemeClr>
+            </a:lnRef>
+            <a:fillRef idx="1">
+              <a:schemeClr val="accent1"/>
+            </a:fillRef>
+            <a:effectRef idx="0">
+              <a:schemeClr val="accent1"/>
+            </a:effectRef>
+            <a:fontRef idx="minor">
+              <a:schemeClr val="lt1"/>
+            </a:fontRef>
+          </p:style>
+          <p:txBody>
+            <a:bodyPr rtlCol="0" anchor="ctr"/>
+            <a:lstStyle/>
+            <a:p>
+              <a:pPr algn="ctr"/>
+              <a:endParaRPr kumimoji="1" lang="ja-JP" altLang="en-US"/>
+            </a:p>
+          </p:txBody>
+        </p:sp>
+        <p:sp>
+          <p:nvSpPr>
+            <p:cNvPr id="5" name="楕円 4">
+              <a:extLst>
+                <a:ext uri="{FF2B5EF4-FFF2-40B4-BE49-F238E27FC236}">
+                  <a16:creationId xmlns:a16="http://schemas.microsoft.com/office/drawing/2014/main" id="{53B6CDF0-6551-46E7-F00E-03A94888F9C1}"/>
+                </a:ext>
+              </a:extLst>
+            </p:cNvPr>
+            <p:cNvSpPr/>
+            <p:nvPr/>
+          </p:nvSpPr>
+          <p:spPr>
+            <a:xfrm>
+              <a:off x="7452320" y="1268760"/>
+              <a:ext cx="720080" cy="720080"/>
+            </a:xfrm>
+            <a:prstGeom prst="ellipse">
+              <a:avLst/>
+            </a:prstGeom>
+            <a:solidFill>
+              <a:srgbClr val="FF0000"/>
+            </a:solidFill>
+            <a:ln>
+              <a:solidFill>
+                <a:schemeClr val="tx1"/>
+              </a:solidFill>
+            </a:ln>
+          </p:spPr>
+          <p:style>
+            <a:lnRef idx="2">
+              <a:schemeClr val="accent1">
+                <a:shade val="50000"/>
+              </a:schemeClr>
+            </a:lnRef>
+            <a:fillRef idx="1">
+              <a:schemeClr val="accent1"/>
+            </a:fillRef>
+            <a:effectRef idx="0">
+              <a:schemeClr val="accent1"/>
+            </a:effectRef>
+            <a:fontRef idx="minor">
+              <a:schemeClr val="lt1"/>
+            </a:fontRef>
+          </p:style>
+          <p:txBody>
+            <a:bodyPr rtlCol="0" anchor="ctr"/>
+            <a:lstStyle/>
+            <a:p>
+              <a:pPr algn="ctr"/>
+              <a:endParaRPr kumimoji="1" lang="ja-JP" altLang="en-US"/>
+            </a:p>
+          </p:txBody>
+        </p:sp>
+        <p:cxnSp>
+          <p:nvCxnSpPr>
+            <p:cNvPr id="7" name="直線矢印コネクタ 6">
+              <a:extLst>
+                <a:ext uri="{FF2B5EF4-FFF2-40B4-BE49-F238E27FC236}">
+                  <a16:creationId xmlns:a16="http://schemas.microsoft.com/office/drawing/2014/main" id="{2CDA94B4-B925-8684-AAC9-1AA79EFAB8CA}"/>
+                </a:ext>
+              </a:extLst>
+            </p:cNvPr>
+            <p:cNvCxnSpPr>
+              <a:cxnSpLocks/>
+            </p:cNvCxnSpPr>
+            <p:nvPr/>
+          </p:nvCxnSpPr>
+          <p:spPr>
+            <a:xfrm flipV="1">
+              <a:off x="5652120" y="1628800"/>
+              <a:ext cx="2160240" cy="1440160"/>
+            </a:xfrm>
+            <a:prstGeom prst="straightConnector1">
+              <a:avLst/>
+            </a:prstGeom>
+            <a:ln>
+              <a:solidFill>
+                <a:schemeClr val="tx1"/>
+              </a:solidFill>
+              <a:headEnd type="none" w="med" len="med"/>
+              <a:tailEnd type="triangle"/>
+            </a:ln>
+          </p:spPr>
+          <p:style>
+            <a:lnRef idx="1">
+              <a:schemeClr val="accent1"/>
+            </a:lnRef>
+            <a:fillRef idx="0">
+              <a:schemeClr val="accent1"/>
+            </a:fillRef>
+            <a:effectRef idx="0">
+              <a:schemeClr val="accent1"/>
+            </a:effectRef>
+            <a:fontRef idx="minor">
+              <a:schemeClr val="tx1"/>
+            </a:fontRef>
+          </p:style>
+        </p:cxnSp>
+        <mc:AlternateContent xmlns:mc="http://schemas.openxmlformats.org/markup-compatibility/2006">
+          <mc:Choice xmlns:a14="http://schemas.microsoft.com/office/drawing/2010/main" Requires="a14">
+            <p:sp>
+              <p:nvSpPr>
+                <p:cNvPr id="8" name="テキスト ボックス 7">
+                  <a:extLst>
+                    <a:ext uri="{FF2B5EF4-FFF2-40B4-BE49-F238E27FC236}">
+                      <a16:creationId xmlns:a16="http://schemas.microsoft.com/office/drawing/2014/main" id="{5F501924-AA27-8722-72AC-0F608C4D4472}"/>
+                    </a:ext>
+                  </a:extLst>
+                </p:cNvPr>
+                <p:cNvSpPr txBox="1"/>
+                <p:nvPr/>
+              </p:nvSpPr>
+              <p:spPr>
+                <a:xfrm>
+                  <a:off x="6228184" y="1484784"/>
+                  <a:ext cx="785856" cy="624338"/>
+                </a:xfrm>
+                <a:prstGeom prst="rect">
+                  <a:avLst/>
+                </a:prstGeom>
+                <a:noFill/>
+              </p:spPr>
+              <p:txBody>
+                <a:bodyPr wrap="none" rtlCol="0">
+                  <a:spAutoFit/>
+                </a:bodyPr>
+                <a:lstStyle/>
+                <a:p>
+                  <a14:m>
+                    <m:oMathPara xmlns:m="http://schemas.openxmlformats.org/officeDocument/2006/math">
+                      <m:oMathParaPr>
+                        <m:jc m:val="centerGroup"/>
+                      </m:oMathParaPr>
+                      <m:oMath xmlns:m="http://schemas.openxmlformats.org/officeDocument/2006/math">
+                        <m:sSub>
+                          <m:sSubPr>
+                            <m:ctrlPr>
+                              <a:rPr kumimoji="1" lang="en-US" altLang="ja-JP" sz="3200" b="0" i="1" smtClean="0">
+                                <a:latin typeface="Cambria Math" panose="02040503050406030204" pitchFamily="18" charset="0"/>
+                              </a:rPr>
+                            </m:ctrlPr>
+                          </m:sSubPr>
+                          <m:e>
+                            <m:acc>
+                              <m:accPr>
+                                <m:chr m:val="⃗"/>
+                                <m:ctrlPr>
+                                  <a:rPr kumimoji="1" lang="en-US" altLang="ja-JP" sz="3200" b="0" i="1" smtClean="0">
+                                    <a:latin typeface="Cambria Math" panose="02040503050406030204" pitchFamily="18" charset="0"/>
+                                  </a:rPr>
+                                </m:ctrlPr>
+                              </m:accPr>
+                              <m:e>
+                                <m:r>
+                                  <a:rPr kumimoji="1" lang="en-US" altLang="ja-JP" sz="3200" b="0" i="1" smtClean="0">
+                                    <a:latin typeface="Cambria Math" panose="02040503050406030204" pitchFamily="18" charset="0"/>
+                                  </a:rPr>
+                                  <m:t>𝑞</m:t>
+                                </m:r>
+                              </m:e>
+                            </m:acc>
+                          </m:e>
+                          <m:sub>
+                            <m:r>
+                              <a:rPr kumimoji="1" lang="en-US" altLang="ja-JP" sz="3200" b="0" i="1" smtClean="0">
+                                <a:latin typeface="Cambria Math" panose="02040503050406030204" pitchFamily="18" charset="0"/>
+                              </a:rPr>
+                              <m:t>𝑖𝑗</m:t>
+                            </m:r>
+                          </m:sub>
+                        </m:sSub>
+                      </m:oMath>
+                    </m:oMathPara>
+                  </a14:m>
+                  <a:endParaRPr kumimoji="1" lang="ja-JP" altLang="en-US" sz="3200" dirty="0"/>
+                </a:p>
+              </p:txBody>
+            </p:sp>
+          </mc:Choice>
+          <mc:Fallback>
+            <p:sp>
+              <p:nvSpPr>
+                <p:cNvPr id="8" name="テキスト ボックス 7">
+                  <a:extLst>
+                    <a:ext uri="{FF2B5EF4-FFF2-40B4-BE49-F238E27FC236}">
+                      <a16:creationId xmlns:a16="http://schemas.microsoft.com/office/drawing/2014/main" id="{5F501924-AA27-8722-72AC-0F608C4D4472}"/>
+                    </a:ext>
+                  </a:extLst>
+                </p:cNvPr>
+                <p:cNvSpPr txBox="1">
+                  <a:spLocks noRot="1" noChangeAspect="1" noMove="1" noResize="1" noEditPoints="1" noAdjustHandles="1" noChangeArrowheads="1" noChangeShapeType="1" noTextEdit="1"/>
+                </p:cNvSpPr>
+                <p:nvPr/>
+              </p:nvSpPr>
+              <p:spPr>
+                <a:xfrm>
+                  <a:off x="6228184" y="1484784"/>
+                  <a:ext cx="785856" cy="624338"/>
+                </a:xfrm>
+                <a:prstGeom prst="rect">
+                  <a:avLst/>
+                </a:prstGeom>
+                <a:blipFill>
+                  <a:blip r:embed="rId3"/>
+                  <a:stretch>
+                    <a:fillRect/>
+                  </a:stretch>
+                </a:blipFill>
+              </p:spPr>
+              <p:txBody>
+                <a:bodyPr/>
+                <a:lstStyle/>
+                <a:p>
+                  <a:r>
+                    <a:rPr lang="ja-JP" altLang="en-US">
+                      <a:noFill/>
+                    </a:rPr>
+                    <a:t> </a:t>
+                  </a:r>
+                </a:p>
+              </p:txBody>
+            </p:sp>
+          </mc:Fallback>
+        </mc:AlternateContent>
+        <p:cxnSp>
+          <p:nvCxnSpPr>
+            <p:cNvPr id="12" name="直線矢印コネクタ 11">
+              <a:extLst>
+                <a:ext uri="{FF2B5EF4-FFF2-40B4-BE49-F238E27FC236}">
+                  <a16:creationId xmlns:a16="http://schemas.microsoft.com/office/drawing/2014/main" id="{4E9EC751-D3BD-1B91-E15E-15BACF2B1620}"/>
+                </a:ext>
+              </a:extLst>
+            </p:cNvPr>
+            <p:cNvCxnSpPr>
+              <a:cxnSpLocks/>
+            </p:cNvCxnSpPr>
+            <p:nvPr/>
+          </p:nvCxnSpPr>
+          <p:spPr>
+            <a:xfrm flipV="1">
+              <a:off x="5652120" y="3063631"/>
+              <a:ext cx="2124188" cy="5329"/>
+            </a:xfrm>
+            <a:prstGeom prst="straightConnector1">
+              <a:avLst/>
+            </a:prstGeom>
+            <a:ln>
+              <a:solidFill>
+                <a:schemeClr val="tx1"/>
+              </a:solidFill>
+              <a:headEnd type="arrow" w="med" len="med"/>
+              <a:tailEnd type="arrow" w="med" len="med"/>
+            </a:ln>
+          </p:spPr>
+          <p:style>
+            <a:lnRef idx="1">
+              <a:schemeClr val="accent1"/>
+            </a:lnRef>
+            <a:fillRef idx="0">
+              <a:schemeClr val="accent1"/>
+            </a:fillRef>
+            <a:effectRef idx="0">
+              <a:schemeClr val="accent1"/>
+            </a:effectRef>
+            <a:fontRef idx="minor">
+              <a:schemeClr val="tx1"/>
+            </a:fontRef>
+          </p:style>
+        </p:cxnSp>
+        <mc:AlternateContent xmlns:mc="http://schemas.openxmlformats.org/markup-compatibility/2006">
+          <mc:Choice xmlns:a14="http://schemas.microsoft.com/office/drawing/2010/main" Requires="a14">
+            <p:sp>
+              <p:nvSpPr>
+                <p:cNvPr id="14" name="テキスト ボックス 13">
+                  <a:extLst>
+                    <a:ext uri="{FF2B5EF4-FFF2-40B4-BE49-F238E27FC236}">
+                      <a16:creationId xmlns:a16="http://schemas.microsoft.com/office/drawing/2014/main" id="{71A0928B-0E0A-53C4-AA9D-968FF9DA285D}"/>
+                    </a:ext>
+                  </a:extLst>
+                </p:cNvPr>
+                <p:cNvSpPr txBox="1"/>
+                <p:nvPr/>
+              </p:nvSpPr>
+              <p:spPr>
+                <a:xfrm>
+                  <a:off x="6516216" y="2996952"/>
+                  <a:ext cx="774186" cy="584775"/>
+                </a:xfrm>
+                <a:prstGeom prst="rect">
+                  <a:avLst/>
+                </a:prstGeom>
+                <a:noFill/>
+              </p:spPr>
+              <p:txBody>
+                <a:bodyPr wrap="none" rtlCol="0">
+                  <a:spAutoFit/>
+                </a:bodyPr>
+                <a:lstStyle/>
+                <a:p>
+                  <a14:m>
+                    <m:oMathPara xmlns:m="http://schemas.openxmlformats.org/officeDocument/2006/math">
+                      <m:oMathParaPr>
+                        <m:jc m:val="centerGroup"/>
+                      </m:oMathParaPr>
+                      <m:oMath xmlns:m="http://schemas.openxmlformats.org/officeDocument/2006/math">
+                        <m:r>
+                          <m:rPr>
+                            <m:sty m:val="p"/>
+                          </m:rPr>
+                          <a:rPr kumimoji="1" lang="en-US" altLang="ja-JP" sz="3200" b="0" i="0" smtClean="0">
+                            <a:latin typeface="Cambria Math" panose="02040503050406030204" pitchFamily="18" charset="0"/>
+                          </a:rPr>
+                          <m:t>Δ</m:t>
+                        </m:r>
+                        <m:r>
+                          <a:rPr kumimoji="1" lang="en-US" altLang="ja-JP" sz="3200" b="0" i="1" smtClean="0">
+                            <a:latin typeface="Cambria Math" panose="02040503050406030204" pitchFamily="18" charset="0"/>
+                          </a:rPr>
+                          <m:t>𝑥</m:t>
+                        </m:r>
+                      </m:oMath>
+                    </m:oMathPara>
+                  </a14:m>
+                  <a:endParaRPr kumimoji="1" lang="ja-JP" altLang="en-US" sz="3200" dirty="0"/>
+                </a:p>
+              </p:txBody>
+            </p:sp>
+          </mc:Choice>
+          <mc:Fallback>
+            <p:sp>
+              <p:nvSpPr>
+                <p:cNvPr id="14" name="テキスト ボックス 13">
+                  <a:extLst>
+                    <a:ext uri="{FF2B5EF4-FFF2-40B4-BE49-F238E27FC236}">
+                      <a16:creationId xmlns:a16="http://schemas.microsoft.com/office/drawing/2014/main" id="{71A0928B-0E0A-53C4-AA9D-968FF9DA285D}"/>
+                    </a:ext>
+                  </a:extLst>
+                </p:cNvPr>
+                <p:cNvSpPr txBox="1">
+                  <a:spLocks noRot="1" noChangeAspect="1" noMove="1" noResize="1" noEditPoints="1" noAdjustHandles="1" noChangeArrowheads="1" noChangeShapeType="1" noTextEdit="1"/>
+                </p:cNvSpPr>
+                <p:nvPr/>
+              </p:nvSpPr>
+              <p:spPr>
+                <a:xfrm>
+                  <a:off x="6516216" y="2996952"/>
+                  <a:ext cx="774186" cy="584775"/>
+                </a:xfrm>
+                <a:prstGeom prst="rect">
+                  <a:avLst/>
+                </a:prstGeom>
+                <a:blipFill>
+                  <a:blip r:embed="rId4"/>
+                  <a:stretch>
+                    <a:fillRect/>
+                  </a:stretch>
+                </a:blipFill>
+              </p:spPr>
+              <p:txBody>
+                <a:bodyPr/>
+                <a:lstStyle/>
+                <a:p>
+                  <a:r>
+                    <a:rPr lang="ja-JP" altLang="en-US">
+                      <a:noFill/>
+                    </a:rPr>
+                    <a:t> </a:t>
+                  </a:r>
+                </a:p>
+              </p:txBody>
+            </p:sp>
+          </mc:Fallback>
+        </mc:AlternateContent>
+      </p:grpSp>
+      <mc:AlternateContent xmlns:mc="http://schemas.openxmlformats.org/markup-compatibility/2006">
+        <mc:Choice xmlns:a14="http://schemas.microsoft.com/office/drawing/2010/main" Requires="a14">
+          <p:sp>
+            <p:nvSpPr>
+              <p:cNvPr id="15" name="テキスト ボックス 14">
+                <a:extLst>
+                  <a:ext uri="{FF2B5EF4-FFF2-40B4-BE49-F238E27FC236}">
+                    <a16:creationId xmlns:a16="http://schemas.microsoft.com/office/drawing/2014/main" id="{68997186-8001-15F5-FDC8-7623F6BC893A}"/>
+                  </a:ext>
+                </a:extLst>
+              </p:cNvPr>
+              <p:cNvSpPr txBox="1"/>
+              <p:nvPr/>
+            </p:nvSpPr>
+            <p:spPr>
+              <a:xfrm>
+                <a:off x="1835696" y="2204864"/>
+                <a:ext cx="6137065" cy="718017"/>
+              </a:xfrm>
+              <a:prstGeom prst="rect">
+                <a:avLst/>
+              </a:prstGeom>
+              <a:noFill/>
+            </p:spPr>
+            <p:txBody>
+              <a:bodyPr wrap="none" rtlCol="0">
+                <a:spAutoFit/>
+              </a:bodyPr>
+              <a:lstStyle/>
+              <a:p>
+                <a14:m>
+                  <m:oMathPara xmlns:m="http://schemas.openxmlformats.org/officeDocument/2006/math">
+                    <m:oMathParaPr>
+                      <m:jc m:val="centerGroup"/>
+                    </m:oMathParaPr>
+                    <m:oMath xmlns:m="http://schemas.openxmlformats.org/officeDocument/2006/math">
+                      <m:sSubSup>
+                        <m:sSubSupPr>
+                          <m:ctrlPr>
+                            <a:rPr kumimoji="1" lang="en-US" altLang="ja-JP" sz="2400" b="0" i="1" smtClean="0">
+                              <a:latin typeface="Cambria Math" panose="02040503050406030204" pitchFamily="18" charset="0"/>
+                            </a:rPr>
+                          </m:ctrlPr>
+                        </m:sSubSupPr>
+                        <m:e>
+                          <m:r>
+                            <a:rPr kumimoji="1" lang="en-US" altLang="ja-JP" sz="2400" b="0" i="1" smtClean="0">
+                              <a:latin typeface="Cambria Math" panose="02040503050406030204" pitchFamily="18" charset="0"/>
+                            </a:rPr>
+                            <m:t>𝑞</m:t>
+                          </m:r>
+                        </m:e>
+                        <m:sub>
+                          <m:r>
+                            <a:rPr kumimoji="1" lang="en-US" altLang="ja-JP" sz="2400" b="0" i="1" smtClean="0">
+                              <a:latin typeface="Cambria Math" panose="02040503050406030204" pitchFamily="18" charset="0"/>
+                            </a:rPr>
+                            <m:t>𝑖𝑗</m:t>
+                          </m:r>
+                        </m:sub>
+                        <m:sup>
+                          <m:r>
+                            <a:rPr kumimoji="1" lang="en-US" altLang="ja-JP" sz="2400" b="0" i="1" smtClean="0">
+                              <a:latin typeface="Cambria Math" panose="02040503050406030204" pitchFamily="18" charset="0"/>
+                            </a:rPr>
+                            <m:t>2</m:t>
+                          </m:r>
+                        </m:sup>
+                      </m:sSubSup>
+                      <m:r>
+                        <a:rPr kumimoji="1" lang="en-US" altLang="ja-JP" sz="2400" b="0" i="1" smtClean="0">
+                          <a:latin typeface="Cambria Math" panose="02040503050406030204" pitchFamily="18" charset="0"/>
+                        </a:rPr>
+                        <m:t>=</m:t>
+                      </m:r>
+                      <m:sSup>
+                        <m:sSupPr>
+                          <m:ctrlPr>
+                            <a:rPr kumimoji="1" lang="en-US" altLang="ja-JP" sz="2400" b="0" i="1" smtClean="0">
+                              <a:latin typeface="Cambria Math" panose="02040503050406030204" pitchFamily="18" charset="0"/>
+                            </a:rPr>
+                          </m:ctrlPr>
+                        </m:sSupPr>
+                        <m:e>
+                          <m:d>
+                            <m:dPr>
+                              <m:ctrlPr>
+                                <a:rPr kumimoji="1" lang="en-US" altLang="ja-JP" sz="2400" b="0" i="1" smtClean="0">
+                                  <a:latin typeface="Cambria Math" panose="02040503050406030204" pitchFamily="18" charset="0"/>
+                                </a:rPr>
+                              </m:ctrlPr>
+                            </m:dPr>
+                            <m:e>
+                              <m:sSubSup>
+                                <m:sSubSupPr>
+                                  <m:ctrlPr>
+                                    <a:rPr kumimoji="1" lang="en-US" altLang="ja-JP" sz="2400" b="0" i="1" smtClean="0">
+                                      <a:latin typeface="Cambria Math" panose="02040503050406030204" pitchFamily="18" charset="0"/>
+                                    </a:rPr>
+                                  </m:ctrlPr>
+                                </m:sSubSupPr>
+                                <m:e>
+                                  <m:r>
+                                    <a:rPr kumimoji="1" lang="en-US" altLang="ja-JP" sz="2400" b="0" i="1" smtClean="0">
+                                      <a:latin typeface="Cambria Math" panose="02040503050406030204" pitchFamily="18" charset="0"/>
+                                    </a:rPr>
+                                    <m:t>𝑞</m:t>
+                                  </m:r>
+                                </m:e>
+                                <m:sub>
+                                  <m:r>
+                                    <a:rPr kumimoji="1" lang="en-US" altLang="ja-JP" sz="2400" b="0" i="1" smtClean="0">
+                                      <a:latin typeface="Cambria Math" panose="02040503050406030204" pitchFamily="18" charset="0"/>
+                                    </a:rPr>
+                                    <m:t>𝑖</m:t>
+                                  </m:r>
+                                </m:sub>
+                                <m:sup>
+                                  <m:r>
+                                    <a:rPr kumimoji="1" lang="en-US" altLang="ja-JP" sz="2400" b="0" i="1" smtClean="0">
+                                      <a:latin typeface="Cambria Math" panose="02040503050406030204" pitchFamily="18" charset="0"/>
+                                    </a:rPr>
+                                    <m:t>𝑥</m:t>
+                                  </m:r>
+                                </m:sup>
+                              </m:sSubSup>
+                              <m:r>
+                                <a:rPr kumimoji="1" lang="en-US" altLang="ja-JP" sz="2400" b="0" i="1" smtClean="0">
+                                  <a:latin typeface="Cambria Math" panose="02040503050406030204" pitchFamily="18" charset="0"/>
+                                </a:rPr>
+                                <m:t>−</m:t>
+                              </m:r>
+                              <m:sSubSup>
+                                <m:sSubSupPr>
+                                  <m:ctrlPr>
+                                    <a:rPr kumimoji="1" lang="en-US" altLang="ja-JP" sz="2400" b="0" i="1" smtClean="0">
+                                      <a:latin typeface="Cambria Math" panose="02040503050406030204" pitchFamily="18" charset="0"/>
+                                    </a:rPr>
+                                  </m:ctrlPr>
+                                </m:sSubSupPr>
+                                <m:e>
+                                  <m:r>
+                                    <a:rPr kumimoji="1" lang="en-US" altLang="ja-JP" sz="2400" b="0" i="1" smtClean="0">
+                                      <a:latin typeface="Cambria Math" panose="02040503050406030204" pitchFamily="18" charset="0"/>
+                                    </a:rPr>
+                                    <m:t>𝑞</m:t>
+                                  </m:r>
+                                </m:e>
+                                <m:sub>
+                                  <m:r>
+                                    <a:rPr kumimoji="1" lang="en-US" altLang="ja-JP" sz="2400" b="0" i="1" smtClean="0">
+                                      <a:latin typeface="Cambria Math" panose="02040503050406030204" pitchFamily="18" charset="0"/>
+                                    </a:rPr>
+                                    <m:t>𝑗</m:t>
+                                  </m:r>
+                                </m:sub>
+                                <m:sup>
+                                  <m:r>
+                                    <a:rPr kumimoji="1" lang="en-US" altLang="ja-JP" sz="2400" b="0" i="1" smtClean="0">
+                                      <a:latin typeface="Cambria Math" panose="02040503050406030204" pitchFamily="18" charset="0"/>
+                                    </a:rPr>
+                                    <m:t>𝑥</m:t>
+                                  </m:r>
+                                </m:sup>
+                              </m:sSubSup>
+                            </m:e>
+                          </m:d>
+                        </m:e>
+                        <m:sup>
+                          <m:r>
+                            <a:rPr kumimoji="1" lang="en-US" altLang="ja-JP" sz="2400" b="0" i="1" smtClean="0">
+                              <a:latin typeface="Cambria Math" panose="02040503050406030204" pitchFamily="18" charset="0"/>
+                            </a:rPr>
+                            <m:t>2</m:t>
+                          </m:r>
+                        </m:sup>
+                      </m:sSup>
+                      <m:r>
+                        <a:rPr kumimoji="1" lang="en-US" altLang="ja-JP" sz="2400" b="0" i="1" smtClean="0">
+                          <a:latin typeface="Cambria Math" panose="02040503050406030204" pitchFamily="18" charset="0"/>
+                        </a:rPr>
+                        <m:t>+</m:t>
+                      </m:r>
+                      <m:sSup>
+                        <m:sSupPr>
+                          <m:ctrlPr>
+                            <a:rPr lang="en-US" altLang="ja-JP" sz="2400" i="1">
+                              <a:latin typeface="Cambria Math" panose="02040503050406030204" pitchFamily="18" charset="0"/>
+                            </a:rPr>
+                          </m:ctrlPr>
+                        </m:sSupPr>
+                        <m:e>
+                          <m:d>
+                            <m:dPr>
+                              <m:ctrlPr>
+                                <a:rPr lang="en-US" altLang="ja-JP" sz="2400" i="1">
+                                  <a:latin typeface="Cambria Math" panose="02040503050406030204" pitchFamily="18" charset="0"/>
+                                </a:rPr>
+                              </m:ctrlPr>
+                            </m:dPr>
+                            <m:e>
+                              <m:sSubSup>
+                                <m:sSubSupPr>
+                                  <m:ctrlPr>
+                                    <a:rPr lang="en-US" altLang="ja-JP" sz="2400" i="1">
+                                      <a:latin typeface="Cambria Math" panose="02040503050406030204" pitchFamily="18" charset="0"/>
+                                    </a:rPr>
+                                  </m:ctrlPr>
+                                </m:sSubSupPr>
+                                <m:e>
+                                  <m:r>
+                                    <a:rPr lang="en-US" altLang="ja-JP" sz="2400" i="1">
+                                      <a:latin typeface="Cambria Math" panose="02040503050406030204" pitchFamily="18" charset="0"/>
+                                    </a:rPr>
+                                    <m:t>𝑞</m:t>
+                                  </m:r>
+                                </m:e>
+                                <m:sub>
+                                  <m:r>
+                                    <a:rPr lang="en-US" altLang="ja-JP" sz="2400" i="1">
+                                      <a:latin typeface="Cambria Math" panose="02040503050406030204" pitchFamily="18" charset="0"/>
+                                    </a:rPr>
+                                    <m:t>𝑖</m:t>
+                                  </m:r>
+                                </m:sub>
+                                <m:sup>
+                                  <m:r>
+                                    <a:rPr lang="en-US" altLang="ja-JP" sz="2400" b="0" i="1" smtClean="0">
+                                      <a:latin typeface="Cambria Math" panose="02040503050406030204" pitchFamily="18" charset="0"/>
+                                    </a:rPr>
+                                    <m:t>𝑦</m:t>
+                                  </m:r>
+                                </m:sup>
+                              </m:sSubSup>
+                              <m:r>
+                                <a:rPr lang="en-US" altLang="ja-JP" sz="2400" i="1">
+                                  <a:latin typeface="Cambria Math" panose="02040503050406030204" pitchFamily="18" charset="0"/>
+                                </a:rPr>
+                                <m:t>−</m:t>
+                              </m:r>
+                              <m:sSubSup>
+                                <m:sSubSupPr>
+                                  <m:ctrlPr>
+                                    <a:rPr lang="en-US" altLang="ja-JP" sz="2400" i="1">
+                                      <a:latin typeface="Cambria Math" panose="02040503050406030204" pitchFamily="18" charset="0"/>
+                                    </a:rPr>
+                                  </m:ctrlPr>
+                                </m:sSubSupPr>
+                                <m:e>
+                                  <m:r>
+                                    <a:rPr lang="en-US" altLang="ja-JP" sz="2400" i="1">
+                                      <a:latin typeface="Cambria Math" panose="02040503050406030204" pitchFamily="18" charset="0"/>
+                                    </a:rPr>
+                                    <m:t>𝑞</m:t>
+                                  </m:r>
+                                </m:e>
+                                <m:sub>
+                                  <m:r>
+                                    <a:rPr lang="en-US" altLang="ja-JP" sz="2400" i="1">
+                                      <a:latin typeface="Cambria Math" panose="02040503050406030204" pitchFamily="18" charset="0"/>
+                                    </a:rPr>
+                                    <m:t>𝑗</m:t>
+                                  </m:r>
+                                </m:sub>
+                                <m:sup>
+                                  <m:r>
+                                    <a:rPr lang="en-US" altLang="ja-JP" sz="2400" b="0" i="1" smtClean="0">
+                                      <a:latin typeface="Cambria Math" panose="02040503050406030204" pitchFamily="18" charset="0"/>
+                                    </a:rPr>
+                                    <m:t>𝑦</m:t>
+                                  </m:r>
+                                </m:sup>
+                              </m:sSubSup>
+                            </m:e>
+                          </m:d>
+                        </m:e>
+                        <m:sup>
+                          <m:r>
+                            <a:rPr lang="en-US" altLang="ja-JP" sz="2400" i="1">
+                              <a:latin typeface="Cambria Math" panose="02040503050406030204" pitchFamily="18" charset="0"/>
+                            </a:rPr>
+                            <m:t>2</m:t>
+                          </m:r>
+                        </m:sup>
+                      </m:sSup>
+                      <m:r>
+                        <a:rPr lang="en-US" altLang="ja-JP" sz="2400" b="0" i="0" smtClean="0">
+                          <a:latin typeface="Cambria Math" panose="02040503050406030204" pitchFamily="18" charset="0"/>
+                        </a:rPr>
+                        <m:t>+</m:t>
+                      </m:r>
+                      <m:sSup>
+                        <m:sSupPr>
+                          <m:ctrlPr>
+                            <a:rPr lang="en-US" altLang="ja-JP" sz="2400" i="1">
+                              <a:latin typeface="Cambria Math" panose="02040503050406030204" pitchFamily="18" charset="0"/>
+                            </a:rPr>
+                          </m:ctrlPr>
+                        </m:sSupPr>
+                        <m:e>
+                          <m:d>
+                            <m:dPr>
+                              <m:ctrlPr>
+                                <a:rPr lang="en-US" altLang="ja-JP" sz="2400" i="1">
+                                  <a:latin typeface="Cambria Math" panose="02040503050406030204" pitchFamily="18" charset="0"/>
+                                </a:rPr>
+                              </m:ctrlPr>
+                            </m:dPr>
+                            <m:e>
+                              <m:sSubSup>
+                                <m:sSubSupPr>
+                                  <m:ctrlPr>
+                                    <a:rPr lang="en-US" altLang="ja-JP" sz="2400" i="1">
+                                      <a:latin typeface="Cambria Math" panose="02040503050406030204" pitchFamily="18" charset="0"/>
+                                    </a:rPr>
+                                  </m:ctrlPr>
+                                </m:sSubSupPr>
+                                <m:e>
+                                  <m:r>
+                                    <a:rPr lang="en-US" altLang="ja-JP" sz="2400" i="1">
+                                      <a:latin typeface="Cambria Math" panose="02040503050406030204" pitchFamily="18" charset="0"/>
+                                    </a:rPr>
+                                    <m:t>𝑞</m:t>
+                                  </m:r>
+                                </m:e>
+                                <m:sub>
+                                  <m:r>
+                                    <a:rPr lang="en-US" altLang="ja-JP" sz="2400" i="1">
+                                      <a:latin typeface="Cambria Math" panose="02040503050406030204" pitchFamily="18" charset="0"/>
+                                    </a:rPr>
+                                    <m:t>𝑖</m:t>
+                                  </m:r>
+                                </m:sub>
+                                <m:sup>
+                                  <m:r>
+                                    <a:rPr lang="en-US" altLang="ja-JP" sz="2400" b="0" i="1" smtClean="0">
+                                      <a:latin typeface="Cambria Math" panose="02040503050406030204" pitchFamily="18" charset="0"/>
+                                    </a:rPr>
+                                    <m:t>𝑧</m:t>
+                                  </m:r>
+                                </m:sup>
+                              </m:sSubSup>
+                              <m:r>
+                                <a:rPr lang="en-US" altLang="ja-JP" sz="2400" i="1">
+                                  <a:latin typeface="Cambria Math" panose="02040503050406030204" pitchFamily="18" charset="0"/>
+                                </a:rPr>
+                                <m:t>−</m:t>
+                              </m:r>
+                              <m:sSubSup>
+                                <m:sSubSupPr>
+                                  <m:ctrlPr>
+                                    <a:rPr lang="en-US" altLang="ja-JP" sz="2400" i="1">
+                                      <a:latin typeface="Cambria Math" panose="02040503050406030204" pitchFamily="18" charset="0"/>
+                                    </a:rPr>
+                                  </m:ctrlPr>
+                                </m:sSubSupPr>
+                                <m:e>
+                                  <m:r>
+                                    <a:rPr lang="en-US" altLang="ja-JP" sz="2400" i="1">
+                                      <a:latin typeface="Cambria Math" panose="02040503050406030204" pitchFamily="18" charset="0"/>
+                                    </a:rPr>
+                                    <m:t>𝑞</m:t>
+                                  </m:r>
+                                </m:e>
+                                <m:sub>
+                                  <m:r>
+                                    <a:rPr lang="en-US" altLang="ja-JP" sz="2400" i="1">
+                                      <a:latin typeface="Cambria Math" panose="02040503050406030204" pitchFamily="18" charset="0"/>
+                                    </a:rPr>
+                                    <m:t>𝑗</m:t>
+                                  </m:r>
+                                </m:sub>
+                                <m:sup>
+                                  <m:r>
+                                    <a:rPr lang="en-US" altLang="ja-JP" sz="2400" b="0" i="1" smtClean="0">
+                                      <a:latin typeface="Cambria Math" panose="02040503050406030204" pitchFamily="18" charset="0"/>
+                                    </a:rPr>
+                                    <m:t>𝑧</m:t>
+                                  </m:r>
+                                </m:sup>
+                              </m:sSubSup>
+                            </m:e>
+                          </m:d>
+                        </m:e>
+                        <m:sup>
+                          <m:r>
+                            <a:rPr lang="en-US" altLang="ja-JP" sz="2400" i="1">
+                              <a:latin typeface="Cambria Math" panose="02040503050406030204" pitchFamily="18" charset="0"/>
+                            </a:rPr>
+                            <m:t>2</m:t>
+                          </m:r>
+                        </m:sup>
+                      </m:sSup>
+                    </m:oMath>
+                  </m:oMathPara>
+                </a14:m>
+                <a:endParaRPr kumimoji="1" lang="ja-JP" altLang="en-US" sz="2400" dirty="0"/>
+              </a:p>
+            </p:txBody>
+          </p:sp>
+        </mc:Choice>
+        <mc:Fallback>
+          <p:sp>
+            <p:nvSpPr>
+              <p:cNvPr id="15" name="テキスト ボックス 14">
+                <a:extLst>
+                  <a:ext uri="{FF2B5EF4-FFF2-40B4-BE49-F238E27FC236}">
+                    <a16:creationId xmlns:a16="http://schemas.microsoft.com/office/drawing/2014/main" id="{68997186-8001-15F5-FDC8-7623F6BC893A}"/>
+                  </a:ext>
+                </a:extLst>
+              </p:cNvPr>
+              <p:cNvSpPr txBox="1">
+                <a:spLocks noRot="1" noChangeAspect="1" noMove="1" noResize="1" noEditPoints="1" noAdjustHandles="1" noChangeArrowheads="1" noChangeShapeType="1" noTextEdit="1"/>
+              </p:cNvSpPr>
+              <p:nvPr/>
+            </p:nvSpPr>
+            <p:spPr>
+              <a:xfrm>
+                <a:off x="1835696" y="2204864"/>
+                <a:ext cx="6137065" cy="718017"/>
+              </a:xfrm>
+              <a:prstGeom prst="rect">
+                <a:avLst/>
+              </a:prstGeom>
+              <a:blipFill>
+                <a:blip r:embed="rId5"/>
+                <a:stretch>
+                  <a:fillRect/>
+                </a:stretch>
+              </a:blipFill>
+            </p:spPr>
+            <p:txBody>
+              <a:bodyPr/>
+              <a:lstStyle/>
+              <a:p>
+                <a:r>
+                  <a:rPr lang="ja-JP" altLang="en-US">
+                    <a:noFill/>
+                  </a:rPr>
+                  <a:t> </a:t>
+                </a:r>
+              </a:p>
+            </p:txBody>
+          </p:sp>
+        </mc:Fallback>
+      </mc:AlternateContent>
+      <mc:AlternateContent xmlns:mc="http://schemas.openxmlformats.org/markup-compatibility/2006">
+        <mc:Choice xmlns:a14="http://schemas.microsoft.com/office/drawing/2010/main" Requires="a14">
+          <p:sp>
+            <p:nvSpPr>
+              <p:cNvPr id="17" name="テキスト ボックス 16">
+                <a:extLst>
+                  <a:ext uri="{FF2B5EF4-FFF2-40B4-BE49-F238E27FC236}">
+                    <a16:creationId xmlns:a16="http://schemas.microsoft.com/office/drawing/2014/main" id="{AB211692-F697-D7FA-116C-551CA66368B6}"/>
+                  </a:ext>
+                </a:extLst>
+              </p:cNvPr>
+              <p:cNvSpPr txBox="1"/>
+              <p:nvPr/>
+            </p:nvSpPr>
+            <p:spPr>
+              <a:xfrm>
+                <a:off x="755576" y="3789040"/>
+                <a:ext cx="3257302" cy="891141"/>
+              </a:xfrm>
+              <a:prstGeom prst="rect">
+                <a:avLst/>
+              </a:prstGeom>
+              <a:noFill/>
+            </p:spPr>
+            <p:txBody>
+              <a:bodyPr wrap="none" rtlCol="0">
+                <a:spAutoFit/>
+              </a:bodyPr>
+              <a:lstStyle/>
+              <a:p>
+                <a14:m>
+                  <m:oMathPara xmlns:m="http://schemas.openxmlformats.org/officeDocument/2006/math">
+                    <m:oMathParaPr>
+                      <m:jc m:val="centerGroup"/>
+                    </m:oMathParaPr>
+                    <m:oMath xmlns:m="http://schemas.openxmlformats.org/officeDocument/2006/math">
+                      <m:r>
+                        <a:rPr lang="en-US" altLang="ja-JP" sz="2400" i="1" smtClean="0">
+                          <a:latin typeface="Cambria Math" panose="02040503050406030204" pitchFamily="18" charset="0"/>
+                        </a:rPr>
+                        <m:t>2</m:t>
+                      </m:r>
+                      <m:sSub>
+                        <m:sSubPr>
+                          <m:ctrlPr>
+                            <a:rPr lang="en-US" altLang="ja-JP" sz="2400" i="1">
+                              <a:latin typeface="Cambria Math" panose="02040503050406030204" pitchFamily="18" charset="0"/>
+                            </a:rPr>
+                          </m:ctrlPr>
+                        </m:sSubPr>
+                        <m:e>
+                          <m:r>
+                            <a:rPr lang="en-US" altLang="ja-JP" sz="2400" i="1">
+                              <a:latin typeface="Cambria Math" panose="02040503050406030204" pitchFamily="18" charset="0"/>
+                            </a:rPr>
+                            <m:t>𝑞</m:t>
+                          </m:r>
+                        </m:e>
+                        <m:sub>
+                          <m:r>
+                            <a:rPr lang="en-US" altLang="ja-JP" sz="2400" i="1">
+                              <a:latin typeface="Cambria Math" panose="02040503050406030204" pitchFamily="18" charset="0"/>
+                            </a:rPr>
+                            <m:t>𝑖𝑗</m:t>
+                          </m:r>
+                        </m:sub>
+                      </m:sSub>
+                      <m:f>
+                        <m:fPr>
+                          <m:ctrlPr>
+                            <a:rPr kumimoji="1" lang="en-US" altLang="ja-JP" sz="2400" b="0" i="1" smtClean="0">
+                              <a:latin typeface="Cambria Math" panose="02040503050406030204" pitchFamily="18" charset="0"/>
+                            </a:rPr>
+                          </m:ctrlPr>
+                        </m:fPr>
+                        <m:num>
+                          <m:r>
+                            <a:rPr kumimoji="1" lang="en-US" altLang="ja-JP" sz="2400" b="0" i="1" smtClean="0">
+                              <a:latin typeface="Cambria Math" panose="02040503050406030204" pitchFamily="18" charset="0"/>
+                            </a:rPr>
+                            <m:t>𝜕</m:t>
+                          </m:r>
+                          <m:sSub>
+                            <m:sSubPr>
+                              <m:ctrlPr>
+                                <a:rPr kumimoji="1" lang="en-US" altLang="ja-JP" sz="2400" b="0" i="1" smtClean="0">
+                                  <a:latin typeface="Cambria Math" panose="02040503050406030204" pitchFamily="18" charset="0"/>
+                                </a:rPr>
+                              </m:ctrlPr>
+                            </m:sSubPr>
+                            <m:e>
+                              <m:r>
+                                <a:rPr kumimoji="1" lang="en-US" altLang="ja-JP" sz="2400" b="0" i="1" smtClean="0">
+                                  <a:latin typeface="Cambria Math" panose="02040503050406030204" pitchFamily="18" charset="0"/>
+                                </a:rPr>
+                                <m:t>𝑞</m:t>
+                              </m:r>
+                            </m:e>
+                            <m:sub>
+                              <m:r>
+                                <a:rPr kumimoji="1" lang="en-US" altLang="ja-JP" sz="2400" b="0" i="1" smtClean="0">
+                                  <a:latin typeface="Cambria Math" panose="02040503050406030204" pitchFamily="18" charset="0"/>
+                                </a:rPr>
+                                <m:t>𝑖𝑗</m:t>
+                              </m:r>
+                            </m:sub>
+                          </m:sSub>
+                        </m:num>
+                        <m:den>
+                          <m:r>
+                            <a:rPr kumimoji="1" lang="en-US" altLang="ja-JP" sz="2400" b="0" i="1" smtClean="0">
+                              <a:latin typeface="Cambria Math" panose="02040503050406030204" pitchFamily="18" charset="0"/>
+                            </a:rPr>
+                            <m:t>𝜕</m:t>
+                          </m:r>
+                          <m:sSubSup>
+                            <m:sSubSupPr>
+                              <m:ctrlPr>
+                                <a:rPr kumimoji="1" lang="en-US" altLang="ja-JP" sz="2400" b="0" i="1" smtClean="0">
+                                  <a:latin typeface="Cambria Math" panose="02040503050406030204" pitchFamily="18" charset="0"/>
+                                </a:rPr>
+                              </m:ctrlPr>
+                            </m:sSubSupPr>
+                            <m:e>
+                              <m:r>
+                                <a:rPr kumimoji="1" lang="en-US" altLang="ja-JP" sz="2400" b="0" i="1" smtClean="0">
+                                  <a:latin typeface="Cambria Math" panose="02040503050406030204" pitchFamily="18" charset="0"/>
+                                </a:rPr>
+                                <m:t>𝑞</m:t>
+                              </m:r>
+                            </m:e>
+                            <m:sub>
+                              <m:r>
+                                <a:rPr kumimoji="1" lang="en-US" altLang="ja-JP" sz="2400" b="0" i="1" smtClean="0">
+                                  <a:latin typeface="Cambria Math" panose="02040503050406030204" pitchFamily="18" charset="0"/>
+                                </a:rPr>
+                                <m:t>𝑖</m:t>
+                              </m:r>
+                            </m:sub>
+                            <m:sup>
+                              <m:r>
+                                <a:rPr kumimoji="1" lang="en-US" altLang="ja-JP" sz="2400" b="0" i="1" smtClean="0">
+                                  <a:latin typeface="Cambria Math" panose="02040503050406030204" pitchFamily="18" charset="0"/>
+                                </a:rPr>
+                                <m:t>𝑥</m:t>
+                              </m:r>
+                            </m:sup>
+                          </m:sSubSup>
+                        </m:den>
+                      </m:f>
+                      <m:r>
+                        <a:rPr kumimoji="1" lang="en-US" altLang="ja-JP" sz="2400" b="0" i="1" smtClean="0">
+                          <a:latin typeface="Cambria Math" panose="02040503050406030204" pitchFamily="18" charset="0"/>
+                        </a:rPr>
+                        <m:t>=2(</m:t>
+                      </m:r>
+                      <m:sSubSup>
+                        <m:sSubSupPr>
+                          <m:ctrlPr>
+                            <a:rPr kumimoji="1" lang="en-US" altLang="ja-JP" sz="2400" b="0" i="1" smtClean="0">
+                              <a:latin typeface="Cambria Math" panose="02040503050406030204" pitchFamily="18" charset="0"/>
+                            </a:rPr>
+                          </m:ctrlPr>
+                        </m:sSubSupPr>
+                        <m:e>
+                          <m:r>
+                            <a:rPr kumimoji="1" lang="en-US" altLang="ja-JP" sz="2400" b="0" i="1" smtClean="0">
+                              <a:latin typeface="Cambria Math" panose="02040503050406030204" pitchFamily="18" charset="0"/>
+                            </a:rPr>
+                            <m:t>𝑞</m:t>
+                          </m:r>
+                        </m:e>
+                        <m:sub>
+                          <m:r>
+                            <a:rPr kumimoji="1" lang="en-US" altLang="ja-JP" sz="2400" b="0" i="1" smtClean="0">
+                              <a:latin typeface="Cambria Math" panose="02040503050406030204" pitchFamily="18" charset="0"/>
+                            </a:rPr>
+                            <m:t>𝑖</m:t>
+                          </m:r>
+                        </m:sub>
+                        <m:sup>
+                          <m:r>
+                            <a:rPr kumimoji="1" lang="en-US" altLang="ja-JP" sz="2400" b="0" i="1" smtClean="0">
+                              <a:latin typeface="Cambria Math" panose="02040503050406030204" pitchFamily="18" charset="0"/>
+                            </a:rPr>
+                            <m:t>𝑥</m:t>
+                          </m:r>
+                        </m:sup>
+                      </m:sSubSup>
+                      <m:r>
+                        <a:rPr kumimoji="1" lang="en-US" altLang="ja-JP" sz="2400" b="0" i="1" smtClean="0">
+                          <a:latin typeface="Cambria Math" panose="02040503050406030204" pitchFamily="18" charset="0"/>
+                        </a:rPr>
+                        <m:t>−</m:t>
+                      </m:r>
+                      <m:sSubSup>
+                        <m:sSubSupPr>
+                          <m:ctrlPr>
+                            <a:rPr kumimoji="1" lang="en-US" altLang="ja-JP" sz="2400" b="0" i="1" smtClean="0">
+                              <a:latin typeface="Cambria Math" panose="02040503050406030204" pitchFamily="18" charset="0"/>
+                            </a:rPr>
+                          </m:ctrlPr>
+                        </m:sSubSupPr>
+                        <m:e>
+                          <m:r>
+                            <a:rPr kumimoji="1" lang="en-US" altLang="ja-JP" sz="2400" b="0" i="1" smtClean="0">
+                              <a:latin typeface="Cambria Math" panose="02040503050406030204" pitchFamily="18" charset="0"/>
+                            </a:rPr>
+                            <m:t>𝑞</m:t>
+                          </m:r>
+                        </m:e>
+                        <m:sub>
+                          <m:r>
+                            <a:rPr kumimoji="1" lang="en-US" altLang="ja-JP" sz="2400" b="0" i="1" smtClean="0">
+                              <a:latin typeface="Cambria Math" panose="02040503050406030204" pitchFamily="18" charset="0"/>
+                            </a:rPr>
+                            <m:t>𝑗</m:t>
+                          </m:r>
+                        </m:sub>
+                        <m:sup>
+                          <m:r>
+                            <a:rPr kumimoji="1" lang="en-US" altLang="ja-JP" sz="2400" b="0" i="1" smtClean="0">
+                              <a:latin typeface="Cambria Math" panose="02040503050406030204" pitchFamily="18" charset="0"/>
+                            </a:rPr>
+                            <m:t>𝑥</m:t>
+                          </m:r>
+                        </m:sup>
+                      </m:sSubSup>
+                      <m:r>
+                        <a:rPr kumimoji="1" lang="en-US" altLang="ja-JP" sz="2400" b="0" i="1" smtClean="0">
+                          <a:latin typeface="Cambria Math" panose="02040503050406030204" pitchFamily="18" charset="0"/>
+                        </a:rPr>
+                        <m:t>)</m:t>
+                      </m:r>
+                    </m:oMath>
+                  </m:oMathPara>
+                </a14:m>
+                <a:endParaRPr kumimoji="1" lang="ja-JP" altLang="en-US" sz="2400" dirty="0"/>
+              </a:p>
+            </p:txBody>
+          </p:sp>
+        </mc:Choice>
+        <mc:Fallback>
+          <p:sp>
+            <p:nvSpPr>
+              <p:cNvPr id="17" name="テキスト ボックス 16">
+                <a:extLst>
+                  <a:ext uri="{FF2B5EF4-FFF2-40B4-BE49-F238E27FC236}">
+                    <a16:creationId xmlns:a16="http://schemas.microsoft.com/office/drawing/2014/main" id="{AB211692-F697-D7FA-116C-551CA66368B6}"/>
+                  </a:ext>
+                </a:extLst>
+              </p:cNvPr>
+              <p:cNvSpPr txBox="1">
+                <a:spLocks noRot="1" noChangeAspect="1" noMove="1" noResize="1" noEditPoints="1" noAdjustHandles="1" noChangeArrowheads="1" noChangeShapeType="1" noTextEdit="1"/>
+              </p:cNvSpPr>
+              <p:nvPr/>
+            </p:nvSpPr>
+            <p:spPr>
+              <a:xfrm>
+                <a:off x="755576" y="3789040"/>
+                <a:ext cx="3257302" cy="891141"/>
+              </a:xfrm>
+              <a:prstGeom prst="rect">
+                <a:avLst/>
+              </a:prstGeom>
+              <a:blipFill>
+                <a:blip r:embed="rId6"/>
+                <a:stretch>
+                  <a:fillRect/>
+                </a:stretch>
+              </a:blipFill>
+            </p:spPr>
+            <p:txBody>
+              <a:bodyPr/>
+              <a:lstStyle/>
+              <a:p>
+                <a:r>
+                  <a:rPr lang="ja-JP" altLang="en-US">
+                    <a:noFill/>
+                  </a:rPr>
+                  <a:t> </a:t>
+                </a:r>
+              </a:p>
+            </p:txBody>
+          </p:sp>
+        </mc:Fallback>
+      </mc:AlternateContent>
+      <p:sp>
+        <p:nvSpPr>
+          <p:cNvPr id="18" name="テキスト ボックス 17">
+            <a:extLst>
+              <a:ext uri="{FF2B5EF4-FFF2-40B4-BE49-F238E27FC236}">
+                <a16:creationId xmlns:a16="http://schemas.microsoft.com/office/drawing/2014/main" id="{FB80498A-F399-3467-115B-9B9AFA9882F4}"/>
+              </a:ext>
+            </a:extLst>
+          </p:cNvPr>
+          <p:cNvSpPr txBox="1"/>
+          <p:nvPr/>
+        </p:nvSpPr>
+        <p:spPr>
+          <a:xfrm>
+            <a:off x="251520" y="1412776"/>
+            <a:ext cx="2993127" cy="400110"/>
+          </a:xfrm>
+          <a:prstGeom prst="rect">
+            <a:avLst/>
+          </a:prstGeom>
+          <a:noFill/>
+        </p:spPr>
+        <p:txBody>
+          <a:bodyPr wrap="none" rtlCol="0">
+            <a:spAutoFit/>
+          </a:bodyPr>
+          <a:lstStyle/>
+          <a:p>
+            <a:r>
+              <a:rPr kumimoji="1" lang="en-US" altLang="ja-JP" sz="2000" dirty="0" err="1"/>
+              <a:t>ij</a:t>
+            </a:r>
+            <a:r>
+              <a:rPr kumimoji="1" lang="ja-JP" altLang="en-US" sz="2000" dirty="0"/>
+              <a:t>原子間に働く力の</a:t>
+            </a:r>
+            <a:r>
+              <a:rPr kumimoji="1" lang="en-US" altLang="ja-JP" sz="2000" dirty="0"/>
+              <a:t>x</a:t>
+            </a:r>
+            <a:r>
+              <a:rPr lang="ja-JP" altLang="en-US" sz="2000" dirty="0"/>
+              <a:t>成分</a:t>
+            </a:r>
+            <a:endParaRPr kumimoji="1" lang="ja-JP" altLang="en-US" sz="2000" dirty="0"/>
+          </a:p>
+        </p:txBody>
+      </p:sp>
+      <p:sp>
+        <p:nvSpPr>
+          <p:cNvPr id="19" name="テキスト ボックス 18">
+            <a:extLst>
+              <a:ext uri="{FF2B5EF4-FFF2-40B4-BE49-F238E27FC236}">
+                <a16:creationId xmlns:a16="http://schemas.microsoft.com/office/drawing/2014/main" id="{0F1A82F2-408F-8427-886F-C34D682422A5}"/>
+              </a:ext>
+            </a:extLst>
+          </p:cNvPr>
+          <p:cNvSpPr txBox="1"/>
+          <p:nvPr/>
+        </p:nvSpPr>
+        <p:spPr>
+          <a:xfrm>
+            <a:off x="467544" y="2420888"/>
+            <a:ext cx="1467068" cy="400110"/>
+          </a:xfrm>
+          <a:prstGeom prst="rect">
+            <a:avLst/>
+          </a:prstGeom>
+          <a:noFill/>
+        </p:spPr>
+        <p:txBody>
+          <a:bodyPr wrap="none" rtlCol="0">
+            <a:spAutoFit/>
+          </a:bodyPr>
+          <a:lstStyle/>
+          <a:p>
+            <a:r>
+              <a:rPr lang="ja-JP" altLang="en-US" sz="2000" dirty="0"/>
+              <a:t>距離の定義</a:t>
+            </a:r>
+            <a:endParaRPr kumimoji="1" lang="ja-JP" altLang="en-US" sz="2000" dirty="0"/>
+          </a:p>
+        </p:txBody>
+      </p:sp>
+      <p:cxnSp>
+        <p:nvCxnSpPr>
+          <p:cNvPr id="21" name="直線矢印コネクタ 20">
+            <a:extLst>
+              <a:ext uri="{FF2B5EF4-FFF2-40B4-BE49-F238E27FC236}">
+                <a16:creationId xmlns:a16="http://schemas.microsoft.com/office/drawing/2014/main" id="{8926ACF2-33DB-02F3-E288-DFB3EA798DDF}"/>
+              </a:ext>
+            </a:extLst>
+          </p:cNvPr>
+          <p:cNvCxnSpPr>
+            <a:cxnSpLocks/>
+          </p:cNvCxnSpPr>
+          <p:nvPr/>
+        </p:nvCxnSpPr>
+        <p:spPr>
+          <a:xfrm flipH="1">
+            <a:off x="2267744" y="2924944"/>
+            <a:ext cx="216024" cy="792088"/>
+          </a:xfrm>
+          <a:prstGeom prst="straightConnector1">
+            <a:avLst/>
+          </a:prstGeom>
+          <a:ln>
+            <a:solidFill>
+              <a:schemeClr val="tx1"/>
+            </a:solidFill>
+            <a:headEnd type="none" w="med" len="med"/>
+            <a:tailEnd type="triangle"/>
+          </a:ln>
+        </p:spPr>
+        <p:style>
+          <a:lnRef idx="1">
+            <a:schemeClr val="accent1"/>
+          </a:lnRef>
+          <a:fillRef idx="0">
+            <a:schemeClr val="accent1"/>
+          </a:fillRef>
+          <a:effectRef idx="0">
+            <a:schemeClr val="accent1"/>
+          </a:effectRef>
+          <a:fontRef idx="minor">
+            <a:schemeClr val="tx1"/>
+          </a:fontRef>
+        </p:style>
+      </p:cxnSp>
+      <mc:AlternateContent xmlns:mc="http://schemas.openxmlformats.org/markup-compatibility/2006">
+        <mc:Choice xmlns:a14="http://schemas.microsoft.com/office/drawing/2010/main" Requires="a14">
+          <p:sp>
+            <p:nvSpPr>
+              <p:cNvPr id="22" name="テキスト ボックス 21">
+                <a:extLst>
+                  <a:ext uri="{FF2B5EF4-FFF2-40B4-BE49-F238E27FC236}">
+                    <a16:creationId xmlns:a16="http://schemas.microsoft.com/office/drawing/2014/main" id="{66E36A96-700C-EDE8-4339-AD7AB3AF6F0C}"/>
+                  </a:ext>
+                </a:extLst>
+              </p:cNvPr>
+              <p:cNvSpPr txBox="1"/>
+              <p:nvPr/>
+            </p:nvSpPr>
+            <p:spPr>
+              <a:xfrm>
+                <a:off x="2555776" y="3140968"/>
+                <a:ext cx="2257862" cy="405367"/>
+              </a:xfrm>
+              <a:prstGeom prst="rect">
+                <a:avLst/>
+              </a:prstGeom>
+              <a:noFill/>
+            </p:spPr>
+            <p:txBody>
+              <a:bodyPr wrap="none" rtlCol="0">
+                <a:spAutoFit/>
+              </a:bodyPr>
+              <a:lstStyle/>
+              <a:p>
+                <a:r>
+                  <a:rPr kumimoji="1" lang="ja-JP" altLang="en-US" sz="2000" b="0" dirty="0"/>
+                  <a:t>両辺</a:t>
+                </a:r>
+                <a14:m>
+                  <m:oMath xmlns:m="http://schemas.openxmlformats.org/officeDocument/2006/math">
+                    <m:r>
+                      <a:rPr lang="ja-JP" altLang="en-US" sz="2000" i="1">
+                        <a:latin typeface="Cambria Math" panose="02040503050406030204" pitchFamily="18" charset="0"/>
+                      </a:rPr>
+                      <m:t>を</m:t>
+                    </m:r>
+                    <m:sSubSup>
+                      <m:sSubSupPr>
+                        <m:ctrlPr>
+                          <a:rPr kumimoji="1" lang="en-US" altLang="ja-JP" sz="2000" b="0" i="1" smtClean="0">
+                            <a:latin typeface="Cambria Math" panose="02040503050406030204" pitchFamily="18" charset="0"/>
+                          </a:rPr>
+                        </m:ctrlPr>
+                      </m:sSubSupPr>
+                      <m:e>
+                        <m:r>
+                          <a:rPr kumimoji="1" lang="en-US" altLang="ja-JP" sz="2000" b="0" i="1" smtClean="0">
+                            <a:latin typeface="Cambria Math" panose="02040503050406030204" pitchFamily="18" charset="0"/>
+                          </a:rPr>
+                          <m:t>𝑞</m:t>
+                        </m:r>
+                      </m:e>
+                      <m:sub>
+                        <m:r>
+                          <a:rPr kumimoji="1" lang="en-US" altLang="ja-JP" sz="2000" b="0" i="1" smtClean="0">
+                            <a:latin typeface="Cambria Math" panose="02040503050406030204" pitchFamily="18" charset="0"/>
+                          </a:rPr>
+                          <m:t>𝑖</m:t>
+                        </m:r>
+                      </m:sub>
+                      <m:sup>
+                        <m:r>
+                          <a:rPr kumimoji="1" lang="en-US" altLang="ja-JP" sz="2000" b="0" i="1" smtClean="0">
+                            <a:latin typeface="Cambria Math" panose="02040503050406030204" pitchFamily="18" charset="0"/>
+                          </a:rPr>
+                          <m:t>𝑥</m:t>
+                        </m:r>
+                      </m:sup>
+                    </m:sSubSup>
+                  </m:oMath>
+                </a14:m>
+                <a:r>
+                  <a:rPr kumimoji="1" lang="ja-JP" altLang="en-US" sz="2000" dirty="0"/>
+                  <a:t>で偏微分</a:t>
+                </a:r>
+              </a:p>
+            </p:txBody>
+          </p:sp>
+        </mc:Choice>
+        <mc:Fallback>
+          <p:sp>
+            <p:nvSpPr>
+              <p:cNvPr id="22" name="テキスト ボックス 21">
+                <a:extLst>
+                  <a:ext uri="{FF2B5EF4-FFF2-40B4-BE49-F238E27FC236}">
+                    <a16:creationId xmlns:a16="http://schemas.microsoft.com/office/drawing/2014/main" id="{66E36A96-700C-EDE8-4339-AD7AB3AF6F0C}"/>
+                  </a:ext>
+                </a:extLst>
+              </p:cNvPr>
+              <p:cNvSpPr txBox="1">
+                <a:spLocks noRot="1" noChangeAspect="1" noMove="1" noResize="1" noEditPoints="1" noAdjustHandles="1" noChangeArrowheads="1" noChangeShapeType="1" noTextEdit="1"/>
+              </p:cNvSpPr>
+              <p:nvPr/>
+            </p:nvSpPr>
+            <p:spPr>
+              <a:xfrm>
+                <a:off x="2555776" y="3140968"/>
+                <a:ext cx="2257862" cy="405367"/>
+              </a:xfrm>
+              <a:prstGeom prst="rect">
+                <a:avLst/>
+              </a:prstGeom>
+              <a:blipFill>
+                <a:blip r:embed="rId7"/>
+                <a:stretch>
+                  <a:fillRect l="-2695" t="-10448" r="-1887" b="-20896"/>
+                </a:stretch>
+              </a:blipFill>
+            </p:spPr>
+            <p:txBody>
+              <a:bodyPr/>
+              <a:lstStyle/>
+              <a:p>
+                <a:r>
+                  <a:rPr lang="ja-JP" altLang="en-US">
+                    <a:noFill/>
+                  </a:rPr>
+                  <a:t> </a:t>
+                </a:r>
+              </a:p>
+            </p:txBody>
+          </p:sp>
+        </mc:Fallback>
+      </mc:AlternateContent>
+      <mc:AlternateContent xmlns:mc="http://schemas.openxmlformats.org/markup-compatibility/2006">
+        <mc:Choice xmlns:a14="http://schemas.microsoft.com/office/drawing/2010/main" Requires="a14">
+          <p:sp>
+            <p:nvSpPr>
+              <p:cNvPr id="23" name="テキスト ボックス 22">
+                <a:extLst>
+                  <a:ext uri="{FF2B5EF4-FFF2-40B4-BE49-F238E27FC236}">
+                    <a16:creationId xmlns:a16="http://schemas.microsoft.com/office/drawing/2014/main" id="{6246D71B-FAA1-B8AD-9523-B9B89903FF9E}"/>
+                  </a:ext>
+                </a:extLst>
+              </p:cNvPr>
+              <p:cNvSpPr txBox="1"/>
+              <p:nvPr/>
+            </p:nvSpPr>
+            <p:spPr>
+              <a:xfrm>
+                <a:off x="899592" y="5157192"/>
+                <a:ext cx="3587842" cy="1258871"/>
+              </a:xfrm>
+              <a:prstGeom prst="rect">
+                <a:avLst/>
+              </a:prstGeom>
+              <a:noFill/>
+            </p:spPr>
+            <p:txBody>
+              <a:bodyPr wrap="none" rtlCol="0">
+                <a:spAutoFit/>
+              </a:bodyPr>
+              <a:lstStyle/>
+              <a:p>
+                <a14:m>
+                  <m:oMathPara xmlns:m="http://schemas.openxmlformats.org/officeDocument/2006/math">
+                    <m:oMathParaPr>
+                      <m:jc m:val="centerGroup"/>
+                    </m:oMathParaPr>
+                    <m:oMath xmlns:m="http://schemas.openxmlformats.org/officeDocument/2006/math">
+                      <m:sSubSup>
+                        <m:sSubSupPr>
+                          <m:ctrlPr>
+                            <a:rPr kumimoji="1" lang="en-US" altLang="ja-JP" sz="3200" b="0" i="1" smtClean="0">
+                              <a:latin typeface="Cambria Math" panose="02040503050406030204" pitchFamily="18" charset="0"/>
+                            </a:rPr>
+                          </m:ctrlPr>
+                        </m:sSubSupPr>
+                        <m:e>
+                          <m:r>
+                            <a:rPr kumimoji="1" lang="en-US" altLang="ja-JP" sz="3200" b="0" i="1" smtClean="0">
+                              <a:latin typeface="Cambria Math" panose="02040503050406030204" pitchFamily="18" charset="0"/>
+                            </a:rPr>
+                            <m:t>𝑓</m:t>
+                          </m:r>
+                        </m:e>
+                        <m:sub>
+                          <m:r>
+                            <a:rPr kumimoji="1" lang="en-US" altLang="ja-JP" sz="3200" b="0" i="1" smtClean="0">
+                              <a:latin typeface="Cambria Math" panose="02040503050406030204" pitchFamily="18" charset="0"/>
+                            </a:rPr>
+                            <m:t>𝑖𝑗</m:t>
+                          </m:r>
+                        </m:sub>
+                        <m:sup>
+                          <m:r>
+                            <a:rPr kumimoji="1" lang="en-US" altLang="ja-JP" sz="3200" b="0" i="1" smtClean="0">
+                              <a:latin typeface="Cambria Math" panose="02040503050406030204" pitchFamily="18" charset="0"/>
+                            </a:rPr>
+                            <m:t>𝑥</m:t>
+                          </m:r>
+                        </m:sup>
+                      </m:sSubSup>
+                      <m:r>
+                        <a:rPr kumimoji="1" lang="en-US" altLang="ja-JP" sz="3200" b="0" i="1" smtClean="0">
+                          <a:latin typeface="Cambria Math" panose="02040503050406030204" pitchFamily="18" charset="0"/>
+                        </a:rPr>
+                        <m:t>=−</m:t>
+                      </m:r>
+                      <m:f>
+                        <m:fPr>
+                          <m:ctrlPr>
+                            <a:rPr kumimoji="1" lang="en-US" altLang="ja-JP" sz="3200" b="0" i="1" smtClean="0">
+                              <a:latin typeface="Cambria Math" panose="02040503050406030204" pitchFamily="18" charset="0"/>
+                            </a:rPr>
+                          </m:ctrlPr>
+                        </m:fPr>
+                        <m:num>
+                          <m:r>
+                            <a:rPr kumimoji="1" lang="en-US" altLang="ja-JP" sz="3200" b="0" i="1" smtClean="0">
+                              <a:latin typeface="Cambria Math" panose="02040503050406030204" pitchFamily="18" charset="0"/>
+                            </a:rPr>
+                            <m:t>𝑑𝑉</m:t>
+                          </m:r>
+                          <m:d>
+                            <m:dPr>
+                              <m:ctrlPr>
+                                <a:rPr kumimoji="1" lang="en-US" altLang="ja-JP" sz="3200" b="0" i="1" smtClean="0">
+                                  <a:latin typeface="Cambria Math" panose="02040503050406030204" pitchFamily="18" charset="0"/>
+                                </a:rPr>
+                              </m:ctrlPr>
+                            </m:dPr>
+                            <m:e>
+                              <m:sSub>
+                                <m:sSubPr>
+                                  <m:ctrlPr>
+                                    <a:rPr kumimoji="1" lang="en-US" altLang="ja-JP" sz="3200" b="0" i="1" smtClean="0">
+                                      <a:latin typeface="Cambria Math" panose="02040503050406030204" pitchFamily="18" charset="0"/>
+                                    </a:rPr>
+                                  </m:ctrlPr>
+                                </m:sSubPr>
+                                <m:e>
+                                  <m:r>
+                                    <a:rPr kumimoji="1" lang="en-US" altLang="ja-JP" sz="3200" b="0" i="1" smtClean="0">
+                                      <a:latin typeface="Cambria Math" panose="02040503050406030204" pitchFamily="18" charset="0"/>
+                                    </a:rPr>
+                                    <m:t>𝑞</m:t>
+                                  </m:r>
+                                </m:e>
+                                <m:sub>
+                                  <m:r>
+                                    <a:rPr kumimoji="1" lang="en-US" altLang="ja-JP" sz="3200" b="0" i="1" smtClean="0">
+                                      <a:latin typeface="Cambria Math" panose="02040503050406030204" pitchFamily="18" charset="0"/>
+                                    </a:rPr>
+                                    <m:t>𝑖𝑗</m:t>
+                                  </m:r>
+                                </m:sub>
+                              </m:sSub>
+                            </m:e>
+                          </m:d>
+                        </m:num>
+                        <m:den>
+                          <m:r>
+                            <a:rPr kumimoji="1" lang="en-US" altLang="ja-JP" sz="3200" b="0" i="1" smtClean="0">
+                              <a:latin typeface="Cambria Math" panose="02040503050406030204" pitchFamily="18" charset="0"/>
+                            </a:rPr>
+                            <m:t>𝑑</m:t>
+                          </m:r>
+                          <m:sSub>
+                            <m:sSubPr>
+                              <m:ctrlPr>
+                                <a:rPr kumimoji="1" lang="en-US" altLang="ja-JP" sz="3200" b="0" i="1" smtClean="0">
+                                  <a:latin typeface="Cambria Math" panose="02040503050406030204" pitchFamily="18" charset="0"/>
+                                </a:rPr>
+                              </m:ctrlPr>
+                            </m:sSubPr>
+                            <m:e>
+                              <m:r>
+                                <a:rPr kumimoji="1" lang="en-US" altLang="ja-JP" sz="3200" b="0" i="1" smtClean="0">
+                                  <a:latin typeface="Cambria Math" panose="02040503050406030204" pitchFamily="18" charset="0"/>
+                                </a:rPr>
+                                <m:t>𝑞</m:t>
+                              </m:r>
+                            </m:e>
+                            <m:sub>
+                              <m:r>
+                                <a:rPr kumimoji="1" lang="en-US" altLang="ja-JP" sz="3200" b="0" i="1" smtClean="0">
+                                  <a:latin typeface="Cambria Math" panose="02040503050406030204" pitchFamily="18" charset="0"/>
+                                </a:rPr>
+                                <m:t>𝑖𝑗</m:t>
+                              </m:r>
+                            </m:sub>
+                          </m:sSub>
+                        </m:den>
+                      </m:f>
+                      <m:f>
+                        <m:fPr>
+                          <m:ctrlPr>
+                            <a:rPr kumimoji="1" lang="en-US" altLang="ja-JP" sz="3200" b="0" i="1" smtClean="0">
+                              <a:latin typeface="Cambria Math" panose="02040503050406030204" pitchFamily="18" charset="0"/>
+                            </a:rPr>
+                          </m:ctrlPr>
+                        </m:fPr>
+                        <m:num>
+                          <m:r>
+                            <m:rPr>
+                              <m:sty m:val="p"/>
+                            </m:rPr>
+                            <a:rPr kumimoji="1" lang="en-US" altLang="ja-JP" sz="3200" b="0" i="0" smtClean="0">
+                              <a:latin typeface="Cambria Math" panose="02040503050406030204" pitchFamily="18" charset="0"/>
+                            </a:rPr>
+                            <m:t>Δ</m:t>
+                          </m:r>
+                          <m:r>
+                            <a:rPr kumimoji="1" lang="en-US" altLang="ja-JP" sz="3200" b="0" i="1" smtClean="0">
+                              <a:latin typeface="Cambria Math" panose="02040503050406030204" pitchFamily="18" charset="0"/>
+                            </a:rPr>
+                            <m:t>𝑥</m:t>
+                          </m:r>
+                        </m:num>
+                        <m:den>
+                          <m:sSub>
+                            <m:sSubPr>
+                              <m:ctrlPr>
+                                <a:rPr kumimoji="1" lang="en-US" altLang="ja-JP" sz="3200" b="0" i="1" smtClean="0">
+                                  <a:latin typeface="Cambria Math" panose="02040503050406030204" pitchFamily="18" charset="0"/>
+                                </a:rPr>
+                              </m:ctrlPr>
+                            </m:sSubPr>
+                            <m:e>
+                              <m:r>
+                                <a:rPr kumimoji="1" lang="en-US" altLang="ja-JP" sz="3200" b="0" i="1" smtClean="0">
+                                  <a:latin typeface="Cambria Math" panose="02040503050406030204" pitchFamily="18" charset="0"/>
+                                </a:rPr>
+                                <m:t>𝑞</m:t>
+                              </m:r>
+                            </m:e>
+                            <m:sub>
+                              <m:r>
+                                <a:rPr kumimoji="1" lang="en-US" altLang="ja-JP" sz="3200" b="0" i="1" smtClean="0">
+                                  <a:latin typeface="Cambria Math" panose="02040503050406030204" pitchFamily="18" charset="0"/>
+                                </a:rPr>
+                                <m:t>𝑖𝑗</m:t>
+                              </m:r>
+                            </m:sub>
+                          </m:sSub>
+                        </m:den>
+                      </m:f>
+                    </m:oMath>
+                  </m:oMathPara>
+                </a14:m>
+                <a:endParaRPr kumimoji="1" lang="en-US" altLang="ja-JP" sz="3200" b="0" dirty="0"/>
+              </a:p>
+            </p:txBody>
+          </p:sp>
+        </mc:Choice>
+        <mc:Fallback>
+          <p:sp>
+            <p:nvSpPr>
+              <p:cNvPr id="23" name="テキスト ボックス 22">
+                <a:extLst>
+                  <a:ext uri="{FF2B5EF4-FFF2-40B4-BE49-F238E27FC236}">
+                    <a16:creationId xmlns:a16="http://schemas.microsoft.com/office/drawing/2014/main" id="{6246D71B-FAA1-B8AD-9523-B9B89903FF9E}"/>
+                  </a:ext>
+                </a:extLst>
+              </p:cNvPr>
+              <p:cNvSpPr txBox="1">
+                <a:spLocks noRot="1" noChangeAspect="1" noMove="1" noResize="1" noEditPoints="1" noAdjustHandles="1" noChangeArrowheads="1" noChangeShapeType="1" noTextEdit="1"/>
+              </p:cNvSpPr>
+              <p:nvPr/>
+            </p:nvSpPr>
+            <p:spPr>
+              <a:xfrm>
+                <a:off x="899592" y="5157192"/>
+                <a:ext cx="3587842" cy="1258871"/>
+              </a:xfrm>
+              <a:prstGeom prst="rect">
+                <a:avLst/>
+              </a:prstGeom>
+              <a:blipFill>
+                <a:blip r:embed="rId8"/>
+                <a:stretch>
+                  <a:fillRect/>
+                </a:stretch>
+              </a:blipFill>
+            </p:spPr>
+            <p:txBody>
+              <a:bodyPr/>
+              <a:lstStyle/>
+              <a:p>
+                <a:r>
+                  <a:rPr lang="ja-JP" altLang="en-US">
+                    <a:noFill/>
+                  </a:rPr>
+                  <a:t> </a:t>
+                </a:r>
+              </a:p>
+            </p:txBody>
+          </p:sp>
+        </mc:Fallback>
+      </mc:AlternateContent>
+    </p:spTree>
+    <p:extLst>
+      <p:ext uri="{BB962C8B-B14F-4D97-AF65-F5344CB8AC3E}">
+        <p14:creationId xmlns:p14="http://schemas.microsoft.com/office/powerpoint/2010/main" val="4044962889"/>
+      </p:ext>
+    </p:extLst>
+  </p:cSld>
+  <p:clrMapOvr>
+    <a:masterClrMapping/>
+  </p:clrMapOvr>
+</p:sld>
+</file>
+
+<file path=ppt/slides/slide15.xml><?xml version="1.0" encoding="utf-8"?>
+<p:sld xmlns:a="http://schemas.openxmlformats.org/drawingml/2006/main" xmlns:r="http://schemas.openxmlformats.org/officeDocument/2006/relationships" xmlns:p="http://schemas.openxmlformats.org/presentationml/2006/main">
+  <p:cSld>
+    <p:spTree>
+      <p:nvGrpSpPr>
+        <p:cNvPr id="1" name=""/>
+        <p:cNvGrpSpPr/>
+        <p:nvPr/>
+      </p:nvGrpSpPr>
+      <p:grpSpPr>
+        <a:xfrm>
+          <a:off x="0" y="0"/>
+          <a:ext cx="0" cy="0"/>
+          <a:chOff x="0" y="0"/>
+          <a:chExt cx="0" cy="0"/>
+        </a:xfrm>
+      </p:grpSpPr>
+      <p:sp>
+        <p:nvSpPr>
+          <p:cNvPr id="25" name="楕円 24">
+            <a:extLst>
+              <a:ext uri="{FF2B5EF4-FFF2-40B4-BE49-F238E27FC236}">
+                <a16:creationId xmlns:a16="http://schemas.microsoft.com/office/drawing/2014/main" id="{A0B5BA13-C7E8-D594-4493-41D9E5EC531C}"/>
+              </a:ext>
+            </a:extLst>
+          </p:cNvPr>
+          <p:cNvSpPr/>
+          <p:nvPr/>
+        </p:nvSpPr>
+        <p:spPr>
+          <a:xfrm>
+            <a:off x="8748464" y="2564904"/>
+            <a:ext cx="288032" cy="288032"/>
+          </a:xfrm>
+          <a:prstGeom prst="ellipse">
+            <a:avLst/>
+          </a:prstGeom>
+          <a:solidFill>
+            <a:srgbClr val="FF0000"/>
+          </a:solidFill>
+          <a:ln>
+            <a:solidFill>
+              <a:schemeClr val="tx1"/>
+            </a:solidFill>
+          </a:ln>
+        </p:spPr>
+        <p:style>
+          <a:lnRef idx="2">
+            <a:schemeClr val="accent1">
+              <a:shade val="50000"/>
+            </a:schemeClr>
+          </a:lnRef>
+          <a:fillRef idx="1">
+            <a:schemeClr val="accent1"/>
+          </a:fillRef>
+          <a:effectRef idx="0">
+            <a:schemeClr val="accent1"/>
+          </a:effectRef>
+          <a:fontRef idx="minor">
+            <a:schemeClr val="lt1"/>
+          </a:fontRef>
+        </p:style>
+        <p:txBody>
+          <a:bodyPr rtlCol="0" anchor="ctr"/>
+          <a:lstStyle/>
+          <a:p>
+            <a:pPr algn="ctr"/>
+            <a:endParaRPr kumimoji="1" lang="ja-JP" altLang="en-US"/>
+          </a:p>
+        </p:txBody>
+      </p:sp>
+      <p:sp>
+        <p:nvSpPr>
+          <p:cNvPr id="2" name="テキスト プレースホルダー 1">
+            <a:extLst>
+              <a:ext uri="{FF2B5EF4-FFF2-40B4-BE49-F238E27FC236}">
+                <a16:creationId xmlns:a16="http://schemas.microsoft.com/office/drawing/2014/main" id="{F64086D8-1B83-5293-8A8B-2F9BEF8DFB9A}"/>
+              </a:ext>
+            </a:extLst>
+          </p:cNvPr>
+          <p:cNvSpPr>
+            <a:spLocks noGrp="1"/>
+          </p:cNvSpPr>
+          <p:nvPr>
+            <p:ph type="body" sz="quarter" idx="10"/>
+          </p:nvPr>
+        </p:nvSpPr>
+        <p:spPr/>
+        <p:txBody>
+          <a:bodyPr/>
+          <a:lstStyle/>
+          <a:p>
+            <a:r>
+              <a:rPr kumimoji="1" lang="en-US" altLang="ja-JP" sz="4000" dirty="0"/>
+              <a:t>Lennard-Jones</a:t>
+            </a:r>
+            <a:r>
+              <a:rPr kumimoji="1" lang="ja-JP" altLang="en-US" sz="4000" dirty="0"/>
+              <a:t>ポテンシャルの場合</a:t>
+            </a:r>
+          </a:p>
+        </p:txBody>
+      </p:sp>
+      <mc:AlternateContent xmlns:mc="http://schemas.openxmlformats.org/markup-compatibility/2006">
+        <mc:Choice xmlns:a14="http://schemas.microsoft.com/office/drawing/2010/main" Requires="a14">
+          <p:sp>
+            <p:nvSpPr>
+              <p:cNvPr id="4" name="テキスト ボックス 3">
+                <a:extLst>
+                  <a:ext uri="{FF2B5EF4-FFF2-40B4-BE49-F238E27FC236}">
+                    <a16:creationId xmlns:a16="http://schemas.microsoft.com/office/drawing/2014/main" id="{F9B49AF0-AC07-E86F-B8A1-3D97C732C00D}"/>
+                  </a:ext>
+                </a:extLst>
+              </p:cNvPr>
+              <p:cNvSpPr txBox="1"/>
+              <p:nvPr/>
+            </p:nvSpPr>
+            <p:spPr>
+              <a:xfrm>
+                <a:off x="2468708" y="1916832"/>
+                <a:ext cx="4617867" cy="646331"/>
+              </a:xfrm>
+              <a:prstGeom prst="rect">
+                <a:avLst/>
+              </a:prstGeom>
+              <a:noFill/>
+            </p:spPr>
+            <p:txBody>
+              <a:bodyPr wrap="none" rtlCol="0">
+                <a:spAutoFit/>
+              </a:bodyPr>
+              <a:lstStyle/>
+              <a:p>
+                <a14:m>
+                  <m:oMathPara xmlns:m="http://schemas.openxmlformats.org/officeDocument/2006/math">
+                    <m:oMathParaPr>
+                      <m:jc m:val="centerGroup"/>
+                    </m:oMathParaPr>
+                    <m:oMath xmlns:m="http://schemas.openxmlformats.org/officeDocument/2006/math">
+                      <m:r>
+                        <a:rPr kumimoji="1" lang="en-US" altLang="ja-JP" sz="3600" b="0" i="1" smtClean="0">
+                          <a:latin typeface="Cambria Math" panose="02040503050406030204" pitchFamily="18" charset="0"/>
+                        </a:rPr>
+                        <m:t>𝑉</m:t>
+                      </m:r>
+                      <m:d>
+                        <m:dPr>
+                          <m:ctrlPr>
+                            <a:rPr kumimoji="1" lang="en-US" altLang="ja-JP" sz="3600" b="0" i="1" smtClean="0">
+                              <a:latin typeface="Cambria Math" panose="02040503050406030204" pitchFamily="18" charset="0"/>
+                            </a:rPr>
+                          </m:ctrlPr>
+                        </m:dPr>
+                        <m:e>
+                          <m:r>
+                            <a:rPr kumimoji="1" lang="en-US" altLang="ja-JP" sz="3600" b="0" i="1" smtClean="0">
+                              <a:latin typeface="Cambria Math" panose="02040503050406030204" pitchFamily="18" charset="0"/>
+                            </a:rPr>
+                            <m:t>𝑟</m:t>
+                          </m:r>
+                        </m:e>
+                      </m:d>
+                      <m:r>
+                        <a:rPr kumimoji="1" lang="en-US" altLang="ja-JP" sz="3600" b="0" i="1" smtClean="0">
+                          <a:latin typeface="Cambria Math" panose="02040503050406030204" pitchFamily="18" charset="0"/>
+                        </a:rPr>
+                        <m:t>=4</m:t>
+                      </m:r>
+                      <m:d>
+                        <m:dPr>
+                          <m:ctrlPr>
+                            <a:rPr kumimoji="1" lang="en-US" altLang="ja-JP" sz="3600" b="0" i="1" smtClean="0">
+                              <a:latin typeface="Cambria Math" panose="02040503050406030204" pitchFamily="18" charset="0"/>
+                            </a:rPr>
+                          </m:ctrlPr>
+                        </m:dPr>
+                        <m:e>
+                          <m:sSup>
+                            <m:sSupPr>
+                              <m:ctrlPr>
+                                <a:rPr kumimoji="1" lang="en-US" altLang="ja-JP" sz="3600" b="0" i="1" smtClean="0">
+                                  <a:latin typeface="Cambria Math" panose="02040503050406030204" pitchFamily="18" charset="0"/>
+                                </a:rPr>
+                              </m:ctrlPr>
+                            </m:sSupPr>
+                            <m:e>
+                              <m:r>
+                                <a:rPr kumimoji="1" lang="en-US" altLang="ja-JP" sz="3600" b="0" i="1" smtClean="0">
+                                  <a:latin typeface="Cambria Math" panose="02040503050406030204" pitchFamily="18" charset="0"/>
+                                </a:rPr>
+                                <m:t>𝑟</m:t>
+                              </m:r>
+                            </m:e>
+                            <m:sup>
+                              <m:r>
+                                <a:rPr kumimoji="1" lang="en-US" altLang="ja-JP" sz="3600" b="0" i="1" smtClean="0">
+                                  <a:latin typeface="Cambria Math" panose="02040503050406030204" pitchFamily="18" charset="0"/>
+                                </a:rPr>
+                                <m:t>−12</m:t>
+                              </m:r>
+                            </m:sup>
+                          </m:sSup>
+                          <m:r>
+                            <a:rPr kumimoji="1" lang="en-US" altLang="ja-JP" sz="3600" b="0" i="1" smtClean="0">
+                              <a:latin typeface="Cambria Math" panose="02040503050406030204" pitchFamily="18" charset="0"/>
+                            </a:rPr>
+                            <m:t>−</m:t>
+                          </m:r>
+                          <m:sSup>
+                            <m:sSupPr>
+                              <m:ctrlPr>
+                                <a:rPr kumimoji="1" lang="en-US" altLang="ja-JP" sz="3600" b="0" i="1" smtClean="0">
+                                  <a:latin typeface="Cambria Math" panose="02040503050406030204" pitchFamily="18" charset="0"/>
+                                </a:rPr>
+                              </m:ctrlPr>
+                            </m:sSupPr>
+                            <m:e>
+                              <m:r>
+                                <a:rPr kumimoji="1" lang="en-US" altLang="ja-JP" sz="3600" b="0" i="1" smtClean="0">
+                                  <a:latin typeface="Cambria Math" panose="02040503050406030204" pitchFamily="18" charset="0"/>
+                                </a:rPr>
+                                <m:t>𝑟</m:t>
+                              </m:r>
+                            </m:e>
+                            <m:sup>
+                              <m:r>
+                                <a:rPr kumimoji="1" lang="en-US" altLang="ja-JP" sz="3600" b="0" i="1" smtClean="0">
+                                  <a:latin typeface="Cambria Math" panose="02040503050406030204" pitchFamily="18" charset="0"/>
+                                </a:rPr>
+                                <m:t>−6</m:t>
+                              </m:r>
+                            </m:sup>
+                          </m:sSup>
+                        </m:e>
+                      </m:d>
+                    </m:oMath>
+                  </m:oMathPara>
+                </a14:m>
+                <a:endParaRPr kumimoji="1" lang="ja-JP" altLang="en-US" sz="3600" dirty="0"/>
+              </a:p>
+            </p:txBody>
+          </p:sp>
+        </mc:Choice>
+        <mc:Fallback>
+          <p:sp>
+            <p:nvSpPr>
+              <p:cNvPr id="4" name="テキスト ボックス 3">
+                <a:extLst>
+                  <a:ext uri="{FF2B5EF4-FFF2-40B4-BE49-F238E27FC236}">
+                    <a16:creationId xmlns:a16="http://schemas.microsoft.com/office/drawing/2014/main" id="{F9B49AF0-AC07-E86F-B8A1-3D97C732C00D}"/>
+                  </a:ext>
+                </a:extLst>
+              </p:cNvPr>
+              <p:cNvSpPr txBox="1">
+                <a:spLocks noRot="1" noChangeAspect="1" noMove="1" noResize="1" noEditPoints="1" noAdjustHandles="1" noChangeArrowheads="1" noChangeShapeType="1" noTextEdit="1"/>
+              </p:cNvSpPr>
+              <p:nvPr/>
+            </p:nvSpPr>
+            <p:spPr>
+              <a:xfrm>
+                <a:off x="2468708" y="1916832"/>
+                <a:ext cx="4617867" cy="646331"/>
+              </a:xfrm>
+              <a:prstGeom prst="rect">
+                <a:avLst/>
+              </a:prstGeom>
+              <a:blipFill>
+                <a:blip r:embed="rId2"/>
+                <a:stretch>
+                  <a:fillRect/>
+                </a:stretch>
+              </a:blipFill>
+            </p:spPr>
+            <p:txBody>
+              <a:bodyPr/>
+              <a:lstStyle/>
+              <a:p>
+                <a:r>
+                  <a:rPr lang="ja-JP" altLang="en-US">
+                    <a:noFill/>
+                  </a:rPr>
+                  <a:t> </a:t>
+                </a:r>
+              </a:p>
+            </p:txBody>
+          </p:sp>
+        </mc:Fallback>
+      </mc:AlternateContent>
+      <mc:AlternateContent xmlns:mc="http://schemas.openxmlformats.org/markup-compatibility/2006">
+        <mc:Choice xmlns:a14="http://schemas.microsoft.com/office/drawing/2010/main" Requires="a14">
+          <p:sp>
+            <p:nvSpPr>
+              <p:cNvPr id="5" name="テキスト ボックス 4">
+                <a:extLst>
+                  <a:ext uri="{FF2B5EF4-FFF2-40B4-BE49-F238E27FC236}">
+                    <a16:creationId xmlns:a16="http://schemas.microsoft.com/office/drawing/2014/main" id="{01414C24-642D-E56F-2189-C70714CE7B94}"/>
+                  </a:ext>
+                </a:extLst>
+              </p:cNvPr>
+              <p:cNvSpPr txBox="1"/>
+              <p:nvPr/>
+            </p:nvSpPr>
+            <p:spPr>
+              <a:xfrm>
+                <a:off x="3116780" y="1196752"/>
+                <a:ext cx="3430555" cy="646331"/>
+              </a:xfrm>
+              <a:prstGeom prst="rect">
+                <a:avLst/>
+              </a:prstGeom>
+              <a:noFill/>
+            </p:spPr>
+            <p:txBody>
+              <a:bodyPr wrap="none" rtlCol="0">
+                <a:spAutoFit/>
+              </a:bodyPr>
+              <a:lstStyle/>
+              <a:p>
+                <a14:m>
+                  <m:oMathPara xmlns:m="http://schemas.openxmlformats.org/officeDocument/2006/math">
+                    <m:oMathParaPr>
+                      <m:jc m:val="centerGroup"/>
+                    </m:oMathParaPr>
+                    <m:oMath xmlns:m="http://schemas.openxmlformats.org/officeDocument/2006/math">
+                      <m:acc>
+                        <m:accPr>
+                          <m:chr m:val="⃗"/>
+                          <m:ctrlPr>
+                            <a:rPr kumimoji="1" lang="en-US" altLang="ja-JP" sz="3600" b="0" i="1" smtClean="0">
+                              <a:latin typeface="Cambria Math" panose="02040503050406030204" pitchFamily="18" charset="0"/>
+                            </a:rPr>
+                          </m:ctrlPr>
+                        </m:accPr>
+                        <m:e>
+                          <m:r>
+                            <a:rPr kumimoji="1" lang="en-US" altLang="ja-JP" sz="3600" b="0" i="1" smtClean="0">
+                              <a:latin typeface="Cambria Math" panose="02040503050406030204" pitchFamily="18" charset="0"/>
+                            </a:rPr>
+                            <m:t>𝑟</m:t>
+                          </m:r>
+                        </m:e>
+                      </m:acc>
+                      <m:r>
+                        <a:rPr kumimoji="1" lang="en-US" altLang="ja-JP" sz="3600" b="0" i="1" dirty="0" smtClean="0">
+                          <a:latin typeface="Cambria Math" panose="02040503050406030204" pitchFamily="18" charset="0"/>
+                        </a:rPr>
+                        <m:t>=(</m:t>
+                      </m:r>
+                      <m:r>
+                        <a:rPr kumimoji="1" lang="en-US" altLang="ja-JP" sz="3600" b="0" i="1" dirty="0" smtClean="0">
+                          <a:latin typeface="Cambria Math" panose="02040503050406030204" pitchFamily="18" charset="0"/>
+                        </a:rPr>
+                        <m:t>𝑑𝑥</m:t>
+                      </m:r>
+                      <m:r>
+                        <a:rPr kumimoji="1" lang="en-US" altLang="ja-JP" sz="3600" b="0" i="1" dirty="0" smtClean="0">
+                          <a:latin typeface="Cambria Math" panose="02040503050406030204" pitchFamily="18" charset="0"/>
+                        </a:rPr>
+                        <m:t>,</m:t>
+                      </m:r>
+                      <m:r>
+                        <a:rPr kumimoji="1" lang="en-US" altLang="ja-JP" sz="3600" b="0" i="1" dirty="0" smtClean="0">
+                          <a:latin typeface="Cambria Math" panose="02040503050406030204" pitchFamily="18" charset="0"/>
+                        </a:rPr>
+                        <m:t>𝑑𝑦</m:t>
+                      </m:r>
+                      <m:r>
+                        <a:rPr kumimoji="1" lang="en-US" altLang="ja-JP" sz="3600" b="0" i="1" dirty="0" smtClean="0">
+                          <a:latin typeface="Cambria Math" panose="02040503050406030204" pitchFamily="18" charset="0"/>
+                        </a:rPr>
+                        <m:t>,</m:t>
+                      </m:r>
+                      <m:r>
+                        <a:rPr kumimoji="1" lang="en-US" altLang="ja-JP" sz="3600" b="0" i="1" dirty="0" smtClean="0">
+                          <a:latin typeface="Cambria Math" panose="02040503050406030204" pitchFamily="18" charset="0"/>
+                        </a:rPr>
+                        <m:t>𝑑𝑧</m:t>
+                      </m:r>
+                      <m:r>
+                        <a:rPr kumimoji="1" lang="en-US" altLang="ja-JP" sz="3600" b="0" i="1" dirty="0" smtClean="0">
+                          <a:latin typeface="Cambria Math" panose="02040503050406030204" pitchFamily="18" charset="0"/>
+                        </a:rPr>
+                        <m:t>)</m:t>
+                      </m:r>
+                    </m:oMath>
+                  </m:oMathPara>
+                </a14:m>
+                <a:endParaRPr kumimoji="1" lang="ja-JP" altLang="en-US" sz="3600" dirty="0"/>
+              </a:p>
+            </p:txBody>
+          </p:sp>
+        </mc:Choice>
+        <mc:Fallback>
+          <p:sp>
+            <p:nvSpPr>
+              <p:cNvPr id="5" name="テキスト ボックス 4">
+                <a:extLst>
+                  <a:ext uri="{FF2B5EF4-FFF2-40B4-BE49-F238E27FC236}">
+                    <a16:creationId xmlns:a16="http://schemas.microsoft.com/office/drawing/2014/main" id="{01414C24-642D-E56F-2189-C70714CE7B94}"/>
+                  </a:ext>
+                </a:extLst>
+              </p:cNvPr>
+              <p:cNvSpPr txBox="1">
+                <a:spLocks noRot="1" noChangeAspect="1" noMove="1" noResize="1" noEditPoints="1" noAdjustHandles="1" noChangeArrowheads="1" noChangeShapeType="1" noTextEdit="1"/>
+              </p:cNvSpPr>
+              <p:nvPr/>
+            </p:nvSpPr>
+            <p:spPr>
+              <a:xfrm>
+                <a:off x="3116780" y="1196752"/>
+                <a:ext cx="3430555" cy="646331"/>
+              </a:xfrm>
+              <a:prstGeom prst="rect">
+                <a:avLst/>
+              </a:prstGeom>
+              <a:blipFill>
+                <a:blip r:embed="rId3"/>
+                <a:stretch>
+                  <a:fillRect/>
+                </a:stretch>
+              </a:blipFill>
+            </p:spPr>
+            <p:txBody>
+              <a:bodyPr/>
+              <a:lstStyle/>
+              <a:p>
+                <a:r>
+                  <a:rPr lang="ja-JP" altLang="en-US">
+                    <a:noFill/>
+                  </a:rPr>
+                  <a:t> </a:t>
+                </a:r>
+              </a:p>
+            </p:txBody>
+          </p:sp>
+        </mc:Fallback>
+      </mc:AlternateContent>
+      <p:sp>
+        <p:nvSpPr>
+          <p:cNvPr id="7" name="テキスト ボックス 6">
+            <a:extLst>
+              <a:ext uri="{FF2B5EF4-FFF2-40B4-BE49-F238E27FC236}">
+                <a16:creationId xmlns:a16="http://schemas.microsoft.com/office/drawing/2014/main" id="{E15268BF-EBC7-B42D-2E77-0239687D9EFB}"/>
+              </a:ext>
+            </a:extLst>
+          </p:cNvPr>
+          <p:cNvSpPr txBox="1"/>
+          <p:nvPr/>
+        </p:nvSpPr>
+        <p:spPr>
+          <a:xfrm>
+            <a:off x="740516" y="1268760"/>
+            <a:ext cx="1620957" cy="523220"/>
+          </a:xfrm>
+          <a:prstGeom prst="rect">
+            <a:avLst/>
+          </a:prstGeom>
+          <a:noFill/>
+        </p:spPr>
+        <p:txBody>
+          <a:bodyPr wrap="none" rtlCol="0">
+            <a:spAutoFit/>
+          </a:bodyPr>
+          <a:lstStyle/>
+          <a:p>
+            <a:r>
+              <a:rPr lang="ja-JP" altLang="en-US" sz="2800" dirty="0"/>
+              <a:t>相対座標</a:t>
+            </a:r>
+            <a:endParaRPr kumimoji="1" lang="ja-JP" altLang="en-US" sz="2800" dirty="0"/>
+          </a:p>
+        </p:txBody>
+      </p:sp>
+      <p:sp>
+        <p:nvSpPr>
+          <p:cNvPr id="8" name="テキスト ボックス 7">
+            <a:extLst>
+              <a:ext uri="{FF2B5EF4-FFF2-40B4-BE49-F238E27FC236}">
+                <a16:creationId xmlns:a16="http://schemas.microsoft.com/office/drawing/2014/main" id="{C72B5D5F-730C-9D2B-4F49-EE42159ABCE4}"/>
+              </a:ext>
+            </a:extLst>
+          </p:cNvPr>
+          <p:cNvSpPr txBox="1"/>
+          <p:nvPr/>
+        </p:nvSpPr>
+        <p:spPr>
+          <a:xfrm>
+            <a:off x="236460" y="1988840"/>
+            <a:ext cx="2339102" cy="523220"/>
+          </a:xfrm>
+          <a:prstGeom prst="rect">
+            <a:avLst/>
+          </a:prstGeom>
+          <a:noFill/>
+        </p:spPr>
+        <p:txBody>
+          <a:bodyPr wrap="none" rtlCol="0">
+            <a:spAutoFit/>
+          </a:bodyPr>
+          <a:lstStyle/>
+          <a:p>
+            <a:r>
+              <a:rPr kumimoji="1" lang="ja-JP" altLang="en-US" sz="2800" dirty="0"/>
+              <a:t>ポテンシャル</a:t>
+            </a:r>
+          </a:p>
+        </p:txBody>
+      </p:sp>
+      <p:sp>
+        <p:nvSpPr>
+          <p:cNvPr id="9" name="テキスト ボックス 8">
+            <a:extLst>
+              <a:ext uri="{FF2B5EF4-FFF2-40B4-BE49-F238E27FC236}">
+                <a16:creationId xmlns:a16="http://schemas.microsoft.com/office/drawing/2014/main" id="{1F1DB083-D9F4-4E81-30A2-E4225C32900C}"/>
+              </a:ext>
+            </a:extLst>
+          </p:cNvPr>
+          <p:cNvSpPr txBox="1"/>
+          <p:nvPr/>
+        </p:nvSpPr>
+        <p:spPr>
+          <a:xfrm>
+            <a:off x="1331640" y="3068960"/>
+            <a:ext cx="543739" cy="523220"/>
+          </a:xfrm>
+          <a:prstGeom prst="rect">
+            <a:avLst/>
+          </a:prstGeom>
+          <a:noFill/>
+        </p:spPr>
+        <p:txBody>
+          <a:bodyPr wrap="none" rtlCol="0">
+            <a:spAutoFit/>
+          </a:bodyPr>
+          <a:lstStyle/>
+          <a:p>
+            <a:r>
+              <a:rPr kumimoji="1" lang="ja-JP" altLang="en-US" sz="2800" dirty="0"/>
+              <a:t>力</a:t>
+            </a:r>
+          </a:p>
+        </p:txBody>
+      </p:sp>
+      <mc:AlternateContent xmlns:mc="http://schemas.openxmlformats.org/markup-compatibility/2006">
+        <mc:Choice xmlns:a14="http://schemas.microsoft.com/office/drawing/2010/main" Requires="a14">
+          <p:sp>
+            <p:nvSpPr>
+              <p:cNvPr id="10" name="テキスト ボックス 9">
+                <a:extLst>
+                  <a:ext uri="{FF2B5EF4-FFF2-40B4-BE49-F238E27FC236}">
+                    <a16:creationId xmlns:a16="http://schemas.microsoft.com/office/drawing/2014/main" id="{AEF4B331-D557-389E-5E6A-0820A2119CA6}"/>
+                  </a:ext>
+                </a:extLst>
+              </p:cNvPr>
+              <p:cNvSpPr txBox="1"/>
+              <p:nvPr/>
+            </p:nvSpPr>
+            <p:spPr>
+              <a:xfrm>
+                <a:off x="1907704" y="2708920"/>
+                <a:ext cx="3495893" cy="1129476"/>
+              </a:xfrm>
+              <a:prstGeom prst="rect">
+                <a:avLst/>
+              </a:prstGeom>
+              <a:noFill/>
+            </p:spPr>
+            <p:txBody>
+              <a:bodyPr wrap="none" rtlCol="0">
+                <a:spAutoFit/>
+              </a:bodyPr>
+              <a:lstStyle/>
+              <a:p>
+                <a14:m>
+                  <m:oMathPara xmlns:m="http://schemas.openxmlformats.org/officeDocument/2006/math">
+                    <m:oMathParaPr>
+                      <m:jc m:val="centerGroup"/>
+                    </m:oMathParaPr>
+                    <m:oMath xmlns:m="http://schemas.openxmlformats.org/officeDocument/2006/math">
+                      <m:r>
+                        <a:rPr kumimoji="1" lang="en-US" altLang="ja-JP" sz="3600" b="0" i="1" smtClean="0">
+                          <a:latin typeface="Cambria Math" panose="02040503050406030204" pitchFamily="18" charset="0"/>
+                        </a:rPr>
+                        <m:t>𝑓</m:t>
+                      </m:r>
+                      <m:d>
+                        <m:dPr>
+                          <m:ctrlPr>
+                            <a:rPr kumimoji="1" lang="en-US" altLang="ja-JP" sz="3600" b="0" i="1" smtClean="0">
+                              <a:latin typeface="Cambria Math" panose="02040503050406030204" pitchFamily="18" charset="0"/>
+                            </a:rPr>
+                          </m:ctrlPr>
+                        </m:dPr>
+                        <m:e>
+                          <m:r>
+                            <a:rPr kumimoji="1" lang="en-US" altLang="ja-JP" sz="3600" b="0" i="1" smtClean="0">
+                              <a:latin typeface="Cambria Math" panose="02040503050406030204" pitchFamily="18" charset="0"/>
+                            </a:rPr>
+                            <m:t>𝑟</m:t>
+                          </m:r>
+                        </m:e>
+                      </m:d>
+                      <m:r>
+                        <a:rPr kumimoji="1" lang="en-US" altLang="ja-JP" sz="3600" b="0" i="1" smtClean="0">
+                          <a:latin typeface="Cambria Math" panose="02040503050406030204" pitchFamily="18" charset="0"/>
+                        </a:rPr>
+                        <m:t>=</m:t>
+                      </m:r>
+                      <m:f>
+                        <m:fPr>
+                          <m:ctrlPr>
+                            <a:rPr kumimoji="1" lang="en-US" altLang="ja-JP" sz="3600" b="0" i="1" smtClean="0">
+                              <a:latin typeface="Cambria Math" panose="02040503050406030204" pitchFamily="18" charset="0"/>
+                            </a:rPr>
+                          </m:ctrlPr>
+                        </m:fPr>
+                        <m:num>
+                          <m:r>
+                            <a:rPr kumimoji="1" lang="en-US" altLang="ja-JP" sz="3600" b="0" i="1" smtClean="0">
+                              <a:latin typeface="Cambria Math" panose="02040503050406030204" pitchFamily="18" charset="0"/>
+                            </a:rPr>
+                            <m:t>48</m:t>
+                          </m:r>
+                        </m:num>
+                        <m:den>
+                          <m:sSup>
+                            <m:sSupPr>
+                              <m:ctrlPr>
+                                <a:rPr kumimoji="1" lang="en-US" altLang="ja-JP" sz="3600" b="0" i="1" smtClean="0">
+                                  <a:latin typeface="Cambria Math" panose="02040503050406030204" pitchFamily="18" charset="0"/>
+                                </a:rPr>
+                              </m:ctrlPr>
+                            </m:sSupPr>
+                            <m:e>
+                              <m:r>
+                                <a:rPr kumimoji="1" lang="en-US" altLang="ja-JP" sz="3600" b="0" i="1" smtClean="0">
+                                  <a:latin typeface="Cambria Math" panose="02040503050406030204" pitchFamily="18" charset="0"/>
+                                </a:rPr>
+                                <m:t>𝑟</m:t>
+                              </m:r>
+                            </m:e>
+                            <m:sup>
+                              <m:r>
+                                <a:rPr kumimoji="1" lang="en-US" altLang="ja-JP" sz="3600" b="0" i="1" smtClean="0">
+                                  <a:latin typeface="Cambria Math" panose="02040503050406030204" pitchFamily="18" charset="0"/>
+                                </a:rPr>
+                                <m:t>13</m:t>
+                              </m:r>
+                            </m:sup>
+                          </m:sSup>
+                        </m:den>
+                      </m:f>
+                      <m:r>
+                        <a:rPr kumimoji="1" lang="en-US" altLang="ja-JP" sz="3600" b="0" i="1" smtClean="0">
+                          <a:latin typeface="Cambria Math" panose="02040503050406030204" pitchFamily="18" charset="0"/>
+                        </a:rPr>
+                        <m:t>−</m:t>
+                      </m:r>
+                      <m:f>
+                        <m:fPr>
+                          <m:ctrlPr>
+                            <a:rPr kumimoji="1" lang="en-US" altLang="ja-JP" sz="3600" b="0" i="1" smtClean="0">
+                              <a:latin typeface="Cambria Math" panose="02040503050406030204" pitchFamily="18" charset="0"/>
+                            </a:rPr>
+                          </m:ctrlPr>
+                        </m:fPr>
+                        <m:num>
+                          <m:r>
+                            <a:rPr kumimoji="1" lang="en-US" altLang="ja-JP" sz="3600" b="0" i="1" smtClean="0">
+                              <a:latin typeface="Cambria Math" panose="02040503050406030204" pitchFamily="18" charset="0"/>
+                            </a:rPr>
+                            <m:t>24</m:t>
+                          </m:r>
+                        </m:num>
+                        <m:den>
+                          <m:sSup>
+                            <m:sSupPr>
+                              <m:ctrlPr>
+                                <a:rPr kumimoji="1" lang="en-US" altLang="ja-JP" sz="3600" b="0" i="1" smtClean="0">
+                                  <a:latin typeface="Cambria Math" panose="02040503050406030204" pitchFamily="18" charset="0"/>
+                                </a:rPr>
+                              </m:ctrlPr>
+                            </m:sSupPr>
+                            <m:e>
+                              <m:r>
+                                <a:rPr kumimoji="1" lang="en-US" altLang="ja-JP" sz="3600" b="0" i="1" smtClean="0">
+                                  <a:latin typeface="Cambria Math" panose="02040503050406030204" pitchFamily="18" charset="0"/>
+                                </a:rPr>
+                                <m:t>𝑟</m:t>
+                              </m:r>
+                            </m:e>
+                            <m:sup>
+                              <m:r>
+                                <a:rPr kumimoji="1" lang="en-US" altLang="ja-JP" sz="3600" b="0" i="1" smtClean="0">
+                                  <a:latin typeface="Cambria Math" panose="02040503050406030204" pitchFamily="18" charset="0"/>
+                                </a:rPr>
+                                <m:t>7</m:t>
+                              </m:r>
+                            </m:sup>
+                          </m:sSup>
+                        </m:den>
+                      </m:f>
+                    </m:oMath>
+                  </m:oMathPara>
+                </a14:m>
+                <a:endParaRPr kumimoji="1" lang="ja-JP" altLang="en-US" sz="3600" dirty="0"/>
+              </a:p>
+            </p:txBody>
+          </p:sp>
+        </mc:Choice>
+        <mc:Fallback>
+          <p:sp>
+            <p:nvSpPr>
+              <p:cNvPr id="10" name="テキスト ボックス 9">
+                <a:extLst>
+                  <a:ext uri="{FF2B5EF4-FFF2-40B4-BE49-F238E27FC236}">
+                    <a16:creationId xmlns:a16="http://schemas.microsoft.com/office/drawing/2014/main" id="{AEF4B331-D557-389E-5E6A-0820A2119CA6}"/>
+                  </a:ext>
+                </a:extLst>
+              </p:cNvPr>
+              <p:cNvSpPr txBox="1">
+                <a:spLocks noRot="1" noChangeAspect="1" noMove="1" noResize="1" noEditPoints="1" noAdjustHandles="1" noChangeArrowheads="1" noChangeShapeType="1" noTextEdit="1"/>
+              </p:cNvSpPr>
+              <p:nvPr/>
+            </p:nvSpPr>
+            <p:spPr>
+              <a:xfrm>
+                <a:off x="1907704" y="2708920"/>
+                <a:ext cx="3495893" cy="1129476"/>
+              </a:xfrm>
+              <a:prstGeom prst="rect">
+                <a:avLst/>
+              </a:prstGeom>
+              <a:blipFill>
+                <a:blip r:embed="rId4"/>
+                <a:stretch>
+                  <a:fillRect/>
+                </a:stretch>
+              </a:blipFill>
+            </p:spPr>
+            <p:txBody>
+              <a:bodyPr/>
+              <a:lstStyle/>
+              <a:p>
+                <a:r>
+                  <a:rPr lang="ja-JP" altLang="en-US">
+                    <a:noFill/>
+                  </a:rPr>
+                  <a:t> </a:t>
+                </a:r>
+              </a:p>
+            </p:txBody>
+          </p:sp>
+        </mc:Fallback>
+      </mc:AlternateContent>
+      <mc:AlternateContent xmlns:mc="http://schemas.openxmlformats.org/markup-compatibility/2006">
+        <mc:Choice xmlns:a14="http://schemas.microsoft.com/office/drawing/2010/main" Requires="a14">
+          <p:sp>
+            <p:nvSpPr>
+              <p:cNvPr id="11" name="テキスト ボックス 10">
+                <a:extLst>
+                  <a:ext uri="{FF2B5EF4-FFF2-40B4-BE49-F238E27FC236}">
+                    <a16:creationId xmlns:a16="http://schemas.microsoft.com/office/drawing/2014/main" id="{F77CC8E8-1946-1103-A045-F63B3A06159E}"/>
+                  </a:ext>
+                </a:extLst>
+              </p:cNvPr>
+              <p:cNvSpPr txBox="1"/>
+              <p:nvPr/>
+            </p:nvSpPr>
+            <p:spPr>
+              <a:xfrm>
+                <a:off x="2411760" y="3933056"/>
+                <a:ext cx="3723968" cy="1129476"/>
+              </a:xfrm>
+              <a:prstGeom prst="rect">
+                <a:avLst/>
+              </a:prstGeom>
+              <a:noFill/>
+            </p:spPr>
+            <p:txBody>
+              <a:bodyPr wrap="none" rtlCol="0">
+                <a:spAutoFit/>
+              </a:bodyPr>
+              <a:lstStyle/>
+              <a:p>
+                <a14:m>
+                  <m:oMathPara xmlns:m="http://schemas.openxmlformats.org/officeDocument/2006/math">
+                    <m:oMathParaPr>
+                      <m:jc m:val="centerGroup"/>
+                    </m:oMathParaPr>
+                    <m:oMath xmlns:m="http://schemas.openxmlformats.org/officeDocument/2006/math">
+                      <m:sSub>
+                        <m:sSubPr>
+                          <m:ctrlPr>
+                            <a:rPr kumimoji="1" lang="en-US" altLang="ja-JP" sz="3600" b="0" i="1" smtClean="0">
+                              <a:latin typeface="Cambria Math" panose="02040503050406030204" pitchFamily="18" charset="0"/>
+                            </a:rPr>
+                          </m:ctrlPr>
+                        </m:sSubPr>
+                        <m:e>
+                          <m:r>
+                            <a:rPr kumimoji="1" lang="en-US" altLang="ja-JP" sz="3600" b="0" i="1" smtClean="0">
+                              <a:latin typeface="Cambria Math" panose="02040503050406030204" pitchFamily="18" charset="0"/>
+                            </a:rPr>
+                            <m:t>𝐼</m:t>
+                          </m:r>
+                        </m:e>
+                        <m:sub>
+                          <m:r>
+                            <a:rPr kumimoji="1" lang="en-US" altLang="ja-JP" sz="3600" b="0" i="1" smtClean="0">
+                              <a:latin typeface="Cambria Math" panose="02040503050406030204" pitchFamily="18" charset="0"/>
+                            </a:rPr>
+                            <m:t>𝑥</m:t>
+                          </m:r>
+                        </m:sub>
+                      </m:sSub>
+                      <m:r>
+                        <a:rPr kumimoji="1" lang="en-US" altLang="ja-JP" sz="3600" b="0" i="1" smtClean="0">
+                          <a:latin typeface="Cambria Math" panose="02040503050406030204" pitchFamily="18" charset="0"/>
+                        </a:rPr>
+                        <m:t>=</m:t>
+                      </m:r>
+                      <m:r>
+                        <a:rPr kumimoji="1" lang="en-US" altLang="ja-JP" sz="3600" b="0" i="1" smtClean="0">
+                          <a:latin typeface="Cambria Math" panose="02040503050406030204" pitchFamily="18" charset="0"/>
+                        </a:rPr>
+                        <m:t>𝑓</m:t>
+                      </m:r>
+                      <m:r>
+                        <a:rPr kumimoji="1" lang="en-US" altLang="ja-JP" sz="3600" b="0" i="1" smtClean="0">
+                          <a:latin typeface="Cambria Math" panose="02040503050406030204" pitchFamily="18" charset="0"/>
+                        </a:rPr>
+                        <m:t>×</m:t>
+                      </m:r>
+                      <m:f>
+                        <m:fPr>
+                          <m:ctrlPr>
+                            <a:rPr kumimoji="1" lang="en-US" altLang="ja-JP" sz="3600" b="0" i="1" smtClean="0">
+                              <a:latin typeface="Cambria Math" panose="02040503050406030204" pitchFamily="18" charset="0"/>
+                            </a:rPr>
+                          </m:ctrlPr>
+                        </m:fPr>
+                        <m:num>
+                          <m:r>
+                            <m:rPr>
+                              <m:sty m:val="p"/>
+                            </m:rPr>
+                            <a:rPr kumimoji="1" lang="en-US" altLang="ja-JP" sz="3600" b="0" i="0" smtClean="0">
+                              <a:latin typeface="Cambria Math" panose="02040503050406030204" pitchFamily="18" charset="0"/>
+                            </a:rPr>
+                            <m:t>Δ</m:t>
+                          </m:r>
+                          <m:r>
+                            <a:rPr kumimoji="1" lang="en-US" altLang="ja-JP" sz="3600" b="0" i="1" smtClean="0">
+                              <a:latin typeface="Cambria Math" panose="02040503050406030204" pitchFamily="18" charset="0"/>
+                            </a:rPr>
+                            <m:t>𝑥</m:t>
+                          </m:r>
+                        </m:num>
+                        <m:den>
+                          <m:r>
+                            <a:rPr kumimoji="1" lang="en-US" altLang="ja-JP" sz="3600" b="0" i="1" smtClean="0">
+                              <a:latin typeface="Cambria Math" panose="02040503050406030204" pitchFamily="18" charset="0"/>
+                            </a:rPr>
+                            <m:t>𝑟</m:t>
+                          </m:r>
+                        </m:den>
+                      </m:f>
+                      <m:r>
+                        <a:rPr kumimoji="1" lang="en-US" altLang="ja-JP" sz="3600" b="0" i="1" smtClean="0">
+                          <a:latin typeface="Cambria Math" panose="02040503050406030204" pitchFamily="18" charset="0"/>
+                        </a:rPr>
+                        <m:t>×</m:t>
+                      </m:r>
+                      <m:r>
+                        <a:rPr kumimoji="1" lang="en-US" altLang="ja-JP" sz="3600" b="0" i="1" smtClean="0">
+                          <a:latin typeface="Cambria Math" panose="02040503050406030204" pitchFamily="18" charset="0"/>
+                        </a:rPr>
+                        <m:t>𝑑𝑡</m:t>
+                      </m:r>
+                      <m:r>
+                        <a:rPr kumimoji="1" lang="en-US" altLang="ja-JP" sz="3600" b="0" i="1" smtClean="0">
+                          <a:latin typeface="Cambria Math" panose="02040503050406030204" pitchFamily="18" charset="0"/>
+                        </a:rPr>
+                        <m:t> </m:t>
+                      </m:r>
+                    </m:oMath>
+                  </m:oMathPara>
+                </a14:m>
+                <a:endParaRPr kumimoji="1" lang="ja-JP" altLang="en-US" sz="3600" dirty="0"/>
+              </a:p>
+            </p:txBody>
+          </p:sp>
+        </mc:Choice>
+        <mc:Fallback>
+          <p:sp>
+            <p:nvSpPr>
+              <p:cNvPr id="11" name="テキスト ボックス 10">
+                <a:extLst>
+                  <a:ext uri="{FF2B5EF4-FFF2-40B4-BE49-F238E27FC236}">
+                    <a16:creationId xmlns:a16="http://schemas.microsoft.com/office/drawing/2014/main" id="{F77CC8E8-1946-1103-A045-F63B3A06159E}"/>
+                  </a:ext>
+                </a:extLst>
+              </p:cNvPr>
+              <p:cNvSpPr txBox="1">
+                <a:spLocks noRot="1" noChangeAspect="1" noMove="1" noResize="1" noEditPoints="1" noAdjustHandles="1" noChangeArrowheads="1" noChangeShapeType="1" noTextEdit="1"/>
+              </p:cNvSpPr>
+              <p:nvPr/>
+            </p:nvSpPr>
+            <p:spPr>
+              <a:xfrm>
+                <a:off x="2411760" y="3933056"/>
+                <a:ext cx="3723968" cy="1129476"/>
+              </a:xfrm>
+              <a:prstGeom prst="rect">
+                <a:avLst/>
+              </a:prstGeom>
+              <a:blipFill>
+                <a:blip r:embed="rId5"/>
+                <a:stretch>
+                  <a:fillRect/>
+                </a:stretch>
+              </a:blipFill>
+            </p:spPr>
+            <p:txBody>
+              <a:bodyPr/>
+              <a:lstStyle/>
+              <a:p>
+                <a:r>
+                  <a:rPr lang="ja-JP" altLang="en-US">
+                    <a:noFill/>
+                  </a:rPr>
+                  <a:t> </a:t>
+                </a:r>
+              </a:p>
+            </p:txBody>
+          </p:sp>
+        </mc:Fallback>
+      </mc:AlternateContent>
+      <p:sp>
+        <p:nvSpPr>
+          <p:cNvPr id="12" name="テキスト ボックス 11">
+            <a:extLst>
+              <a:ext uri="{FF2B5EF4-FFF2-40B4-BE49-F238E27FC236}">
+                <a16:creationId xmlns:a16="http://schemas.microsoft.com/office/drawing/2014/main" id="{3C3C2FE3-0B46-E385-E560-6B229A4419BA}"/>
+              </a:ext>
+            </a:extLst>
+          </p:cNvPr>
+          <p:cNvSpPr txBox="1"/>
+          <p:nvPr/>
+        </p:nvSpPr>
+        <p:spPr>
+          <a:xfrm>
+            <a:off x="107504" y="4293096"/>
+            <a:ext cx="2159566" cy="523220"/>
+          </a:xfrm>
+          <a:prstGeom prst="rect">
+            <a:avLst/>
+          </a:prstGeom>
+          <a:noFill/>
+        </p:spPr>
+        <p:txBody>
+          <a:bodyPr wrap="none" rtlCol="0">
+            <a:spAutoFit/>
+          </a:bodyPr>
+          <a:lstStyle/>
+          <a:p>
+            <a:r>
+              <a:rPr kumimoji="1" lang="en-US" altLang="ja-JP" sz="2800" dirty="0"/>
+              <a:t>x</a:t>
+            </a:r>
+            <a:r>
+              <a:rPr kumimoji="1" lang="ja-JP" altLang="en-US" sz="2800" dirty="0"/>
+              <a:t>方向の力</a:t>
+            </a:r>
+            <a:r>
+              <a:rPr lang="ja-JP" altLang="en-US" sz="2800" dirty="0"/>
+              <a:t>積</a:t>
+            </a:r>
+            <a:endParaRPr kumimoji="1" lang="ja-JP" altLang="en-US" sz="2800" dirty="0"/>
+          </a:p>
+        </p:txBody>
+      </p:sp>
+      <mc:AlternateContent xmlns:mc="http://schemas.openxmlformats.org/markup-compatibility/2006">
+        <mc:Choice xmlns:a14="http://schemas.microsoft.com/office/drawing/2010/main" Requires="a14">
+          <p:sp>
+            <p:nvSpPr>
+              <p:cNvPr id="13" name="テキスト ボックス 12">
+                <a:extLst>
+                  <a:ext uri="{FF2B5EF4-FFF2-40B4-BE49-F238E27FC236}">
+                    <a16:creationId xmlns:a16="http://schemas.microsoft.com/office/drawing/2014/main" id="{F1632C6A-2C63-7281-A165-A230D0590D7D}"/>
+                  </a:ext>
+                </a:extLst>
+              </p:cNvPr>
+              <p:cNvSpPr txBox="1"/>
+              <p:nvPr/>
+            </p:nvSpPr>
+            <p:spPr>
+              <a:xfrm>
+                <a:off x="2987824" y="4941168"/>
+                <a:ext cx="3657348" cy="1337161"/>
+              </a:xfrm>
+              <a:prstGeom prst="rect">
+                <a:avLst/>
+              </a:prstGeom>
+              <a:noFill/>
+            </p:spPr>
+            <p:txBody>
+              <a:bodyPr wrap="none" rtlCol="0">
+                <a:spAutoFit/>
+              </a:bodyPr>
+              <a:lstStyle/>
+              <a:p>
+                <a14:m>
+                  <m:oMathPara xmlns:m="http://schemas.openxmlformats.org/officeDocument/2006/math">
+                    <m:oMathParaPr>
+                      <m:jc m:val="centerGroup"/>
+                    </m:oMathParaPr>
+                    <m:oMath xmlns:m="http://schemas.openxmlformats.org/officeDocument/2006/math">
+                      <m:r>
+                        <a:rPr kumimoji="1" lang="en-US" altLang="ja-JP" sz="3600" b="0" i="1" smtClean="0">
+                          <a:latin typeface="Cambria Math" panose="02040503050406030204" pitchFamily="18" charset="0"/>
+                        </a:rPr>
+                        <m:t>=</m:t>
+                      </m:r>
+                      <m:d>
+                        <m:dPr>
+                          <m:ctrlPr>
+                            <a:rPr kumimoji="1" lang="en-US" altLang="ja-JP" sz="3600" b="0" i="1" smtClean="0">
+                              <a:latin typeface="Cambria Math" panose="02040503050406030204" pitchFamily="18" charset="0"/>
+                            </a:rPr>
+                          </m:ctrlPr>
+                        </m:dPr>
+                        <m:e>
+                          <m:f>
+                            <m:fPr>
+                              <m:ctrlPr>
+                                <a:rPr kumimoji="1" lang="en-US" altLang="ja-JP" sz="3600" b="0" i="1" smtClean="0">
+                                  <a:latin typeface="Cambria Math" panose="02040503050406030204" pitchFamily="18" charset="0"/>
+                                </a:rPr>
+                              </m:ctrlPr>
+                            </m:fPr>
+                            <m:num>
+                              <m:r>
+                                <a:rPr kumimoji="1" lang="en-US" altLang="ja-JP" sz="3600" b="0" i="1" smtClean="0">
+                                  <a:latin typeface="Cambria Math" panose="02040503050406030204" pitchFamily="18" charset="0"/>
+                                </a:rPr>
+                                <m:t>48</m:t>
+                              </m:r>
+                            </m:num>
+                            <m:den>
+                              <m:sSup>
+                                <m:sSupPr>
+                                  <m:ctrlPr>
+                                    <a:rPr kumimoji="1" lang="en-US" altLang="ja-JP" sz="3600" b="0" i="1" smtClean="0">
+                                      <a:latin typeface="Cambria Math" panose="02040503050406030204" pitchFamily="18" charset="0"/>
+                                    </a:rPr>
+                                  </m:ctrlPr>
+                                </m:sSupPr>
+                                <m:e>
+                                  <m:r>
+                                    <a:rPr kumimoji="1" lang="en-US" altLang="ja-JP" sz="3600" b="0" i="1" smtClean="0">
+                                      <a:latin typeface="Cambria Math" panose="02040503050406030204" pitchFamily="18" charset="0"/>
+                                    </a:rPr>
+                                    <m:t>𝑟</m:t>
+                                  </m:r>
+                                </m:e>
+                                <m:sup>
+                                  <m:r>
+                                    <a:rPr kumimoji="1" lang="en-US" altLang="ja-JP" sz="3600" b="0" i="1" smtClean="0">
+                                      <a:latin typeface="Cambria Math" panose="02040503050406030204" pitchFamily="18" charset="0"/>
+                                    </a:rPr>
+                                    <m:t>14</m:t>
+                                  </m:r>
+                                </m:sup>
+                              </m:sSup>
+                            </m:den>
+                          </m:f>
+                          <m:r>
+                            <a:rPr kumimoji="1" lang="en-US" altLang="ja-JP" sz="3600" b="0" i="1" smtClean="0">
+                              <a:latin typeface="Cambria Math" panose="02040503050406030204" pitchFamily="18" charset="0"/>
+                            </a:rPr>
+                            <m:t>−</m:t>
+                          </m:r>
+                          <m:f>
+                            <m:fPr>
+                              <m:ctrlPr>
+                                <a:rPr kumimoji="1" lang="en-US" altLang="ja-JP" sz="3600" b="0" i="1" smtClean="0">
+                                  <a:latin typeface="Cambria Math" panose="02040503050406030204" pitchFamily="18" charset="0"/>
+                                </a:rPr>
+                              </m:ctrlPr>
+                            </m:fPr>
+                            <m:num>
+                              <m:r>
+                                <a:rPr kumimoji="1" lang="en-US" altLang="ja-JP" sz="3600" b="0" i="1" smtClean="0">
+                                  <a:latin typeface="Cambria Math" panose="02040503050406030204" pitchFamily="18" charset="0"/>
+                                </a:rPr>
+                                <m:t>24</m:t>
+                              </m:r>
+                            </m:num>
+                            <m:den>
+                              <m:sSup>
+                                <m:sSupPr>
+                                  <m:ctrlPr>
+                                    <a:rPr kumimoji="1" lang="en-US" altLang="ja-JP" sz="3600" b="0" i="1" smtClean="0">
+                                      <a:latin typeface="Cambria Math" panose="02040503050406030204" pitchFamily="18" charset="0"/>
+                                    </a:rPr>
+                                  </m:ctrlPr>
+                                </m:sSupPr>
+                                <m:e>
+                                  <m:r>
+                                    <a:rPr kumimoji="1" lang="en-US" altLang="ja-JP" sz="3600" b="0" i="1" smtClean="0">
+                                      <a:latin typeface="Cambria Math" panose="02040503050406030204" pitchFamily="18" charset="0"/>
+                                    </a:rPr>
+                                    <m:t>𝑟</m:t>
+                                  </m:r>
+                                </m:e>
+                                <m:sup>
+                                  <m:r>
+                                    <a:rPr kumimoji="1" lang="en-US" altLang="ja-JP" sz="3600" b="0" i="1" smtClean="0">
+                                      <a:latin typeface="Cambria Math" panose="02040503050406030204" pitchFamily="18" charset="0"/>
+                                    </a:rPr>
+                                    <m:t>8</m:t>
+                                  </m:r>
+                                </m:sup>
+                              </m:sSup>
+                            </m:den>
+                          </m:f>
+                        </m:e>
+                      </m:d>
+                      <m:r>
+                        <a:rPr kumimoji="1" lang="en-US" altLang="ja-JP" sz="3600" b="0" i="1" smtClean="0">
+                          <a:latin typeface="Cambria Math" panose="02040503050406030204" pitchFamily="18" charset="0"/>
+                        </a:rPr>
+                        <m:t>𝑑𝑡</m:t>
+                      </m:r>
+                      <m:r>
+                        <a:rPr kumimoji="1" lang="en-US" altLang="ja-JP" sz="3600" b="0" i="1" smtClean="0">
+                          <a:latin typeface="Cambria Math" panose="02040503050406030204" pitchFamily="18" charset="0"/>
+                        </a:rPr>
+                        <m:t> </m:t>
+                      </m:r>
+                    </m:oMath>
+                  </m:oMathPara>
+                </a14:m>
+                <a:endParaRPr kumimoji="1" lang="ja-JP" altLang="en-US" sz="3600" dirty="0"/>
+              </a:p>
+            </p:txBody>
+          </p:sp>
+        </mc:Choice>
+        <mc:Fallback>
+          <p:sp>
+            <p:nvSpPr>
+              <p:cNvPr id="13" name="テキスト ボックス 12">
+                <a:extLst>
+                  <a:ext uri="{FF2B5EF4-FFF2-40B4-BE49-F238E27FC236}">
+                    <a16:creationId xmlns:a16="http://schemas.microsoft.com/office/drawing/2014/main" id="{F1632C6A-2C63-7281-A165-A230D0590D7D}"/>
+                  </a:ext>
+                </a:extLst>
+              </p:cNvPr>
+              <p:cNvSpPr txBox="1">
+                <a:spLocks noRot="1" noChangeAspect="1" noMove="1" noResize="1" noEditPoints="1" noAdjustHandles="1" noChangeArrowheads="1" noChangeShapeType="1" noTextEdit="1"/>
+              </p:cNvSpPr>
+              <p:nvPr/>
+            </p:nvSpPr>
+            <p:spPr>
+              <a:xfrm>
+                <a:off x="2987824" y="4941168"/>
+                <a:ext cx="3657348" cy="1337161"/>
+              </a:xfrm>
+              <a:prstGeom prst="rect">
+                <a:avLst/>
+              </a:prstGeom>
+              <a:blipFill>
+                <a:blip r:embed="rId6"/>
+                <a:stretch>
+                  <a:fillRect/>
+                </a:stretch>
+              </a:blipFill>
+            </p:spPr>
+            <p:txBody>
+              <a:bodyPr/>
+              <a:lstStyle/>
+              <a:p>
+                <a:r>
+                  <a:rPr lang="ja-JP" altLang="en-US">
+                    <a:noFill/>
+                  </a:rPr>
+                  <a:t> </a:t>
+                </a:r>
+              </a:p>
+            </p:txBody>
+          </p:sp>
+        </mc:Fallback>
+      </mc:AlternateContent>
+      <p:sp>
+        <p:nvSpPr>
+          <p:cNvPr id="15" name="楕円 14">
+            <a:extLst>
+              <a:ext uri="{FF2B5EF4-FFF2-40B4-BE49-F238E27FC236}">
+                <a16:creationId xmlns:a16="http://schemas.microsoft.com/office/drawing/2014/main" id="{004273A6-4F90-68EC-AAAC-286D62B2DCCF}"/>
+              </a:ext>
+            </a:extLst>
+          </p:cNvPr>
+          <p:cNvSpPr/>
+          <p:nvPr/>
+        </p:nvSpPr>
+        <p:spPr>
+          <a:xfrm>
+            <a:off x="6588225" y="4005064"/>
+            <a:ext cx="288032" cy="288032"/>
+          </a:xfrm>
+          <a:prstGeom prst="ellipse">
+            <a:avLst/>
+          </a:prstGeom>
+          <a:solidFill>
+            <a:srgbClr val="FF0000"/>
+          </a:solidFill>
+          <a:ln>
+            <a:solidFill>
+              <a:schemeClr val="tx1"/>
+            </a:solidFill>
+          </a:ln>
+        </p:spPr>
+        <p:style>
+          <a:lnRef idx="2">
+            <a:schemeClr val="accent1">
+              <a:shade val="50000"/>
+            </a:schemeClr>
+          </a:lnRef>
+          <a:fillRef idx="1">
+            <a:schemeClr val="accent1"/>
+          </a:fillRef>
+          <a:effectRef idx="0">
+            <a:schemeClr val="accent1"/>
+          </a:effectRef>
+          <a:fontRef idx="minor">
+            <a:schemeClr val="lt1"/>
+          </a:fontRef>
+        </p:style>
+        <p:txBody>
+          <a:bodyPr rtlCol="0" anchor="ctr"/>
+          <a:lstStyle/>
+          <a:p>
+            <a:pPr algn="ctr"/>
+            <a:endParaRPr kumimoji="1" lang="ja-JP" altLang="en-US"/>
+          </a:p>
+        </p:txBody>
+      </p:sp>
+      <p:cxnSp>
+        <p:nvCxnSpPr>
+          <p:cNvPr id="17" name="直線矢印コネクタ 16">
+            <a:extLst>
+              <a:ext uri="{FF2B5EF4-FFF2-40B4-BE49-F238E27FC236}">
+                <a16:creationId xmlns:a16="http://schemas.microsoft.com/office/drawing/2014/main" id="{B2697557-6B71-D135-D765-01E5449EAAC6}"/>
+              </a:ext>
+            </a:extLst>
+          </p:cNvPr>
+          <p:cNvCxnSpPr>
+            <a:cxnSpLocks/>
+          </p:cNvCxnSpPr>
+          <p:nvPr/>
+        </p:nvCxnSpPr>
+        <p:spPr>
+          <a:xfrm flipV="1">
+            <a:off x="6732240" y="2708920"/>
+            <a:ext cx="2160240" cy="1440160"/>
+          </a:xfrm>
+          <a:prstGeom prst="straightConnector1">
+            <a:avLst/>
+          </a:prstGeom>
+          <a:ln>
+            <a:solidFill>
+              <a:schemeClr val="tx1"/>
+            </a:solidFill>
+            <a:headEnd type="none" w="med" len="med"/>
+            <a:tailEnd type="triangle"/>
+          </a:ln>
+        </p:spPr>
+        <p:style>
+          <a:lnRef idx="1">
+            <a:schemeClr val="accent1"/>
+          </a:lnRef>
+          <a:fillRef idx="0">
+            <a:schemeClr val="accent1"/>
+          </a:fillRef>
+          <a:effectRef idx="0">
+            <a:schemeClr val="accent1"/>
+          </a:effectRef>
+          <a:fontRef idx="minor">
+            <a:schemeClr val="tx1"/>
+          </a:fontRef>
+        </p:style>
+      </p:cxnSp>
+      <mc:AlternateContent xmlns:mc="http://schemas.openxmlformats.org/markup-compatibility/2006">
+        <mc:Choice xmlns:a14="http://schemas.microsoft.com/office/drawing/2010/main" Requires="a14">
+          <p:sp>
+            <p:nvSpPr>
+              <p:cNvPr id="18" name="テキスト ボックス 17">
+                <a:extLst>
+                  <a:ext uri="{FF2B5EF4-FFF2-40B4-BE49-F238E27FC236}">
+                    <a16:creationId xmlns:a16="http://schemas.microsoft.com/office/drawing/2014/main" id="{FD869C39-A604-CBA0-3477-A9C305ED99C8}"/>
+                  </a:ext>
+                </a:extLst>
+              </p:cNvPr>
+              <p:cNvSpPr txBox="1"/>
+              <p:nvPr/>
+            </p:nvSpPr>
+            <p:spPr>
+              <a:xfrm>
+                <a:off x="7668344" y="2780928"/>
+                <a:ext cx="503086" cy="584775"/>
+              </a:xfrm>
+              <a:prstGeom prst="rect">
+                <a:avLst/>
+              </a:prstGeom>
+              <a:noFill/>
+            </p:spPr>
+            <p:txBody>
+              <a:bodyPr wrap="none" rtlCol="0">
+                <a:spAutoFit/>
+              </a:bodyPr>
+              <a:lstStyle/>
+              <a:p>
+                <a14:m>
+                  <m:oMathPara xmlns:m="http://schemas.openxmlformats.org/officeDocument/2006/math">
+                    <m:oMathParaPr>
+                      <m:jc m:val="centerGroup"/>
+                    </m:oMathParaPr>
+                    <m:oMath xmlns:m="http://schemas.openxmlformats.org/officeDocument/2006/math">
+                      <m:r>
+                        <a:rPr kumimoji="1" lang="en-US" altLang="ja-JP" sz="3200" b="0" i="1" smtClean="0">
+                          <a:latin typeface="Cambria Math" panose="02040503050406030204" pitchFamily="18" charset="0"/>
+                        </a:rPr>
+                        <m:t>𝑟</m:t>
+                      </m:r>
+                    </m:oMath>
+                  </m:oMathPara>
+                </a14:m>
+                <a:endParaRPr kumimoji="1" lang="ja-JP" altLang="en-US" sz="3200" dirty="0"/>
+              </a:p>
+            </p:txBody>
+          </p:sp>
+        </mc:Choice>
+        <mc:Fallback>
+          <p:sp>
+            <p:nvSpPr>
+              <p:cNvPr id="18" name="テキスト ボックス 17">
+                <a:extLst>
+                  <a:ext uri="{FF2B5EF4-FFF2-40B4-BE49-F238E27FC236}">
+                    <a16:creationId xmlns:a16="http://schemas.microsoft.com/office/drawing/2014/main" id="{FD869C39-A604-CBA0-3477-A9C305ED99C8}"/>
+                  </a:ext>
+                </a:extLst>
+              </p:cNvPr>
+              <p:cNvSpPr txBox="1">
+                <a:spLocks noRot="1" noChangeAspect="1" noMove="1" noResize="1" noEditPoints="1" noAdjustHandles="1" noChangeArrowheads="1" noChangeShapeType="1" noTextEdit="1"/>
+              </p:cNvSpPr>
+              <p:nvPr/>
+            </p:nvSpPr>
+            <p:spPr>
+              <a:xfrm>
+                <a:off x="7668344" y="2780928"/>
+                <a:ext cx="503086" cy="584775"/>
+              </a:xfrm>
+              <a:prstGeom prst="rect">
+                <a:avLst/>
+              </a:prstGeom>
+              <a:blipFill>
+                <a:blip r:embed="rId7"/>
+                <a:stretch>
+                  <a:fillRect/>
+                </a:stretch>
+              </a:blipFill>
+            </p:spPr>
+            <p:txBody>
+              <a:bodyPr/>
+              <a:lstStyle/>
+              <a:p>
+                <a:r>
+                  <a:rPr lang="ja-JP" altLang="en-US">
+                    <a:noFill/>
+                  </a:rPr>
+                  <a:t> </a:t>
+                </a:r>
+              </a:p>
+            </p:txBody>
+          </p:sp>
+        </mc:Fallback>
+      </mc:AlternateContent>
+      <p:cxnSp>
+        <p:nvCxnSpPr>
+          <p:cNvPr id="19" name="直線矢印コネクタ 18">
+            <a:extLst>
+              <a:ext uri="{FF2B5EF4-FFF2-40B4-BE49-F238E27FC236}">
+                <a16:creationId xmlns:a16="http://schemas.microsoft.com/office/drawing/2014/main" id="{0B130114-B4C8-B707-97C9-886D27700B4F}"/>
+              </a:ext>
+            </a:extLst>
+          </p:cNvPr>
+          <p:cNvCxnSpPr>
+            <a:cxnSpLocks/>
+          </p:cNvCxnSpPr>
+          <p:nvPr/>
+        </p:nvCxnSpPr>
+        <p:spPr>
+          <a:xfrm flipV="1">
+            <a:off x="6732240" y="4149080"/>
+            <a:ext cx="2124188" cy="5329"/>
+          </a:xfrm>
+          <a:prstGeom prst="straightConnector1">
+            <a:avLst/>
+          </a:prstGeom>
+          <a:ln>
+            <a:solidFill>
+              <a:schemeClr val="tx1"/>
+            </a:solidFill>
+            <a:headEnd type="arrow" w="med" len="med"/>
+            <a:tailEnd type="arrow" w="med" len="med"/>
+          </a:ln>
+        </p:spPr>
+        <p:style>
+          <a:lnRef idx="1">
+            <a:schemeClr val="accent1"/>
+          </a:lnRef>
+          <a:fillRef idx="0">
+            <a:schemeClr val="accent1"/>
+          </a:fillRef>
+          <a:effectRef idx="0">
+            <a:schemeClr val="accent1"/>
+          </a:effectRef>
+          <a:fontRef idx="minor">
+            <a:schemeClr val="tx1"/>
+          </a:fontRef>
+        </p:style>
+      </p:cxnSp>
+      <mc:AlternateContent xmlns:mc="http://schemas.openxmlformats.org/markup-compatibility/2006">
+        <mc:Choice xmlns:a14="http://schemas.microsoft.com/office/drawing/2010/main" Requires="a14">
+          <p:sp>
+            <p:nvSpPr>
+              <p:cNvPr id="20" name="テキスト ボックス 19">
+                <a:extLst>
+                  <a:ext uri="{FF2B5EF4-FFF2-40B4-BE49-F238E27FC236}">
+                    <a16:creationId xmlns:a16="http://schemas.microsoft.com/office/drawing/2014/main" id="{6A0A59B3-080F-2679-67C6-D45EBF981E8F}"/>
+                  </a:ext>
+                </a:extLst>
+              </p:cNvPr>
+              <p:cNvSpPr txBox="1"/>
+              <p:nvPr/>
+            </p:nvSpPr>
+            <p:spPr>
+              <a:xfrm>
+                <a:off x="7452320" y="4221088"/>
+                <a:ext cx="774186" cy="584775"/>
+              </a:xfrm>
+              <a:prstGeom prst="rect">
+                <a:avLst/>
+              </a:prstGeom>
+              <a:noFill/>
+            </p:spPr>
+            <p:txBody>
+              <a:bodyPr wrap="none" rtlCol="0">
+                <a:spAutoFit/>
+              </a:bodyPr>
+              <a:lstStyle/>
+              <a:p>
+                <a14:m>
+                  <m:oMathPara xmlns:m="http://schemas.openxmlformats.org/officeDocument/2006/math">
+                    <m:oMathParaPr>
+                      <m:jc m:val="centerGroup"/>
+                    </m:oMathParaPr>
+                    <m:oMath xmlns:m="http://schemas.openxmlformats.org/officeDocument/2006/math">
+                      <m:r>
+                        <m:rPr>
+                          <m:sty m:val="p"/>
+                        </m:rPr>
+                        <a:rPr lang="en-US" altLang="ja-JP" sz="3200" i="0" smtClean="0">
+                          <a:latin typeface="Cambria Math" panose="02040503050406030204" pitchFamily="18" charset="0"/>
+                        </a:rPr>
+                        <m:t>Δ</m:t>
+                      </m:r>
+                      <m:r>
+                        <a:rPr kumimoji="1" lang="en-US" altLang="ja-JP" sz="3200" b="0" i="1" smtClean="0">
+                          <a:latin typeface="Cambria Math" panose="02040503050406030204" pitchFamily="18" charset="0"/>
+                        </a:rPr>
+                        <m:t>𝑥</m:t>
+                      </m:r>
+                    </m:oMath>
+                  </m:oMathPara>
+                </a14:m>
+                <a:endParaRPr kumimoji="1" lang="ja-JP" altLang="en-US" sz="3200" dirty="0"/>
+              </a:p>
+            </p:txBody>
+          </p:sp>
+        </mc:Choice>
+        <mc:Fallback>
+          <p:sp>
+            <p:nvSpPr>
+              <p:cNvPr id="20" name="テキスト ボックス 19">
+                <a:extLst>
+                  <a:ext uri="{FF2B5EF4-FFF2-40B4-BE49-F238E27FC236}">
+                    <a16:creationId xmlns:a16="http://schemas.microsoft.com/office/drawing/2014/main" id="{6A0A59B3-080F-2679-67C6-D45EBF981E8F}"/>
+                  </a:ext>
+                </a:extLst>
+              </p:cNvPr>
+              <p:cNvSpPr txBox="1">
+                <a:spLocks noRot="1" noChangeAspect="1" noMove="1" noResize="1" noEditPoints="1" noAdjustHandles="1" noChangeArrowheads="1" noChangeShapeType="1" noTextEdit="1"/>
+              </p:cNvSpPr>
+              <p:nvPr/>
+            </p:nvSpPr>
+            <p:spPr>
+              <a:xfrm>
+                <a:off x="7452320" y="4221088"/>
+                <a:ext cx="774186" cy="584775"/>
+              </a:xfrm>
+              <a:prstGeom prst="rect">
+                <a:avLst/>
+              </a:prstGeom>
+              <a:blipFill>
+                <a:blip r:embed="rId8"/>
+                <a:stretch>
+                  <a:fillRect/>
+                </a:stretch>
+              </a:blipFill>
+            </p:spPr>
+            <p:txBody>
+              <a:bodyPr/>
+              <a:lstStyle/>
+              <a:p>
+                <a:r>
+                  <a:rPr lang="ja-JP" altLang="en-US">
+                    <a:noFill/>
+                  </a:rPr>
+                  <a:t> </a:t>
+                </a:r>
+              </a:p>
+            </p:txBody>
+          </p:sp>
+        </mc:Fallback>
+      </mc:AlternateContent>
+      <p:cxnSp>
+        <p:nvCxnSpPr>
+          <p:cNvPr id="21" name="直線矢印コネクタ 20">
+            <a:extLst>
+              <a:ext uri="{FF2B5EF4-FFF2-40B4-BE49-F238E27FC236}">
+                <a16:creationId xmlns:a16="http://schemas.microsoft.com/office/drawing/2014/main" id="{A41D6754-F979-1C0F-28C9-27267DC21718}"/>
+              </a:ext>
+            </a:extLst>
+          </p:cNvPr>
+          <p:cNvCxnSpPr>
+            <a:cxnSpLocks/>
+          </p:cNvCxnSpPr>
+          <p:nvPr/>
+        </p:nvCxnSpPr>
+        <p:spPr>
+          <a:xfrm flipV="1">
+            <a:off x="6732240" y="2708920"/>
+            <a:ext cx="0" cy="1440160"/>
+          </a:xfrm>
+          <a:prstGeom prst="straightConnector1">
+            <a:avLst/>
+          </a:prstGeom>
+          <a:ln>
+            <a:solidFill>
+              <a:schemeClr val="tx1"/>
+            </a:solidFill>
+            <a:headEnd type="arrow" w="med" len="med"/>
+            <a:tailEnd type="arrow" w="med" len="med"/>
+          </a:ln>
+        </p:spPr>
+        <p:style>
+          <a:lnRef idx="1">
+            <a:schemeClr val="accent1"/>
+          </a:lnRef>
+          <a:fillRef idx="0">
+            <a:schemeClr val="accent1"/>
+          </a:fillRef>
+          <a:effectRef idx="0">
+            <a:schemeClr val="accent1"/>
+          </a:effectRef>
+          <a:fontRef idx="minor">
+            <a:schemeClr val="tx1"/>
+          </a:fontRef>
+        </p:style>
+      </p:cxnSp>
+      <mc:AlternateContent xmlns:mc="http://schemas.openxmlformats.org/markup-compatibility/2006">
+        <mc:Choice xmlns:a14="http://schemas.microsoft.com/office/drawing/2010/main" Requires="a14">
+          <p:sp>
+            <p:nvSpPr>
+              <p:cNvPr id="24" name="テキスト ボックス 23">
+                <a:extLst>
+                  <a:ext uri="{FF2B5EF4-FFF2-40B4-BE49-F238E27FC236}">
+                    <a16:creationId xmlns:a16="http://schemas.microsoft.com/office/drawing/2014/main" id="{EED7FEDE-CAD7-CC9E-96EA-E94CBE8C067B}"/>
+                  </a:ext>
+                </a:extLst>
+              </p:cNvPr>
+              <p:cNvSpPr txBox="1"/>
+              <p:nvPr/>
+            </p:nvSpPr>
+            <p:spPr>
+              <a:xfrm>
+                <a:off x="6084168" y="3140968"/>
+                <a:ext cx="750526" cy="584775"/>
+              </a:xfrm>
+              <a:prstGeom prst="rect">
+                <a:avLst/>
+              </a:prstGeom>
+              <a:noFill/>
+            </p:spPr>
+            <p:txBody>
+              <a:bodyPr wrap="none" rtlCol="0">
+                <a:spAutoFit/>
+              </a:bodyPr>
+              <a:lstStyle/>
+              <a:p>
+                <a14:m>
+                  <m:oMathPara xmlns:m="http://schemas.openxmlformats.org/officeDocument/2006/math">
+                    <m:oMathParaPr>
+                      <m:jc m:val="centerGroup"/>
+                    </m:oMathParaPr>
+                    <m:oMath xmlns:m="http://schemas.openxmlformats.org/officeDocument/2006/math">
+                      <m:r>
+                        <m:rPr>
+                          <m:sty m:val="p"/>
+                        </m:rPr>
+                        <a:rPr lang="en-US" altLang="ja-JP" sz="3200" i="0" smtClean="0">
+                          <a:latin typeface="Cambria Math" panose="02040503050406030204" pitchFamily="18" charset="0"/>
+                        </a:rPr>
+                        <m:t>Δ</m:t>
+                      </m:r>
+                      <m:r>
+                        <m:rPr>
+                          <m:sty m:val="p"/>
+                        </m:rPr>
+                        <a:rPr lang="en-US" altLang="ja-JP" sz="3200" b="0" i="0" smtClean="0">
+                          <a:latin typeface="Cambria Math" panose="02040503050406030204" pitchFamily="18" charset="0"/>
+                        </a:rPr>
+                        <m:t>y</m:t>
+                      </m:r>
+                    </m:oMath>
+                  </m:oMathPara>
+                </a14:m>
+                <a:endParaRPr kumimoji="1" lang="ja-JP" altLang="en-US" sz="3200" dirty="0"/>
+              </a:p>
+            </p:txBody>
+          </p:sp>
+        </mc:Choice>
+        <mc:Fallback>
+          <p:sp>
+            <p:nvSpPr>
+              <p:cNvPr id="24" name="テキスト ボックス 23">
+                <a:extLst>
+                  <a:ext uri="{FF2B5EF4-FFF2-40B4-BE49-F238E27FC236}">
+                    <a16:creationId xmlns:a16="http://schemas.microsoft.com/office/drawing/2014/main" id="{EED7FEDE-CAD7-CC9E-96EA-E94CBE8C067B}"/>
+                  </a:ext>
+                </a:extLst>
+              </p:cNvPr>
+              <p:cNvSpPr txBox="1">
+                <a:spLocks noRot="1" noChangeAspect="1" noMove="1" noResize="1" noEditPoints="1" noAdjustHandles="1" noChangeArrowheads="1" noChangeShapeType="1" noTextEdit="1"/>
+              </p:cNvSpPr>
+              <p:nvPr/>
+            </p:nvSpPr>
+            <p:spPr>
+              <a:xfrm>
+                <a:off x="6084168" y="3140968"/>
+                <a:ext cx="750526" cy="584775"/>
+              </a:xfrm>
+              <a:prstGeom prst="rect">
+                <a:avLst/>
+              </a:prstGeom>
+              <a:blipFill>
+                <a:blip r:embed="rId9"/>
+                <a:stretch>
+                  <a:fillRect/>
+                </a:stretch>
+              </a:blipFill>
+            </p:spPr>
+            <p:txBody>
+              <a:bodyPr/>
+              <a:lstStyle/>
+              <a:p>
+                <a:r>
+                  <a:rPr lang="ja-JP" altLang="en-US">
+                    <a:noFill/>
+                  </a:rPr>
+                  <a:t> </a:t>
+                </a:r>
+              </a:p>
+            </p:txBody>
+          </p:sp>
+        </mc:Fallback>
+      </mc:AlternateContent>
+      <p:sp>
+        <p:nvSpPr>
+          <p:cNvPr id="26" name="四角形: 角を丸くする 25">
+            <a:extLst>
+              <a:ext uri="{FF2B5EF4-FFF2-40B4-BE49-F238E27FC236}">
+                <a16:creationId xmlns:a16="http://schemas.microsoft.com/office/drawing/2014/main" id="{9FA35848-0DBB-3F10-104F-51C2CBD3467B}"/>
+              </a:ext>
+            </a:extLst>
+          </p:cNvPr>
+          <p:cNvSpPr/>
+          <p:nvPr/>
+        </p:nvSpPr>
+        <p:spPr>
+          <a:xfrm>
+            <a:off x="3851920" y="5661248"/>
+            <a:ext cx="720080" cy="576064"/>
+          </a:xfrm>
+          <a:prstGeom prst="roundRect">
+            <a:avLst/>
+          </a:prstGeom>
+          <a:noFill/>
+          <a:ln w="28575">
+            <a:solidFill>
+              <a:srgbClr val="FF0000"/>
+            </a:solidFill>
+            <a:prstDash val="dash"/>
+          </a:ln>
+        </p:spPr>
+        <p:style>
+          <a:lnRef idx="2">
+            <a:schemeClr val="accent1">
+              <a:shade val="50000"/>
+            </a:schemeClr>
+          </a:lnRef>
+          <a:fillRef idx="1">
+            <a:schemeClr val="accent1"/>
+          </a:fillRef>
+          <a:effectRef idx="0">
+            <a:schemeClr val="accent1"/>
+          </a:effectRef>
+          <a:fontRef idx="minor">
+            <a:schemeClr val="lt1"/>
+          </a:fontRef>
+        </p:style>
+        <p:txBody>
+          <a:bodyPr rtlCol="0" anchor="ctr"/>
+          <a:lstStyle/>
+          <a:p>
+            <a:pPr algn="ctr"/>
+            <a:endParaRPr kumimoji="1" lang="ja-JP" altLang="en-US"/>
+          </a:p>
+        </p:txBody>
+      </p:sp>
+      <p:sp>
+        <p:nvSpPr>
+          <p:cNvPr id="27" name="四角形: 角を丸くする 26">
+            <a:extLst>
+              <a:ext uri="{FF2B5EF4-FFF2-40B4-BE49-F238E27FC236}">
+                <a16:creationId xmlns:a16="http://schemas.microsoft.com/office/drawing/2014/main" id="{E4DEED8D-8EA0-6285-30B5-20D656717037}"/>
+              </a:ext>
+            </a:extLst>
+          </p:cNvPr>
+          <p:cNvSpPr/>
+          <p:nvPr/>
+        </p:nvSpPr>
+        <p:spPr>
+          <a:xfrm>
+            <a:off x="4932040" y="5661248"/>
+            <a:ext cx="720080" cy="576064"/>
+          </a:xfrm>
+          <a:prstGeom prst="roundRect">
+            <a:avLst/>
+          </a:prstGeom>
+          <a:noFill/>
+          <a:ln w="28575">
+            <a:solidFill>
+              <a:srgbClr val="FF0000"/>
+            </a:solidFill>
+            <a:prstDash val="dash"/>
+          </a:ln>
+        </p:spPr>
+        <p:style>
+          <a:lnRef idx="2">
+            <a:schemeClr val="accent1">
+              <a:shade val="50000"/>
+            </a:schemeClr>
+          </a:lnRef>
+          <a:fillRef idx="1">
+            <a:schemeClr val="accent1"/>
+          </a:fillRef>
+          <a:effectRef idx="0">
+            <a:schemeClr val="accent1"/>
+          </a:effectRef>
+          <a:fontRef idx="minor">
+            <a:schemeClr val="lt1"/>
+          </a:fontRef>
+        </p:style>
+        <p:txBody>
+          <a:bodyPr rtlCol="0" anchor="ctr"/>
+          <a:lstStyle/>
+          <a:p>
+            <a:pPr algn="ctr"/>
+            <a:endParaRPr kumimoji="1" lang="ja-JP" altLang="en-US"/>
+          </a:p>
+        </p:txBody>
+      </p:sp>
+      <p:sp>
+        <p:nvSpPr>
+          <p:cNvPr id="28" name="テキスト ボックス 27">
+            <a:extLst>
+              <a:ext uri="{FF2B5EF4-FFF2-40B4-BE49-F238E27FC236}">
+                <a16:creationId xmlns:a16="http://schemas.microsoft.com/office/drawing/2014/main" id="{B4D00814-E903-EDD0-6073-AE30D46BC189}"/>
+              </a:ext>
+            </a:extLst>
+          </p:cNvPr>
+          <p:cNvSpPr txBox="1"/>
+          <p:nvPr/>
+        </p:nvSpPr>
+        <p:spPr>
+          <a:xfrm>
+            <a:off x="1331640" y="6383009"/>
+            <a:ext cx="5416868" cy="461665"/>
+          </a:xfrm>
+          <a:prstGeom prst="rect">
+            <a:avLst/>
+          </a:prstGeom>
+          <a:noFill/>
+        </p:spPr>
+        <p:txBody>
+          <a:bodyPr wrap="none" rtlCol="0">
+            <a:spAutoFit/>
+          </a:bodyPr>
+          <a:lstStyle/>
+          <a:p>
+            <a:r>
+              <a:rPr lang="ja-JP" altLang="en-US" sz="2400"/>
+              <a:t>力積が距離の偶数次のみで記述できる</a:t>
+            </a:r>
+            <a:endParaRPr kumimoji="1" lang="ja-JP" altLang="en-US" sz="2400"/>
+          </a:p>
+        </p:txBody>
+      </p:sp>
+    </p:spTree>
+    <p:extLst>
+      <p:ext uri="{BB962C8B-B14F-4D97-AF65-F5344CB8AC3E}">
+        <p14:creationId xmlns:p14="http://schemas.microsoft.com/office/powerpoint/2010/main" val="641972475"/>
+      </p:ext>
+    </p:extLst>
+  </p:cSld>
+  <p:clrMapOvr>
+    <a:masterClrMapping/>
+  </p:clrMapOvr>
+</p:sld>
+</file>
+
+<file path=ppt/slides/slide16.xml><?xml version="1.0" encoding="utf-8"?>
+<p:sld xmlns:a="http://schemas.openxmlformats.org/drawingml/2006/main" xmlns:r="http://schemas.openxmlformats.org/officeDocument/2006/relationships" xmlns:p="http://schemas.openxmlformats.org/presentationml/2006/main">
+  <p:cSld>
+    <p:spTree>
+      <p:nvGrpSpPr>
+        <p:cNvPr id="1" name=""/>
+        <p:cNvGrpSpPr/>
+        <p:nvPr/>
+      </p:nvGrpSpPr>
+      <p:grpSpPr>
+        <a:xfrm>
+          <a:off x="0" y="0"/>
+          <a:ext cx="0" cy="0"/>
+          <a:chOff x="0" y="0"/>
+          <a:chExt cx="0" cy="0"/>
+        </a:xfrm>
+      </p:grpSpPr>
+      <p:sp>
+        <p:nvSpPr>
+          <p:cNvPr id="2" name="テキスト プレースホルダー 1">
+            <a:extLst>
+              <a:ext uri="{FF2B5EF4-FFF2-40B4-BE49-F238E27FC236}">
+                <a16:creationId xmlns:a16="http://schemas.microsoft.com/office/drawing/2014/main" id="{0B0DC20E-8344-56FF-D9C2-46E3F6AE99A9}"/>
+              </a:ext>
+            </a:extLst>
+          </p:cNvPr>
+          <p:cNvSpPr>
+            <a:spLocks noGrp="1"/>
+          </p:cNvSpPr>
+          <p:nvPr>
+            <p:ph type="body" sz="quarter" idx="10"/>
+          </p:nvPr>
+        </p:nvSpPr>
+        <p:spPr/>
+        <p:txBody>
+          <a:bodyPr/>
+          <a:lstStyle/>
+          <a:p>
+            <a:r>
+              <a:rPr kumimoji="1" lang="ja-JP" altLang="en-US" dirty="0"/>
+              <a:t>実装の基礎</a:t>
+            </a:r>
+          </a:p>
+        </p:txBody>
+      </p:sp>
+      <p:sp>
+        <p:nvSpPr>
+          <p:cNvPr id="3" name="テキスト ボックス 2">
+            <a:extLst>
+              <a:ext uri="{FF2B5EF4-FFF2-40B4-BE49-F238E27FC236}">
+                <a16:creationId xmlns:a16="http://schemas.microsoft.com/office/drawing/2014/main" id="{6F42F549-5191-096F-9512-6342585B0CB2}"/>
+              </a:ext>
+            </a:extLst>
+          </p:cNvPr>
+          <p:cNvSpPr txBox="1"/>
+          <p:nvPr/>
+        </p:nvSpPr>
+        <p:spPr>
+          <a:xfrm>
+            <a:off x="323528" y="2132856"/>
+            <a:ext cx="8340745" cy="1200329"/>
+          </a:xfrm>
+          <a:prstGeom prst="rect">
+            <a:avLst/>
+          </a:prstGeom>
+          <a:noFill/>
+        </p:spPr>
+        <p:txBody>
+          <a:bodyPr wrap="none" rtlCol="0">
+            <a:spAutoFit/>
+          </a:bodyPr>
+          <a:lstStyle/>
+          <a:p>
+            <a:pPr marL="457200" indent="-457200">
+              <a:buFont typeface="+mj-lt"/>
+              <a:buAutoNum type="arabicPeriod"/>
+            </a:pPr>
+            <a:r>
+              <a:rPr kumimoji="1" lang="ja-JP" altLang="en-US" sz="2400" dirty="0"/>
+              <a:t>相互作用する原子対を探す</a:t>
+            </a:r>
+            <a:endParaRPr kumimoji="1" lang="en-US" altLang="ja-JP" sz="2400" dirty="0"/>
+          </a:p>
+          <a:p>
+            <a:pPr marL="457200" indent="-457200">
+              <a:buFont typeface="+mj-lt"/>
+              <a:buAutoNum type="arabicPeriod"/>
+            </a:pPr>
+            <a:r>
+              <a:rPr lang="ja-JP" altLang="en-US" sz="2400" dirty="0"/>
+              <a:t>全ての原子対について力積を計算し、運動量を更新する</a:t>
+            </a:r>
+            <a:endParaRPr lang="en-US" altLang="ja-JP" sz="2400" dirty="0"/>
+          </a:p>
+          <a:p>
+            <a:pPr marL="457200" indent="-457200">
+              <a:buFont typeface="+mj-lt"/>
+              <a:buAutoNum type="arabicPeriod"/>
+            </a:pPr>
+            <a:r>
+              <a:rPr kumimoji="1" lang="ja-JP" altLang="en-US" sz="2400" dirty="0"/>
+              <a:t>更新された運動量にもとづいて位置を更新する</a:t>
+            </a:r>
+          </a:p>
+        </p:txBody>
+      </p:sp>
+      <p:sp>
+        <p:nvSpPr>
+          <p:cNvPr id="4" name="テキスト ボックス 3">
+            <a:extLst>
+              <a:ext uri="{FF2B5EF4-FFF2-40B4-BE49-F238E27FC236}">
+                <a16:creationId xmlns:a16="http://schemas.microsoft.com/office/drawing/2014/main" id="{3D915F5A-1A47-7AF1-0CFE-1301C173AA76}"/>
+              </a:ext>
+            </a:extLst>
+          </p:cNvPr>
+          <p:cNvSpPr txBox="1"/>
+          <p:nvPr/>
+        </p:nvSpPr>
+        <p:spPr>
+          <a:xfrm>
+            <a:off x="539552" y="1340768"/>
+            <a:ext cx="4334841" cy="523220"/>
+          </a:xfrm>
+          <a:prstGeom prst="rect">
+            <a:avLst/>
+          </a:prstGeom>
+          <a:noFill/>
+        </p:spPr>
+        <p:txBody>
+          <a:bodyPr wrap="none" rtlCol="0">
+            <a:spAutoFit/>
+          </a:bodyPr>
+          <a:lstStyle/>
+          <a:p>
+            <a:r>
+              <a:rPr kumimoji="1" lang="ja-JP" altLang="en-US" sz="2800" dirty="0"/>
+              <a:t>分子動力学法の</a:t>
+            </a:r>
+            <a:r>
+              <a:rPr kumimoji="1" lang="en-US" altLang="ja-JP" sz="2800" dirty="0"/>
+              <a:t>1</a:t>
+            </a:r>
+            <a:r>
+              <a:rPr kumimoji="1" lang="ja-JP" altLang="en-US" sz="2800" dirty="0"/>
+              <a:t>ステップ</a:t>
+            </a:r>
+          </a:p>
+        </p:txBody>
+      </p:sp>
+      <p:sp>
+        <p:nvSpPr>
+          <p:cNvPr id="5" name="テキスト ボックス 4">
+            <a:extLst>
+              <a:ext uri="{FF2B5EF4-FFF2-40B4-BE49-F238E27FC236}">
+                <a16:creationId xmlns:a16="http://schemas.microsoft.com/office/drawing/2014/main" id="{1F5F117F-EBE4-E4EE-B4A8-15B730FB6550}"/>
+              </a:ext>
+            </a:extLst>
+          </p:cNvPr>
+          <p:cNvSpPr txBox="1"/>
+          <p:nvPr/>
+        </p:nvSpPr>
+        <p:spPr>
+          <a:xfrm>
+            <a:off x="395536" y="3933056"/>
+            <a:ext cx="6647974" cy="523220"/>
+          </a:xfrm>
+          <a:prstGeom prst="rect">
+            <a:avLst/>
+          </a:prstGeom>
+          <a:noFill/>
+        </p:spPr>
+        <p:txBody>
+          <a:bodyPr wrap="none" rtlCol="0">
+            <a:spAutoFit/>
+          </a:bodyPr>
+          <a:lstStyle/>
+          <a:p>
+            <a:r>
+              <a:rPr kumimoji="1" lang="ja-JP" altLang="en-US" sz="2800"/>
+              <a:t>あとは上記を好きなだけ繰り返せばよい</a:t>
+            </a:r>
+            <a:endParaRPr kumimoji="1" lang="ja-JP" altLang="en-US" sz="2800" dirty="0"/>
+          </a:p>
+        </p:txBody>
+      </p:sp>
+    </p:spTree>
+    <p:extLst>
+      <p:ext uri="{BB962C8B-B14F-4D97-AF65-F5344CB8AC3E}">
+        <p14:creationId xmlns:p14="http://schemas.microsoft.com/office/powerpoint/2010/main" val="2632485488"/>
+      </p:ext>
+    </p:extLst>
+  </p:cSld>
+  <p:clrMapOvr>
+    <a:masterClrMapping/>
+  </p:clrMapOvr>
+</p:sld>
+</file>
+
+<file path=ppt/slides/slide17.xml><?xml version="1.0" encoding="utf-8"?>
 <p:sld xmlns:a="http://schemas.openxmlformats.org/drawingml/2006/main" xmlns:r="http://schemas.openxmlformats.org/officeDocument/2006/relationships" xmlns:p="http://schemas.openxmlformats.org/presentationml/2006/main">
   <p:cSld>
     <p:spTree>

--- a/07_md_implementation/simulation07.pptx
+++ b/07_md_implementation/simulation07.pptx
@@ -5,7 +5,7 @@
     <p:sldMasterId id="2147483665" r:id="rId1"/>
   </p:sldMasterIdLst>
   <p:notesMasterIdLst>
-    <p:notesMasterId r:id="rId19"/>
+    <p:notesMasterId r:id="rId25"/>
   </p:notesMasterIdLst>
   <p:sldIdLst>
     <p:sldId id="256" r:id="rId2"/>
@@ -22,9 +22,15 @@
     <p:sldId id="268" r:id="rId13"/>
     <p:sldId id="269" r:id="rId14"/>
     <p:sldId id="270" r:id="rId15"/>
-    <p:sldId id="271" r:id="rId16"/>
-    <p:sldId id="272" r:id="rId17"/>
-    <p:sldId id="257" r:id="rId18"/>
+    <p:sldId id="273" r:id="rId16"/>
+    <p:sldId id="271" r:id="rId17"/>
+    <p:sldId id="275" r:id="rId18"/>
+    <p:sldId id="276" r:id="rId19"/>
+    <p:sldId id="277" r:id="rId20"/>
+    <p:sldId id="278" r:id="rId21"/>
+    <p:sldId id="279" r:id="rId22"/>
+    <p:sldId id="272" r:id="rId23"/>
+    <p:sldId id="257" r:id="rId24"/>
   </p:sldIdLst>
   <p:sldSz cx="9144000" cy="6858000" type="screen4x3"/>
   <p:notesSz cx="6858000" cy="9144000"/>
@@ -1570,8 +1576,12 @@
           <a:lstStyle/>
           <a:p>
             <a:r>
+              <a:rPr lang="en-US" altLang="ja-JP"/>
+              <a:t>MD</a:t>
+            </a:r>
+            <a:r>
               <a:rPr lang="ja-JP" altLang="en-US"/>
-              <a:t>実装の基礎</a:t>
+              <a:t>の実装の基礎</a:t>
             </a:r>
             <a:endParaRPr kumimoji="1" lang="ja-JP" altLang="en-US"/>
           </a:p>
@@ -1900,10 +1910,10 @@
         <mc:Choice Requires="a14">
           <p:sp>
             <p:nvSpPr>
-              <p:cNvPr id="6" name="テキスト ボックス 5">
+              <p:cNvPr id="7" name="テキスト ボックス 6">
                 <a:extLst>
                   <a:ext uri="{FF2B5EF4-FFF2-40B4-BE49-F238E27FC236}">
-                    <a16:creationId xmlns:a16="http://schemas.microsoft.com/office/drawing/2014/main" id="{CC1C8236-BFC3-CB7F-18F3-E377BD4CAF85}"/>
+                    <a16:creationId xmlns:a16="http://schemas.microsoft.com/office/drawing/2014/main" id="{4C79E356-5A8F-FD11-46C1-CA750D0BBDED}"/>
                   </a:ext>
                 </a:extLst>
               </p:cNvPr>
@@ -1912,8 +1922,8 @@
             </p:nvSpPr>
             <p:spPr>
               <a:xfrm>
-                <a:off x="2051720" y="4149080"/>
-                <a:ext cx="4572000" cy="823944"/>
+                <a:off x="1835696" y="4077072"/>
+                <a:ext cx="5724128" cy="872418"/>
               </a:xfrm>
               <a:prstGeom prst="rect">
                 <a:avLst/>
@@ -1962,7 +1972,63 @@
                         <a:rPr kumimoji="1" lang="en-US" altLang="ja-JP" sz="4400" b="0" i="1" smtClean="0">
                           <a:latin typeface="Cambria Math" panose="02040503050406030204" pitchFamily="18" charset="0"/>
                         </a:rPr>
-                        <m:t>≡|</m:t>
+                        <m:t>≡</m:t>
+                      </m:r>
+                      <m:d>
+                        <m:dPr>
+                          <m:begChr m:val="|"/>
+                          <m:endChr m:val="|"/>
+                          <m:ctrlPr>
+                            <a:rPr kumimoji="1" lang="en-US" altLang="ja-JP" sz="4400" b="0" i="1" smtClean="0">
+                              <a:latin typeface="Cambria Math" panose="02040503050406030204" pitchFamily="18" charset="0"/>
+                            </a:rPr>
+                          </m:ctrlPr>
+                        </m:dPr>
+                        <m:e>
+                          <m:sSub>
+                            <m:sSubPr>
+                              <m:ctrlPr>
+                                <a:rPr kumimoji="1" lang="en-US" altLang="ja-JP" sz="4400" b="0" i="1" smtClean="0">
+                                  <a:latin typeface="Cambria Math" panose="02040503050406030204" pitchFamily="18" charset="0"/>
+                                </a:rPr>
+                              </m:ctrlPr>
+                            </m:sSubPr>
+                            <m:e>
+                              <m:acc>
+                                <m:accPr>
+                                  <m:chr m:val="⃗"/>
+                                  <m:ctrlPr>
+                                    <a:rPr kumimoji="1" lang="en-US" altLang="ja-JP" sz="4400" b="0" i="1" smtClean="0">
+                                      <a:latin typeface="Cambria Math" panose="02040503050406030204" pitchFamily="18" charset="0"/>
+                                    </a:rPr>
+                                  </m:ctrlPr>
+                                </m:accPr>
+                                <m:e>
+                                  <m:r>
+                                    <a:rPr kumimoji="1" lang="en-US" altLang="ja-JP" sz="4400" b="0" i="1" smtClean="0">
+                                      <a:latin typeface="Cambria Math" panose="02040503050406030204" pitchFamily="18" charset="0"/>
+                                    </a:rPr>
+                                    <m:t>𝑞</m:t>
+                                  </m:r>
+                                </m:e>
+                              </m:acc>
+                            </m:e>
+                            <m:sub>
+                              <m:r>
+                                <a:rPr kumimoji="1" lang="en-US" altLang="ja-JP" sz="4400" b="0" i="1" smtClean="0">
+                                  <a:latin typeface="Cambria Math" panose="02040503050406030204" pitchFamily="18" charset="0"/>
+                                </a:rPr>
+                                <m:t>𝑖𝑗</m:t>
+                              </m:r>
+                            </m:sub>
+                          </m:sSub>
+                        </m:e>
+                      </m:d>
+                      <m:r>
+                        <a:rPr kumimoji="1" lang="en-US" altLang="ja-JP" sz="4400" b="0" i="1" smtClean="0">
+                          <a:latin typeface="Cambria Math" panose="02040503050406030204" pitchFamily="18" charset="0"/>
+                        </a:rPr>
+                        <m:t>=|</m:t>
                       </m:r>
                       <m:sSub>
                         <m:sSubPr>
@@ -2053,7 +2119,7 @@
                     </m:oMath>
                   </m:oMathPara>
                 </a14:m>
-                <a:endParaRPr lang="ja-JP" altLang="en-US" sz="4400"/>
+                <a:endParaRPr lang="ja-JP" altLang="en-US" sz="4400" dirty="0"/>
               </a:p>
             </p:txBody>
           </p:sp>
@@ -2061,10 +2127,10 @@
         <mc:Fallback xmlns="">
           <p:sp>
             <p:nvSpPr>
-              <p:cNvPr id="6" name="テキスト ボックス 5">
+              <p:cNvPr id="7" name="テキスト ボックス 6">
                 <a:extLst>
                   <a:ext uri="{FF2B5EF4-FFF2-40B4-BE49-F238E27FC236}">
-                    <a16:creationId xmlns:a16="http://schemas.microsoft.com/office/drawing/2014/main" id="{CC1C8236-BFC3-CB7F-18F3-E377BD4CAF85}"/>
+                    <a16:creationId xmlns:a16="http://schemas.microsoft.com/office/drawing/2014/main" id="{4C79E356-5A8F-FD11-46C1-CA750D0BBDED}"/>
                   </a:ext>
                 </a:extLst>
               </p:cNvPr>
@@ -2075,8 +2141,8 @@
             </p:nvSpPr>
             <p:spPr>
               <a:xfrm>
-                <a:off x="2051720" y="4149080"/>
-                <a:ext cx="4572000" cy="823944"/>
+                <a:off x="1835696" y="4077072"/>
+                <a:ext cx="5724128" cy="872418"/>
               </a:xfrm>
               <a:prstGeom prst="rect">
                 <a:avLst/>
@@ -2103,6 +2169,382 @@
           </p:sp>
         </mc:Fallback>
       </mc:AlternateContent>
+      <p:sp>
+        <p:nvSpPr>
+          <p:cNvPr id="5" name="楕円 4">
+            <a:extLst>
+              <a:ext uri="{FF2B5EF4-FFF2-40B4-BE49-F238E27FC236}">
+                <a16:creationId xmlns:a16="http://schemas.microsoft.com/office/drawing/2014/main" id="{223AE445-E536-3AC7-D473-A701E0E713D7}"/>
+              </a:ext>
+            </a:extLst>
+          </p:cNvPr>
+          <p:cNvSpPr/>
+          <p:nvPr/>
+        </p:nvSpPr>
+        <p:spPr>
+          <a:xfrm>
+            <a:off x="6012160" y="5805264"/>
+            <a:ext cx="720080" cy="720080"/>
+          </a:xfrm>
+          <a:prstGeom prst="ellipse">
+            <a:avLst/>
+          </a:prstGeom>
+          <a:solidFill>
+            <a:srgbClr val="011893"/>
+          </a:solidFill>
+          <a:ln>
+            <a:solidFill>
+              <a:schemeClr val="tx1"/>
+            </a:solidFill>
+          </a:ln>
+        </p:spPr>
+        <p:style>
+          <a:lnRef idx="2">
+            <a:schemeClr val="accent1">
+              <a:shade val="50000"/>
+            </a:schemeClr>
+          </a:lnRef>
+          <a:fillRef idx="1">
+            <a:schemeClr val="accent1"/>
+          </a:fillRef>
+          <a:effectRef idx="0">
+            <a:schemeClr val="accent1"/>
+          </a:effectRef>
+          <a:fontRef idx="minor">
+            <a:schemeClr val="lt1"/>
+          </a:fontRef>
+        </p:style>
+        <p:txBody>
+          <a:bodyPr rtlCol="0" anchor="ctr"/>
+          <a:lstStyle/>
+          <a:p>
+            <a:pPr algn="ctr"/>
+            <a:endParaRPr kumimoji="1" lang="ja-JP" altLang="en-US"/>
+          </a:p>
+        </p:txBody>
+      </p:sp>
+      <p:sp>
+        <p:nvSpPr>
+          <p:cNvPr id="8" name="楕円 7">
+            <a:extLst>
+              <a:ext uri="{FF2B5EF4-FFF2-40B4-BE49-F238E27FC236}">
+                <a16:creationId xmlns:a16="http://schemas.microsoft.com/office/drawing/2014/main" id="{4293F2C5-A9F1-CAFC-6C52-743A4BE82DFB}"/>
+              </a:ext>
+            </a:extLst>
+          </p:cNvPr>
+          <p:cNvSpPr/>
+          <p:nvPr/>
+        </p:nvSpPr>
+        <p:spPr>
+          <a:xfrm>
+            <a:off x="2411760" y="5805264"/>
+            <a:ext cx="720080" cy="720080"/>
+          </a:xfrm>
+          <a:prstGeom prst="ellipse">
+            <a:avLst/>
+          </a:prstGeom>
+          <a:solidFill>
+            <a:srgbClr val="011893"/>
+          </a:solidFill>
+          <a:ln>
+            <a:solidFill>
+              <a:schemeClr val="tx1"/>
+            </a:solidFill>
+          </a:ln>
+        </p:spPr>
+        <p:style>
+          <a:lnRef idx="2">
+            <a:schemeClr val="accent1">
+              <a:shade val="50000"/>
+            </a:schemeClr>
+          </a:lnRef>
+          <a:fillRef idx="1">
+            <a:schemeClr val="accent1"/>
+          </a:fillRef>
+          <a:effectRef idx="0">
+            <a:schemeClr val="accent1"/>
+          </a:effectRef>
+          <a:fontRef idx="minor">
+            <a:schemeClr val="lt1"/>
+          </a:fontRef>
+        </p:style>
+        <p:txBody>
+          <a:bodyPr rtlCol="0" anchor="ctr"/>
+          <a:lstStyle/>
+          <a:p>
+            <a:pPr algn="ctr"/>
+            <a:endParaRPr kumimoji="1" lang="ja-JP" altLang="en-US"/>
+          </a:p>
+        </p:txBody>
+      </p:sp>
+      <p:cxnSp>
+        <p:nvCxnSpPr>
+          <p:cNvPr id="10" name="直線コネクタ 9">
+            <a:extLst>
+              <a:ext uri="{FF2B5EF4-FFF2-40B4-BE49-F238E27FC236}">
+                <a16:creationId xmlns:a16="http://schemas.microsoft.com/office/drawing/2014/main" id="{C25F6F89-E849-71E6-3A10-AA97AB5913A9}"/>
+              </a:ext>
+            </a:extLst>
+          </p:cNvPr>
+          <p:cNvCxnSpPr>
+            <a:cxnSpLocks/>
+          </p:cNvCxnSpPr>
+          <p:nvPr/>
+        </p:nvCxnSpPr>
+        <p:spPr>
+          <a:xfrm>
+            <a:off x="2771800" y="5733256"/>
+            <a:ext cx="3528392" cy="0"/>
+          </a:xfrm>
+          <a:prstGeom prst="line">
+            <a:avLst/>
+          </a:prstGeom>
+          <a:ln>
+            <a:solidFill>
+              <a:schemeClr val="tx1"/>
+            </a:solidFill>
+            <a:headEnd type="triangle" w="med" len="med"/>
+            <a:tailEnd type="triangle" w="med" len="med"/>
+          </a:ln>
+        </p:spPr>
+        <p:style>
+          <a:lnRef idx="1">
+            <a:schemeClr val="accent1"/>
+          </a:lnRef>
+          <a:fillRef idx="0">
+            <a:schemeClr val="accent1"/>
+          </a:fillRef>
+          <a:effectRef idx="0">
+            <a:schemeClr val="accent1"/>
+          </a:effectRef>
+          <a:fontRef idx="minor">
+            <a:schemeClr val="tx1"/>
+          </a:fontRef>
+        </p:style>
+      </p:cxnSp>
+      <mc:AlternateContent xmlns:mc="http://schemas.openxmlformats.org/markup-compatibility/2006" xmlns:a14="http://schemas.microsoft.com/office/drawing/2010/main">
+        <mc:Choice Requires="a14">
+          <p:sp>
+            <p:nvSpPr>
+              <p:cNvPr id="14" name="テキスト ボックス 13">
+                <a:extLst>
+                  <a:ext uri="{FF2B5EF4-FFF2-40B4-BE49-F238E27FC236}">
+                    <a16:creationId xmlns:a16="http://schemas.microsoft.com/office/drawing/2014/main" id="{7E0424E3-063F-1C70-B821-547050100E6E}"/>
+                  </a:ext>
+                </a:extLst>
+              </p:cNvPr>
+              <p:cNvSpPr txBox="1"/>
+              <p:nvPr/>
+            </p:nvSpPr>
+            <p:spPr>
+              <a:xfrm>
+                <a:off x="3923928" y="4941168"/>
+                <a:ext cx="1080120" cy="690895"/>
+              </a:xfrm>
+              <a:prstGeom prst="rect">
+                <a:avLst/>
+              </a:prstGeom>
+              <a:noFill/>
+            </p:spPr>
+            <p:txBody>
+              <a:bodyPr wrap="square">
+                <a:spAutoFit/>
+              </a:bodyPr>
+              <a:lstStyle/>
+              <a:p>
+                <a:pPr/>
+                <a14:m>
+                  <m:oMathPara xmlns:m="http://schemas.openxmlformats.org/officeDocument/2006/math">
+                    <m:oMathParaPr>
+                      <m:jc m:val="centerGroup"/>
+                    </m:oMathParaPr>
+                    <m:oMath xmlns:m="http://schemas.openxmlformats.org/officeDocument/2006/math">
+                      <m:sSub>
+                        <m:sSubPr>
+                          <m:ctrlPr>
+                            <a:rPr kumimoji="1" lang="en-US" altLang="ja-JP" sz="3600" b="0" i="1" smtClean="0">
+                              <a:latin typeface="Cambria Math" panose="02040503050406030204" pitchFamily="18" charset="0"/>
+                            </a:rPr>
+                          </m:ctrlPr>
+                        </m:sSubPr>
+                        <m:e>
+                          <m:r>
+                            <a:rPr kumimoji="1" lang="en-US" altLang="ja-JP" sz="3600" b="0" i="1" smtClean="0">
+                              <a:latin typeface="Cambria Math" panose="02040503050406030204" pitchFamily="18" charset="0"/>
+                            </a:rPr>
+                            <m:t>𝑞</m:t>
+                          </m:r>
+                        </m:e>
+                        <m:sub>
+                          <m:r>
+                            <a:rPr kumimoji="1" lang="en-US" altLang="ja-JP" sz="3600" b="0" i="1" smtClean="0">
+                              <a:latin typeface="Cambria Math" panose="02040503050406030204" pitchFamily="18" charset="0"/>
+                            </a:rPr>
+                            <m:t>𝑖𝑗</m:t>
+                          </m:r>
+                        </m:sub>
+                      </m:sSub>
+                    </m:oMath>
+                  </m:oMathPara>
+                </a14:m>
+                <a:endParaRPr lang="ja-JP" altLang="en-US" sz="3600"/>
+              </a:p>
+            </p:txBody>
+          </p:sp>
+        </mc:Choice>
+        <mc:Fallback xmlns="">
+          <p:sp>
+            <p:nvSpPr>
+              <p:cNvPr id="14" name="テキスト ボックス 13">
+                <a:extLst>
+                  <a:ext uri="{FF2B5EF4-FFF2-40B4-BE49-F238E27FC236}">
+                    <a16:creationId xmlns:a16="http://schemas.microsoft.com/office/drawing/2014/main" id="{7E0424E3-063F-1C70-B821-547050100E6E}"/>
+                  </a:ext>
+                </a:extLst>
+              </p:cNvPr>
+              <p:cNvSpPr txBox="1">
+                <a:spLocks noRot="1" noChangeAspect="1" noMove="1" noResize="1" noEditPoints="1" noAdjustHandles="1" noChangeArrowheads="1" noChangeShapeType="1" noTextEdit="1"/>
+              </p:cNvSpPr>
+              <p:nvPr/>
+            </p:nvSpPr>
+            <p:spPr>
+              <a:xfrm>
+                <a:off x="3923928" y="4941168"/>
+                <a:ext cx="1080120" cy="690895"/>
+              </a:xfrm>
+              <a:prstGeom prst="rect">
+                <a:avLst/>
+              </a:prstGeom>
+              <a:blipFill>
+                <a:blip r:embed="rId4"/>
+                <a:stretch>
+                  <a:fillRect/>
+                </a:stretch>
+              </a:blipFill>
+            </p:spPr>
+            <p:txBody>
+              <a:bodyPr/>
+              <a:lstStyle/>
+              <a:p>
+                <a:r>
+                  <a:rPr lang="ja-JP" altLang="en-US">
+                    <a:noFill/>
+                  </a:rPr>
+                  <a:t> </a:t>
+                </a:r>
+              </a:p>
+            </p:txBody>
+          </p:sp>
+        </mc:Fallback>
+      </mc:AlternateContent>
+      <p:sp>
+        <p:nvSpPr>
+          <p:cNvPr id="15" name="矢印: 右 14">
+            <a:extLst>
+              <a:ext uri="{FF2B5EF4-FFF2-40B4-BE49-F238E27FC236}">
+                <a16:creationId xmlns:a16="http://schemas.microsoft.com/office/drawing/2014/main" id="{62B73E70-ACFA-30AF-01F5-1095522BD6B8}"/>
+              </a:ext>
+            </a:extLst>
+          </p:cNvPr>
+          <p:cNvSpPr/>
+          <p:nvPr/>
+        </p:nvSpPr>
+        <p:spPr>
+          <a:xfrm>
+            <a:off x="3275856" y="5877272"/>
+            <a:ext cx="360040" cy="556640"/>
+          </a:xfrm>
+          <a:prstGeom prst="rightArrow">
+            <a:avLst/>
+          </a:prstGeom>
+          <a:solidFill>
+            <a:srgbClr val="FF0000"/>
+          </a:solidFill>
+          <a:ln>
+            <a:solidFill>
+              <a:schemeClr val="tx1"/>
+            </a:solidFill>
+          </a:ln>
+        </p:spPr>
+        <p:style>
+          <a:lnRef idx="2">
+            <a:schemeClr val="accent1">
+              <a:shade val="50000"/>
+            </a:schemeClr>
+          </a:lnRef>
+          <a:fillRef idx="1">
+            <a:schemeClr val="accent1"/>
+          </a:fillRef>
+          <a:effectRef idx="0">
+            <a:schemeClr val="accent1"/>
+          </a:effectRef>
+          <a:fontRef idx="minor">
+            <a:schemeClr val="lt1"/>
+          </a:fontRef>
+        </p:style>
+        <p:txBody>
+          <a:bodyPr rtlCol="0" anchor="ctr"/>
+          <a:lstStyle/>
+          <a:p>
+            <a:pPr algn="ctr"/>
+            <a:endParaRPr kumimoji="1" lang="ja-JP" altLang="en-US"/>
+          </a:p>
+        </p:txBody>
+      </p:sp>
+      <p:sp>
+        <p:nvSpPr>
+          <p:cNvPr id="16" name="矢印: 右 15">
+            <a:extLst>
+              <a:ext uri="{FF2B5EF4-FFF2-40B4-BE49-F238E27FC236}">
+                <a16:creationId xmlns:a16="http://schemas.microsoft.com/office/drawing/2014/main" id="{5F08159B-1E86-6647-21F5-8F0B06E1A38B}"/>
+              </a:ext>
+            </a:extLst>
+          </p:cNvPr>
+          <p:cNvSpPr/>
+          <p:nvPr/>
+        </p:nvSpPr>
+        <p:spPr>
+          <a:xfrm rot="10800000">
+            <a:off x="5580112" y="5877272"/>
+            <a:ext cx="360040" cy="556640"/>
+          </a:xfrm>
+          <a:prstGeom prst="rightArrow">
+            <a:avLst/>
+          </a:prstGeom>
+          <a:solidFill>
+            <a:srgbClr val="FF0000"/>
+          </a:solidFill>
+          <a:ln>
+            <a:solidFill>
+              <a:schemeClr val="tx1"/>
+            </a:solidFill>
+          </a:ln>
+        </p:spPr>
+        <p:style>
+          <a:lnRef idx="2">
+            <a:schemeClr val="accent1">
+              <a:shade val="50000"/>
+            </a:schemeClr>
+          </a:lnRef>
+          <a:fillRef idx="1">
+            <a:schemeClr val="accent1"/>
+          </a:fillRef>
+          <a:effectRef idx="0">
+            <a:schemeClr val="accent1"/>
+          </a:effectRef>
+          <a:fontRef idx="minor">
+            <a:schemeClr val="lt1"/>
+          </a:fontRef>
+        </p:style>
+        <p:txBody>
+          <a:bodyPr rtlCol="0" anchor="ctr"/>
+          <a:lstStyle/>
+          <a:p>
+            <a:pPr algn="ctr"/>
+            <a:endParaRPr kumimoji="1" lang="ja-JP" altLang="en-US"/>
+          </a:p>
+        </p:txBody>
+      </p:sp>
     </p:spTree>
     <p:extLst>
       <p:ext uri="{BB962C8B-B14F-4D97-AF65-F5344CB8AC3E}">
@@ -2155,8 +2597,12 @@
           <a:lstStyle/>
           <a:p>
             <a:r>
+              <a:rPr lang="en-US" altLang="ja-JP"/>
+              <a:t>MD</a:t>
+            </a:r>
+            <a:r>
               <a:rPr lang="ja-JP" altLang="en-US"/>
-              <a:t>実装の基礎</a:t>
+              <a:t>の実装の基礎</a:t>
             </a:r>
             <a:endParaRPr kumimoji="1" lang="ja-JP" altLang="en-US"/>
           </a:p>
@@ -3730,9 +4176,14 @@
           <a:lstStyle/>
           <a:p>
             <a:r>
-              <a:rPr kumimoji="1" lang="ja-JP" altLang="en-US" dirty="0"/>
-              <a:t>実装の基礎</a:t>
+              <a:rPr lang="en-US" altLang="ja-JP"/>
+              <a:t>MD</a:t>
             </a:r>
+            <a:r>
+              <a:rPr lang="ja-JP" altLang="en-US"/>
+              <a:t>の実装の基礎</a:t>
+            </a:r>
+            <a:endParaRPr kumimoji="1" lang="ja-JP" altLang="en-US"/>
           </a:p>
         </p:txBody>
       </p:sp>
@@ -4407,8 +4858,8 @@
           </p:sp>
         </mc:Fallback>
       </mc:AlternateContent>
-      <mc:AlternateContent xmlns:mc="http://schemas.openxmlformats.org/markup-compatibility/2006">
-        <mc:Choice xmlns:a14="http://schemas.microsoft.com/office/drawing/2010/main" Requires="a14">
+      <mc:AlternateContent xmlns:mc="http://schemas.openxmlformats.org/markup-compatibility/2006" xmlns:a14="http://schemas.microsoft.com/office/drawing/2010/main">
+        <mc:Choice Requires="a14">
           <p:sp>
             <p:nvSpPr>
               <p:cNvPr id="6" name="テキスト ボックス 5">
@@ -4529,13 +4980,7 @@
                         <a:rPr kumimoji="1" lang="en-US" altLang="ja-JP" sz="4400" b="0" i="1" smtClean="0">
                           <a:latin typeface="Cambria Math" panose="02040503050406030204" pitchFamily="18" charset="0"/>
                         </a:rPr>
-                        <m:t>=</m:t>
-                      </m:r>
-                      <m:r>
-                        <a:rPr kumimoji="1" lang="en-US" altLang="ja-JP" sz="4400" b="0" i="1" smtClean="0">
-                          <a:latin typeface="Cambria Math" panose="02040503050406030204" pitchFamily="18" charset="0"/>
-                        </a:rPr>
-                        <m:t>|</m:t>
+                        <m:t>=|</m:t>
                       </m:r>
                       <m:sSub>
                         <m:sSubPr>
@@ -4631,7 +5076,7 @@
             </p:txBody>
           </p:sp>
         </mc:Choice>
-        <mc:Fallback>
+        <mc:Fallback xmlns="">
           <p:sp>
             <p:nvSpPr>
               <p:cNvPr id="6" name="テキスト ボックス 5">
@@ -4728,14 +5173,19 @@
           <a:lstStyle/>
           <a:p>
             <a:r>
-              <a:rPr kumimoji="1" lang="ja-JP" altLang="en-US" dirty="0"/>
-              <a:t>実装の基礎</a:t>
+              <a:rPr lang="en-US" altLang="ja-JP"/>
+              <a:t>MD</a:t>
             </a:r>
+            <a:r>
+              <a:rPr lang="ja-JP" altLang="en-US"/>
+              <a:t>の実装の基礎</a:t>
+            </a:r>
+            <a:endParaRPr kumimoji="1" lang="ja-JP" altLang="en-US"/>
           </a:p>
         </p:txBody>
       </p:sp>
-      <mc:AlternateContent xmlns:mc="http://schemas.openxmlformats.org/markup-compatibility/2006">
-        <mc:Choice xmlns:a14="http://schemas.microsoft.com/office/drawing/2010/main" Requires="a14">
+      <mc:AlternateContent xmlns:mc="http://schemas.openxmlformats.org/markup-compatibility/2006" xmlns:a14="http://schemas.microsoft.com/office/drawing/2010/main">
+        <mc:Choice Requires="a14">
           <p:sp>
             <p:nvSpPr>
               <p:cNvPr id="3" name="テキスト ボックス 2">
@@ -4764,6 +5214,7 @@
               </a:bodyPr>
               <a:lstStyle/>
               <a:p>
+                <a:pPr/>
                 <a14:m>
                   <m:oMathPara xmlns:m="http://schemas.openxmlformats.org/officeDocument/2006/math">
                     <m:oMathParaPr>
@@ -5092,7 +5543,7 @@
             </p:txBody>
           </p:sp>
         </mc:Choice>
-        <mc:Fallback>
+        <mc:Fallback xmlns="">
           <p:sp>
             <p:nvSpPr>
               <p:cNvPr id="3" name="テキスト ボックス 2">
@@ -5310,8 +5761,8 @@
             </a:fontRef>
           </p:style>
         </p:cxnSp>
-        <mc:AlternateContent xmlns:mc="http://schemas.openxmlformats.org/markup-compatibility/2006">
-          <mc:Choice xmlns:a14="http://schemas.microsoft.com/office/drawing/2010/main" Requires="a14">
+        <mc:AlternateContent xmlns:mc="http://schemas.openxmlformats.org/markup-compatibility/2006" xmlns:a14="http://schemas.microsoft.com/office/drawing/2010/main">
+          <mc:Choice Requires="a14">
             <p:sp>
               <p:nvSpPr>
                 <p:cNvPr id="8" name="テキスト ボックス 7">
@@ -5340,6 +5791,7 @@
                 </a:bodyPr>
                 <a:lstStyle/>
                 <a:p>
+                  <a:pPr/>
                   <a14:m>
                     <m:oMathPara xmlns:m="http://schemas.openxmlformats.org/officeDocument/2006/math">
                       <m:oMathParaPr>
@@ -5391,7 +5843,7 @@
               </p:txBody>
             </p:sp>
           </mc:Choice>
-          <mc:Fallback>
+          <mc:Fallback xmlns="">
             <p:sp>
               <p:nvSpPr>
                 <p:cNvPr id="8" name="テキスト ボックス 7">
@@ -5481,8 +5933,8 @@
             </a:fontRef>
           </p:style>
         </p:cxnSp>
-        <mc:AlternateContent xmlns:mc="http://schemas.openxmlformats.org/markup-compatibility/2006">
-          <mc:Choice xmlns:a14="http://schemas.microsoft.com/office/drawing/2010/main" Requires="a14">
+        <mc:AlternateContent xmlns:mc="http://schemas.openxmlformats.org/markup-compatibility/2006" xmlns:a14="http://schemas.microsoft.com/office/drawing/2010/main">
+          <mc:Choice Requires="a14">
             <p:sp>
               <p:nvSpPr>
                 <p:cNvPr id="14" name="テキスト ボックス 13">
@@ -5511,6 +5963,7 @@
                 </a:bodyPr>
                 <a:lstStyle/>
                 <a:p>
+                  <a:pPr/>
                   <a14:m>
                     <m:oMathPara xmlns:m="http://schemas.openxmlformats.org/officeDocument/2006/math">
                       <m:oMathParaPr>
@@ -5540,7 +5993,7 @@
               </p:txBody>
             </p:sp>
           </mc:Choice>
-          <mc:Fallback>
+          <mc:Fallback xmlns="">
             <p:sp>
               <p:nvSpPr>
                 <p:cNvPr id="14" name="テキスト ボックス 13">
@@ -5586,8 +6039,8 @@
           </mc:Fallback>
         </mc:AlternateContent>
       </p:grpSp>
-      <mc:AlternateContent xmlns:mc="http://schemas.openxmlformats.org/markup-compatibility/2006">
-        <mc:Choice xmlns:a14="http://schemas.microsoft.com/office/drawing/2010/main" Requires="a14">
+      <mc:AlternateContent xmlns:mc="http://schemas.openxmlformats.org/markup-compatibility/2006" xmlns:a14="http://schemas.microsoft.com/office/drawing/2010/main">
+        <mc:Choice Requires="a14">
           <p:sp>
             <p:nvSpPr>
               <p:cNvPr id="15" name="テキスト ボックス 14">
@@ -5616,6 +6069,7 @@
               </a:bodyPr>
               <a:lstStyle/>
               <a:p>
+                <a:pPr/>
                 <a14:m>
                   <m:oMathPara xmlns:m="http://schemas.openxmlformats.org/officeDocument/2006/math">
                     <m:oMathParaPr>
@@ -5987,7 +6441,7 @@
             </p:txBody>
           </p:sp>
         </mc:Choice>
-        <mc:Fallback>
+        <mc:Fallback xmlns="">
           <p:sp>
             <p:nvSpPr>
               <p:cNvPr id="15" name="テキスト ボックス 14">
@@ -6032,8 +6486,8 @@
           </p:sp>
         </mc:Fallback>
       </mc:AlternateContent>
-      <mc:AlternateContent xmlns:mc="http://schemas.openxmlformats.org/markup-compatibility/2006">
-        <mc:Choice xmlns:a14="http://schemas.microsoft.com/office/drawing/2010/main" Requires="a14">
+      <mc:AlternateContent xmlns:mc="http://schemas.openxmlformats.org/markup-compatibility/2006" xmlns:a14="http://schemas.microsoft.com/office/drawing/2010/main">
+        <mc:Choice Requires="a14">
           <p:sp>
             <p:nvSpPr>
               <p:cNvPr id="17" name="テキスト ボックス 16">
@@ -6062,6 +6516,7 @@
               </a:bodyPr>
               <a:lstStyle/>
               <a:p>
+                <a:pPr/>
                 <a14:m>
                   <m:oMathPara xmlns:m="http://schemas.openxmlformats.org/officeDocument/2006/math">
                     <m:oMathParaPr>
@@ -6274,7 +6729,7 @@
             </p:txBody>
           </p:sp>
         </mc:Choice>
-        <mc:Fallback>
+        <mc:Fallback xmlns="">
           <p:sp>
             <p:nvSpPr>
               <p:cNvPr id="17" name="テキスト ボックス 16">
@@ -6448,8 +6903,8 @@
           </a:fontRef>
         </p:style>
       </p:cxnSp>
-      <mc:AlternateContent xmlns:mc="http://schemas.openxmlformats.org/markup-compatibility/2006">
-        <mc:Choice xmlns:a14="http://schemas.microsoft.com/office/drawing/2010/main" Requires="a14">
+      <mc:AlternateContent xmlns:mc="http://schemas.openxmlformats.org/markup-compatibility/2006" xmlns:a14="http://schemas.microsoft.com/office/drawing/2010/main">
+        <mc:Choice Requires="a14">
           <p:sp>
             <p:nvSpPr>
               <p:cNvPr id="22" name="テキスト ボックス 21">
@@ -6533,7 +6988,7 @@
             </p:txBody>
           </p:sp>
         </mc:Choice>
-        <mc:Fallback>
+        <mc:Fallback xmlns="">
           <p:sp>
             <p:nvSpPr>
               <p:cNvPr id="22" name="テキスト ボックス 21">
@@ -6578,8 +7033,8 @@
           </p:sp>
         </mc:Fallback>
       </mc:AlternateContent>
-      <mc:AlternateContent xmlns:mc="http://schemas.openxmlformats.org/markup-compatibility/2006">
-        <mc:Choice xmlns:a14="http://schemas.microsoft.com/office/drawing/2010/main" Requires="a14">
+      <mc:AlternateContent xmlns:mc="http://schemas.openxmlformats.org/markup-compatibility/2006" xmlns:a14="http://schemas.microsoft.com/office/drawing/2010/main">
+        <mc:Choice Requires="a14">
           <p:sp>
             <p:nvSpPr>
               <p:cNvPr id="23" name="テキスト ボックス 22">
@@ -6608,6 +7063,7 @@
               </a:bodyPr>
               <a:lstStyle/>
               <a:p>
+                <a:pPr/>
                 <a14:m>
                   <m:oMathPara xmlns:m="http://schemas.openxmlformats.org/officeDocument/2006/math">
                     <m:oMathParaPr>
@@ -6800,7 +7256,7 @@
             </p:txBody>
           </p:sp>
         </mc:Choice>
-        <mc:Fallback>
+        <mc:Fallback xmlns="">
           <p:sp>
             <p:nvSpPr>
               <p:cNvPr id="23" name="テキスト ボックス 22">
@@ -6859,6 +7315,548 @@
 </file>
 
 <file path=ppt/slides/slide15.xml><?xml version="1.0" encoding="utf-8"?>
+<p:sld xmlns:a="http://schemas.openxmlformats.org/drawingml/2006/main" xmlns:r="http://schemas.openxmlformats.org/officeDocument/2006/relationships" xmlns:p="http://schemas.openxmlformats.org/presentationml/2006/main">
+  <p:cSld>
+    <p:spTree>
+      <p:nvGrpSpPr>
+        <p:cNvPr id="1" name=""/>
+        <p:cNvGrpSpPr/>
+        <p:nvPr/>
+      </p:nvGrpSpPr>
+      <p:grpSpPr>
+        <a:xfrm>
+          <a:off x="0" y="0"/>
+          <a:ext cx="0" cy="0"/>
+          <a:chOff x="0" y="0"/>
+          <a:chExt cx="0" cy="0"/>
+        </a:xfrm>
+      </p:grpSpPr>
+      <p:sp>
+        <p:nvSpPr>
+          <p:cNvPr id="2" name="テキスト プレースホルダー 1">
+            <a:extLst>
+              <a:ext uri="{FF2B5EF4-FFF2-40B4-BE49-F238E27FC236}">
+                <a16:creationId xmlns:a16="http://schemas.microsoft.com/office/drawing/2014/main" id="{DF9B8F1F-CF2A-344C-F3AE-9558151440BA}"/>
+              </a:ext>
+            </a:extLst>
+          </p:cNvPr>
+          <p:cNvSpPr>
+            <a:spLocks noGrp="1"/>
+          </p:cNvSpPr>
+          <p:nvPr>
+            <p:ph type="body" sz="quarter" idx="10"/>
+          </p:nvPr>
+        </p:nvSpPr>
+        <p:spPr/>
+        <p:txBody>
+          <a:bodyPr/>
+          <a:lstStyle/>
+          <a:p>
+            <a:r>
+              <a:rPr kumimoji="1" lang="en-US" altLang="ja-JP" sz="4000"/>
+              <a:t>Lennard-Jones</a:t>
+            </a:r>
+            <a:r>
+              <a:rPr kumimoji="1" lang="ja-JP" altLang="en-US" sz="4000"/>
+              <a:t>ポテンシャル</a:t>
+            </a:r>
+          </a:p>
+        </p:txBody>
+      </p:sp>
+      <p:pic>
+        <p:nvPicPr>
+          <p:cNvPr id="4" name="図 3" descr="グラフ, 折れ線グラフ&#10;&#10;自動的に生成された説明">
+            <a:extLst>
+              <a:ext uri="{FF2B5EF4-FFF2-40B4-BE49-F238E27FC236}">
+                <a16:creationId xmlns:a16="http://schemas.microsoft.com/office/drawing/2014/main" id="{93BA549C-BDC6-86E2-CC7F-5C8EFD67A2F9}"/>
+              </a:ext>
+            </a:extLst>
+          </p:cNvPr>
+          <p:cNvPicPr>
+            <a:picLocks noChangeAspect="1"/>
+          </p:cNvPicPr>
+          <p:nvPr/>
+        </p:nvPicPr>
+        <p:blipFill>
+          <a:blip r:embed="rId2">
+            <a:extLst>
+              <a:ext uri="{28A0092B-C50C-407E-A947-70E740481C1C}">
+                <a14:useLocalDpi xmlns:a14="http://schemas.microsoft.com/office/drawing/2010/main" val="0"/>
+              </a:ext>
+            </a:extLst>
+          </a:blip>
+          <a:stretch>
+            <a:fillRect/>
+          </a:stretch>
+        </p:blipFill>
+        <p:spPr>
+          <a:xfrm>
+            <a:off x="323528" y="2852936"/>
+            <a:ext cx="4344483" cy="3258362"/>
+          </a:xfrm>
+          <a:prstGeom prst="rect">
+            <a:avLst/>
+          </a:prstGeom>
+        </p:spPr>
+      </p:pic>
+      <mc:AlternateContent xmlns:mc="http://schemas.openxmlformats.org/markup-compatibility/2006">
+        <mc:Choice xmlns:a14="http://schemas.microsoft.com/office/drawing/2010/main" Requires="a14">
+          <p:sp>
+            <p:nvSpPr>
+              <p:cNvPr id="8" name="テキスト ボックス 7">
+                <a:extLst>
+                  <a:ext uri="{FF2B5EF4-FFF2-40B4-BE49-F238E27FC236}">
+                    <a16:creationId xmlns:a16="http://schemas.microsoft.com/office/drawing/2014/main" id="{B0D1D322-E81D-9A6D-B1FC-85E5F7127453}"/>
+                  </a:ext>
+                </a:extLst>
+              </p:cNvPr>
+              <p:cNvSpPr txBox="1"/>
+              <p:nvPr/>
+            </p:nvSpPr>
+            <p:spPr>
+              <a:xfrm>
+                <a:off x="395536" y="1052736"/>
+                <a:ext cx="4989507" cy="1365182"/>
+              </a:xfrm>
+              <a:prstGeom prst="rect">
+                <a:avLst/>
+              </a:prstGeom>
+              <a:noFill/>
+              <a:ln>
+                <a:noFill/>
+              </a:ln>
+            </p:spPr>
+            <p:txBody>
+              <a:bodyPr wrap="none" rtlCol="0">
+                <a:spAutoFit/>
+              </a:bodyPr>
+              <a:lstStyle/>
+              <a:p>
+                <a14:m>
+                  <m:oMathPara xmlns:m="http://schemas.openxmlformats.org/officeDocument/2006/math">
+                    <m:oMathParaPr>
+                      <m:jc m:val="centerGroup"/>
+                    </m:oMathParaPr>
+                    <m:oMath xmlns:m="http://schemas.openxmlformats.org/officeDocument/2006/math">
+                      <m:r>
+                        <a:rPr kumimoji="1" lang="en-US" altLang="ja-JP" sz="3200" b="0" i="1" smtClean="0">
+                          <a:latin typeface="Cambria Math" panose="02040503050406030204" pitchFamily="18" charset="0"/>
+                        </a:rPr>
+                        <m:t>𝑉</m:t>
+                      </m:r>
+                      <m:d>
+                        <m:dPr>
+                          <m:ctrlPr>
+                            <a:rPr kumimoji="1" lang="en-US" altLang="ja-JP" sz="3200" b="0" i="1" smtClean="0">
+                              <a:latin typeface="Cambria Math" panose="02040503050406030204" pitchFamily="18" charset="0"/>
+                            </a:rPr>
+                          </m:ctrlPr>
+                        </m:dPr>
+                        <m:e>
+                          <m:r>
+                            <a:rPr kumimoji="1" lang="en-US" altLang="ja-JP" sz="3200" b="0" i="1" smtClean="0">
+                              <a:latin typeface="Cambria Math" panose="02040503050406030204" pitchFamily="18" charset="0"/>
+                            </a:rPr>
+                            <m:t>𝑟</m:t>
+                          </m:r>
+                        </m:e>
+                      </m:d>
+                      <m:r>
+                        <a:rPr kumimoji="1" lang="en-US" altLang="ja-JP" sz="3200" b="0" i="1" smtClean="0">
+                          <a:latin typeface="Cambria Math" panose="02040503050406030204" pitchFamily="18" charset="0"/>
+                        </a:rPr>
+                        <m:t>=4</m:t>
+                      </m:r>
+                      <m:r>
+                        <a:rPr kumimoji="1" lang="en-US" altLang="ja-JP" sz="3200" b="0" i="1" smtClean="0">
+                          <a:latin typeface="Cambria Math" panose="02040503050406030204" pitchFamily="18" charset="0"/>
+                        </a:rPr>
+                        <m:t>𝜀</m:t>
+                      </m:r>
+                      <m:d>
+                        <m:dPr>
+                          <m:ctrlPr>
+                            <a:rPr kumimoji="1" lang="en-US" altLang="ja-JP" sz="3200" b="0" i="1" smtClean="0">
+                              <a:latin typeface="Cambria Math" panose="02040503050406030204" pitchFamily="18" charset="0"/>
+                            </a:rPr>
+                          </m:ctrlPr>
+                        </m:dPr>
+                        <m:e>
+                          <m:sSup>
+                            <m:sSupPr>
+                              <m:ctrlPr>
+                                <a:rPr kumimoji="1" lang="en-US" altLang="ja-JP" sz="3200" b="0" i="1" smtClean="0">
+                                  <a:latin typeface="Cambria Math" panose="02040503050406030204" pitchFamily="18" charset="0"/>
+                                </a:rPr>
+                              </m:ctrlPr>
+                            </m:sSupPr>
+                            <m:e>
+                              <m:d>
+                                <m:dPr>
+                                  <m:ctrlPr>
+                                    <a:rPr kumimoji="1" lang="en-US" altLang="ja-JP" sz="3200" b="0" i="1" smtClean="0">
+                                      <a:latin typeface="Cambria Math" panose="02040503050406030204" pitchFamily="18" charset="0"/>
+                                    </a:rPr>
+                                  </m:ctrlPr>
+                                </m:dPr>
+                                <m:e>
+                                  <m:f>
+                                    <m:fPr>
+                                      <m:ctrlPr>
+                                        <a:rPr kumimoji="1" lang="en-US" altLang="ja-JP" sz="3200" b="0" i="1" smtClean="0">
+                                          <a:latin typeface="Cambria Math" panose="02040503050406030204" pitchFamily="18" charset="0"/>
+                                        </a:rPr>
+                                      </m:ctrlPr>
+                                    </m:fPr>
+                                    <m:num>
+                                      <m:r>
+                                        <a:rPr kumimoji="1" lang="en-US" altLang="ja-JP" sz="3200" b="0" i="1" smtClean="0">
+                                          <a:latin typeface="Cambria Math" panose="02040503050406030204" pitchFamily="18" charset="0"/>
+                                        </a:rPr>
+                                        <m:t>𝜎</m:t>
+                                      </m:r>
+                                    </m:num>
+                                    <m:den>
+                                      <m:r>
+                                        <a:rPr kumimoji="1" lang="en-US" altLang="ja-JP" sz="3200" b="0" i="1" smtClean="0">
+                                          <a:latin typeface="Cambria Math" panose="02040503050406030204" pitchFamily="18" charset="0"/>
+                                        </a:rPr>
+                                        <m:t>𝑟</m:t>
+                                      </m:r>
+                                    </m:den>
+                                  </m:f>
+                                </m:e>
+                              </m:d>
+                            </m:e>
+                            <m:sup>
+                              <m:r>
+                                <a:rPr kumimoji="1" lang="en-US" altLang="ja-JP" sz="3200" b="0" i="1" smtClean="0">
+                                  <a:latin typeface="Cambria Math" panose="02040503050406030204" pitchFamily="18" charset="0"/>
+                                </a:rPr>
+                                <m:t>12</m:t>
+                              </m:r>
+                            </m:sup>
+                          </m:sSup>
+                          <m:r>
+                            <a:rPr kumimoji="1" lang="en-US" altLang="ja-JP" sz="3200" b="0" i="1" smtClean="0">
+                              <a:latin typeface="Cambria Math" panose="02040503050406030204" pitchFamily="18" charset="0"/>
+                            </a:rPr>
+                            <m:t>−</m:t>
+                          </m:r>
+                          <m:sSup>
+                            <m:sSupPr>
+                              <m:ctrlPr>
+                                <a:rPr lang="en-US" altLang="ja-JP" sz="3200" i="1">
+                                  <a:latin typeface="Cambria Math" panose="02040503050406030204" pitchFamily="18" charset="0"/>
+                                </a:rPr>
+                              </m:ctrlPr>
+                            </m:sSupPr>
+                            <m:e>
+                              <m:d>
+                                <m:dPr>
+                                  <m:ctrlPr>
+                                    <a:rPr lang="en-US" altLang="ja-JP" sz="3200" i="1">
+                                      <a:latin typeface="Cambria Math" panose="02040503050406030204" pitchFamily="18" charset="0"/>
+                                    </a:rPr>
+                                  </m:ctrlPr>
+                                </m:dPr>
+                                <m:e>
+                                  <m:f>
+                                    <m:fPr>
+                                      <m:ctrlPr>
+                                        <a:rPr lang="en-US" altLang="ja-JP" sz="3200" i="1">
+                                          <a:latin typeface="Cambria Math" panose="02040503050406030204" pitchFamily="18" charset="0"/>
+                                        </a:rPr>
+                                      </m:ctrlPr>
+                                    </m:fPr>
+                                    <m:num>
+                                      <m:r>
+                                        <a:rPr lang="en-US" altLang="ja-JP" sz="3200" i="1">
+                                          <a:latin typeface="Cambria Math" panose="02040503050406030204" pitchFamily="18" charset="0"/>
+                                        </a:rPr>
+                                        <m:t>𝜎</m:t>
+                                      </m:r>
+                                    </m:num>
+                                    <m:den>
+                                      <m:r>
+                                        <a:rPr lang="en-US" altLang="ja-JP" sz="3200" i="1">
+                                          <a:latin typeface="Cambria Math" panose="02040503050406030204" pitchFamily="18" charset="0"/>
+                                        </a:rPr>
+                                        <m:t>𝑟</m:t>
+                                      </m:r>
+                                    </m:den>
+                                  </m:f>
+                                </m:e>
+                              </m:d>
+                            </m:e>
+                            <m:sup>
+                              <m:r>
+                                <a:rPr lang="en-US" altLang="ja-JP" sz="3200" b="0" i="1" smtClean="0">
+                                  <a:latin typeface="Cambria Math" panose="02040503050406030204" pitchFamily="18" charset="0"/>
+                                </a:rPr>
+                                <m:t>6</m:t>
+                              </m:r>
+                            </m:sup>
+                          </m:sSup>
+                        </m:e>
+                      </m:d>
+                    </m:oMath>
+                  </m:oMathPara>
+                </a14:m>
+                <a:endParaRPr kumimoji="1" lang="ja-JP" altLang="en-US" sz="2400"/>
+              </a:p>
+            </p:txBody>
+          </p:sp>
+        </mc:Choice>
+        <mc:Fallback>
+          <p:sp>
+            <p:nvSpPr>
+              <p:cNvPr id="8" name="テキスト ボックス 7">
+                <a:extLst>
+                  <a:ext uri="{FF2B5EF4-FFF2-40B4-BE49-F238E27FC236}">
+                    <a16:creationId xmlns:a16="http://schemas.microsoft.com/office/drawing/2014/main" id="{B0D1D322-E81D-9A6D-B1FC-85E5F7127453}"/>
+                  </a:ext>
+                </a:extLst>
+              </p:cNvPr>
+              <p:cNvSpPr txBox="1">
+                <a:spLocks noRot="1" noChangeAspect="1" noMove="1" noResize="1" noEditPoints="1" noAdjustHandles="1" noChangeArrowheads="1" noChangeShapeType="1" noTextEdit="1"/>
+              </p:cNvSpPr>
+              <p:nvPr/>
+            </p:nvSpPr>
+            <p:spPr>
+              <a:xfrm>
+                <a:off x="395536" y="1052736"/>
+                <a:ext cx="4989507" cy="1365182"/>
+              </a:xfrm>
+              <a:prstGeom prst="rect">
+                <a:avLst/>
+              </a:prstGeom>
+              <a:blipFill>
+                <a:blip r:embed="rId3"/>
+                <a:stretch>
+                  <a:fillRect/>
+                </a:stretch>
+              </a:blipFill>
+              <a:ln>
+                <a:noFill/>
+              </a:ln>
+            </p:spPr>
+            <p:txBody>
+              <a:bodyPr/>
+              <a:lstStyle/>
+              <a:p>
+                <a:r>
+                  <a:rPr lang="ja-JP" altLang="en-US">
+                    <a:noFill/>
+                  </a:rPr>
+                  <a:t> </a:t>
+                </a:r>
+              </a:p>
+            </p:txBody>
+          </p:sp>
+        </mc:Fallback>
+      </mc:AlternateContent>
+      <mc:AlternateContent xmlns:mc="http://schemas.openxmlformats.org/markup-compatibility/2006">
+        <mc:Choice xmlns:a14="http://schemas.microsoft.com/office/drawing/2010/main" Requires="a14">
+          <p:sp>
+            <p:nvSpPr>
+              <p:cNvPr id="9" name="テキスト ボックス 8">
+                <a:extLst>
+                  <a:ext uri="{FF2B5EF4-FFF2-40B4-BE49-F238E27FC236}">
+                    <a16:creationId xmlns:a16="http://schemas.microsoft.com/office/drawing/2014/main" id="{62551BDB-B346-A09B-737E-D561E03CCB4F}"/>
+                  </a:ext>
+                </a:extLst>
+              </p:cNvPr>
+              <p:cNvSpPr txBox="1"/>
+              <p:nvPr/>
+            </p:nvSpPr>
+            <p:spPr>
+              <a:xfrm>
+                <a:off x="5453374" y="1268760"/>
+                <a:ext cx="3690626" cy="954107"/>
+              </a:xfrm>
+              <a:prstGeom prst="rect">
+                <a:avLst/>
+              </a:prstGeom>
+              <a:noFill/>
+            </p:spPr>
+            <p:txBody>
+              <a:bodyPr wrap="none" rtlCol="0">
+                <a:spAutoFit/>
+              </a:bodyPr>
+              <a:lstStyle/>
+              <a:p>
+                <a14:m>
+                  <m:oMath xmlns:m="http://schemas.openxmlformats.org/officeDocument/2006/math">
+                    <m:r>
+                      <a:rPr kumimoji="1" lang="en-US" altLang="ja-JP" sz="2800" b="0" i="1" smtClean="0">
+                        <a:latin typeface="Cambria Math" panose="02040503050406030204" pitchFamily="18" charset="0"/>
+                      </a:rPr>
+                      <m:t>𝜀</m:t>
+                    </m:r>
+                  </m:oMath>
+                </a14:m>
+                <a:r>
+                  <a:rPr kumimoji="1" lang="en-US" altLang="ja-JP" sz="2800"/>
+                  <a:t>:</a:t>
+                </a:r>
+                <a:r>
+                  <a:rPr kumimoji="1" lang="ja-JP" altLang="en-US" sz="2800"/>
+                  <a:t>相互作用エネルギー</a:t>
+                </a:r>
+                <a:endParaRPr kumimoji="1" lang="en-US" altLang="ja-JP" sz="2800"/>
+              </a:p>
+              <a:p>
+                <a14:m>
+                  <m:oMath xmlns:m="http://schemas.openxmlformats.org/officeDocument/2006/math">
+                    <m:r>
+                      <a:rPr kumimoji="1" lang="en-US" altLang="ja-JP" sz="2800" b="0" i="1" smtClean="0">
+                        <a:latin typeface="Cambria Math" panose="02040503050406030204" pitchFamily="18" charset="0"/>
+                      </a:rPr>
+                      <m:t>𝜎</m:t>
+                    </m:r>
+                  </m:oMath>
+                </a14:m>
+                <a:r>
+                  <a:rPr kumimoji="1" lang="en-US" altLang="ja-JP" sz="2800"/>
+                  <a:t>:</a:t>
+                </a:r>
+                <a:r>
+                  <a:rPr kumimoji="1" lang="ja-JP" altLang="en-US" sz="2800"/>
+                  <a:t>原子直径</a:t>
+                </a:r>
+              </a:p>
+            </p:txBody>
+          </p:sp>
+        </mc:Choice>
+        <mc:Fallback>
+          <p:sp>
+            <p:nvSpPr>
+              <p:cNvPr id="9" name="テキスト ボックス 8">
+                <a:extLst>
+                  <a:ext uri="{FF2B5EF4-FFF2-40B4-BE49-F238E27FC236}">
+                    <a16:creationId xmlns:a16="http://schemas.microsoft.com/office/drawing/2014/main" id="{62551BDB-B346-A09B-737E-D561E03CCB4F}"/>
+                  </a:ext>
+                </a:extLst>
+              </p:cNvPr>
+              <p:cNvSpPr txBox="1">
+                <a:spLocks noRot="1" noChangeAspect="1" noMove="1" noResize="1" noEditPoints="1" noAdjustHandles="1" noChangeArrowheads="1" noChangeShapeType="1" noTextEdit="1"/>
+              </p:cNvSpPr>
+              <p:nvPr/>
+            </p:nvSpPr>
+            <p:spPr>
+              <a:xfrm>
+                <a:off x="5453374" y="1268760"/>
+                <a:ext cx="3690626" cy="954107"/>
+              </a:xfrm>
+              <a:prstGeom prst="rect">
+                <a:avLst/>
+              </a:prstGeom>
+              <a:blipFill>
+                <a:blip r:embed="rId4"/>
+                <a:stretch>
+                  <a:fillRect t="-8280" r="-1818" b="-16561"/>
+                </a:stretch>
+              </a:blipFill>
+            </p:spPr>
+            <p:txBody>
+              <a:bodyPr/>
+              <a:lstStyle/>
+              <a:p>
+                <a:r>
+                  <a:rPr lang="ja-JP" altLang="en-US">
+                    <a:noFill/>
+                  </a:rPr>
+                  <a:t> </a:t>
+                </a:r>
+              </a:p>
+            </p:txBody>
+          </p:sp>
+        </mc:Fallback>
+      </mc:AlternateContent>
+      <p:sp>
+        <p:nvSpPr>
+          <p:cNvPr id="10" name="テキスト ボックス 9">
+            <a:extLst>
+              <a:ext uri="{FF2B5EF4-FFF2-40B4-BE49-F238E27FC236}">
+                <a16:creationId xmlns:a16="http://schemas.microsoft.com/office/drawing/2014/main" id="{0BC4F9C9-C655-08A5-FC5E-E0404E1731FF}"/>
+              </a:ext>
+            </a:extLst>
+          </p:cNvPr>
+          <p:cNvSpPr txBox="1"/>
+          <p:nvPr/>
+        </p:nvSpPr>
+        <p:spPr>
+          <a:xfrm>
+            <a:off x="4716016" y="3717032"/>
+            <a:ext cx="4185761" cy="1569660"/>
+          </a:xfrm>
+          <a:prstGeom prst="rect">
+            <a:avLst/>
+          </a:prstGeom>
+          <a:noFill/>
+        </p:spPr>
+        <p:txBody>
+          <a:bodyPr wrap="none" rtlCol="0">
+            <a:spAutoFit/>
+          </a:bodyPr>
+          <a:lstStyle/>
+          <a:p>
+            <a:r>
+              <a:rPr kumimoji="1" lang="ja-JP" altLang="en-US" sz="2400"/>
+              <a:t>貴ガスの相互作用をモデル化</a:t>
+            </a:r>
+            <a:endParaRPr kumimoji="1" lang="en-US" altLang="ja-JP" sz="2400"/>
+          </a:p>
+          <a:p>
+            <a:pPr marL="285750" indent="-285750">
+              <a:buFont typeface="Arial" panose="020B0604020202020204" pitchFamily="34" charset="0"/>
+              <a:buChar char="•"/>
+            </a:pPr>
+            <a:r>
+              <a:rPr lang="ja-JP" altLang="en-US" sz="2400"/>
+              <a:t>近距離で斥力</a:t>
+            </a:r>
+            <a:endParaRPr lang="en-US" altLang="ja-JP" sz="2400"/>
+          </a:p>
+          <a:p>
+            <a:pPr marL="285750" indent="-285750">
+              <a:buFont typeface="Arial" panose="020B0604020202020204" pitchFamily="34" charset="0"/>
+              <a:buChar char="•"/>
+            </a:pPr>
+            <a:r>
+              <a:rPr kumimoji="1" lang="ja-JP" altLang="en-US" sz="2400"/>
+              <a:t>中距離で引力</a:t>
+            </a:r>
+            <a:endParaRPr kumimoji="1" lang="en-US" altLang="ja-JP" sz="2400"/>
+          </a:p>
+          <a:p>
+            <a:pPr marL="285750" indent="-285750">
+              <a:buFont typeface="Arial" panose="020B0604020202020204" pitchFamily="34" charset="0"/>
+              <a:buChar char="•"/>
+            </a:pPr>
+            <a:r>
+              <a:rPr lang="ja-JP" altLang="en-US" sz="2400"/>
+              <a:t>遠距離で相互作用無し</a:t>
+            </a:r>
+            <a:endParaRPr kumimoji="1" lang="ja-JP" altLang="en-US" sz="2400"/>
+          </a:p>
+        </p:txBody>
+      </p:sp>
+    </p:spTree>
+    <p:extLst>
+      <p:ext uri="{BB962C8B-B14F-4D97-AF65-F5344CB8AC3E}">
+        <p14:creationId xmlns:p14="http://schemas.microsoft.com/office/powerpoint/2010/main" val="4089399060"/>
+      </p:ext>
+    </p:extLst>
+  </p:cSld>
+  <p:clrMapOvr>
+    <a:masterClrMapping/>
+  </p:clrMapOvr>
+</p:sld>
+</file>
+
+<file path=ppt/slides/slide16.xml><?xml version="1.0" encoding="utf-8"?>
 <p:sld xmlns:a="http://schemas.openxmlformats.org/drawingml/2006/main" xmlns:r="http://schemas.openxmlformats.org/officeDocument/2006/relationships" xmlns:p="http://schemas.openxmlformats.org/presentationml/2006/main">
   <p:cSld>
     <p:spTree>
@@ -6951,18 +7949,19 @@
           <a:lstStyle/>
           <a:p>
             <a:r>
-              <a:rPr kumimoji="1" lang="en-US" altLang="ja-JP" sz="4000" dirty="0"/>
+              <a:rPr kumimoji="1" lang="en-US" altLang="ja-JP" sz="4000"/>
               <a:t>Lennard-Jones</a:t>
             </a:r>
             <a:r>
-              <a:rPr kumimoji="1" lang="ja-JP" altLang="en-US" sz="4000" dirty="0"/>
-              <a:t>ポテンシャルの場合</a:t>
+              <a:rPr kumimoji="1" lang="ja-JP" altLang="en-US" sz="4000"/>
+              <a:t>ポテンシャル</a:t>
             </a:r>
+            <a:endParaRPr kumimoji="1" lang="ja-JP" altLang="en-US" sz="4000" dirty="0"/>
           </a:p>
         </p:txBody>
       </p:sp>
-      <mc:AlternateContent xmlns:mc="http://schemas.openxmlformats.org/markup-compatibility/2006">
-        <mc:Choice xmlns:a14="http://schemas.microsoft.com/office/drawing/2010/main" Requires="a14">
+      <mc:AlternateContent xmlns:mc="http://schemas.openxmlformats.org/markup-compatibility/2006" xmlns:a14="http://schemas.microsoft.com/office/drawing/2010/main">
+        <mc:Choice Requires="a14">
           <p:sp>
             <p:nvSpPr>
               <p:cNvPr id="4" name="テキスト ボックス 3">
@@ -6991,6 +7990,7 @@
               </a:bodyPr>
               <a:lstStyle/>
               <a:p>
+                <a:pPr/>
                 <a14:m>
                   <m:oMathPara xmlns:m="http://schemas.openxmlformats.org/officeDocument/2006/math">
                     <m:oMathParaPr>
@@ -7101,7 +8101,7 @@
             </p:txBody>
           </p:sp>
         </mc:Choice>
-        <mc:Fallback>
+        <mc:Fallback xmlns="">
           <p:sp>
             <p:nvSpPr>
               <p:cNvPr id="4" name="テキスト ボックス 3">
@@ -7146,8 +8146,8 @@
           </p:sp>
         </mc:Fallback>
       </mc:AlternateContent>
-      <mc:AlternateContent xmlns:mc="http://schemas.openxmlformats.org/markup-compatibility/2006">
-        <mc:Choice xmlns:a14="http://schemas.microsoft.com/office/drawing/2010/main" Requires="a14">
+      <mc:AlternateContent xmlns:mc="http://schemas.openxmlformats.org/markup-compatibility/2006" xmlns:a14="http://schemas.microsoft.com/office/drawing/2010/main">
+        <mc:Choice Requires="a14">
           <p:sp>
             <p:nvSpPr>
               <p:cNvPr id="5" name="テキスト ボックス 4">
@@ -7176,6 +8176,7 @@
               </a:bodyPr>
               <a:lstStyle/>
               <a:p>
+                <a:pPr/>
                 <a14:m>
                   <m:oMathPara xmlns:m="http://schemas.openxmlformats.org/officeDocument/2006/math">
                     <m:oMathParaPr>
@@ -7250,7 +8251,7 @@
             </p:txBody>
           </p:sp>
         </mc:Choice>
-        <mc:Fallback>
+        <mc:Fallback xmlns="">
           <p:sp>
             <p:nvSpPr>
               <p:cNvPr id="5" name="テキスト ボックス 4">
@@ -7401,8 +8402,8 @@
           </a:p>
         </p:txBody>
       </p:sp>
-      <mc:AlternateContent xmlns:mc="http://schemas.openxmlformats.org/markup-compatibility/2006">
-        <mc:Choice xmlns:a14="http://schemas.microsoft.com/office/drawing/2010/main" Requires="a14">
+      <mc:AlternateContent xmlns:mc="http://schemas.openxmlformats.org/markup-compatibility/2006" xmlns:a14="http://schemas.microsoft.com/office/drawing/2010/main">
+        <mc:Choice Requires="a14">
           <p:sp>
             <p:nvSpPr>
               <p:cNvPr id="10" name="テキスト ボックス 9">
@@ -7431,6 +8432,7 @@
               </a:bodyPr>
               <a:lstStyle/>
               <a:p>
+                <a:pPr/>
                 <a14:m>
                   <m:oMathPara xmlns:m="http://schemas.openxmlformats.org/officeDocument/2006/math">
                     <m:oMathParaPr>
@@ -7568,7 +8570,7 @@
             </p:txBody>
           </p:sp>
         </mc:Choice>
-        <mc:Fallback>
+        <mc:Fallback xmlns="">
           <p:sp>
             <p:nvSpPr>
               <p:cNvPr id="10" name="テキスト ボックス 9">
@@ -7613,8 +8615,8 @@
           </p:sp>
         </mc:Fallback>
       </mc:AlternateContent>
-      <mc:AlternateContent xmlns:mc="http://schemas.openxmlformats.org/markup-compatibility/2006">
-        <mc:Choice xmlns:a14="http://schemas.microsoft.com/office/drawing/2010/main" Requires="a14">
+      <mc:AlternateContent xmlns:mc="http://schemas.openxmlformats.org/markup-compatibility/2006" xmlns:a14="http://schemas.microsoft.com/office/drawing/2010/main">
+        <mc:Choice Requires="a14">
           <p:sp>
             <p:nvSpPr>
               <p:cNvPr id="11" name="テキスト ボックス 10">
@@ -7643,6 +8645,7 @@
               </a:bodyPr>
               <a:lstStyle/>
               <a:p>
+                <a:pPr/>
                 <a14:m>
                   <m:oMathPara xmlns:m="http://schemas.openxmlformats.org/officeDocument/2006/math">
                     <m:oMathParaPr>
@@ -7752,7 +8755,7 @@
             </p:txBody>
           </p:sp>
         </mc:Choice>
-        <mc:Fallback>
+        <mc:Fallback xmlns="">
           <p:sp>
             <p:nvSpPr>
               <p:cNvPr id="11" name="テキスト ボックス 10">
@@ -7858,7 +8861,7 @@
             <p:spPr>
               <a:xfrm>
                 <a:off x="2987824" y="4941168"/>
-                <a:ext cx="3657348" cy="1337161"/>
+                <a:ext cx="4178323" cy="1337161"/>
               </a:xfrm>
               <a:prstGeom prst="rect">
                 <a:avLst/>
@@ -7871,6 +8874,7 @@
               </a:bodyPr>
               <a:lstStyle/>
               <a:p>
+                <a:pPr/>
                 <a14:m>
                   <m:oMathPara xmlns:m="http://schemas.openxmlformats.org/officeDocument/2006/math">
                     <m:oMathParaPr>
@@ -7989,6 +8993,21 @@
                         </m:e>
                       </m:d>
                       <m:r>
+                        <m:rPr>
+                          <m:sty m:val="p"/>
+                        </m:rPr>
+                        <a:rPr kumimoji="1" lang="en-US" altLang="ja-JP" sz="3600" b="0" i="0" smtClean="0">
+                          <a:latin typeface="Cambria Math" panose="02040503050406030204" pitchFamily="18" charset="0"/>
+                        </a:rPr>
+                        <m:t>Δ</m:t>
+                      </m:r>
+                      <m:r>
+                        <a:rPr kumimoji="1" lang="en-US" altLang="ja-JP" sz="3600" b="0" i="1" smtClean="0">
+                          <a:latin typeface="Cambria Math" panose="02040503050406030204" pitchFamily="18" charset="0"/>
+                        </a:rPr>
+                        <m:t>𝑥</m:t>
+                      </m:r>
+                      <m:r>
                         <a:rPr kumimoji="1" lang="en-US" altLang="ja-JP" sz="3600" b="0" i="1" smtClean="0">
                           <a:latin typeface="Cambria Math" panose="02040503050406030204" pitchFamily="18" charset="0"/>
                         </a:rPr>
@@ -8026,7 +9045,7 @@
             <p:spPr>
               <a:xfrm>
                 <a:off x="2987824" y="4941168"/>
-                <a:ext cx="3657348" cy="1337161"/>
+                <a:ext cx="4178323" cy="1337161"/>
               </a:xfrm>
               <a:prstGeom prst="rect">
                 <a:avLst/>
@@ -8152,8 +9171,8 @@
           </a:fontRef>
         </p:style>
       </p:cxnSp>
-      <mc:AlternateContent xmlns:mc="http://schemas.openxmlformats.org/markup-compatibility/2006">
-        <mc:Choice xmlns:a14="http://schemas.microsoft.com/office/drawing/2010/main" Requires="a14">
+      <mc:AlternateContent xmlns:mc="http://schemas.openxmlformats.org/markup-compatibility/2006" xmlns:a14="http://schemas.microsoft.com/office/drawing/2010/main">
+        <mc:Choice Requires="a14">
           <p:sp>
             <p:nvSpPr>
               <p:cNvPr id="18" name="テキスト ボックス 17">
@@ -8182,6 +9201,7 @@
               </a:bodyPr>
               <a:lstStyle/>
               <a:p>
+                <a:pPr/>
                 <a14:m>
                   <m:oMathPara xmlns:m="http://schemas.openxmlformats.org/officeDocument/2006/math">
                     <m:oMathParaPr>
@@ -8202,7 +9222,7 @@
             </p:txBody>
           </p:sp>
         </mc:Choice>
-        <mc:Fallback>
+        <mc:Fallback xmlns="">
           <p:sp>
             <p:nvSpPr>
               <p:cNvPr id="18" name="テキスト ボックス 17">
@@ -8292,8 +9312,8 @@
           </a:fontRef>
         </p:style>
       </p:cxnSp>
-      <mc:AlternateContent xmlns:mc="http://schemas.openxmlformats.org/markup-compatibility/2006">
-        <mc:Choice xmlns:a14="http://schemas.microsoft.com/office/drawing/2010/main" Requires="a14">
+      <mc:AlternateContent xmlns:mc="http://schemas.openxmlformats.org/markup-compatibility/2006" xmlns:a14="http://schemas.microsoft.com/office/drawing/2010/main">
+        <mc:Choice Requires="a14">
           <p:sp>
             <p:nvSpPr>
               <p:cNvPr id="20" name="テキスト ボックス 19">
@@ -8322,6 +9342,7 @@
               </a:bodyPr>
               <a:lstStyle/>
               <a:p>
+                <a:pPr/>
                 <a14:m>
                   <m:oMathPara xmlns:m="http://schemas.openxmlformats.org/officeDocument/2006/math">
                     <m:oMathParaPr>
@@ -8351,7 +9372,7 @@
             </p:txBody>
           </p:sp>
         </mc:Choice>
-        <mc:Fallback>
+        <mc:Fallback xmlns="">
           <p:sp>
             <p:nvSpPr>
               <p:cNvPr id="20" name="テキスト ボックス 19">
@@ -8441,8 +9462,8 @@
           </a:fontRef>
         </p:style>
       </p:cxnSp>
-      <mc:AlternateContent xmlns:mc="http://schemas.openxmlformats.org/markup-compatibility/2006">
-        <mc:Choice xmlns:a14="http://schemas.microsoft.com/office/drawing/2010/main" Requires="a14">
+      <mc:AlternateContent xmlns:mc="http://schemas.openxmlformats.org/markup-compatibility/2006" xmlns:a14="http://schemas.microsoft.com/office/drawing/2010/main">
+        <mc:Choice Requires="a14">
           <p:sp>
             <p:nvSpPr>
               <p:cNvPr id="24" name="テキスト ボックス 23">
@@ -8471,6 +9492,7 @@
               </a:bodyPr>
               <a:lstStyle/>
               <a:p>
+                <a:pPr/>
                 <a14:m>
                   <m:oMathPara xmlns:m="http://schemas.openxmlformats.org/officeDocument/2006/math">
                     <m:oMathParaPr>
@@ -8503,7 +9525,7 @@
             </p:txBody>
           </p:sp>
         </mc:Choice>
-        <mc:Fallback>
+        <mc:Fallback xmlns="">
           <p:sp>
             <p:nvSpPr>
               <p:cNvPr id="24" name="テキスト ボックス 23">
@@ -8703,7 +9725,5086 @@
 </p:sld>
 </file>
 
-<file path=ppt/slides/slide16.xml><?xml version="1.0" encoding="utf-8"?>
+<file path=ppt/slides/slide17.xml><?xml version="1.0" encoding="utf-8"?>
+<p:sld xmlns:a="http://schemas.openxmlformats.org/drawingml/2006/main" xmlns:r="http://schemas.openxmlformats.org/officeDocument/2006/relationships" xmlns:p="http://schemas.openxmlformats.org/presentationml/2006/main">
+  <p:cSld>
+    <p:spTree>
+      <p:nvGrpSpPr>
+        <p:cNvPr id="1" name=""/>
+        <p:cNvGrpSpPr/>
+        <p:nvPr/>
+      </p:nvGrpSpPr>
+      <p:grpSpPr>
+        <a:xfrm>
+          <a:off x="0" y="0"/>
+          <a:ext cx="0" cy="0"/>
+          <a:chOff x="0" y="0"/>
+          <a:chExt cx="0" cy="0"/>
+        </a:xfrm>
+      </p:grpSpPr>
+      <p:sp>
+        <p:nvSpPr>
+          <p:cNvPr id="2" name="テキスト プレースホルダー 1">
+            <a:extLst>
+              <a:ext uri="{FF2B5EF4-FFF2-40B4-BE49-F238E27FC236}">
+                <a16:creationId xmlns:a16="http://schemas.microsoft.com/office/drawing/2014/main" id="{413BEA2B-AB28-8E47-AD07-429713BC64AB}"/>
+              </a:ext>
+            </a:extLst>
+          </p:cNvPr>
+          <p:cNvSpPr>
+            <a:spLocks noGrp="1"/>
+          </p:cNvSpPr>
+          <p:nvPr>
+            <p:ph type="body" sz="quarter" idx="10"/>
+          </p:nvPr>
+        </p:nvSpPr>
+        <p:spPr/>
+        <p:txBody>
+          <a:bodyPr/>
+          <a:lstStyle/>
+          <a:p>
+            <a:r>
+              <a:rPr kumimoji="1" lang="en-US" altLang="ja-JP" sz="4000"/>
+              <a:t>Lennard-Jones</a:t>
+            </a:r>
+            <a:r>
+              <a:rPr kumimoji="1" lang="ja-JP" altLang="en-US" sz="4000"/>
+              <a:t>ポテンシャル</a:t>
+            </a:r>
+          </a:p>
+        </p:txBody>
+      </p:sp>
+      <p:pic>
+        <p:nvPicPr>
+          <p:cNvPr id="3" name="図 2" descr="グラフ, 折れ線グラフ&#10;&#10;自動的に生成された説明">
+            <a:extLst>
+              <a:ext uri="{FF2B5EF4-FFF2-40B4-BE49-F238E27FC236}">
+                <a16:creationId xmlns:a16="http://schemas.microsoft.com/office/drawing/2014/main" id="{A32C0A54-7E09-24F8-FD66-208AAB66172C}"/>
+              </a:ext>
+            </a:extLst>
+          </p:cNvPr>
+          <p:cNvPicPr>
+            <a:picLocks noChangeAspect="1"/>
+          </p:cNvPicPr>
+          <p:nvPr/>
+        </p:nvPicPr>
+        <p:blipFill>
+          <a:blip r:embed="rId2">
+            <a:extLst>
+              <a:ext uri="{28A0092B-C50C-407E-A947-70E740481C1C}">
+                <a14:useLocalDpi xmlns:a14="http://schemas.microsoft.com/office/drawing/2010/main" val="0"/>
+              </a:ext>
+            </a:extLst>
+          </a:blip>
+          <a:stretch>
+            <a:fillRect/>
+          </a:stretch>
+        </p:blipFill>
+        <p:spPr>
+          <a:xfrm>
+            <a:off x="573639" y="1268760"/>
+            <a:ext cx="4344483" cy="3258362"/>
+          </a:xfrm>
+          <a:prstGeom prst="rect">
+            <a:avLst/>
+          </a:prstGeom>
+        </p:spPr>
+      </p:pic>
+      <p:sp>
+        <p:nvSpPr>
+          <p:cNvPr id="4" name="テキスト ボックス 3">
+            <a:extLst>
+              <a:ext uri="{FF2B5EF4-FFF2-40B4-BE49-F238E27FC236}">
+                <a16:creationId xmlns:a16="http://schemas.microsoft.com/office/drawing/2014/main" id="{2003D398-6BED-58B9-80EE-E203701F8E02}"/>
+              </a:ext>
+            </a:extLst>
+          </p:cNvPr>
+          <p:cNvSpPr txBox="1"/>
+          <p:nvPr/>
+        </p:nvSpPr>
+        <p:spPr>
+          <a:xfrm>
+            <a:off x="4966127" y="2132856"/>
+            <a:ext cx="4185761" cy="1569660"/>
+          </a:xfrm>
+          <a:prstGeom prst="rect">
+            <a:avLst/>
+          </a:prstGeom>
+          <a:noFill/>
+        </p:spPr>
+        <p:txBody>
+          <a:bodyPr wrap="none" rtlCol="0">
+            <a:spAutoFit/>
+          </a:bodyPr>
+          <a:lstStyle/>
+          <a:p>
+            <a:r>
+              <a:rPr kumimoji="1" lang="ja-JP" altLang="en-US" sz="2400"/>
+              <a:t>貴ガスの相互作用をモデル化</a:t>
+            </a:r>
+            <a:endParaRPr kumimoji="1" lang="en-US" altLang="ja-JP" sz="2400"/>
+          </a:p>
+          <a:p>
+            <a:pPr marL="285750" indent="-285750">
+              <a:buFont typeface="Arial" panose="020B0604020202020204" pitchFamily="34" charset="0"/>
+              <a:buChar char="•"/>
+            </a:pPr>
+            <a:r>
+              <a:rPr lang="ja-JP" altLang="en-US" sz="2400"/>
+              <a:t>近距離で斥力</a:t>
+            </a:r>
+            <a:endParaRPr lang="en-US" altLang="ja-JP" sz="2400"/>
+          </a:p>
+          <a:p>
+            <a:pPr marL="285750" indent="-285750">
+              <a:buFont typeface="Arial" panose="020B0604020202020204" pitchFamily="34" charset="0"/>
+              <a:buChar char="•"/>
+            </a:pPr>
+            <a:r>
+              <a:rPr kumimoji="1" lang="ja-JP" altLang="en-US" sz="2400"/>
+              <a:t>中距離で引力</a:t>
+            </a:r>
+            <a:endParaRPr kumimoji="1" lang="en-US" altLang="ja-JP" sz="2400"/>
+          </a:p>
+          <a:p>
+            <a:pPr marL="285750" indent="-285750">
+              <a:buFont typeface="Arial" panose="020B0604020202020204" pitchFamily="34" charset="0"/>
+              <a:buChar char="•"/>
+            </a:pPr>
+            <a:r>
+              <a:rPr lang="ja-JP" altLang="en-US" sz="2400">
+                <a:solidFill>
+                  <a:srgbClr val="FF0000"/>
+                </a:solidFill>
+              </a:rPr>
+              <a:t>遠距離で相互作用無し</a:t>
+            </a:r>
+            <a:endParaRPr kumimoji="1" lang="ja-JP" altLang="en-US" sz="2400">
+              <a:solidFill>
+                <a:srgbClr val="FF0000"/>
+              </a:solidFill>
+            </a:endParaRPr>
+          </a:p>
+        </p:txBody>
+      </p:sp>
+      <p:sp>
+        <p:nvSpPr>
+          <p:cNvPr id="5" name="テキスト ボックス 4">
+            <a:extLst>
+              <a:ext uri="{FF2B5EF4-FFF2-40B4-BE49-F238E27FC236}">
+                <a16:creationId xmlns:a16="http://schemas.microsoft.com/office/drawing/2014/main" id="{2672965F-7240-C3DC-BF98-6EFD630A3FD4}"/>
+              </a:ext>
+            </a:extLst>
+          </p:cNvPr>
+          <p:cNvSpPr txBox="1"/>
+          <p:nvPr/>
+        </p:nvSpPr>
+        <p:spPr>
+          <a:xfrm>
+            <a:off x="611560" y="4797152"/>
+            <a:ext cx="7725192" cy="1384995"/>
+          </a:xfrm>
+          <a:prstGeom prst="rect">
+            <a:avLst/>
+          </a:prstGeom>
+          <a:noFill/>
+        </p:spPr>
+        <p:txBody>
+          <a:bodyPr wrap="none" rtlCol="0">
+            <a:spAutoFit/>
+          </a:bodyPr>
+          <a:lstStyle/>
+          <a:p>
+            <a:r>
+              <a:rPr lang="ja-JP" altLang="en-US" sz="2800"/>
+              <a:t>原子は</a:t>
+            </a:r>
+            <a:r>
+              <a:rPr kumimoji="1" lang="ja-JP" altLang="en-US" sz="2800"/>
+              <a:t>遠距離で相互作用しない</a:t>
+            </a:r>
+            <a:endParaRPr kumimoji="1" lang="en-US" altLang="ja-JP" sz="2800"/>
+          </a:p>
+          <a:p>
+            <a:r>
+              <a:rPr kumimoji="1" lang="ja-JP" altLang="en-US" sz="2800"/>
+              <a:t>カットオフ距離を設定し、それ以遠は無視</a:t>
+            </a:r>
+            <a:endParaRPr kumimoji="1" lang="en-US" altLang="ja-JP" sz="2800"/>
+          </a:p>
+          <a:p>
+            <a:r>
+              <a:rPr kumimoji="1" lang="ja-JP" altLang="en-US" sz="2800"/>
+              <a:t>カットオフ距離内の原子ペアのみ力を計算する</a:t>
+            </a:r>
+          </a:p>
+        </p:txBody>
+      </p:sp>
+    </p:spTree>
+    <p:extLst>
+      <p:ext uri="{BB962C8B-B14F-4D97-AF65-F5344CB8AC3E}">
+        <p14:creationId xmlns:p14="http://schemas.microsoft.com/office/powerpoint/2010/main" val="2870320001"/>
+      </p:ext>
+    </p:extLst>
+  </p:cSld>
+  <p:clrMapOvr>
+    <a:masterClrMapping/>
+  </p:clrMapOvr>
+</p:sld>
+</file>
+
+<file path=ppt/slides/slide18.xml><?xml version="1.0" encoding="utf-8"?>
+<p:sld xmlns:a="http://schemas.openxmlformats.org/drawingml/2006/main" xmlns:r="http://schemas.openxmlformats.org/officeDocument/2006/relationships" xmlns:p="http://schemas.openxmlformats.org/presentationml/2006/main">
+  <p:cSld>
+    <p:spTree>
+      <p:nvGrpSpPr>
+        <p:cNvPr id="1" name=""/>
+        <p:cNvGrpSpPr/>
+        <p:nvPr/>
+      </p:nvGrpSpPr>
+      <p:grpSpPr>
+        <a:xfrm>
+          <a:off x="0" y="0"/>
+          <a:ext cx="0" cy="0"/>
+          <a:chOff x="0" y="0"/>
+          <a:chExt cx="0" cy="0"/>
+        </a:xfrm>
+      </p:grpSpPr>
+      <p:sp>
+        <p:nvSpPr>
+          <p:cNvPr id="2" name="テキスト プレースホルダー 1">
+            <a:extLst>
+              <a:ext uri="{FF2B5EF4-FFF2-40B4-BE49-F238E27FC236}">
+                <a16:creationId xmlns:a16="http://schemas.microsoft.com/office/drawing/2014/main" id="{B765B7AB-0872-06B5-29EA-9B7BD8375A14}"/>
+              </a:ext>
+            </a:extLst>
+          </p:cNvPr>
+          <p:cNvSpPr>
+            <a:spLocks noGrp="1"/>
+          </p:cNvSpPr>
+          <p:nvPr>
+            <p:ph type="body" sz="quarter" idx="10"/>
+          </p:nvPr>
+        </p:nvSpPr>
+        <p:spPr/>
+        <p:txBody>
+          <a:bodyPr/>
+          <a:lstStyle/>
+          <a:p>
+            <a:r>
+              <a:rPr kumimoji="1" lang="ja-JP" altLang="en-US"/>
+              <a:t>相互作用ペア探索</a:t>
+            </a:r>
+          </a:p>
+        </p:txBody>
+      </p:sp>
+      <p:sp>
+        <p:nvSpPr>
+          <p:cNvPr id="3" name="楕円 2">
+            <a:extLst>
+              <a:ext uri="{FF2B5EF4-FFF2-40B4-BE49-F238E27FC236}">
+                <a16:creationId xmlns:a16="http://schemas.microsoft.com/office/drawing/2014/main" id="{A0CDC3E2-4877-B1A7-EA29-B9C6EB62912E}"/>
+              </a:ext>
+            </a:extLst>
+          </p:cNvPr>
+          <p:cNvSpPr/>
+          <p:nvPr/>
+        </p:nvSpPr>
+        <p:spPr>
+          <a:xfrm>
+            <a:off x="2555776" y="1772816"/>
+            <a:ext cx="3600400" cy="3600400"/>
+          </a:xfrm>
+          <a:prstGeom prst="ellipse">
+            <a:avLst/>
+          </a:prstGeom>
+          <a:noFill/>
+          <a:ln>
+            <a:solidFill>
+              <a:schemeClr val="tx1"/>
+            </a:solidFill>
+          </a:ln>
+        </p:spPr>
+        <p:style>
+          <a:lnRef idx="2">
+            <a:schemeClr val="accent1">
+              <a:shade val="50000"/>
+            </a:schemeClr>
+          </a:lnRef>
+          <a:fillRef idx="1">
+            <a:schemeClr val="accent1"/>
+          </a:fillRef>
+          <a:effectRef idx="0">
+            <a:schemeClr val="accent1"/>
+          </a:effectRef>
+          <a:fontRef idx="minor">
+            <a:schemeClr val="lt1"/>
+          </a:fontRef>
+        </p:style>
+        <p:txBody>
+          <a:bodyPr rtlCol="0" anchor="ctr"/>
+          <a:lstStyle/>
+          <a:p>
+            <a:pPr algn="ctr"/>
+            <a:endParaRPr kumimoji="1" lang="ja-JP" altLang="en-US"/>
+          </a:p>
+        </p:txBody>
+      </p:sp>
+      <p:sp>
+        <p:nvSpPr>
+          <p:cNvPr id="4" name="楕円 3">
+            <a:extLst>
+              <a:ext uri="{FF2B5EF4-FFF2-40B4-BE49-F238E27FC236}">
+                <a16:creationId xmlns:a16="http://schemas.microsoft.com/office/drawing/2014/main" id="{5366AD61-41CF-AF4F-8A5D-1F473DD8B471}"/>
+              </a:ext>
+            </a:extLst>
+          </p:cNvPr>
+          <p:cNvSpPr/>
+          <p:nvPr/>
+        </p:nvSpPr>
+        <p:spPr>
+          <a:xfrm>
+            <a:off x="3995936" y="3212976"/>
+            <a:ext cx="720080" cy="720080"/>
+          </a:xfrm>
+          <a:prstGeom prst="ellipse">
+            <a:avLst/>
+          </a:prstGeom>
+          <a:solidFill>
+            <a:srgbClr val="FF0000"/>
+          </a:solidFill>
+          <a:ln>
+            <a:solidFill>
+              <a:schemeClr val="tx1"/>
+            </a:solidFill>
+          </a:ln>
+        </p:spPr>
+        <p:style>
+          <a:lnRef idx="2">
+            <a:schemeClr val="accent1">
+              <a:shade val="50000"/>
+            </a:schemeClr>
+          </a:lnRef>
+          <a:fillRef idx="1">
+            <a:schemeClr val="accent1"/>
+          </a:fillRef>
+          <a:effectRef idx="0">
+            <a:schemeClr val="accent1"/>
+          </a:effectRef>
+          <a:fontRef idx="minor">
+            <a:schemeClr val="lt1"/>
+          </a:fontRef>
+        </p:style>
+        <p:txBody>
+          <a:bodyPr rtlCol="0" anchor="ctr"/>
+          <a:lstStyle/>
+          <a:p>
+            <a:pPr algn="ctr"/>
+            <a:endParaRPr kumimoji="1" lang="ja-JP" altLang="en-US"/>
+          </a:p>
+        </p:txBody>
+      </p:sp>
+      <p:sp>
+        <p:nvSpPr>
+          <p:cNvPr id="5" name="楕円 4">
+            <a:extLst>
+              <a:ext uri="{FF2B5EF4-FFF2-40B4-BE49-F238E27FC236}">
+                <a16:creationId xmlns:a16="http://schemas.microsoft.com/office/drawing/2014/main" id="{430FB6FF-7FC5-057B-8A06-A03246E31DFB}"/>
+              </a:ext>
+            </a:extLst>
+          </p:cNvPr>
+          <p:cNvSpPr/>
+          <p:nvPr/>
+        </p:nvSpPr>
+        <p:spPr>
+          <a:xfrm>
+            <a:off x="4355976" y="2132856"/>
+            <a:ext cx="720080" cy="720080"/>
+          </a:xfrm>
+          <a:prstGeom prst="ellipse">
+            <a:avLst/>
+          </a:prstGeom>
+          <a:solidFill>
+            <a:srgbClr val="011893"/>
+          </a:solidFill>
+          <a:ln>
+            <a:solidFill>
+              <a:schemeClr val="tx1"/>
+            </a:solidFill>
+          </a:ln>
+        </p:spPr>
+        <p:style>
+          <a:lnRef idx="2">
+            <a:schemeClr val="accent1">
+              <a:shade val="50000"/>
+            </a:schemeClr>
+          </a:lnRef>
+          <a:fillRef idx="1">
+            <a:schemeClr val="accent1"/>
+          </a:fillRef>
+          <a:effectRef idx="0">
+            <a:schemeClr val="accent1"/>
+          </a:effectRef>
+          <a:fontRef idx="minor">
+            <a:schemeClr val="lt1"/>
+          </a:fontRef>
+        </p:style>
+        <p:txBody>
+          <a:bodyPr rtlCol="0" anchor="ctr"/>
+          <a:lstStyle/>
+          <a:p>
+            <a:pPr algn="ctr"/>
+            <a:endParaRPr kumimoji="1" lang="ja-JP" altLang="en-US"/>
+          </a:p>
+        </p:txBody>
+      </p:sp>
+      <p:sp>
+        <p:nvSpPr>
+          <p:cNvPr id="6" name="楕円 5">
+            <a:extLst>
+              <a:ext uri="{FF2B5EF4-FFF2-40B4-BE49-F238E27FC236}">
+                <a16:creationId xmlns:a16="http://schemas.microsoft.com/office/drawing/2014/main" id="{C579B62E-80C6-691F-53EA-5F471B6F0017}"/>
+              </a:ext>
+            </a:extLst>
+          </p:cNvPr>
+          <p:cNvSpPr/>
+          <p:nvPr/>
+        </p:nvSpPr>
+        <p:spPr>
+          <a:xfrm>
+            <a:off x="3203848" y="2420888"/>
+            <a:ext cx="720080" cy="720080"/>
+          </a:xfrm>
+          <a:prstGeom prst="ellipse">
+            <a:avLst/>
+          </a:prstGeom>
+          <a:solidFill>
+            <a:srgbClr val="011893"/>
+          </a:solidFill>
+          <a:ln>
+            <a:solidFill>
+              <a:schemeClr val="tx1"/>
+            </a:solidFill>
+          </a:ln>
+        </p:spPr>
+        <p:style>
+          <a:lnRef idx="2">
+            <a:schemeClr val="accent1">
+              <a:shade val="50000"/>
+            </a:schemeClr>
+          </a:lnRef>
+          <a:fillRef idx="1">
+            <a:schemeClr val="accent1"/>
+          </a:fillRef>
+          <a:effectRef idx="0">
+            <a:schemeClr val="accent1"/>
+          </a:effectRef>
+          <a:fontRef idx="minor">
+            <a:schemeClr val="lt1"/>
+          </a:fontRef>
+        </p:style>
+        <p:txBody>
+          <a:bodyPr rtlCol="0" anchor="ctr"/>
+          <a:lstStyle/>
+          <a:p>
+            <a:pPr algn="ctr"/>
+            <a:endParaRPr kumimoji="1" lang="ja-JP" altLang="en-US"/>
+          </a:p>
+        </p:txBody>
+      </p:sp>
+      <p:sp>
+        <p:nvSpPr>
+          <p:cNvPr id="7" name="楕円 6">
+            <a:extLst>
+              <a:ext uri="{FF2B5EF4-FFF2-40B4-BE49-F238E27FC236}">
+                <a16:creationId xmlns:a16="http://schemas.microsoft.com/office/drawing/2014/main" id="{7811493C-BB80-81CC-B9FC-0216BD5326FC}"/>
+              </a:ext>
+            </a:extLst>
+          </p:cNvPr>
+          <p:cNvSpPr/>
+          <p:nvPr/>
+        </p:nvSpPr>
+        <p:spPr>
+          <a:xfrm>
+            <a:off x="5004048" y="3573016"/>
+            <a:ext cx="720080" cy="720080"/>
+          </a:xfrm>
+          <a:prstGeom prst="ellipse">
+            <a:avLst/>
+          </a:prstGeom>
+          <a:solidFill>
+            <a:srgbClr val="011893"/>
+          </a:solidFill>
+          <a:ln>
+            <a:solidFill>
+              <a:schemeClr val="tx1"/>
+            </a:solidFill>
+          </a:ln>
+        </p:spPr>
+        <p:style>
+          <a:lnRef idx="2">
+            <a:schemeClr val="accent1">
+              <a:shade val="50000"/>
+            </a:schemeClr>
+          </a:lnRef>
+          <a:fillRef idx="1">
+            <a:schemeClr val="accent1"/>
+          </a:fillRef>
+          <a:effectRef idx="0">
+            <a:schemeClr val="accent1"/>
+          </a:effectRef>
+          <a:fontRef idx="minor">
+            <a:schemeClr val="lt1"/>
+          </a:fontRef>
+        </p:style>
+        <p:txBody>
+          <a:bodyPr rtlCol="0" anchor="ctr"/>
+          <a:lstStyle/>
+          <a:p>
+            <a:pPr algn="ctr"/>
+            <a:endParaRPr kumimoji="1" lang="ja-JP" altLang="en-US"/>
+          </a:p>
+        </p:txBody>
+      </p:sp>
+      <p:sp>
+        <p:nvSpPr>
+          <p:cNvPr id="8" name="楕円 7">
+            <a:extLst>
+              <a:ext uri="{FF2B5EF4-FFF2-40B4-BE49-F238E27FC236}">
+                <a16:creationId xmlns:a16="http://schemas.microsoft.com/office/drawing/2014/main" id="{767D3C62-E37F-F779-B674-9D35F054B82B}"/>
+              </a:ext>
+            </a:extLst>
+          </p:cNvPr>
+          <p:cNvSpPr/>
+          <p:nvPr/>
+        </p:nvSpPr>
+        <p:spPr>
+          <a:xfrm>
+            <a:off x="3779912" y="4293096"/>
+            <a:ext cx="720080" cy="720080"/>
+          </a:xfrm>
+          <a:prstGeom prst="ellipse">
+            <a:avLst/>
+          </a:prstGeom>
+          <a:solidFill>
+            <a:srgbClr val="011893"/>
+          </a:solidFill>
+          <a:ln>
+            <a:solidFill>
+              <a:schemeClr val="tx1"/>
+            </a:solidFill>
+          </a:ln>
+        </p:spPr>
+        <p:style>
+          <a:lnRef idx="2">
+            <a:schemeClr val="accent1">
+              <a:shade val="50000"/>
+            </a:schemeClr>
+          </a:lnRef>
+          <a:fillRef idx="1">
+            <a:schemeClr val="accent1"/>
+          </a:fillRef>
+          <a:effectRef idx="0">
+            <a:schemeClr val="accent1"/>
+          </a:effectRef>
+          <a:fontRef idx="minor">
+            <a:schemeClr val="lt1"/>
+          </a:fontRef>
+        </p:style>
+        <p:txBody>
+          <a:bodyPr rtlCol="0" anchor="ctr"/>
+          <a:lstStyle/>
+          <a:p>
+            <a:pPr algn="ctr"/>
+            <a:endParaRPr kumimoji="1" lang="ja-JP" altLang="en-US"/>
+          </a:p>
+        </p:txBody>
+      </p:sp>
+      <p:sp>
+        <p:nvSpPr>
+          <p:cNvPr id="9" name="楕円 8">
+            <a:extLst>
+              <a:ext uri="{FF2B5EF4-FFF2-40B4-BE49-F238E27FC236}">
+                <a16:creationId xmlns:a16="http://schemas.microsoft.com/office/drawing/2014/main" id="{596398E1-DE9C-14E0-6BC9-5A6149660AAF}"/>
+              </a:ext>
+            </a:extLst>
+          </p:cNvPr>
+          <p:cNvSpPr/>
+          <p:nvPr/>
+        </p:nvSpPr>
+        <p:spPr>
+          <a:xfrm>
+            <a:off x="2987824" y="3645024"/>
+            <a:ext cx="720080" cy="720080"/>
+          </a:xfrm>
+          <a:prstGeom prst="ellipse">
+            <a:avLst/>
+          </a:prstGeom>
+          <a:solidFill>
+            <a:srgbClr val="011893"/>
+          </a:solidFill>
+          <a:ln>
+            <a:solidFill>
+              <a:schemeClr val="tx1"/>
+            </a:solidFill>
+          </a:ln>
+        </p:spPr>
+        <p:style>
+          <a:lnRef idx="2">
+            <a:schemeClr val="accent1">
+              <a:shade val="50000"/>
+            </a:schemeClr>
+          </a:lnRef>
+          <a:fillRef idx="1">
+            <a:schemeClr val="accent1"/>
+          </a:fillRef>
+          <a:effectRef idx="0">
+            <a:schemeClr val="accent1"/>
+          </a:effectRef>
+          <a:fontRef idx="minor">
+            <a:schemeClr val="lt1"/>
+          </a:fontRef>
+        </p:style>
+        <p:txBody>
+          <a:bodyPr rtlCol="0" anchor="ctr"/>
+          <a:lstStyle/>
+          <a:p>
+            <a:pPr algn="ctr"/>
+            <a:endParaRPr kumimoji="1" lang="ja-JP" altLang="en-US"/>
+          </a:p>
+        </p:txBody>
+      </p:sp>
+      <p:sp>
+        <p:nvSpPr>
+          <p:cNvPr id="10" name="楕円 9">
+            <a:extLst>
+              <a:ext uri="{FF2B5EF4-FFF2-40B4-BE49-F238E27FC236}">
+                <a16:creationId xmlns:a16="http://schemas.microsoft.com/office/drawing/2014/main" id="{43BEE561-4164-6A40-DE0D-9EF5240E80D3}"/>
+              </a:ext>
+            </a:extLst>
+          </p:cNvPr>
+          <p:cNvSpPr/>
+          <p:nvPr/>
+        </p:nvSpPr>
+        <p:spPr>
+          <a:xfrm>
+            <a:off x="2339752" y="1556792"/>
+            <a:ext cx="720080" cy="720080"/>
+          </a:xfrm>
+          <a:prstGeom prst="ellipse">
+            <a:avLst/>
+          </a:prstGeom>
+          <a:solidFill>
+            <a:schemeClr val="accent6">
+              <a:lumMod val="60000"/>
+              <a:lumOff val="40000"/>
+            </a:schemeClr>
+          </a:solidFill>
+          <a:ln>
+            <a:solidFill>
+              <a:schemeClr val="tx1"/>
+            </a:solidFill>
+          </a:ln>
+        </p:spPr>
+        <p:style>
+          <a:lnRef idx="2">
+            <a:schemeClr val="accent1">
+              <a:shade val="50000"/>
+            </a:schemeClr>
+          </a:lnRef>
+          <a:fillRef idx="1">
+            <a:schemeClr val="accent1"/>
+          </a:fillRef>
+          <a:effectRef idx="0">
+            <a:schemeClr val="accent1"/>
+          </a:effectRef>
+          <a:fontRef idx="minor">
+            <a:schemeClr val="lt1"/>
+          </a:fontRef>
+        </p:style>
+        <p:txBody>
+          <a:bodyPr rtlCol="0" anchor="ctr"/>
+          <a:lstStyle/>
+          <a:p>
+            <a:pPr algn="ctr"/>
+            <a:endParaRPr kumimoji="1" lang="ja-JP" altLang="en-US"/>
+          </a:p>
+        </p:txBody>
+      </p:sp>
+      <p:sp>
+        <p:nvSpPr>
+          <p:cNvPr id="11" name="楕円 10">
+            <a:extLst>
+              <a:ext uri="{FF2B5EF4-FFF2-40B4-BE49-F238E27FC236}">
+                <a16:creationId xmlns:a16="http://schemas.microsoft.com/office/drawing/2014/main" id="{7CDBB347-9308-3A98-ADEE-095E0482CCC5}"/>
+              </a:ext>
+            </a:extLst>
+          </p:cNvPr>
+          <p:cNvSpPr/>
+          <p:nvPr/>
+        </p:nvSpPr>
+        <p:spPr>
+          <a:xfrm>
+            <a:off x="4788024" y="1124744"/>
+            <a:ext cx="720080" cy="720080"/>
+          </a:xfrm>
+          <a:prstGeom prst="ellipse">
+            <a:avLst/>
+          </a:prstGeom>
+          <a:solidFill>
+            <a:schemeClr val="accent6">
+              <a:lumMod val="60000"/>
+              <a:lumOff val="40000"/>
+            </a:schemeClr>
+          </a:solidFill>
+          <a:ln>
+            <a:solidFill>
+              <a:schemeClr val="tx1"/>
+            </a:solidFill>
+          </a:ln>
+        </p:spPr>
+        <p:style>
+          <a:lnRef idx="2">
+            <a:schemeClr val="accent1">
+              <a:shade val="50000"/>
+            </a:schemeClr>
+          </a:lnRef>
+          <a:fillRef idx="1">
+            <a:schemeClr val="accent1"/>
+          </a:fillRef>
+          <a:effectRef idx="0">
+            <a:schemeClr val="accent1"/>
+          </a:effectRef>
+          <a:fontRef idx="minor">
+            <a:schemeClr val="lt1"/>
+          </a:fontRef>
+        </p:style>
+        <p:txBody>
+          <a:bodyPr rtlCol="0" anchor="ctr"/>
+          <a:lstStyle/>
+          <a:p>
+            <a:pPr algn="ctr"/>
+            <a:endParaRPr kumimoji="1" lang="ja-JP" altLang="en-US"/>
+          </a:p>
+        </p:txBody>
+      </p:sp>
+      <p:sp>
+        <p:nvSpPr>
+          <p:cNvPr id="12" name="楕円 11">
+            <a:extLst>
+              <a:ext uri="{FF2B5EF4-FFF2-40B4-BE49-F238E27FC236}">
+                <a16:creationId xmlns:a16="http://schemas.microsoft.com/office/drawing/2014/main" id="{DBF3F65E-47E6-2786-004A-6396B0195C91}"/>
+              </a:ext>
+            </a:extLst>
+          </p:cNvPr>
+          <p:cNvSpPr/>
+          <p:nvPr/>
+        </p:nvSpPr>
+        <p:spPr>
+          <a:xfrm>
+            <a:off x="5940152" y="1772816"/>
+            <a:ext cx="720080" cy="720080"/>
+          </a:xfrm>
+          <a:prstGeom prst="ellipse">
+            <a:avLst/>
+          </a:prstGeom>
+          <a:solidFill>
+            <a:schemeClr val="accent6">
+              <a:lumMod val="60000"/>
+              <a:lumOff val="40000"/>
+            </a:schemeClr>
+          </a:solidFill>
+          <a:ln>
+            <a:solidFill>
+              <a:schemeClr val="tx1"/>
+            </a:solidFill>
+          </a:ln>
+        </p:spPr>
+        <p:style>
+          <a:lnRef idx="2">
+            <a:schemeClr val="accent1">
+              <a:shade val="50000"/>
+            </a:schemeClr>
+          </a:lnRef>
+          <a:fillRef idx="1">
+            <a:schemeClr val="accent1"/>
+          </a:fillRef>
+          <a:effectRef idx="0">
+            <a:schemeClr val="accent1"/>
+          </a:effectRef>
+          <a:fontRef idx="minor">
+            <a:schemeClr val="lt1"/>
+          </a:fontRef>
+        </p:style>
+        <p:txBody>
+          <a:bodyPr rtlCol="0" anchor="ctr"/>
+          <a:lstStyle/>
+          <a:p>
+            <a:pPr algn="ctr"/>
+            <a:endParaRPr kumimoji="1" lang="ja-JP" altLang="en-US"/>
+          </a:p>
+        </p:txBody>
+      </p:sp>
+      <p:sp>
+        <p:nvSpPr>
+          <p:cNvPr id="13" name="楕円 12">
+            <a:extLst>
+              <a:ext uri="{FF2B5EF4-FFF2-40B4-BE49-F238E27FC236}">
+                <a16:creationId xmlns:a16="http://schemas.microsoft.com/office/drawing/2014/main" id="{D98E26F2-7307-0053-CBB4-2CFEA33E4A20}"/>
+              </a:ext>
+            </a:extLst>
+          </p:cNvPr>
+          <p:cNvSpPr/>
+          <p:nvPr/>
+        </p:nvSpPr>
+        <p:spPr>
+          <a:xfrm>
+            <a:off x="1691680" y="3068960"/>
+            <a:ext cx="720080" cy="720080"/>
+          </a:xfrm>
+          <a:prstGeom prst="ellipse">
+            <a:avLst/>
+          </a:prstGeom>
+          <a:solidFill>
+            <a:schemeClr val="accent6">
+              <a:lumMod val="60000"/>
+              <a:lumOff val="40000"/>
+            </a:schemeClr>
+          </a:solidFill>
+          <a:ln>
+            <a:solidFill>
+              <a:schemeClr val="tx1"/>
+            </a:solidFill>
+          </a:ln>
+        </p:spPr>
+        <p:style>
+          <a:lnRef idx="2">
+            <a:schemeClr val="accent1">
+              <a:shade val="50000"/>
+            </a:schemeClr>
+          </a:lnRef>
+          <a:fillRef idx="1">
+            <a:schemeClr val="accent1"/>
+          </a:fillRef>
+          <a:effectRef idx="0">
+            <a:schemeClr val="accent1"/>
+          </a:effectRef>
+          <a:fontRef idx="minor">
+            <a:schemeClr val="lt1"/>
+          </a:fontRef>
+        </p:style>
+        <p:txBody>
+          <a:bodyPr rtlCol="0" anchor="ctr"/>
+          <a:lstStyle/>
+          <a:p>
+            <a:pPr algn="ctr"/>
+            <a:endParaRPr kumimoji="1" lang="ja-JP" altLang="en-US"/>
+          </a:p>
+        </p:txBody>
+      </p:sp>
+      <p:sp>
+        <p:nvSpPr>
+          <p:cNvPr id="14" name="楕円 13">
+            <a:extLst>
+              <a:ext uri="{FF2B5EF4-FFF2-40B4-BE49-F238E27FC236}">
+                <a16:creationId xmlns:a16="http://schemas.microsoft.com/office/drawing/2014/main" id="{086C32C8-7836-0A3B-6E69-51CC5049B8BA}"/>
+              </a:ext>
+            </a:extLst>
+          </p:cNvPr>
+          <p:cNvSpPr/>
+          <p:nvPr/>
+        </p:nvSpPr>
+        <p:spPr>
+          <a:xfrm>
+            <a:off x="2051720" y="4653136"/>
+            <a:ext cx="720080" cy="720080"/>
+          </a:xfrm>
+          <a:prstGeom prst="ellipse">
+            <a:avLst/>
+          </a:prstGeom>
+          <a:solidFill>
+            <a:schemeClr val="accent6">
+              <a:lumMod val="60000"/>
+              <a:lumOff val="40000"/>
+            </a:schemeClr>
+          </a:solidFill>
+          <a:ln>
+            <a:solidFill>
+              <a:schemeClr val="tx1"/>
+            </a:solidFill>
+          </a:ln>
+        </p:spPr>
+        <p:style>
+          <a:lnRef idx="2">
+            <a:schemeClr val="accent1">
+              <a:shade val="50000"/>
+            </a:schemeClr>
+          </a:lnRef>
+          <a:fillRef idx="1">
+            <a:schemeClr val="accent1"/>
+          </a:fillRef>
+          <a:effectRef idx="0">
+            <a:schemeClr val="accent1"/>
+          </a:effectRef>
+          <a:fontRef idx="minor">
+            <a:schemeClr val="lt1"/>
+          </a:fontRef>
+        </p:style>
+        <p:txBody>
+          <a:bodyPr rtlCol="0" anchor="ctr"/>
+          <a:lstStyle/>
+          <a:p>
+            <a:pPr algn="ctr"/>
+            <a:endParaRPr kumimoji="1" lang="ja-JP" altLang="en-US"/>
+          </a:p>
+        </p:txBody>
+      </p:sp>
+      <p:sp>
+        <p:nvSpPr>
+          <p:cNvPr id="15" name="楕円 14">
+            <a:extLst>
+              <a:ext uri="{FF2B5EF4-FFF2-40B4-BE49-F238E27FC236}">
+                <a16:creationId xmlns:a16="http://schemas.microsoft.com/office/drawing/2014/main" id="{87820DD7-6EBE-62E0-C924-6713A7953922}"/>
+              </a:ext>
+            </a:extLst>
+          </p:cNvPr>
+          <p:cNvSpPr/>
+          <p:nvPr/>
+        </p:nvSpPr>
+        <p:spPr>
+          <a:xfrm>
+            <a:off x="6228184" y="3140968"/>
+            <a:ext cx="720080" cy="720080"/>
+          </a:xfrm>
+          <a:prstGeom prst="ellipse">
+            <a:avLst/>
+          </a:prstGeom>
+          <a:solidFill>
+            <a:schemeClr val="accent6">
+              <a:lumMod val="60000"/>
+              <a:lumOff val="40000"/>
+            </a:schemeClr>
+          </a:solidFill>
+          <a:ln>
+            <a:solidFill>
+              <a:schemeClr val="tx1"/>
+            </a:solidFill>
+          </a:ln>
+        </p:spPr>
+        <p:style>
+          <a:lnRef idx="2">
+            <a:schemeClr val="accent1">
+              <a:shade val="50000"/>
+            </a:schemeClr>
+          </a:lnRef>
+          <a:fillRef idx="1">
+            <a:schemeClr val="accent1"/>
+          </a:fillRef>
+          <a:effectRef idx="0">
+            <a:schemeClr val="accent1"/>
+          </a:effectRef>
+          <a:fontRef idx="minor">
+            <a:schemeClr val="lt1"/>
+          </a:fontRef>
+        </p:style>
+        <p:txBody>
+          <a:bodyPr rtlCol="0" anchor="ctr"/>
+          <a:lstStyle/>
+          <a:p>
+            <a:pPr algn="ctr"/>
+            <a:endParaRPr kumimoji="1" lang="ja-JP" altLang="en-US"/>
+          </a:p>
+        </p:txBody>
+      </p:sp>
+      <p:sp>
+        <p:nvSpPr>
+          <p:cNvPr id="16" name="楕円 15">
+            <a:extLst>
+              <a:ext uri="{FF2B5EF4-FFF2-40B4-BE49-F238E27FC236}">
+                <a16:creationId xmlns:a16="http://schemas.microsoft.com/office/drawing/2014/main" id="{DFA35070-EB58-C249-E195-67CF443425BE}"/>
+              </a:ext>
+            </a:extLst>
+          </p:cNvPr>
+          <p:cNvSpPr/>
+          <p:nvPr/>
+        </p:nvSpPr>
+        <p:spPr>
+          <a:xfrm>
+            <a:off x="5796136" y="4653136"/>
+            <a:ext cx="720080" cy="720080"/>
+          </a:xfrm>
+          <a:prstGeom prst="ellipse">
+            <a:avLst/>
+          </a:prstGeom>
+          <a:solidFill>
+            <a:schemeClr val="accent6">
+              <a:lumMod val="60000"/>
+              <a:lumOff val="40000"/>
+            </a:schemeClr>
+          </a:solidFill>
+          <a:ln>
+            <a:solidFill>
+              <a:schemeClr val="tx1"/>
+            </a:solidFill>
+          </a:ln>
+        </p:spPr>
+        <p:style>
+          <a:lnRef idx="2">
+            <a:schemeClr val="accent1">
+              <a:shade val="50000"/>
+            </a:schemeClr>
+          </a:lnRef>
+          <a:fillRef idx="1">
+            <a:schemeClr val="accent1"/>
+          </a:fillRef>
+          <a:effectRef idx="0">
+            <a:schemeClr val="accent1"/>
+          </a:effectRef>
+          <a:fontRef idx="minor">
+            <a:schemeClr val="lt1"/>
+          </a:fontRef>
+        </p:style>
+        <p:txBody>
+          <a:bodyPr rtlCol="0" anchor="ctr"/>
+          <a:lstStyle/>
+          <a:p>
+            <a:pPr algn="ctr"/>
+            <a:endParaRPr kumimoji="1" lang="ja-JP" altLang="en-US"/>
+          </a:p>
+        </p:txBody>
+      </p:sp>
+      <p:cxnSp>
+        <p:nvCxnSpPr>
+          <p:cNvPr id="18" name="直線矢印コネクタ 17">
+            <a:extLst>
+              <a:ext uri="{FF2B5EF4-FFF2-40B4-BE49-F238E27FC236}">
+                <a16:creationId xmlns:a16="http://schemas.microsoft.com/office/drawing/2014/main" id="{E0385531-08D6-EBFC-E532-774E009B2B8E}"/>
+              </a:ext>
+            </a:extLst>
+          </p:cNvPr>
+          <p:cNvCxnSpPr>
+            <a:endCxn id="3" idx="6"/>
+          </p:cNvCxnSpPr>
+          <p:nvPr/>
+        </p:nvCxnSpPr>
+        <p:spPr>
+          <a:xfrm>
+            <a:off x="4355976" y="3573016"/>
+            <a:ext cx="1800200" cy="0"/>
+          </a:xfrm>
+          <a:prstGeom prst="straightConnector1">
+            <a:avLst/>
+          </a:prstGeom>
+          <a:ln>
+            <a:solidFill>
+              <a:schemeClr val="tx1"/>
+            </a:solidFill>
+            <a:headEnd type="triangle"/>
+            <a:tailEnd type="triangle"/>
+          </a:ln>
+        </p:spPr>
+        <p:style>
+          <a:lnRef idx="1">
+            <a:schemeClr val="accent1"/>
+          </a:lnRef>
+          <a:fillRef idx="0">
+            <a:schemeClr val="accent1"/>
+          </a:fillRef>
+          <a:effectRef idx="0">
+            <a:schemeClr val="accent1"/>
+          </a:effectRef>
+          <a:fontRef idx="minor">
+            <a:schemeClr val="tx1"/>
+          </a:fontRef>
+        </p:style>
+      </p:cxnSp>
+      <p:sp>
+        <p:nvSpPr>
+          <p:cNvPr id="19" name="テキスト ボックス 18">
+            <a:extLst>
+              <a:ext uri="{FF2B5EF4-FFF2-40B4-BE49-F238E27FC236}">
+                <a16:creationId xmlns:a16="http://schemas.microsoft.com/office/drawing/2014/main" id="{0F38C656-897D-2ADE-B5C2-53D81EADF146}"/>
+              </a:ext>
+            </a:extLst>
+          </p:cNvPr>
+          <p:cNvSpPr txBox="1"/>
+          <p:nvPr/>
+        </p:nvSpPr>
+        <p:spPr>
+          <a:xfrm>
+            <a:off x="4572000" y="3140968"/>
+            <a:ext cx="1441420" cy="307777"/>
+          </a:xfrm>
+          <a:prstGeom prst="rect">
+            <a:avLst/>
+          </a:prstGeom>
+          <a:noFill/>
+        </p:spPr>
+        <p:txBody>
+          <a:bodyPr wrap="none" rtlCol="0">
+            <a:spAutoFit/>
+          </a:bodyPr>
+          <a:lstStyle/>
+          <a:p>
+            <a:r>
+              <a:rPr kumimoji="1" lang="ja-JP" altLang="en-US" sz="1400"/>
+              <a:t>カットオフ距離</a:t>
+            </a:r>
+          </a:p>
+        </p:txBody>
+      </p:sp>
+      <p:sp>
+        <p:nvSpPr>
+          <p:cNvPr id="21" name="テキスト ボックス 20">
+            <a:extLst>
+              <a:ext uri="{FF2B5EF4-FFF2-40B4-BE49-F238E27FC236}">
+                <a16:creationId xmlns:a16="http://schemas.microsoft.com/office/drawing/2014/main" id="{6D1A01A9-A901-BFA2-8C9B-962D5D36AC69}"/>
+              </a:ext>
+            </a:extLst>
+          </p:cNvPr>
+          <p:cNvSpPr txBox="1"/>
+          <p:nvPr/>
+        </p:nvSpPr>
+        <p:spPr>
+          <a:xfrm>
+            <a:off x="827584" y="5805264"/>
+            <a:ext cx="7704856" cy="954107"/>
+          </a:xfrm>
+          <a:prstGeom prst="rect">
+            <a:avLst/>
+          </a:prstGeom>
+          <a:noFill/>
+        </p:spPr>
+        <p:txBody>
+          <a:bodyPr wrap="square" rtlCol="0">
+            <a:spAutoFit/>
+          </a:bodyPr>
+          <a:lstStyle/>
+          <a:p>
+            <a:r>
+              <a:rPr kumimoji="1" lang="ja-JP" altLang="en-US" sz="2800"/>
+              <a:t>注目する原子から見て</a:t>
+            </a:r>
+            <a:r>
+              <a:rPr lang="ja-JP" altLang="en-US" sz="2800"/>
+              <a:t>カットオフ距離内にいる原子番号のリストを作りたい</a:t>
+            </a:r>
+            <a:endParaRPr lang="en-US" altLang="ja-JP" sz="2800"/>
+          </a:p>
+        </p:txBody>
+      </p:sp>
+    </p:spTree>
+    <p:extLst>
+      <p:ext uri="{BB962C8B-B14F-4D97-AF65-F5344CB8AC3E}">
+        <p14:creationId xmlns:p14="http://schemas.microsoft.com/office/powerpoint/2010/main" val="1005631359"/>
+      </p:ext>
+    </p:extLst>
+  </p:cSld>
+  <p:clrMapOvr>
+    <a:masterClrMapping/>
+  </p:clrMapOvr>
+</p:sld>
+</file>
+
+<file path=ppt/slides/slide19.xml><?xml version="1.0" encoding="utf-8"?>
+<p:sld xmlns:a="http://schemas.openxmlformats.org/drawingml/2006/main" xmlns:r="http://schemas.openxmlformats.org/officeDocument/2006/relationships" xmlns:p="http://schemas.openxmlformats.org/presentationml/2006/main">
+  <p:cSld>
+    <p:spTree>
+      <p:nvGrpSpPr>
+        <p:cNvPr id="1" name=""/>
+        <p:cNvGrpSpPr/>
+        <p:nvPr/>
+      </p:nvGrpSpPr>
+      <p:grpSpPr>
+        <a:xfrm>
+          <a:off x="0" y="0"/>
+          <a:ext cx="0" cy="0"/>
+          <a:chOff x="0" y="0"/>
+          <a:chExt cx="0" cy="0"/>
+        </a:xfrm>
+      </p:grpSpPr>
+      <p:sp>
+        <p:nvSpPr>
+          <p:cNvPr id="2" name="テキスト プレースホルダー 1">
+            <a:extLst>
+              <a:ext uri="{FF2B5EF4-FFF2-40B4-BE49-F238E27FC236}">
+                <a16:creationId xmlns:a16="http://schemas.microsoft.com/office/drawing/2014/main" id="{95472924-5478-5E8E-1E8C-57B9F464A0FF}"/>
+              </a:ext>
+            </a:extLst>
+          </p:cNvPr>
+          <p:cNvSpPr>
+            <a:spLocks noGrp="1"/>
+          </p:cNvSpPr>
+          <p:nvPr>
+            <p:ph type="body" sz="quarter" idx="10"/>
+          </p:nvPr>
+        </p:nvSpPr>
+        <p:spPr/>
+        <p:txBody>
+          <a:bodyPr/>
+          <a:lstStyle/>
+          <a:p>
+            <a:r>
+              <a:rPr kumimoji="1" lang="ja-JP" altLang="en-US"/>
+              <a:t>相互作用ペア探索</a:t>
+            </a:r>
+          </a:p>
+        </p:txBody>
+      </p:sp>
+      <p:sp>
+        <p:nvSpPr>
+          <p:cNvPr id="4" name="テキスト ボックス 3">
+            <a:extLst>
+              <a:ext uri="{FF2B5EF4-FFF2-40B4-BE49-F238E27FC236}">
+                <a16:creationId xmlns:a16="http://schemas.microsoft.com/office/drawing/2014/main" id="{247456FA-E0C4-7F5F-D903-1C57B9C9DF79}"/>
+              </a:ext>
+            </a:extLst>
+          </p:cNvPr>
+          <p:cNvSpPr txBox="1"/>
+          <p:nvPr/>
+        </p:nvSpPr>
+        <p:spPr>
+          <a:xfrm>
+            <a:off x="611560" y="2204864"/>
+            <a:ext cx="5112568" cy="2554545"/>
+          </a:xfrm>
+          <a:prstGeom prst="rect">
+            <a:avLst/>
+          </a:prstGeom>
+          <a:noFill/>
+          <a:ln>
+            <a:solidFill>
+              <a:schemeClr val="tx1"/>
+            </a:solidFill>
+          </a:ln>
+        </p:spPr>
+        <p:txBody>
+          <a:bodyPr wrap="square">
+            <a:spAutoFit/>
+          </a:bodyPr>
+          <a:lstStyle/>
+          <a:p>
+            <a:r>
+              <a:rPr lang="en-US" altLang="ja-JP" sz="2000" b="0">
+                <a:solidFill>
+                  <a:srgbClr val="0991B6"/>
+                </a:solidFill>
+                <a:effectLst/>
+                <a:latin typeface="Consolas" panose="020B0609020204030204" pitchFamily="49" charset="0"/>
+              </a:rPr>
+              <a:t>for</a:t>
+            </a:r>
+            <a:r>
+              <a:rPr lang="en-US" altLang="ja-JP" sz="2000" b="0">
+                <a:solidFill>
+                  <a:srgbClr val="236EBF"/>
+                </a:solidFill>
+                <a:effectLst/>
+                <a:latin typeface="Consolas" panose="020B0609020204030204" pitchFamily="49" charset="0"/>
+              </a:rPr>
+              <a:t> i </a:t>
+            </a:r>
+            <a:r>
+              <a:rPr lang="en-US" altLang="ja-JP" sz="2000" b="0">
+                <a:solidFill>
+                  <a:srgbClr val="0991B6"/>
+                </a:solidFill>
+                <a:effectLst/>
+                <a:latin typeface="Consolas" panose="020B0609020204030204" pitchFamily="49" charset="0"/>
+              </a:rPr>
+              <a:t>in</a:t>
+            </a:r>
+            <a:r>
+              <a:rPr lang="en-US" altLang="ja-JP" sz="2000" b="0">
+                <a:solidFill>
+                  <a:srgbClr val="236EBF"/>
+                </a:solidFill>
+                <a:effectLst/>
+                <a:latin typeface="Consolas" panose="020B0609020204030204" pitchFamily="49" charset="0"/>
+              </a:rPr>
+              <a:t> </a:t>
+            </a:r>
+            <a:r>
+              <a:rPr lang="en-US" altLang="ja-JP" sz="2000" b="0">
+                <a:solidFill>
+                  <a:srgbClr val="08134A"/>
+                </a:solidFill>
+                <a:effectLst/>
+                <a:latin typeface="Consolas" panose="020B0609020204030204" pitchFamily="49" charset="0"/>
+              </a:rPr>
+              <a:t>range</a:t>
+            </a:r>
+            <a:r>
+              <a:rPr lang="en-US" altLang="ja-JP" sz="2000" b="0">
+                <a:solidFill>
+                  <a:srgbClr val="236EBF"/>
+                </a:solidFill>
+                <a:effectLst/>
+                <a:latin typeface="Consolas" panose="020B0609020204030204" pitchFamily="49" charset="0"/>
+              </a:rPr>
+              <a:t>(N</a:t>
+            </a:r>
+            <a:r>
+              <a:rPr lang="en-US" altLang="ja-JP" sz="2000" b="0">
+                <a:solidFill>
+                  <a:srgbClr val="7B30D0"/>
+                </a:solidFill>
+                <a:effectLst/>
+                <a:latin typeface="Consolas" panose="020B0609020204030204" pitchFamily="49" charset="0"/>
+              </a:rPr>
+              <a:t>-</a:t>
+            </a:r>
+            <a:r>
+              <a:rPr lang="en-US" altLang="ja-JP" sz="2000" b="0">
+                <a:solidFill>
+                  <a:srgbClr val="174781"/>
+                </a:solidFill>
+                <a:effectLst/>
+                <a:latin typeface="Consolas" panose="020B0609020204030204" pitchFamily="49" charset="0"/>
+              </a:rPr>
+              <a:t>1</a:t>
+            </a:r>
+            <a:r>
+              <a:rPr lang="en-US" altLang="ja-JP" sz="2000" b="0">
+                <a:solidFill>
+                  <a:srgbClr val="236EBF"/>
+                </a:solidFill>
+                <a:effectLst/>
+                <a:latin typeface="Consolas" panose="020B0609020204030204" pitchFamily="49" charset="0"/>
+              </a:rPr>
+              <a:t>):</a:t>
+            </a:r>
+          </a:p>
+          <a:p>
+            <a:r>
+              <a:rPr lang="en-US" altLang="ja-JP" sz="2000" b="0">
+                <a:solidFill>
+                  <a:srgbClr val="236EBF"/>
+                </a:solidFill>
+                <a:effectLst/>
+                <a:latin typeface="Consolas" panose="020B0609020204030204" pitchFamily="49" charset="0"/>
+              </a:rPr>
+              <a:t>    </a:t>
+            </a:r>
+            <a:r>
+              <a:rPr lang="en-US" altLang="ja-JP" sz="2000" b="0">
+                <a:solidFill>
+                  <a:srgbClr val="0991B6"/>
+                </a:solidFill>
+                <a:effectLst/>
+                <a:latin typeface="Consolas" panose="020B0609020204030204" pitchFamily="49" charset="0"/>
+              </a:rPr>
+              <a:t>for</a:t>
+            </a:r>
+            <a:r>
+              <a:rPr lang="en-US" altLang="ja-JP" sz="2000" b="0">
+                <a:solidFill>
+                  <a:srgbClr val="236EBF"/>
+                </a:solidFill>
+                <a:effectLst/>
+                <a:latin typeface="Consolas" panose="020B0609020204030204" pitchFamily="49" charset="0"/>
+              </a:rPr>
+              <a:t> j </a:t>
+            </a:r>
+            <a:r>
+              <a:rPr lang="en-US" altLang="ja-JP" sz="2000" b="0">
+                <a:solidFill>
+                  <a:srgbClr val="0991B6"/>
+                </a:solidFill>
+                <a:effectLst/>
+                <a:latin typeface="Consolas" panose="020B0609020204030204" pitchFamily="49" charset="0"/>
+              </a:rPr>
+              <a:t>in</a:t>
+            </a:r>
+            <a:r>
+              <a:rPr lang="en-US" altLang="ja-JP" sz="2000" b="0">
+                <a:solidFill>
+                  <a:srgbClr val="236EBF"/>
+                </a:solidFill>
+                <a:effectLst/>
+                <a:latin typeface="Consolas" panose="020B0609020204030204" pitchFamily="49" charset="0"/>
+              </a:rPr>
+              <a:t> </a:t>
+            </a:r>
+            <a:r>
+              <a:rPr lang="en-US" altLang="ja-JP" sz="2000" b="0">
+                <a:solidFill>
+                  <a:srgbClr val="08134A"/>
+                </a:solidFill>
+                <a:effectLst/>
+                <a:latin typeface="Consolas" panose="020B0609020204030204" pitchFamily="49" charset="0"/>
+              </a:rPr>
+              <a:t>range</a:t>
+            </a:r>
+            <a:r>
+              <a:rPr lang="en-US" altLang="ja-JP" sz="2000" b="0">
+                <a:solidFill>
+                  <a:srgbClr val="236EBF"/>
+                </a:solidFill>
+                <a:effectLst/>
+                <a:latin typeface="Consolas" panose="020B0609020204030204" pitchFamily="49" charset="0"/>
+              </a:rPr>
+              <a:t>(i+1,N):</a:t>
+            </a:r>
+          </a:p>
+          <a:p>
+            <a:r>
+              <a:rPr lang="en-US" altLang="ja-JP" sz="2000" b="0">
+                <a:solidFill>
+                  <a:srgbClr val="236EBF"/>
+                </a:solidFill>
+                <a:effectLst/>
+                <a:latin typeface="Consolas" panose="020B0609020204030204" pitchFamily="49" charset="0"/>
+              </a:rPr>
+              <a:t>        dx </a:t>
+            </a:r>
+            <a:r>
+              <a:rPr lang="en-US" altLang="ja-JP" sz="2000" b="0">
+                <a:solidFill>
+                  <a:srgbClr val="7B30D0"/>
+                </a:solidFill>
+                <a:effectLst/>
+                <a:latin typeface="Consolas" panose="020B0609020204030204" pitchFamily="49" charset="0"/>
+              </a:rPr>
+              <a:t>=</a:t>
+            </a:r>
+            <a:r>
+              <a:rPr lang="en-US" altLang="ja-JP" sz="2000" b="0">
+                <a:solidFill>
+                  <a:srgbClr val="236EBF"/>
+                </a:solidFill>
+                <a:effectLst/>
+                <a:latin typeface="Consolas" panose="020B0609020204030204" pitchFamily="49" charset="0"/>
+              </a:rPr>
+              <a:t> qx[i] </a:t>
+            </a:r>
+            <a:r>
+              <a:rPr lang="en-US" altLang="ja-JP" sz="2000" b="0">
+                <a:solidFill>
+                  <a:srgbClr val="7B30D0"/>
+                </a:solidFill>
+                <a:effectLst/>
+                <a:latin typeface="Consolas" panose="020B0609020204030204" pitchFamily="49" charset="0"/>
+              </a:rPr>
+              <a:t>-</a:t>
+            </a:r>
+            <a:r>
+              <a:rPr lang="en-US" altLang="ja-JP" sz="2000" b="0">
+                <a:solidFill>
+                  <a:srgbClr val="236EBF"/>
+                </a:solidFill>
+                <a:effectLst/>
+                <a:latin typeface="Consolas" panose="020B0609020204030204" pitchFamily="49" charset="0"/>
+              </a:rPr>
+              <a:t> qx[j]</a:t>
+            </a:r>
+          </a:p>
+          <a:p>
+            <a:r>
+              <a:rPr lang="en-US" altLang="ja-JP" sz="2000" b="0">
+                <a:solidFill>
+                  <a:srgbClr val="236EBF"/>
+                </a:solidFill>
+                <a:effectLst/>
+                <a:latin typeface="Consolas" panose="020B0609020204030204" pitchFamily="49" charset="0"/>
+              </a:rPr>
+              <a:t>        dy </a:t>
+            </a:r>
+            <a:r>
+              <a:rPr lang="en-US" altLang="ja-JP" sz="2000" b="0">
+                <a:solidFill>
+                  <a:srgbClr val="7B30D0"/>
+                </a:solidFill>
+                <a:effectLst/>
+                <a:latin typeface="Consolas" panose="020B0609020204030204" pitchFamily="49" charset="0"/>
+              </a:rPr>
+              <a:t>=</a:t>
+            </a:r>
+            <a:r>
+              <a:rPr lang="en-US" altLang="ja-JP" sz="2000" b="0">
+                <a:solidFill>
+                  <a:srgbClr val="236EBF"/>
+                </a:solidFill>
+                <a:effectLst/>
+                <a:latin typeface="Consolas" panose="020B0609020204030204" pitchFamily="49" charset="0"/>
+              </a:rPr>
+              <a:t> qy[i] </a:t>
+            </a:r>
+            <a:r>
+              <a:rPr lang="en-US" altLang="ja-JP" sz="2000" b="0">
+                <a:solidFill>
+                  <a:srgbClr val="7B30D0"/>
+                </a:solidFill>
+                <a:effectLst/>
+                <a:latin typeface="Consolas" panose="020B0609020204030204" pitchFamily="49" charset="0"/>
+              </a:rPr>
+              <a:t>-</a:t>
+            </a:r>
+            <a:r>
+              <a:rPr lang="en-US" altLang="ja-JP" sz="2000" b="0">
+                <a:solidFill>
+                  <a:srgbClr val="236EBF"/>
+                </a:solidFill>
+                <a:effectLst/>
+                <a:latin typeface="Consolas" panose="020B0609020204030204" pitchFamily="49" charset="0"/>
+              </a:rPr>
+              <a:t> qy[j]</a:t>
+            </a:r>
+          </a:p>
+          <a:p>
+            <a:r>
+              <a:rPr lang="en-US" altLang="ja-JP" sz="2000" b="0">
+                <a:solidFill>
+                  <a:srgbClr val="236EBF"/>
+                </a:solidFill>
+                <a:effectLst/>
+                <a:latin typeface="Consolas" panose="020B0609020204030204" pitchFamily="49" charset="0"/>
+              </a:rPr>
+              <a:t>        dz </a:t>
+            </a:r>
+            <a:r>
+              <a:rPr lang="en-US" altLang="ja-JP" sz="2000" b="0">
+                <a:solidFill>
+                  <a:srgbClr val="7B30D0"/>
+                </a:solidFill>
+                <a:effectLst/>
+                <a:latin typeface="Consolas" panose="020B0609020204030204" pitchFamily="49" charset="0"/>
+              </a:rPr>
+              <a:t>=</a:t>
+            </a:r>
+            <a:r>
+              <a:rPr lang="en-US" altLang="ja-JP" sz="2000" b="0">
+                <a:solidFill>
+                  <a:srgbClr val="236EBF"/>
+                </a:solidFill>
+                <a:effectLst/>
+                <a:latin typeface="Consolas" panose="020B0609020204030204" pitchFamily="49" charset="0"/>
+              </a:rPr>
+              <a:t> qz[i] </a:t>
+            </a:r>
+            <a:r>
+              <a:rPr lang="en-US" altLang="ja-JP" sz="2000" b="0">
+                <a:solidFill>
+                  <a:srgbClr val="7B30D0"/>
+                </a:solidFill>
+                <a:effectLst/>
+                <a:latin typeface="Consolas" panose="020B0609020204030204" pitchFamily="49" charset="0"/>
+              </a:rPr>
+              <a:t>-</a:t>
+            </a:r>
+            <a:r>
+              <a:rPr lang="en-US" altLang="ja-JP" sz="2000" b="0">
+                <a:solidFill>
+                  <a:srgbClr val="236EBF"/>
+                </a:solidFill>
+                <a:effectLst/>
+                <a:latin typeface="Consolas" panose="020B0609020204030204" pitchFamily="49" charset="0"/>
+              </a:rPr>
+              <a:t> qz[j]</a:t>
+            </a:r>
+          </a:p>
+          <a:p>
+            <a:r>
+              <a:rPr lang="en-US" altLang="ja-JP" sz="2000" b="0">
+                <a:solidFill>
+                  <a:srgbClr val="236EBF"/>
+                </a:solidFill>
+                <a:effectLst/>
+                <a:latin typeface="Consolas" panose="020B0609020204030204" pitchFamily="49" charset="0"/>
+              </a:rPr>
+              <a:t>        r2 </a:t>
+            </a:r>
+            <a:r>
+              <a:rPr lang="en-US" altLang="ja-JP" sz="2000" b="0">
+                <a:solidFill>
+                  <a:srgbClr val="7B30D0"/>
+                </a:solidFill>
+                <a:effectLst/>
+                <a:latin typeface="Consolas" panose="020B0609020204030204" pitchFamily="49" charset="0"/>
+              </a:rPr>
+              <a:t>=</a:t>
+            </a:r>
+            <a:r>
+              <a:rPr lang="en-US" altLang="ja-JP" sz="2000" b="0">
+                <a:solidFill>
+                  <a:srgbClr val="236EBF"/>
+                </a:solidFill>
+                <a:effectLst/>
+                <a:latin typeface="Consolas" panose="020B0609020204030204" pitchFamily="49" charset="0"/>
+              </a:rPr>
+              <a:t> dx</a:t>
+            </a:r>
+            <a:r>
+              <a:rPr lang="en-US" altLang="ja-JP" sz="2000" b="0">
+                <a:solidFill>
+                  <a:srgbClr val="7B30D0"/>
+                </a:solidFill>
+                <a:effectLst/>
+                <a:latin typeface="Consolas" panose="020B0609020204030204" pitchFamily="49" charset="0"/>
+              </a:rPr>
+              <a:t>**</a:t>
+            </a:r>
+            <a:r>
+              <a:rPr lang="en-US" altLang="ja-JP" sz="2000" b="0">
+                <a:solidFill>
+                  <a:srgbClr val="174781"/>
+                </a:solidFill>
+                <a:effectLst/>
+                <a:latin typeface="Consolas" panose="020B0609020204030204" pitchFamily="49" charset="0"/>
+              </a:rPr>
+              <a:t>2</a:t>
+            </a:r>
+            <a:r>
+              <a:rPr lang="en-US" altLang="ja-JP" sz="2000" b="0">
+                <a:solidFill>
+                  <a:srgbClr val="236EBF"/>
+                </a:solidFill>
+                <a:effectLst/>
+                <a:latin typeface="Consolas" panose="020B0609020204030204" pitchFamily="49" charset="0"/>
+              </a:rPr>
+              <a:t> </a:t>
+            </a:r>
+            <a:r>
+              <a:rPr lang="en-US" altLang="ja-JP" sz="2000" b="0">
+                <a:solidFill>
+                  <a:srgbClr val="7B30D0"/>
+                </a:solidFill>
+                <a:effectLst/>
+                <a:latin typeface="Consolas" panose="020B0609020204030204" pitchFamily="49" charset="0"/>
+              </a:rPr>
+              <a:t>+</a:t>
+            </a:r>
+            <a:r>
+              <a:rPr lang="en-US" altLang="ja-JP" sz="2000" b="0">
+                <a:solidFill>
+                  <a:srgbClr val="236EBF"/>
+                </a:solidFill>
+                <a:effectLst/>
+                <a:latin typeface="Consolas" panose="020B0609020204030204" pitchFamily="49" charset="0"/>
+              </a:rPr>
+              <a:t> dy</a:t>
+            </a:r>
+            <a:r>
+              <a:rPr lang="en-US" altLang="ja-JP" sz="2000" b="0">
+                <a:solidFill>
+                  <a:srgbClr val="7B30D0"/>
+                </a:solidFill>
+                <a:effectLst/>
+                <a:latin typeface="Consolas" panose="020B0609020204030204" pitchFamily="49" charset="0"/>
+              </a:rPr>
+              <a:t>**</a:t>
+            </a:r>
+            <a:r>
+              <a:rPr lang="en-US" altLang="ja-JP" sz="2000" b="0">
+                <a:solidFill>
+                  <a:srgbClr val="174781"/>
+                </a:solidFill>
+                <a:effectLst/>
+                <a:latin typeface="Consolas" panose="020B0609020204030204" pitchFamily="49" charset="0"/>
+              </a:rPr>
+              <a:t>2</a:t>
+            </a:r>
+            <a:r>
+              <a:rPr lang="en-US" altLang="ja-JP" sz="2000" b="0">
+                <a:solidFill>
+                  <a:srgbClr val="236EBF"/>
+                </a:solidFill>
+                <a:effectLst/>
+                <a:latin typeface="Consolas" panose="020B0609020204030204" pitchFamily="49" charset="0"/>
+              </a:rPr>
+              <a:t> </a:t>
+            </a:r>
+            <a:r>
+              <a:rPr lang="en-US" altLang="ja-JP" sz="2000" b="0">
+                <a:solidFill>
+                  <a:srgbClr val="7B30D0"/>
+                </a:solidFill>
+                <a:effectLst/>
+                <a:latin typeface="Consolas" panose="020B0609020204030204" pitchFamily="49" charset="0"/>
+              </a:rPr>
+              <a:t>+</a:t>
+            </a:r>
+            <a:r>
+              <a:rPr lang="en-US" altLang="ja-JP" sz="2000" b="0">
+                <a:solidFill>
+                  <a:srgbClr val="236EBF"/>
+                </a:solidFill>
+                <a:effectLst/>
+                <a:latin typeface="Consolas" panose="020B0609020204030204" pitchFamily="49" charset="0"/>
+              </a:rPr>
+              <a:t> dz</a:t>
+            </a:r>
+            <a:r>
+              <a:rPr lang="en-US" altLang="ja-JP" sz="2000" b="0">
+                <a:solidFill>
+                  <a:srgbClr val="7B30D0"/>
+                </a:solidFill>
+                <a:effectLst/>
+                <a:latin typeface="Consolas" panose="020B0609020204030204" pitchFamily="49" charset="0"/>
+              </a:rPr>
+              <a:t>**</a:t>
+            </a:r>
+            <a:r>
+              <a:rPr lang="en-US" altLang="ja-JP" sz="2000" b="0">
+                <a:solidFill>
+                  <a:srgbClr val="174781"/>
+                </a:solidFill>
+                <a:effectLst/>
+                <a:latin typeface="Consolas" panose="020B0609020204030204" pitchFamily="49" charset="0"/>
+              </a:rPr>
+              <a:t>2</a:t>
+            </a:r>
+            <a:endParaRPr lang="en-US" altLang="ja-JP" sz="2000" b="0">
+              <a:solidFill>
+                <a:srgbClr val="236EBF"/>
+              </a:solidFill>
+              <a:effectLst/>
+              <a:latin typeface="Consolas" panose="020B0609020204030204" pitchFamily="49" charset="0"/>
+            </a:endParaRPr>
+          </a:p>
+          <a:p>
+            <a:r>
+              <a:rPr lang="en-US" altLang="ja-JP" sz="2000" b="0">
+                <a:solidFill>
+                  <a:srgbClr val="236EBF"/>
+                </a:solidFill>
+                <a:effectLst/>
+                <a:latin typeface="Consolas" panose="020B0609020204030204" pitchFamily="49" charset="0"/>
+              </a:rPr>
+              <a:t>        </a:t>
+            </a:r>
+            <a:r>
+              <a:rPr lang="en-US" altLang="ja-JP" sz="2000" b="0">
+                <a:solidFill>
+                  <a:srgbClr val="0991B6"/>
+                </a:solidFill>
+                <a:effectLst/>
+                <a:latin typeface="Consolas" panose="020B0609020204030204" pitchFamily="49" charset="0"/>
+              </a:rPr>
+              <a:t>if</a:t>
+            </a:r>
+            <a:r>
+              <a:rPr lang="en-US" altLang="ja-JP" sz="2000" b="0">
+                <a:solidFill>
+                  <a:srgbClr val="236EBF"/>
+                </a:solidFill>
+                <a:effectLst/>
+                <a:latin typeface="Consolas" panose="020B0609020204030204" pitchFamily="49" charset="0"/>
+              </a:rPr>
+              <a:t> r2 </a:t>
+            </a:r>
+            <a:r>
+              <a:rPr lang="en-US" altLang="ja-JP" sz="2000" b="0">
+                <a:solidFill>
+                  <a:srgbClr val="7B30D0"/>
+                </a:solidFill>
+                <a:effectLst/>
+                <a:latin typeface="Consolas" panose="020B0609020204030204" pitchFamily="49" charset="0"/>
+              </a:rPr>
+              <a:t>&lt;</a:t>
+            </a:r>
+            <a:r>
+              <a:rPr lang="en-US" altLang="ja-JP" sz="2000" b="0">
+                <a:solidFill>
+                  <a:srgbClr val="236EBF"/>
+                </a:solidFill>
+                <a:effectLst/>
+                <a:latin typeface="Consolas" panose="020B0609020204030204" pitchFamily="49" charset="0"/>
+              </a:rPr>
+              <a:t> cutoff</a:t>
+            </a:r>
+            <a:r>
+              <a:rPr lang="en-US" altLang="ja-JP" sz="2000" b="0">
+                <a:solidFill>
+                  <a:srgbClr val="7B30D0"/>
+                </a:solidFill>
+                <a:effectLst/>
+                <a:latin typeface="Consolas" panose="020B0609020204030204" pitchFamily="49" charset="0"/>
+              </a:rPr>
+              <a:t>**</a:t>
+            </a:r>
+            <a:r>
+              <a:rPr lang="en-US" altLang="ja-JP" sz="2000" b="0">
+                <a:solidFill>
+                  <a:srgbClr val="174781"/>
+                </a:solidFill>
+                <a:effectLst/>
+                <a:latin typeface="Consolas" panose="020B0609020204030204" pitchFamily="49" charset="0"/>
+              </a:rPr>
+              <a:t>2</a:t>
+            </a:r>
+            <a:r>
+              <a:rPr lang="en-US" altLang="ja-JP" sz="2000" b="0">
+                <a:solidFill>
+                  <a:srgbClr val="236EBF"/>
+                </a:solidFill>
+                <a:effectLst/>
+                <a:latin typeface="Consolas" panose="020B0609020204030204" pitchFamily="49" charset="0"/>
+              </a:rPr>
+              <a:t>:</a:t>
+            </a:r>
+          </a:p>
+          <a:p>
+            <a:r>
+              <a:rPr lang="en-US" altLang="ja-JP" sz="2000" b="0">
+                <a:solidFill>
+                  <a:srgbClr val="236EBF"/>
+                </a:solidFill>
+                <a:effectLst/>
+                <a:latin typeface="Consolas" panose="020B0609020204030204" pitchFamily="49" charset="0"/>
+              </a:rPr>
+              <a:t>            add_pair(i, j)</a:t>
+            </a:r>
+          </a:p>
+        </p:txBody>
+      </p:sp>
+      <p:sp>
+        <p:nvSpPr>
+          <p:cNvPr id="5" name="テキスト ボックス 4">
+            <a:extLst>
+              <a:ext uri="{FF2B5EF4-FFF2-40B4-BE49-F238E27FC236}">
+                <a16:creationId xmlns:a16="http://schemas.microsoft.com/office/drawing/2014/main" id="{745B316C-2E02-D390-3754-B665B7BBE217}"/>
+              </a:ext>
+            </a:extLst>
+          </p:cNvPr>
+          <p:cNvSpPr txBox="1"/>
+          <p:nvPr/>
+        </p:nvSpPr>
+        <p:spPr>
+          <a:xfrm>
+            <a:off x="251520" y="908720"/>
+            <a:ext cx="1980029" cy="523220"/>
+          </a:xfrm>
+          <a:prstGeom prst="rect">
+            <a:avLst/>
+          </a:prstGeom>
+          <a:noFill/>
+        </p:spPr>
+        <p:txBody>
+          <a:bodyPr wrap="none" rtlCol="0">
+            <a:spAutoFit/>
+          </a:bodyPr>
+          <a:lstStyle/>
+          <a:p>
+            <a:r>
+              <a:rPr kumimoji="1" lang="ja-JP" altLang="en-US" sz="2800"/>
+              <a:t>単純な実装</a:t>
+            </a:r>
+          </a:p>
+        </p:txBody>
+      </p:sp>
+      <p:sp>
+        <p:nvSpPr>
+          <p:cNvPr id="6" name="テキスト ボックス 5">
+            <a:extLst>
+              <a:ext uri="{FF2B5EF4-FFF2-40B4-BE49-F238E27FC236}">
+                <a16:creationId xmlns:a16="http://schemas.microsoft.com/office/drawing/2014/main" id="{1E3356DF-82DB-266E-E1C0-C80C9BAD7E9F}"/>
+              </a:ext>
+            </a:extLst>
+          </p:cNvPr>
+          <p:cNvSpPr txBox="1"/>
+          <p:nvPr/>
+        </p:nvSpPr>
+        <p:spPr>
+          <a:xfrm>
+            <a:off x="323528" y="5229200"/>
+            <a:ext cx="3570208" cy="461665"/>
+          </a:xfrm>
+          <a:prstGeom prst="rect">
+            <a:avLst/>
+          </a:prstGeom>
+          <a:noFill/>
+        </p:spPr>
+        <p:txBody>
+          <a:bodyPr wrap="none" rtlCol="0">
+            <a:spAutoFit/>
+          </a:bodyPr>
+          <a:lstStyle/>
+          <a:p>
+            <a:r>
+              <a:rPr kumimoji="1" lang="ja-JP" altLang="en-US" sz="2400"/>
+              <a:t>計算量＝ループの回転数</a:t>
+            </a:r>
+          </a:p>
+        </p:txBody>
+      </p:sp>
+      <p:sp>
+        <p:nvSpPr>
+          <p:cNvPr id="7" name="テキスト ボックス 6">
+            <a:extLst>
+              <a:ext uri="{FF2B5EF4-FFF2-40B4-BE49-F238E27FC236}">
+                <a16:creationId xmlns:a16="http://schemas.microsoft.com/office/drawing/2014/main" id="{C2E940AF-9BA6-F02B-406D-9E5A041BB545}"/>
+              </a:ext>
+            </a:extLst>
+          </p:cNvPr>
+          <p:cNvSpPr txBox="1"/>
+          <p:nvPr/>
+        </p:nvSpPr>
+        <p:spPr>
+          <a:xfrm>
+            <a:off x="539552" y="1556792"/>
+            <a:ext cx="6647974" cy="523220"/>
+          </a:xfrm>
+          <a:prstGeom prst="rect">
+            <a:avLst/>
+          </a:prstGeom>
+          <a:noFill/>
+        </p:spPr>
+        <p:txBody>
+          <a:bodyPr wrap="none" rtlCol="0">
+            <a:spAutoFit/>
+          </a:bodyPr>
+          <a:lstStyle/>
+          <a:p>
+            <a:r>
+              <a:rPr lang="ja-JP" altLang="en-US" sz="2800"/>
+              <a:t>全てのペアについて距離をチェックする</a:t>
+            </a:r>
+            <a:endParaRPr kumimoji="1" lang="ja-JP" altLang="en-US" sz="2800"/>
+          </a:p>
+        </p:txBody>
+      </p:sp>
+      <mc:AlternateContent xmlns:mc="http://schemas.openxmlformats.org/markup-compatibility/2006">
+        <mc:Choice xmlns:a14="http://schemas.microsoft.com/office/drawing/2010/main" Requires="a14">
+          <p:sp>
+            <p:nvSpPr>
+              <p:cNvPr id="9" name="テキスト ボックス 8">
+                <a:extLst>
+                  <a:ext uri="{FF2B5EF4-FFF2-40B4-BE49-F238E27FC236}">
+                    <a16:creationId xmlns:a16="http://schemas.microsoft.com/office/drawing/2014/main" id="{B0FBDEC5-5892-9ED1-248F-F2FCC9DA6BD6}"/>
+                  </a:ext>
+                </a:extLst>
+              </p:cNvPr>
+              <p:cNvSpPr txBox="1"/>
+              <p:nvPr/>
+            </p:nvSpPr>
+            <p:spPr>
+              <a:xfrm>
+                <a:off x="3563888" y="4869160"/>
+                <a:ext cx="4572000" cy="1044838"/>
+              </a:xfrm>
+              <a:prstGeom prst="rect">
+                <a:avLst/>
+              </a:prstGeom>
+              <a:noFill/>
+            </p:spPr>
+            <p:txBody>
+              <a:bodyPr wrap="square">
+                <a:spAutoFit/>
+              </a:bodyPr>
+              <a:lstStyle/>
+              <a:p>
+                <a:pPr/>
+                <a14:m>
+                  <m:oMathPara xmlns:m="http://schemas.openxmlformats.org/officeDocument/2006/math">
+                    <m:oMathParaPr>
+                      <m:jc m:val="centerGroup"/>
+                    </m:oMathParaPr>
+                    <m:oMath xmlns:m="http://schemas.openxmlformats.org/officeDocument/2006/math">
+                      <m:r>
+                        <a:rPr kumimoji="1" lang="en-US" altLang="ja-JP" sz="3200" b="0" i="1" smtClean="0">
+                          <a:latin typeface="Cambria Math" panose="02040503050406030204" pitchFamily="18" charset="0"/>
+                        </a:rPr>
+                        <m:t>=</m:t>
+                      </m:r>
+                      <m:f>
+                        <m:fPr>
+                          <m:ctrlPr>
+                            <a:rPr kumimoji="1" lang="en-US" altLang="ja-JP" sz="3200" b="0" i="1" smtClean="0">
+                              <a:latin typeface="Cambria Math" panose="02040503050406030204" pitchFamily="18" charset="0"/>
+                            </a:rPr>
+                          </m:ctrlPr>
+                        </m:fPr>
+                        <m:num>
+                          <m:r>
+                            <a:rPr kumimoji="1" lang="en-US" altLang="ja-JP" sz="3200" b="0" i="1" smtClean="0">
+                              <a:latin typeface="Cambria Math" panose="02040503050406030204" pitchFamily="18" charset="0"/>
+                            </a:rPr>
+                            <m:t>𝑁</m:t>
+                          </m:r>
+                          <m:d>
+                            <m:dPr>
+                              <m:ctrlPr>
+                                <a:rPr kumimoji="1" lang="en-US" altLang="ja-JP" sz="3200" b="0" i="1" smtClean="0">
+                                  <a:latin typeface="Cambria Math" panose="02040503050406030204" pitchFamily="18" charset="0"/>
+                                </a:rPr>
+                              </m:ctrlPr>
+                            </m:dPr>
+                            <m:e>
+                              <m:r>
+                                <a:rPr kumimoji="1" lang="en-US" altLang="ja-JP" sz="3200" b="0" i="1" smtClean="0">
+                                  <a:latin typeface="Cambria Math" panose="02040503050406030204" pitchFamily="18" charset="0"/>
+                                </a:rPr>
+                                <m:t>𝑁</m:t>
+                              </m:r>
+                              <m:r>
+                                <a:rPr kumimoji="1" lang="en-US" altLang="ja-JP" sz="3200" b="0" i="1" smtClean="0">
+                                  <a:latin typeface="Cambria Math" panose="02040503050406030204" pitchFamily="18" charset="0"/>
+                                </a:rPr>
+                                <m:t>−1</m:t>
+                              </m:r>
+                            </m:e>
+                          </m:d>
+                        </m:num>
+                        <m:den>
+                          <m:r>
+                            <a:rPr kumimoji="1" lang="en-US" altLang="ja-JP" sz="3200" b="0" i="1" smtClean="0">
+                              <a:latin typeface="Cambria Math" panose="02040503050406030204" pitchFamily="18" charset="0"/>
+                            </a:rPr>
+                            <m:t>2</m:t>
+                          </m:r>
+                        </m:den>
+                      </m:f>
+                      <m:r>
+                        <a:rPr kumimoji="1" lang="en-US" altLang="ja-JP" sz="3200" b="0" i="1" smtClean="0">
+                          <a:latin typeface="Cambria Math" panose="02040503050406030204" pitchFamily="18" charset="0"/>
+                        </a:rPr>
+                        <m:t>=</m:t>
+                      </m:r>
+                      <m:r>
+                        <a:rPr kumimoji="1" lang="en-US" altLang="ja-JP" sz="3200" b="0" i="1" smtClean="0">
+                          <a:latin typeface="Cambria Math" panose="02040503050406030204" pitchFamily="18" charset="0"/>
+                        </a:rPr>
+                        <m:t>𝑂</m:t>
+                      </m:r>
+                      <m:d>
+                        <m:dPr>
+                          <m:ctrlPr>
+                            <a:rPr kumimoji="1" lang="en-US" altLang="ja-JP" sz="3200" b="0" i="1" smtClean="0">
+                              <a:latin typeface="Cambria Math" panose="02040503050406030204" pitchFamily="18" charset="0"/>
+                            </a:rPr>
+                          </m:ctrlPr>
+                        </m:dPr>
+                        <m:e>
+                          <m:sSup>
+                            <m:sSupPr>
+                              <m:ctrlPr>
+                                <a:rPr kumimoji="1" lang="en-US" altLang="ja-JP" sz="3200" b="0" i="1" smtClean="0">
+                                  <a:latin typeface="Cambria Math" panose="02040503050406030204" pitchFamily="18" charset="0"/>
+                                </a:rPr>
+                              </m:ctrlPr>
+                            </m:sSupPr>
+                            <m:e>
+                              <m:r>
+                                <a:rPr kumimoji="1" lang="en-US" altLang="ja-JP" sz="3200" b="0" i="1" smtClean="0">
+                                  <a:latin typeface="Cambria Math" panose="02040503050406030204" pitchFamily="18" charset="0"/>
+                                </a:rPr>
+                                <m:t>𝑁</m:t>
+                              </m:r>
+                            </m:e>
+                            <m:sup>
+                              <m:r>
+                                <a:rPr kumimoji="1" lang="en-US" altLang="ja-JP" sz="3200" b="0" i="1" smtClean="0">
+                                  <a:latin typeface="Cambria Math" panose="02040503050406030204" pitchFamily="18" charset="0"/>
+                                </a:rPr>
+                                <m:t>2</m:t>
+                              </m:r>
+                            </m:sup>
+                          </m:sSup>
+                        </m:e>
+                      </m:d>
+                    </m:oMath>
+                  </m:oMathPara>
+                </a14:m>
+                <a:endParaRPr lang="ja-JP" altLang="en-US" sz="3200"/>
+              </a:p>
+            </p:txBody>
+          </p:sp>
+        </mc:Choice>
+        <mc:Fallback>
+          <p:sp>
+            <p:nvSpPr>
+              <p:cNvPr id="9" name="テキスト ボックス 8">
+                <a:extLst>
+                  <a:ext uri="{FF2B5EF4-FFF2-40B4-BE49-F238E27FC236}">
+                    <a16:creationId xmlns:a16="http://schemas.microsoft.com/office/drawing/2014/main" id="{B0FBDEC5-5892-9ED1-248F-F2FCC9DA6BD6}"/>
+                  </a:ext>
+                </a:extLst>
+              </p:cNvPr>
+              <p:cNvSpPr txBox="1">
+                <a:spLocks noRot="1" noChangeAspect="1" noMove="1" noResize="1" noEditPoints="1" noAdjustHandles="1" noChangeArrowheads="1" noChangeShapeType="1" noTextEdit="1"/>
+              </p:cNvSpPr>
+              <p:nvPr/>
+            </p:nvSpPr>
+            <p:spPr>
+              <a:xfrm>
+                <a:off x="3563888" y="4869160"/>
+                <a:ext cx="4572000" cy="1044838"/>
+              </a:xfrm>
+              <a:prstGeom prst="rect">
+                <a:avLst/>
+              </a:prstGeom>
+              <a:blipFill>
+                <a:blip r:embed="rId2"/>
+                <a:stretch>
+                  <a:fillRect/>
+                </a:stretch>
+              </a:blipFill>
+            </p:spPr>
+            <p:txBody>
+              <a:bodyPr/>
+              <a:lstStyle/>
+              <a:p>
+                <a:r>
+                  <a:rPr lang="ja-JP" altLang="en-US">
+                    <a:noFill/>
+                  </a:rPr>
+                  <a:t> </a:t>
+                </a:r>
+              </a:p>
+            </p:txBody>
+          </p:sp>
+        </mc:Fallback>
+      </mc:AlternateContent>
+      <p:sp>
+        <p:nvSpPr>
+          <p:cNvPr id="10" name="テキスト ボックス 9">
+            <a:extLst>
+              <a:ext uri="{FF2B5EF4-FFF2-40B4-BE49-F238E27FC236}">
+                <a16:creationId xmlns:a16="http://schemas.microsoft.com/office/drawing/2014/main" id="{A26D2293-2C0B-0BD1-0D97-B654F12CD203}"/>
+              </a:ext>
+            </a:extLst>
+          </p:cNvPr>
+          <p:cNvSpPr txBox="1"/>
+          <p:nvPr/>
+        </p:nvSpPr>
+        <p:spPr>
+          <a:xfrm>
+            <a:off x="323528" y="6093296"/>
+            <a:ext cx="5724644" cy="461665"/>
+          </a:xfrm>
+          <a:prstGeom prst="rect">
+            <a:avLst/>
+          </a:prstGeom>
+          <a:noFill/>
+        </p:spPr>
+        <p:txBody>
+          <a:bodyPr wrap="none" rtlCol="0">
+            <a:spAutoFit/>
+          </a:bodyPr>
+          <a:lstStyle/>
+          <a:p>
+            <a:r>
+              <a:rPr lang="ja-JP" altLang="en-US" sz="2400"/>
+              <a:t>原子数が大きい領域で使い物にならない</a:t>
+            </a:r>
+            <a:endParaRPr kumimoji="1" lang="ja-JP" altLang="en-US" sz="2400"/>
+          </a:p>
+        </p:txBody>
+      </p:sp>
+    </p:spTree>
+    <p:extLst>
+      <p:ext uri="{BB962C8B-B14F-4D97-AF65-F5344CB8AC3E}">
+        <p14:creationId xmlns:p14="http://schemas.microsoft.com/office/powerpoint/2010/main" val="1738536192"/>
+      </p:ext>
+    </p:extLst>
+  </p:cSld>
+  <p:clrMapOvr>
+    <a:masterClrMapping/>
+  </p:clrMapOvr>
+</p:sld>
+</file>
+
+<file path=ppt/slides/slide2.xml><?xml version="1.0" encoding="utf-8"?>
+<p:sld xmlns:a="http://schemas.openxmlformats.org/drawingml/2006/main" xmlns:r="http://schemas.openxmlformats.org/officeDocument/2006/relationships" xmlns:p="http://schemas.openxmlformats.org/presentationml/2006/main">
+  <p:cSld>
+    <p:spTree>
+      <p:nvGrpSpPr>
+        <p:cNvPr id="1" name=""/>
+        <p:cNvGrpSpPr/>
+        <p:nvPr/>
+      </p:nvGrpSpPr>
+      <p:grpSpPr>
+        <a:xfrm>
+          <a:off x="0" y="0"/>
+          <a:ext cx="0" cy="0"/>
+          <a:chOff x="0" y="0"/>
+          <a:chExt cx="0" cy="0"/>
+        </a:xfrm>
+      </p:grpSpPr>
+      <p:sp>
+        <p:nvSpPr>
+          <p:cNvPr id="2" name="テキスト プレースホルダー 1">
+            <a:extLst>
+              <a:ext uri="{FF2B5EF4-FFF2-40B4-BE49-F238E27FC236}">
+                <a16:creationId xmlns:a16="http://schemas.microsoft.com/office/drawing/2014/main" id="{7B7782D0-CA79-4CA0-1C5D-E3E73EDBC973}"/>
+              </a:ext>
+            </a:extLst>
+          </p:cNvPr>
+          <p:cNvSpPr>
+            <a:spLocks noGrp="1"/>
+          </p:cNvSpPr>
+          <p:nvPr>
+            <p:ph type="body" sz="quarter" idx="10"/>
+          </p:nvPr>
+        </p:nvSpPr>
+        <p:spPr/>
+        <p:txBody>
+          <a:bodyPr/>
+          <a:lstStyle/>
+          <a:p>
+            <a:r>
+              <a:rPr lang="ja-JP" altLang="en-US" dirty="0"/>
+              <a:t>はじめに</a:t>
+            </a:r>
+            <a:endParaRPr kumimoji="1" lang="ja-JP" altLang="en-US" dirty="0"/>
+          </a:p>
+        </p:txBody>
+      </p:sp>
+      <p:sp>
+        <p:nvSpPr>
+          <p:cNvPr id="3" name="テキスト ボックス 2">
+            <a:extLst>
+              <a:ext uri="{FF2B5EF4-FFF2-40B4-BE49-F238E27FC236}">
+                <a16:creationId xmlns:a16="http://schemas.microsoft.com/office/drawing/2014/main" id="{F430CAAB-52C2-B5C1-67AA-BD8E9079FB19}"/>
+              </a:ext>
+            </a:extLst>
+          </p:cNvPr>
+          <p:cNvSpPr txBox="1"/>
+          <p:nvPr/>
+        </p:nvSpPr>
+        <p:spPr>
+          <a:xfrm>
+            <a:off x="179512" y="1052736"/>
+            <a:ext cx="3416320" cy="523220"/>
+          </a:xfrm>
+          <a:prstGeom prst="rect">
+            <a:avLst/>
+          </a:prstGeom>
+          <a:noFill/>
+        </p:spPr>
+        <p:txBody>
+          <a:bodyPr wrap="none" rtlCol="0">
+            <a:spAutoFit/>
+          </a:bodyPr>
+          <a:lstStyle/>
+          <a:p>
+            <a:r>
+              <a:rPr lang="ja-JP" altLang="en-US" sz="2800" dirty="0">
+                <a:solidFill>
+                  <a:srgbClr val="011893"/>
+                </a:solidFill>
+              </a:rPr>
+              <a:t>分子動力学法の実装</a:t>
+            </a:r>
+            <a:endParaRPr kumimoji="1" lang="ja-JP" altLang="en-US" sz="2800" dirty="0">
+              <a:solidFill>
+                <a:srgbClr val="011893"/>
+              </a:solidFill>
+            </a:endParaRPr>
+          </a:p>
+        </p:txBody>
+      </p:sp>
+      <p:sp>
+        <p:nvSpPr>
+          <p:cNvPr id="4" name="テキスト ボックス 3">
+            <a:extLst>
+              <a:ext uri="{FF2B5EF4-FFF2-40B4-BE49-F238E27FC236}">
+                <a16:creationId xmlns:a16="http://schemas.microsoft.com/office/drawing/2014/main" id="{18CAC2BD-2822-2511-21B0-F19FDFD43935}"/>
+              </a:ext>
+            </a:extLst>
+          </p:cNvPr>
+          <p:cNvSpPr txBox="1"/>
+          <p:nvPr/>
+        </p:nvSpPr>
+        <p:spPr>
+          <a:xfrm>
+            <a:off x="683568" y="1700808"/>
+            <a:ext cx="7560840" cy="1384995"/>
+          </a:xfrm>
+          <a:prstGeom prst="rect">
+            <a:avLst/>
+          </a:prstGeom>
+          <a:noFill/>
+        </p:spPr>
+        <p:txBody>
+          <a:bodyPr wrap="square" rtlCol="0">
+            <a:spAutoFit/>
+          </a:bodyPr>
+          <a:lstStyle/>
+          <a:p>
+            <a:pPr marL="457200" indent="-457200">
+              <a:buFont typeface="Arial" panose="020B0604020202020204" pitchFamily="34" charset="0"/>
+              <a:buChar char="•"/>
+            </a:pPr>
+            <a:r>
+              <a:rPr lang="ja-JP" altLang="en-US" sz="2800" dirty="0"/>
+              <a:t>分子動力学法には様々な種類がある</a:t>
+            </a:r>
+            <a:endParaRPr lang="en-US" altLang="ja-JP" sz="2800" dirty="0"/>
+          </a:p>
+          <a:p>
+            <a:pPr marL="457200" indent="-457200">
+              <a:buFont typeface="Arial" panose="020B0604020202020204" pitchFamily="34" charset="0"/>
+              <a:buChar char="•"/>
+            </a:pPr>
+            <a:r>
+              <a:rPr kumimoji="1" lang="ja-JP" altLang="en-US" sz="2800" dirty="0"/>
+              <a:t>短距離古典分子動力学法のコードは比較的単純</a:t>
+            </a:r>
+            <a:endParaRPr kumimoji="1" lang="en-US" altLang="ja-JP" sz="2800" dirty="0"/>
+          </a:p>
+        </p:txBody>
+      </p:sp>
+      <p:sp>
+        <p:nvSpPr>
+          <p:cNvPr id="5" name="テキスト ボックス 4">
+            <a:extLst>
+              <a:ext uri="{FF2B5EF4-FFF2-40B4-BE49-F238E27FC236}">
+                <a16:creationId xmlns:a16="http://schemas.microsoft.com/office/drawing/2014/main" id="{E28A454D-BAA7-9A28-1995-0083B775C6AA}"/>
+              </a:ext>
+            </a:extLst>
+          </p:cNvPr>
+          <p:cNvSpPr txBox="1"/>
+          <p:nvPr/>
+        </p:nvSpPr>
+        <p:spPr>
+          <a:xfrm>
+            <a:off x="251520" y="3861048"/>
+            <a:ext cx="2339102" cy="523220"/>
+          </a:xfrm>
+          <a:prstGeom prst="rect">
+            <a:avLst/>
+          </a:prstGeom>
+          <a:noFill/>
+        </p:spPr>
+        <p:txBody>
+          <a:bodyPr wrap="none" rtlCol="0">
+            <a:spAutoFit/>
+          </a:bodyPr>
+          <a:lstStyle/>
+          <a:p>
+            <a:r>
+              <a:rPr lang="ja-JP" altLang="en-US" sz="2800" dirty="0">
+                <a:solidFill>
+                  <a:srgbClr val="011893"/>
+                </a:solidFill>
+              </a:rPr>
+              <a:t>本講義の目的</a:t>
+            </a:r>
+            <a:endParaRPr kumimoji="1" lang="ja-JP" altLang="en-US" sz="2800" dirty="0">
+              <a:solidFill>
+                <a:srgbClr val="011893"/>
+              </a:solidFill>
+            </a:endParaRPr>
+          </a:p>
+        </p:txBody>
+      </p:sp>
+      <p:sp>
+        <p:nvSpPr>
+          <p:cNvPr id="7" name="テキスト ボックス 6">
+            <a:extLst>
+              <a:ext uri="{FF2B5EF4-FFF2-40B4-BE49-F238E27FC236}">
+                <a16:creationId xmlns:a16="http://schemas.microsoft.com/office/drawing/2014/main" id="{9145B582-358A-3024-49AA-5BD281927CF0}"/>
+              </a:ext>
+            </a:extLst>
+          </p:cNvPr>
+          <p:cNvSpPr txBox="1"/>
+          <p:nvPr/>
+        </p:nvSpPr>
+        <p:spPr>
+          <a:xfrm>
+            <a:off x="683568" y="4509120"/>
+            <a:ext cx="7560840" cy="1815882"/>
+          </a:xfrm>
+          <a:prstGeom prst="rect">
+            <a:avLst/>
+          </a:prstGeom>
+          <a:noFill/>
+        </p:spPr>
+        <p:txBody>
+          <a:bodyPr wrap="square" rtlCol="0">
+            <a:spAutoFit/>
+          </a:bodyPr>
+          <a:lstStyle/>
+          <a:p>
+            <a:pPr marL="457200" indent="-457200">
+              <a:buFont typeface="Arial" panose="020B0604020202020204" pitchFamily="34" charset="0"/>
+              <a:buChar char="•"/>
+            </a:pPr>
+            <a:r>
+              <a:rPr kumimoji="1" lang="ja-JP" altLang="en-US" sz="2800" dirty="0"/>
+              <a:t>効率の良いコードの実装には、ハードウェアの理解が必須であることを知る</a:t>
+            </a:r>
+            <a:endParaRPr kumimoji="1" lang="en-US" altLang="ja-JP" sz="2800" dirty="0"/>
+          </a:p>
+          <a:p>
+            <a:pPr marL="457200" indent="-457200">
+              <a:buFont typeface="Arial" panose="020B0604020202020204" pitchFamily="34" charset="0"/>
+              <a:buChar char="•"/>
+            </a:pPr>
+            <a:r>
+              <a:rPr lang="ja-JP" altLang="en-US" sz="2800" dirty="0">
+                <a:solidFill>
+                  <a:srgbClr val="FF0000"/>
+                </a:solidFill>
+              </a:rPr>
+              <a:t>単純なコードであっても、計算機の性能を引き出すのは面倒であることを知る</a:t>
+            </a:r>
+            <a:endParaRPr kumimoji="1" lang="en-US" altLang="ja-JP" sz="2800" dirty="0">
+              <a:solidFill>
+                <a:srgbClr val="FF0000"/>
+              </a:solidFill>
+            </a:endParaRPr>
+          </a:p>
+        </p:txBody>
+      </p:sp>
+    </p:spTree>
+    <p:extLst>
+      <p:ext uri="{BB962C8B-B14F-4D97-AF65-F5344CB8AC3E}">
+        <p14:creationId xmlns:p14="http://schemas.microsoft.com/office/powerpoint/2010/main" val="3102113686"/>
+      </p:ext>
+    </p:extLst>
+  </p:cSld>
+  <p:clrMapOvr>
+    <a:masterClrMapping/>
+  </p:clrMapOvr>
+</p:sld>
+</file>
+
+<file path=ppt/slides/slide20.xml><?xml version="1.0" encoding="utf-8"?>
+<p:sld xmlns:a="http://schemas.openxmlformats.org/drawingml/2006/main" xmlns:r="http://schemas.openxmlformats.org/officeDocument/2006/relationships" xmlns:p="http://schemas.openxmlformats.org/presentationml/2006/main">
+  <p:cSld>
+    <p:spTree>
+      <p:nvGrpSpPr>
+        <p:cNvPr id="1" name=""/>
+        <p:cNvGrpSpPr/>
+        <p:nvPr/>
+      </p:nvGrpSpPr>
+      <p:grpSpPr>
+        <a:xfrm>
+          <a:off x="0" y="0"/>
+          <a:ext cx="0" cy="0"/>
+          <a:chOff x="0" y="0"/>
+          <a:chExt cx="0" cy="0"/>
+        </a:xfrm>
+      </p:grpSpPr>
+      <p:sp>
+        <p:nvSpPr>
+          <p:cNvPr id="2" name="テキスト プレースホルダー 1">
+            <a:extLst>
+              <a:ext uri="{FF2B5EF4-FFF2-40B4-BE49-F238E27FC236}">
+                <a16:creationId xmlns:a16="http://schemas.microsoft.com/office/drawing/2014/main" id="{AE277E3B-2193-9680-751E-0764B1ED3E0D}"/>
+              </a:ext>
+            </a:extLst>
+          </p:cNvPr>
+          <p:cNvSpPr>
+            <a:spLocks noGrp="1"/>
+          </p:cNvSpPr>
+          <p:nvPr>
+            <p:ph type="body" sz="quarter" idx="10"/>
+          </p:nvPr>
+        </p:nvSpPr>
+        <p:spPr/>
+        <p:txBody>
+          <a:bodyPr/>
+          <a:lstStyle/>
+          <a:p>
+            <a:r>
+              <a:rPr kumimoji="1" lang="ja-JP" altLang="en-US"/>
+              <a:t>相互作用ペア探索</a:t>
+            </a:r>
+          </a:p>
+        </p:txBody>
+      </p:sp>
+      <p:cxnSp>
+        <p:nvCxnSpPr>
+          <p:cNvPr id="8" name="直線コネクタ 7">
+            <a:extLst>
+              <a:ext uri="{FF2B5EF4-FFF2-40B4-BE49-F238E27FC236}">
+                <a16:creationId xmlns:a16="http://schemas.microsoft.com/office/drawing/2014/main" id="{67018373-8C52-9E69-60EF-3347D22FADD2}"/>
+              </a:ext>
+            </a:extLst>
+          </p:cNvPr>
+          <p:cNvCxnSpPr>
+            <a:cxnSpLocks/>
+          </p:cNvCxnSpPr>
+          <p:nvPr/>
+        </p:nvCxnSpPr>
+        <p:spPr>
+          <a:xfrm>
+            <a:off x="3131840" y="1268760"/>
+            <a:ext cx="0" cy="3600400"/>
+          </a:xfrm>
+          <a:prstGeom prst="line">
+            <a:avLst/>
+          </a:prstGeom>
+          <a:ln>
+            <a:solidFill>
+              <a:schemeClr val="tx1"/>
+            </a:solidFill>
+            <a:headEnd type="none" w="med" len="med"/>
+            <a:tailEnd type="none" w="med" len="med"/>
+          </a:ln>
+        </p:spPr>
+        <p:style>
+          <a:lnRef idx="1">
+            <a:schemeClr val="accent1"/>
+          </a:lnRef>
+          <a:fillRef idx="0">
+            <a:schemeClr val="accent1"/>
+          </a:fillRef>
+          <a:effectRef idx="0">
+            <a:schemeClr val="accent1"/>
+          </a:effectRef>
+          <a:fontRef idx="minor">
+            <a:schemeClr val="tx1"/>
+          </a:fontRef>
+        </p:style>
+      </p:cxnSp>
+      <p:cxnSp>
+        <p:nvCxnSpPr>
+          <p:cNvPr id="12" name="直線コネクタ 11">
+            <a:extLst>
+              <a:ext uri="{FF2B5EF4-FFF2-40B4-BE49-F238E27FC236}">
+                <a16:creationId xmlns:a16="http://schemas.microsoft.com/office/drawing/2014/main" id="{BB31A7DD-3A29-7936-EF37-BB31D761C799}"/>
+              </a:ext>
+            </a:extLst>
+          </p:cNvPr>
+          <p:cNvCxnSpPr>
+            <a:cxnSpLocks/>
+          </p:cNvCxnSpPr>
+          <p:nvPr/>
+        </p:nvCxnSpPr>
+        <p:spPr>
+          <a:xfrm>
+            <a:off x="3851920" y="1268760"/>
+            <a:ext cx="0" cy="3600400"/>
+          </a:xfrm>
+          <a:prstGeom prst="line">
+            <a:avLst/>
+          </a:prstGeom>
+          <a:ln>
+            <a:solidFill>
+              <a:schemeClr val="tx1"/>
+            </a:solidFill>
+            <a:headEnd type="none" w="med" len="med"/>
+            <a:tailEnd type="none" w="med" len="med"/>
+          </a:ln>
+        </p:spPr>
+        <p:style>
+          <a:lnRef idx="1">
+            <a:schemeClr val="accent1"/>
+          </a:lnRef>
+          <a:fillRef idx="0">
+            <a:schemeClr val="accent1"/>
+          </a:fillRef>
+          <a:effectRef idx="0">
+            <a:schemeClr val="accent1"/>
+          </a:effectRef>
+          <a:fontRef idx="minor">
+            <a:schemeClr val="tx1"/>
+          </a:fontRef>
+        </p:style>
+      </p:cxnSp>
+      <p:cxnSp>
+        <p:nvCxnSpPr>
+          <p:cNvPr id="13" name="直線コネクタ 12">
+            <a:extLst>
+              <a:ext uri="{FF2B5EF4-FFF2-40B4-BE49-F238E27FC236}">
+                <a16:creationId xmlns:a16="http://schemas.microsoft.com/office/drawing/2014/main" id="{6C03A8C5-708B-AEC1-17FA-D5EDBEBD16BE}"/>
+              </a:ext>
+            </a:extLst>
+          </p:cNvPr>
+          <p:cNvCxnSpPr>
+            <a:cxnSpLocks/>
+          </p:cNvCxnSpPr>
+          <p:nvPr/>
+        </p:nvCxnSpPr>
+        <p:spPr>
+          <a:xfrm>
+            <a:off x="1691680" y="1268760"/>
+            <a:ext cx="0" cy="3600400"/>
+          </a:xfrm>
+          <a:prstGeom prst="line">
+            <a:avLst/>
+          </a:prstGeom>
+          <a:ln>
+            <a:solidFill>
+              <a:schemeClr val="tx1"/>
+            </a:solidFill>
+            <a:headEnd type="none" w="med" len="med"/>
+            <a:tailEnd type="none" w="med" len="med"/>
+          </a:ln>
+        </p:spPr>
+        <p:style>
+          <a:lnRef idx="1">
+            <a:schemeClr val="accent1"/>
+          </a:lnRef>
+          <a:fillRef idx="0">
+            <a:schemeClr val="accent1"/>
+          </a:fillRef>
+          <a:effectRef idx="0">
+            <a:schemeClr val="accent1"/>
+          </a:effectRef>
+          <a:fontRef idx="minor">
+            <a:schemeClr val="tx1"/>
+          </a:fontRef>
+        </p:style>
+      </p:cxnSp>
+      <p:cxnSp>
+        <p:nvCxnSpPr>
+          <p:cNvPr id="14" name="直線コネクタ 13">
+            <a:extLst>
+              <a:ext uri="{FF2B5EF4-FFF2-40B4-BE49-F238E27FC236}">
+                <a16:creationId xmlns:a16="http://schemas.microsoft.com/office/drawing/2014/main" id="{E3CE960F-A86C-6680-35DB-1A8399D680BF}"/>
+              </a:ext>
+            </a:extLst>
+          </p:cNvPr>
+          <p:cNvCxnSpPr>
+            <a:cxnSpLocks/>
+          </p:cNvCxnSpPr>
+          <p:nvPr/>
+        </p:nvCxnSpPr>
+        <p:spPr>
+          <a:xfrm>
+            <a:off x="2411760" y="1268760"/>
+            <a:ext cx="0" cy="3600400"/>
+          </a:xfrm>
+          <a:prstGeom prst="line">
+            <a:avLst/>
+          </a:prstGeom>
+          <a:ln>
+            <a:solidFill>
+              <a:schemeClr val="tx1"/>
+            </a:solidFill>
+            <a:headEnd type="none" w="med" len="med"/>
+            <a:tailEnd type="none" w="med" len="med"/>
+          </a:ln>
+        </p:spPr>
+        <p:style>
+          <a:lnRef idx="1">
+            <a:schemeClr val="accent1"/>
+          </a:lnRef>
+          <a:fillRef idx="0">
+            <a:schemeClr val="accent1"/>
+          </a:fillRef>
+          <a:effectRef idx="0">
+            <a:schemeClr val="accent1"/>
+          </a:effectRef>
+          <a:fontRef idx="minor">
+            <a:schemeClr val="tx1"/>
+          </a:fontRef>
+        </p:style>
+      </p:cxnSp>
+      <p:cxnSp>
+        <p:nvCxnSpPr>
+          <p:cNvPr id="19" name="直線コネクタ 18">
+            <a:extLst>
+              <a:ext uri="{FF2B5EF4-FFF2-40B4-BE49-F238E27FC236}">
+                <a16:creationId xmlns:a16="http://schemas.microsoft.com/office/drawing/2014/main" id="{CAB7A34A-D89E-E1EF-F2E1-7E816F1334BB}"/>
+              </a:ext>
+            </a:extLst>
+          </p:cNvPr>
+          <p:cNvCxnSpPr>
+            <a:cxnSpLocks/>
+          </p:cNvCxnSpPr>
+          <p:nvPr/>
+        </p:nvCxnSpPr>
+        <p:spPr>
+          <a:xfrm>
+            <a:off x="971600" y="1268760"/>
+            <a:ext cx="0" cy="3600400"/>
+          </a:xfrm>
+          <a:prstGeom prst="line">
+            <a:avLst/>
+          </a:prstGeom>
+          <a:ln>
+            <a:solidFill>
+              <a:schemeClr val="tx1"/>
+            </a:solidFill>
+            <a:headEnd type="none" w="med" len="med"/>
+            <a:tailEnd type="none" w="med" len="med"/>
+          </a:ln>
+        </p:spPr>
+        <p:style>
+          <a:lnRef idx="1">
+            <a:schemeClr val="accent1"/>
+          </a:lnRef>
+          <a:fillRef idx="0">
+            <a:schemeClr val="accent1"/>
+          </a:fillRef>
+          <a:effectRef idx="0">
+            <a:schemeClr val="accent1"/>
+          </a:effectRef>
+          <a:fontRef idx="minor">
+            <a:schemeClr val="tx1"/>
+          </a:fontRef>
+        </p:style>
+      </p:cxnSp>
+      <p:cxnSp>
+        <p:nvCxnSpPr>
+          <p:cNvPr id="20" name="直線コネクタ 19">
+            <a:extLst>
+              <a:ext uri="{FF2B5EF4-FFF2-40B4-BE49-F238E27FC236}">
+                <a16:creationId xmlns:a16="http://schemas.microsoft.com/office/drawing/2014/main" id="{54814BD0-685D-A4B9-F42D-2A4B93592DE5}"/>
+              </a:ext>
+            </a:extLst>
+          </p:cNvPr>
+          <p:cNvCxnSpPr>
+            <a:cxnSpLocks/>
+          </p:cNvCxnSpPr>
+          <p:nvPr/>
+        </p:nvCxnSpPr>
+        <p:spPr>
+          <a:xfrm>
+            <a:off x="4572000" y="1268760"/>
+            <a:ext cx="0" cy="3600400"/>
+          </a:xfrm>
+          <a:prstGeom prst="line">
+            <a:avLst/>
+          </a:prstGeom>
+          <a:ln>
+            <a:solidFill>
+              <a:schemeClr val="tx1"/>
+            </a:solidFill>
+            <a:headEnd type="none" w="med" len="med"/>
+            <a:tailEnd type="none" w="med" len="med"/>
+          </a:ln>
+        </p:spPr>
+        <p:style>
+          <a:lnRef idx="1">
+            <a:schemeClr val="accent1"/>
+          </a:lnRef>
+          <a:fillRef idx="0">
+            <a:schemeClr val="accent1"/>
+          </a:fillRef>
+          <a:effectRef idx="0">
+            <a:schemeClr val="accent1"/>
+          </a:effectRef>
+          <a:fontRef idx="minor">
+            <a:schemeClr val="tx1"/>
+          </a:fontRef>
+        </p:style>
+      </p:cxnSp>
+      <p:cxnSp>
+        <p:nvCxnSpPr>
+          <p:cNvPr id="21" name="直線コネクタ 20">
+            <a:extLst>
+              <a:ext uri="{FF2B5EF4-FFF2-40B4-BE49-F238E27FC236}">
+                <a16:creationId xmlns:a16="http://schemas.microsoft.com/office/drawing/2014/main" id="{494EE959-5E9A-74DB-E8A1-3746C4FB4AB1}"/>
+              </a:ext>
+            </a:extLst>
+          </p:cNvPr>
+          <p:cNvCxnSpPr>
+            <a:cxnSpLocks/>
+          </p:cNvCxnSpPr>
+          <p:nvPr/>
+        </p:nvCxnSpPr>
+        <p:spPr>
+          <a:xfrm>
+            <a:off x="971600" y="1268760"/>
+            <a:ext cx="3600400" cy="0"/>
+          </a:xfrm>
+          <a:prstGeom prst="line">
+            <a:avLst/>
+          </a:prstGeom>
+          <a:ln>
+            <a:solidFill>
+              <a:schemeClr val="tx1"/>
+            </a:solidFill>
+            <a:headEnd type="none" w="med" len="med"/>
+            <a:tailEnd type="none" w="med" len="med"/>
+          </a:ln>
+        </p:spPr>
+        <p:style>
+          <a:lnRef idx="1">
+            <a:schemeClr val="accent1"/>
+          </a:lnRef>
+          <a:fillRef idx="0">
+            <a:schemeClr val="accent1"/>
+          </a:fillRef>
+          <a:effectRef idx="0">
+            <a:schemeClr val="accent1"/>
+          </a:effectRef>
+          <a:fontRef idx="minor">
+            <a:schemeClr val="tx1"/>
+          </a:fontRef>
+        </p:style>
+      </p:cxnSp>
+      <p:cxnSp>
+        <p:nvCxnSpPr>
+          <p:cNvPr id="24" name="直線コネクタ 23">
+            <a:extLst>
+              <a:ext uri="{FF2B5EF4-FFF2-40B4-BE49-F238E27FC236}">
+                <a16:creationId xmlns:a16="http://schemas.microsoft.com/office/drawing/2014/main" id="{4FC5A32E-C8B7-B0C6-4432-5E7D146C99AA}"/>
+              </a:ext>
+            </a:extLst>
+          </p:cNvPr>
+          <p:cNvCxnSpPr>
+            <a:cxnSpLocks/>
+          </p:cNvCxnSpPr>
+          <p:nvPr/>
+        </p:nvCxnSpPr>
+        <p:spPr>
+          <a:xfrm>
+            <a:off x="971600" y="1988840"/>
+            <a:ext cx="3600400" cy="0"/>
+          </a:xfrm>
+          <a:prstGeom prst="line">
+            <a:avLst/>
+          </a:prstGeom>
+          <a:ln>
+            <a:solidFill>
+              <a:schemeClr val="tx1"/>
+            </a:solidFill>
+            <a:headEnd type="none" w="med" len="med"/>
+            <a:tailEnd type="none" w="med" len="med"/>
+          </a:ln>
+        </p:spPr>
+        <p:style>
+          <a:lnRef idx="1">
+            <a:schemeClr val="accent1"/>
+          </a:lnRef>
+          <a:fillRef idx="0">
+            <a:schemeClr val="accent1"/>
+          </a:fillRef>
+          <a:effectRef idx="0">
+            <a:schemeClr val="accent1"/>
+          </a:effectRef>
+          <a:fontRef idx="minor">
+            <a:schemeClr val="tx1"/>
+          </a:fontRef>
+        </p:style>
+      </p:cxnSp>
+      <p:cxnSp>
+        <p:nvCxnSpPr>
+          <p:cNvPr id="25" name="直線コネクタ 24">
+            <a:extLst>
+              <a:ext uri="{FF2B5EF4-FFF2-40B4-BE49-F238E27FC236}">
+                <a16:creationId xmlns:a16="http://schemas.microsoft.com/office/drawing/2014/main" id="{45C97778-5B51-F3FA-EFA7-E37E87E19B4A}"/>
+              </a:ext>
+            </a:extLst>
+          </p:cNvPr>
+          <p:cNvCxnSpPr>
+            <a:cxnSpLocks/>
+          </p:cNvCxnSpPr>
+          <p:nvPr/>
+        </p:nvCxnSpPr>
+        <p:spPr>
+          <a:xfrm>
+            <a:off x="971600" y="2708920"/>
+            <a:ext cx="3600400" cy="0"/>
+          </a:xfrm>
+          <a:prstGeom prst="line">
+            <a:avLst/>
+          </a:prstGeom>
+          <a:ln>
+            <a:solidFill>
+              <a:schemeClr val="tx1"/>
+            </a:solidFill>
+            <a:headEnd type="none" w="med" len="med"/>
+            <a:tailEnd type="none" w="med" len="med"/>
+          </a:ln>
+        </p:spPr>
+        <p:style>
+          <a:lnRef idx="1">
+            <a:schemeClr val="accent1"/>
+          </a:lnRef>
+          <a:fillRef idx="0">
+            <a:schemeClr val="accent1"/>
+          </a:fillRef>
+          <a:effectRef idx="0">
+            <a:schemeClr val="accent1"/>
+          </a:effectRef>
+          <a:fontRef idx="minor">
+            <a:schemeClr val="tx1"/>
+          </a:fontRef>
+        </p:style>
+      </p:cxnSp>
+      <p:cxnSp>
+        <p:nvCxnSpPr>
+          <p:cNvPr id="26" name="直線コネクタ 25">
+            <a:extLst>
+              <a:ext uri="{FF2B5EF4-FFF2-40B4-BE49-F238E27FC236}">
+                <a16:creationId xmlns:a16="http://schemas.microsoft.com/office/drawing/2014/main" id="{6B9CCA03-07BF-02DF-BE6E-AFB572F922BD}"/>
+              </a:ext>
+            </a:extLst>
+          </p:cNvPr>
+          <p:cNvCxnSpPr>
+            <a:cxnSpLocks/>
+          </p:cNvCxnSpPr>
+          <p:nvPr/>
+        </p:nvCxnSpPr>
+        <p:spPr>
+          <a:xfrm>
+            <a:off x="971600" y="3429000"/>
+            <a:ext cx="3600400" cy="0"/>
+          </a:xfrm>
+          <a:prstGeom prst="line">
+            <a:avLst/>
+          </a:prstGeom>
+          <a:ln>
+            <a:solidFill>
+              <a:schemeClr val="tx1"/>
+            </a:solidFill>
+            <a:headEnd type="none" w="med" len="med"/>
+            <a:tailEnd type="none" w="med" len="med"/>
+          </a:ln>
+        </p:spPr>
+        <p:style>
+          <a:lnRef idx="1">
+            <a:schemeClr val="accent1"/>
+          </a:lnRef>
+          <a:fillRef idx="0">
+            <a:schemeClr val="accent1"/>
+          </a:fillRef>
+          <a:effectRef idx="0">
+            <a:schemeClr val="accent1"/>
+          </a:effectRef>
+          <a:fontRef idx="minor">
+            <a:schemeClr val="tx1"/>
+          </a:fontRef>
+        </p:style>
+      </p:cxnSp>
+      <p:cxnSp>
+        <p:nvCxnSpPr>
+          <p:cNvPr id="27" name="直線コネクタ 26">
+            <a:extLst>
+              <a:ext uri="{FF2B5EF4-FFF2-40B4-BE49-F238E27FC236}">
+                <a16:creationId xmlns:a16="http://schemas.microsoft.com/office/drawing/2014/main" id="{7E0650B9-9671-A9BE-84C6-B602044490A5}"/>
+              </a:ext>
+            </a:extLst>
+          </p:cNvPr>
+          <p:cNvCxnSpPr>
+            <a:cxnSpLocks/>
+          </p:cNvCxnSpPr>
+          <p:nvPr/>
+        </p:nvCxnSpPr>
+        <p:spPr>
+          <a:xfrm>
+            <a:off x="971600" y="4149080"/>
+            <a:ext cx="3600400" cy="0"/>
+          </a:xfrm>
+          <a:prstGeom prst="line">
+            <a:avLst/>
+          </a:prstGeom>
+          <a:ln>
+            <a:solidFill>
+              <a:schemeClr val="tx1"/>
+            </a:solidFill>
+            <a:headEnd type="none" w="med" len="med"/>
+            <a:tailEnd type="none" w="med" len="med"/>
+          </a:ln>
+        </p:spPr>
+        <p:style>
+          <a:lnRef idx="1">
+            <a:schemeClr val="accent1"/>
+          </a:lnRef>
+          <a:fillRef idx="0">
+            <a:schemeClr val="accent1"/>
+          </a:fillRef>
+          <a:effectRef idx="0">
+            <a:schemeClr val="accent1"/>
+          </a:effectRef>
+          <a:fontRef idx="minor">
+            <a:schemeClr val="tx1"/>
+          </a:fontRef>
+        </p:style>
+      </p:cxnSp>
+      <p:cxnSp>
+        <p:nvCxnSpPr>
+          <p:cNvPr id="28" name="直線コネクタ 27">
+            <a:extLst>
+              <a:ext uri="{FF2B5EF4-FFF2-40B4-BE49-F238E27FC236}">
+                <a16:creationId xmlns:a16="http://schemas.microsoft.com/office/drawing/2014/main" id="{EEBB3D4D-363A-80B8-EDE6-7AABBB515325}"/>
+              </a:ext>
+            </a:extLst>
+          </p:cNvPr>
+          <p:cNvCxnSpPr>
+            <a:cxnSpLocks/>
+          </p:cNvCxnSpPr>
+          <p:nvPr/>
+        </p:nvCxnSpPr>
+        <p:spPr>
+          <a:xfrm>
+            <a:off x="971600" y="4869160"/>
+            <a:ext cx="3600400" cy="0"/>
+          </a:xfrm>
+          <a:prstGeom prst="line">
+            <a:avLst/>
+          </a:prstGeom>
+          <a:ln>
+            <a:solidFill>
+              <a:schemeClr val="tx1"/>
+            </a:solidFill>
+            <a:headEnd type="none" w="med" len="med"/>
+            <a:tailEnd type="none" w="med" len="med"/>
+          </a:ln>
+        </p:spPr>
+        <p:style>
+          <a:lnRef idx="1">
+            <a:schemeClr val="accent1"/>
+          </a:lnRef>
+          <a:fillRef idx="0">
+            <a:schemeClr val="accent1"/>
+          </a:fillRef>
+          <a:effectRef idx="0">
+            <a:schemeClr val="accent1"/>
+          </a:effectRef>
+          <a:fontRef idx="minor">
+            <a:schemeClr val="tx1"/>
+          </a:fontRef>
+        </p:style>
+      </p:cxnSp>
+      <p:grpSp>
+        <p:nvGrpSpPr>
+          <p:cNvPr id="32" name="グループ化 31">
+            <a:extLst>
+              <a:ext uri="{FF2B5EF4-FFF2-40B4-BE49-F238E27FC236}">
+                <a16:creationId xmlns:a16="http://schemas.microsoft.com/office/drawing/2014/main" id="{F5E7EA25-6A55-DB88-7970-59EBF49673F9}"/>
+              </a:ext>
+            </a:extLst>
+          </p:cNvPr>
+          <p:cNvGrpSpPr/>
+          <p:nvPr/>
+        </p:nvGrpSpPr>
+        <p:grpSpPr>
+          <a:xfrm>
+            <a:off x="2843808" y="1988840"/>
+            <a:ext cx="936104" cy="936104"/>
+            <a:chOff x="6012160" y="1988840"/>
+            <a:chExt cx="2160240" cy="2160240"/>
+          </a:xfrm>
+        </p:grpSpPr>
+        <p:sp>
+          <p:nvSpPr>
+            <p:cNvPr id="29" name="楕円 28">
+              <a:extLst>
+                <a:ext uri="{FF2B5EF4-FFF2-40B4-BE49-F238E27FC236}">
+                  <a16:creationId xmlns:a16="http://schemas.microsoft.com/office/drawing/2014/main" id="{1945E0B2-CCF1-EC18-61AE-3906E2748C3E}"/>
+                </a:ext>
+              </a:extLst>
+            </p:cNvPr>
+            <p:cNvSpPr/>
+            <p:nvPr/>
+          </p:nvSpPr>
+          <p:spPr>
+            <a:xfrm>
+              <a:off x="6012160" y="1988840"/>
+              <a:ext cx="2160240" cy="2160240"/>
+            </a:xfrm>
+            <a:prstGeom prst="ellipse">
+              <a:avLst/>
+            </a:prstGeom>
+            <a:noFill/>
+            <a:ln w="38100">
+              <a:solidFill>
+                <a:srgbClr val="FF0000"/>
+              </a:solidFill>
+            </a:ln>
+          </p:spPr>
+          <p:style>
+            <a:lnRef idx="2">
+              <a:schemeClr val="accent1">
+                <a:shade val="50000"/>
+              </a:schemeClr>
+            </a:lnRef>
+            <a:fillRef idx="1">
+              <a:schemeClr val="accent1"/>
+            </a:fillRef>
+            <a:effectRef idx="0">
+              <a:schemeClr val="accent1"/>
+            </a:effectRef>
+            <a:fontRef idx="minor">
+              <a:schemeClr val="lt1"/>
+            </a:fontRef>
+          </p:style>
+          <p:txBody>
+            <a:bodyPr rtlCol="0" anchor="ctr"/>
+            <a:lstStyle/>
+            <a:p>
+              <a:pPr algn="ctr"/>
+              <a:endParaRPr kumimoji="1" lang="ja-JP" altLang="en-US"/>
+            </a:p>
+          </p:txBody>
+        </p:sp>
+        <p:sp>
+          <p:nvSpPr>
+            <p:cNvPr id="31" name="楕円 30">
+              <a:extLst>
+                <a:ext uri="{FF2B5EF4-FFF2-40B4-BE49-F238E27FC236}">
+                  <a16:creationId xmlns:a16="http://schemas.microsoft.com/office/drawing/2014/main" id="{0703EBAF-1EA4-0699-D9DC-85823FC18423}"/>
+                </a:ext>
+              </a:extLst>
+            </p:cNvPr>
+            <p:cNvSpPr/>
+            <p:nvPr/>
+          </p:nvSpPr>
+          <p:spPr>
+            <a:xfrm>
+              <a:off x="6732240" y="2708920"/>
+              <a:ext cx="720080" cy="720080"/>
+            </a:xfrm>
+            <a:prstGeom prst="ellipse">
+              <a:avLst/>
+            </a:prstGeom>
+            <a:solidFill>
+              <a:srgbClr val="011893"/>
+            </a:solidFill>
+            <a:ln w="9525">
+              <a:solidFill>
+                <a:schemeClr val="tx1"/>
+              </a:solidFill>
+            </a:ln>
+          </p:spPr>
+          <p:style>
+            <a:lnRef idx="2">
+              <a:schemeClr val="accent1">
+                <a:shade val="50000"/>
+              </a:schemeClr>
+            </a:lnRef>
+            <a:fillRef idx="1">
+              <a:schemeClr val="accent1"/>
+            </a:fillRef>
+            <a:effectRef idx="0">
+              <a:schemeClr val="accent1"/>
+            </a:effectRef>
+            <a:fontRef idx="minor">
+              <a:schemeClr val="lt1"/>
+            </a:fontRef>
+          </p:style>
+          <p:txBody>
+            <a:bodyPr rtlCol="0" anchor="ctr"/>
+            <a:lstStyle/>
+            <a:p>
+              <a:pPr algn="ctr"/>
+              <a:endParaRPr kumimoji="1" lang="ja-JP" altLang="en-US"/>
+            </a:p>
+          </p:txBody>
+        </p:sp>
+      </p:grpSp>
+      <p:grpSp>
+        <p:nvGrpSpPr>
+          <p:cNvPr id="33" name="グループ化 32">
+            <a:extLst>
+              <a:ext uri="{FF2B5EF4-FFF2-40B4-BE49-F238E27FC236}">
+                <a16:creationId xmlns:a16="http://schemas.microsoft.com/office/drawing/2014/main" id="{1D95E92F-4B9A-A8E3-990E-A95F28558D94}"/>
+              </a:ext>
+            </a:extLst>
+          </p:cNvPr>
+          <p:cNvGrpSpPr/>
+          <p:nvPr/>
+        </p:nvGrpSpPr>
+        <p:grpSpPr>
+          <a:xfrm>
+            <a:off x="2195736" y="1844824"/>
+            <a:ext cx="936104" cy="936104"/>
+            <a:chOff x="6012160" y="1988840"/>
+            <a:chExt cx="2160240" cy="2160240"/>
+          </a:xfrm>
+        </p:grpSpPr>
+        <p:sp>
+          <p:nvSpPr>
+            <p:cNvPr id="34" name="楕円 33">
+              <a:extLst>
+                <a:ext uri="{FF2B5EF4-FFF2-40B4-BE49-F238E27FC236}">
+                  <a16:creationId xmlns:a16="http://schemas.microsoft.com/office/drawing/2014/main" id="{B6EC8009-B52F-AAC0-EE23-39258F4C13E8}"/>
+                </a:ext>
+              </a:extLst>
+            </p:cNvPr>
+            <p:cNvSpPr/>
+            <p:nvPr/>
+          </p:nvSpPr>
+          <p:spPr>
+            <a:xfrm>
+              <a:off x="6012160" y="1988840"/>
+              <a:ext cx="2160240" cy="2160240"/>
+            </a:xfrm>
+            <a:prstGeom prst="ellipse">
+              <a:avLst/>
+            </a:prstGeom>
+            <a:noFill/>
+            <a:ln w="38100">
+              <a:solidFill>
+                <a:srgbClr val="FF0000"/>
+              </a:solidFill>
+            </a:ln>
+          </p:spPr>
+          <p:style>
+            <a:lnRef idx="2">
+              <a:schemeClr val="accent1">
+                <a:shade val="50000"/>
+              </a:schemeClr>
+            </a:lnRef>
+            <a:fillRef idx="1">
+              <a:schemeClr val="accent1"/>
+            </a:fillRef>
+            <a:effectRef idx="0">
+              <a:schemeClr val="accent1"/>
+            </a:effectRef>
+            <a:fontRef idx="minor">
+              <a:schemeClr val="lt1"/>
+            </a:fontRef>
+          </p:style>
+          <p:txBody>
+            <a:bodyPr rtlCol="0" anchor="ctr"/>
+            <a:lstStyle/>
+            <a:p>
+              <a:pPr algn="ctr"/>
+              <a:endParaRPr kumimoji="1" lang="ja-JP" altLang="en-US"/>
+            </a:p>
+          </p:txBody>
+        </p:sp>
+        <p:sp>
+          <p:nvSpPr>
+            <p:cNvPr id="35" name="楕円 34">
+              <a:extLst>
+                <a:ext uri="{FF2B5EF4-FFF2-40B4-BE49-F238E27FC236}">
+                  <a16:creationId xmlns:a16="http://schemas.microsoft.com/office/drawing/2014/main" id="{21609891-0056-614F-3B27-37AE8052E741}"/>
+                </a:ext>
+              </a:extLst>
+            </p:cNvPr>
+            <p:cNvSpPr/>
+            <p:nvPr/>
+          </p:nvSpPr>
+          <p:spPr>
+            <a:xfrm>
+              <a:off x="6732240" y="2708920"/>
+              <a:ext cx="720080" cy="720080"/>
+            </a:xfrm>
+            <a:prstGeom prst="ellipse">
+              <a:avLst/>
+            </a:prstGeom>
+            <a:solidFill>
+              <a:srgbClr val="011893"/>
+            </a:solidFill>
+            <a:ln w="9525">
+              <a:solidFill>
+                <a:schemeClr val="tx1"/>
+              </a:solidFill>
+            </a:ln>
+          </p:spPr>
+          <p:style>
+            <a:lnRef idx="2">
+              <a:schemeClr val="accent1">
+                <a:shade val="50000"/>
+              </a:schemeClr>
+            </a:lnRef>
+            <a:fillRef idx="1">
+              <a:schemeClr val="accent1"/>
+            </a:fillRef>
+            <a:effectRef idx="0">
+              <a:schemeClr val="accent1"/>
+            </a:effectRef>
+            <a:fontRef idx="minor">
+              <a:schemeClr val="lt1"/>
+            </a:fontRef>
+          </p:style>
+          <p:txBody>
+            <a:bodyPr rtlCol="0" anchor="ctr"/>
+            <a:lstStyle/>
+            <a:p>
+              <a:pPr algn="ctr"/>
+              <a:endParaRPr kumimoji="1" lang="ja-JP" altLang="en-US"/>
+            </a:p>
+          </p:txBody>
+        </p:sp>
+      </p:grpSp>
+      <p:grpSp>
+        <p:nvGrpSpPr>
+          <p:cNvPr id="36" name="グループ化 35">
+            <a:extLst>
+              <a:ext uri="{FF2B5EF4-FFF2-40B4-BE49-F238E27FC236}">
+                <a16:creationId xmlns:a16="http://schemas.microsoft.com/office/drawing/2014/main" id="{E9E4AD71-1C12-5BF8-9C59-54470AF57CCE}"/>
+              </a:ext>
+            </a:extLst>
+          </p:cNvPr>
+          <p:cNvGrpSpPr/>
+          <p:nvPr/>
+        </p:nvGrpSpPr>
+        <p:grpSpPr>
+          <a:xfrm>
+            <a:off x="2987824" y="3429000"/>
+            <a:ext cx="936104" cy="936104"/>
+            <a:chOff x="6012160" y="1988840"/>
+            <a:chExt cx="2160240" cy="2160240"/>
+          </a:xfrm>
+        </p:grpSpPr>
+        <p:sp>
+          <p:nvSpPr>
+            <p:cNvPr id="37" name="楕円 36">
+              <a:extLst>
+                <a:ext uri="{FF2B5EF4-FFF2-40B4-BE49-F238E27FC236}">
+                  <a16:creationId xmlns:a16="http://schemas.microsoft.com/office/drawing/2014/main" id="{9C19F339-0860-7671-936E-30FE1FABD28C}"/>
+                </a:ext>
+              </a:extLst>
+            </p:cNvPr>
+            <p:cNvSpPr/>
+            <p:nvPr/>
+          </p:nvSpPr>
+          <p:spPr>
+            <a:xfrm>
+              <a:off x="6012160" y="1988840"/>
+              <a:ext cx="2160240" cy="2160240"/>
+            </a:xfrm>
+            <a:prstGeom prst="ellipse">
+              <a:avLst/>
+            </a:prstGeom>
+            <a:noFill/>
+            <a:ln w="38100">
+              <a:solidFill>
+                <a:srgbClr val="FF0000"/>
+              </a:solidFill>
+            </a:ln>
+          </p:spPr>
+          <p:style>
+            <a:lnRef idx="2">
+              <a:schemeClr val="accent1">
+                <a:shade val="50000"/>
+              </a:schemeClr>
+            </a:lnRef>
+            <a:fillRef idx="1">
+              <a:schemeClr val="accent1"/>
+            </a:fillRef>
+            <a:effectRef idx="0">
+              <a:schemeClr val="accent1"/>
+            </a:effectRef>
+            <a:fontRef idx="minor">
+              <a:schemeClr val="lt1"/>
+            </a:fontRef>
+          </p:style>
+          <p:txBody>
+            <a:bodyPr rtlCol="0" anchor="ctr"/>
+            <a:lstStyle/>
+            <a:p>
+              <a:pPr algn="ctr"/>
+              <a:endParaRPr kumimoji="1" lang="ja-JP" altLang="en-US"/>
+            </a:p>
+          </p:txBody>
+        </p:sp>
+        <p:sp>
+          <p:nvSpPr>
+            <p:cNvPr id="38" name="楕円 37">
+              <a:extLst>
+                <a:ext uri="{FF2B5EF4-FFF2-40B4-BE49-F238E27FC236}">
+                  <a16:creationId xmlns:a16="http://schemas.microsoft.com/office/drawing/2014/main" id="{E3AB64EA-7AD4-D7B9-3AE2-CA9BE2BFFFFE}"/>
+                </a:ext>
+              </a:extLst>
+            </p:cNvPr>
+            <p:cNvSpPr/>
+            <p:nvPr/>
+          </p:nvSpPr>
+          <p:spPr>
+            <a:xfrm>
+              <a:off x="6732240" y="2708920"/>
+              <a:ext cx="720080" cy="720080"/>
+            </a:xfrm>
+            <a:prstGeom prst="ellipse">
+              <a:avLst/>
+            </a:prstGeom>
+            <a:solidFill>
+              <a:srgbClr val="011893"/>
+            </a:solidFill>
+            <a:ln w="9525">
+              <a:solidFill>
+                <a:schemeClr val="tx1"/>
+              </a:solidFill>
+            </a:ln>
+          </p:spPr>
+          <p:style>
+            <a:lnRef idx="2">
+              <a:schemeClr val="accent1">
+                <a:shade val="50000"/>
+              </a:schemeClr>
+            </a:lnRef>
+            <a:fillRef idx="1">
+              <a:schemeClr val="accent1"/>
+            </a:fillRef>
+            <a:effectRef idx="0">
+              <a:schemeClr val="accent1"/>
+            </a:effectRef>
+            <a:fontRef idx="minor">
+              <a:schemeClr val="lt1"/>
+            </a:fontRef>
+          </p:style>
+          <p:txBody>
+            <a:bodyPr rtlCol="0" anchor="ctr"/>
+            <a:lstStyle/>
+            <a:p>
+              <a:pPr algn="ctr"/>
+              <a:endParaRPr kumimoji="1" lang="ja-JP" altLang="en-US"/>
+            </a:p>
+          </p:txBody>
+        </p:sp>
+      </p:grpSp>
+      <p:grpSp>
+        <p:nvGrpSpPr>
+          <p:cNvPr id="39" name="グループ化 38">
+            <a:extLst>
+              <a:ext uri="{FF2B5EF4-FFF2-40B4-BE49-F238E27FC236}">
+                <a16:creationId xmlns:a16="http://schemas.microsoft.com/office/drawing/2014/main" id="{9192FBC6-1AA6-CAAF-5F43-223F1BA6488E}"/>
+              </a:ext>
+            </a:extLst>
+          </p:cNvPr>
+          <p:cNvGrpSpPr/>
+          <p:nvPr/>
+        </p:nvGrpSpPr>
+        <p:grpSpPr>
+          <a:xfrm>
+            <a:off x="1763688" y="3429000"/>
+            <a:ext cx="936104" cy="936104"/>
+            <a:chOff x="6012160" y="1988840"/>
+            <a:chExt cx="2160240" cy="2160240"/>
+          </a:xfrm>
+        </p:grpSpPr>
+        <p:sp>
+          <p:nvSpPr>
+            <p:cNvPr id="40" name="楕円 39">
+              <a:extLst>
+                <a:ext uri="{FF2B5EF4-FFF2-40B4-BE49-F238E27FC236}">
+                  <a16:creationId xmlns:a16="http://schemas.microsoft.com/office/drawing/2014/main" id="{E7C57189-C452-EBC9-A839-87F6E87BCAA4}"/>
+                </a:ext>
+              </a:extLst>
+            </p:cNvPr>
+            <p:cNvSpPr/>
+            <p:nvPr/>
+          </p:nvSpPr>
+          <p:spPr>
+            <a:xfrm>
+              <a:off x="6012160" y="1988840"/>
+              <a:ext cx="2160240" cy="2160240"/>
+            </a:xfrm>
+            <a:prstGeom prst="ellipse">
+              <a:avLst/>
+            </a:prstGeom>
+            <a:noFill/>
+            <a:ln w="38100">
+              <a:solidFill>
+                <a:srgbClr val="FF0000"/>
+              </a:solidFill>
+            </a:ln>
+          </p:spPr>
+          <p:style>
+            <a:lnRef idx="2">
+              <a:schemeClr val="accent1">
+                <a:shade val="50000"/>
+              </a:schemeClr>
+            </a:lnRef>
+            <a:fillRef idx="1">
+              <a:schemeClr val="accent1"/>
+            </a:fillRef>
+            <a:effectRef idx="0">
+              <a:schemeClr val="accent1"/>
+            </a:effectRef>
+            <a:fontRef idx="minor">
+              <a:schemeClr val="lt1"/>
+            </a:fontRef>
+          </p:style>
+          <p:txBody>
+            <a:bodyPr rtlCol="0" anchor="ctr"/>
+            <a:lstStyle/>
+            <a:p>
+              <a:pPr algn="ctr"/>
+              <a:endParaRPr kumimoji="1" lang="ja-JP" altLang="en-US"/>
+            </a:p>
+          </p:txBody>
+        </p:sp>
+        <p:sp>
+          <p:nvSpPr>
+            <p:cNvPr id="41" name="楕円 40">
+              <a:extLst>
+                <a:ext uri="{FF2B5EF4-FFF2-40B4-BE49-F238E27FC236}">
+                  <a16:creationId xmlns:a16="http://schemas.microsoft.com/office/drawing/2014/main" id="{B54D8413-B88C-E2FE-1543-8BE14B307DBB}"/>
+                </a:ext>
+              </a:extLst>
+            </p:cNvPr>
+            <p:cNvSpPr/>
+            <p:nvPr/>
+          </p:nvSpPr>
+          <p:spPr>
+            <a:xfrm>
+              <a:off x="6732240" y="2708920"/>
+              <a:ext cx="720080" cy="720080"/>
+            </a:xfrm>
+            <a:prstGeom prst="ellipse">
+              <a:avLst/>
+            </a:prstGeom>
+            <a:solidFill>
+              <a:srgbClr val="011893"/>
+            </a:solidFill>
+            <a:ln w="9525">
+              <a:solidFill>
+                <a:schemeClr val="tx1"/>
+              </a:solidFill>
+            </a:ln>
+          </p:spPr>
+          <p:style>
+            <a:lnRef idx="2">
+              <a:schemeClr val="accent1">
+                <a:shade val="50000"/>
+              </a:schemeClr>
+            </a:lnRef>
+            <a:fillRef idx="1">
+              <a:schemeClr val="accent1"/>
+            </a:fillRef>
+            <a:effectRef idx="0">
+              <a:schemeClr val="accent1"/>
+            </a:effectRef>
+            <a:fontRef idx="minor">
+              <a:schemeClr val="lt1"/>
+            </a:fontRef>
+          </p:style>
+          <p:txBody>
+            <a:bodyPr rtlCol="0" anchor="ctr"/>
+            <a:lstStyle/>
+            <a:p>
+              <a:pPr algn="ctr"/>
+              <a:endParaRPr kumimoji="1" lang="ja-JP" altLang="en-US"/>
+            </a:p>
+          </p:txBody>
+        </p:sp>
+      </p:grpSp>
+      <p:cxnSp>
+        <p:nvCxnSpPr>
+          <p:cNvPr id="43" name="直線矢印コネクタ 42">
+            <a:extLst>
+              <a:ext uri="{FF2B5EF4-FFF2-40B4-BE49-F238E27FC236}">
+                <a16:creationId xmlns:a16="http://schemas.microsoft.com/office/drawing/2014/main" id="{E15D47F2-9359-8174-815B-D0C6C17717D4}"/>
+              </a:ext>
+            </a:extLst>
+          </p:cNvPr>
+          <p:cNvCxnSpPr>
+            <a:cxnSpLocks/>
+          </p:cNvCxnSpPr>
+          <p:nvPr/>
+        </p:nvCxnSpPr>
+        <p:spPr>
+          <a:xfrm>
+            <a:off x="4788024" y="1268760"/>
+            <a:ext cx="0" cy="720080"/>
+          </a:xfrm>
+          <a:prstGeom prst="straightConnector1">
+            <a:avLst/>
+          </a:prstGeom>
+          <a:ln>
+            <a:solidFill>
+              <a:schemeClr val="tx1"/>
+            </a:solidFill>
+            <a:headEnd type="triangle"/>
+            <a:tailEnd type="triangle"/>
+          </a:ln>
+        </p:spPr>
+        <p:style>
+          <a:lnRef idx="1">
+            <a:schemeClr val="accent1"/>
+          </a:lnRef>
+          <a:fillRef idx="0">
+            <a:schemeClr val="accent1"/>
+          </a:fillRef>
+          <a:effectRef idx="0">
+            <a:schemeClr val="accent1"/>
+          </a:effectRef>
+          <a:fontRef idx="minor">
+            <a:schemeClr val="tx1"/>
+          </a:fontRef>
+        </p:style>
+      </p:cxnSp>
+      <p:sp>
+        <p:nvSpPr>
+          <p:cNvPr id="45" name="テキスト ボックス 44">
+            <a:extLst>
+              <a:ext uri="{FF2B5EF4-FFF2-40B4-BE49-F238E27FC236}">
+                <a16:creationId xmlns:a16="http://schemas.microsoft.com/office/drawing/2014/main" id="{90F6A6E3-0585-E167-F6E2-05F33D60D166}"/>
+              </a:ext>
+            </a:extLst>
+          </p:cNvPr>
+          <p:cNvSpPr txBox="1"/>
+          <p:nvPr/>
+        </p:nvSpPr>
+        <p:spPr>
+          <a:xfrm>
+            <a:off x="4860032" y="1412776"/>
+            <a:ext cx="2339102" cy="461665"/>
+          </a:xfrm>
+          <a:prstGeom prst="rect">
+            <a:avLst/>
+          </a:prstGeom>
+          <a:noFill/>
+        </p:spPr>
+        <p:txBody>
+          <a:bodyPr wrap="none" rtlCol="0">
+            <a:spAutoFit/>
+          </a:bodyPr>
+          <a:lstStyle/>
+          <a:p>
+            <a:r>
+              <a:rPr lang="ja-JP" altLang="en-US" sz="2400"/>
+              <a:t>カットオフ距離</a:t>
+            </a:r>
+            <a:endParaRPr kumimoji="1" lang="ja-JP" altLang="en-US" sz="2400"/>
+          </a:p>
+        </p:txBody>
+      </p:sp>
+      <p:sp>
+        <p:nvSpPr>
+          <p:cNvPr id="46" name="テキスト ボックス 45">
+            <a:extLst>
+              <a:ext uri="{FF2B5EF4-FFF2-40B4-BE49-F238E27FC236}">
+                <a16:creationId xmlns:a16="http://schemas.microsoft.com/office/drawing/2014/main" id="{05029EC3-1876-667F-9DC6-663597F868ED}"/>
+              </a:ext>
+            </a:extLst>
+          </p:cNvPr>
+          <p:cNvSpPr txBox="1"/>
+          <p:nvPr/>
+        </p:nvSpPr>
+        <p:spPr>
+          <a:xfrm>
+            <a:off x="179512" y="5085184"/>
+            <a:ext cx="7622600" cy="1015663"/>
+          </a:xfrm>
+          <a:prstGeom prst="rect">
+            <a:avLst/>
+          </a:prstGeom>
+          <a:noFill/>
+        </p:spPr>
+        <p:txBody>
+          <a:bodyPr wrap="none" rtlCol="0">
+            <a:spAutoFit/>
+          </a:bodyPr>
+          <a:lstStyle/>
+          <a:p>
+            <a:r>
+              <a:rPr kumimoji="1" lang="ja-JP" altLang="en-US" sz="2000"/>
+              <a:t>系をカットオフ距離のセルに分割する</a:t>
+            </a:r>
+            <a:endParaRPr kumimoji="1" lang="en-US" altLang="ja-JP" sz="2000"/>
+          </a:p>
+          <a:p>
+            <a:r>
+              <a:rPr lang="ja-JP" altLang="en-US" sz="2000"/>
+              <a:t>同じグリッドか隣接するセルの原子は相互作用する可能性がある</a:t>
+            </a:r>
+            <a:endParaRPr lang="en-US" altLang="ja-JP" sz="2000"/>
+          </a:p>
+          <a:p>
+            <a:r>
+              <a:rPr kumimoji="1" lang="ja-JP" altLang="en-US" sz="2000"/>
+              <a:t>隣接しないセルに所属する原子は相互作用することはない</a:t>
+            </a:r>
+          </a:p>
+        </p:txBody>
+      </p:sp>
+    </p:spTree>
+    <p:extLst>
+      <p:ext uri="{BB962C8B-B14F-4D97-AF65-F5344CB8AC3E}">
+        <p14:creationId xmlns:p14="http://schemas.microsoft.com/office/powerpoint/2010/main" val="3923419353"/>
+      </p:ext>
+    </p:extLst>
+  </p:cSld>
+  <p:clrMapOvr>
+    <a:masterClrMapping/>
+  </p:clrMapOvr>
+</p:sld>
+</file>
+
+<file path=ppt/slides/slide21.xml><?xml version="1.0" encoding="utf-8"?>
+<p:sld xmlns:a="http://schemas.openxmlformats.org/drawingml/2006/main" xmlns:r="http://schemas.openxmlformats.org/officeDocument/2006/relationships" xmlns:p="http://schemas.openxmlformats.org/presentationml/2006/main">
+  <p:cSld>
+    <p:spTree>
+      <p:nvGrpSpPr>
+        <p:cNvPr id="1" name=""/>
+        <p:cNvGrpSpPr/>
+        <p:nvPr/>
+      </p:nvGrpSpPr>
+      <p:grpSpPr>
+        <a:xfrm>
+          <a:off x="0" y="0"/>
+          <a:ext cx="0" cy="0"/>
+          <a:chOff x="0" y="0"/>
+          <a:chExt cx="0" cy="0"/>
+        </a:xfrm>
+      </p:grpSpPr>
+      <p:sp>
+        <p:nvSpPr>
+          <p:cNvPr id="2" name="テキスト プレースホルダー 1">
+            <a:extLst>
+              <a:ext uri="{FF2B5EF4-FFF2-40B4-BE49-F238E27FC236}">
+                <a16:creationId xmlns:a16="http://schemas.microsoft.com/office/drawing/2014/main" id="{EB1401D2-916E-D858-914A-207E9350EFE3}"/>
+              </a:ext>
+            </a:extLst>
+          </p:cNvPr>
+          <p:cNvSpPr>
+            <a:spLocks noGrp="1"/>
+          </p:cNvSpPr>
+          <p:nvPr>
+            <p:ph type="body" sz="quarter" idx="10"/>
+          </p:nvPr>
+        </p:nvSpPr>
+        <p:spPr/>
+        <p:txBody>
+          <a:bodyPr/>
+          <a:lstStyle/>
+          <a:p>
+            <a:r>
+              <a:rPr kumimoji="1" lang="ja-JP" altLang="en-US"/>
+              <a:t>相互作用ペア探索</a:t>
+            </a:r>
+          </a:p>
+        </p:txBody>
+      </p:sp>
+      <p:cxnSp>
+        <p:nvCxnSpPr>
+          <p:cNvPr id="3" name="直線コネクタ 2">
+            <a:extLst>
+              <a:ext uri="{FF2B5EF4-FFF2-40B4-BE49-F238E27FC236}">
+                <a16:creationId xmlns:a16="http://schemas.microsoft.com/office/drawing/2014/main" id="{40BCFE22-CF5F-88CA-AF6C-A7851512B44F}"/>
+              </a:ext>
+            </a:extLst>
+          </p:cNvPr>
+          <p:cNvCxnSpPr>
+            <a:cxnSpLocks/>
+          </p:cNvCxnSpPr>
+          <p:nvPr/>
+        </p:nvCxnSpPr>
+        <p:spPr>
+          <a:xfrm>
+            <a:off x="4572000" y="1268760"/>
+            <a:ext cx="0" cy="3600400"/>
+          </a:xfrm>
+          <a:prstGeom prst="line">
+            <a:avLst/>
+          </a:prstGeom>
+          <a:ln>
+            <a:solidFill>
+              <a:schemeClr val="tx1"/>
+            </a:solidFill>
+            <a:headEnd type="none" w="med" len="med"/>
+            <a:tailEnd type="none" w="med" len="med"/>
+          </a:ln>
+        </p:spPr>
+        <p:style>
+          <a:lnRef idx="1">
+            <a:schemeClr val="accent1"/>
+          </a:lnRef>
+          <a:fillRef idx="0">
+            <a:schemeClr val="accent1"/>
+          </a:fillRef>
+          <a:effectRef idx="0">
+            <a:schemeClr val="accent1"/>
+          </a:effectRef>
+          <a:fontRef idx="minor">
+            <a:schemeClr val="tx1"/>
+          </a:fontRef>
+        </p:style>
+      </p:cxnSp>
+      <p:cxnSp>
+        <p:nvCxnSpPr>
+          <p:cNvPr id="4" name="直線コネクタ 3">
+            <a:extLst>
+              <a:ext uri="{FF2B5EF4-FFF2-40B4-BE49-F238E27FC236}">
+                <a16:creationId xmlns:a16="http://schemas.microsoft.com/office/drawing/2014/main" id="{F3E5F595-6656-E0A1-5CF9-A92FBE767A47}"/>
+              </a:ext>
+            </a:extLst>
+          </p:cNvPr>
+          <p:cNvCxnSpPr>
+            <a:cxnSpLocks/>
+          </p:cNvCxnSpPr>
+          <p:nvPr/>
+        </p:nvCxnSpPr>
+        <p:spPr>
+          <a:xfrm>
+            <a:off x="5292080" y="1268760"/>
+            <a:ext cx="0" cy="3600400"/>
+          </a:xfrm>
+          <a:prstGeom prst="line">
+            <a:avLst/>
+          </a:prstGeom>
+          <a:ln>
+            <a:solidFill>
+              <a:schemeClr val="tx1"/>
+            </a:solidFill>
+            <a:headEnd type="none" w="med" len="med"/>
+            <a:tailEnd type="none" w="med" len="med"/>
+          </a:ln>
+        </p:spPr>
+        <p:style>
+          <a:lnRef idx="1">
+            <a:schemeClr val="accent1"/>
+          </a:lnRef>
+          <a:fillRef idx="0">
+            <a:schemeClr val="accent1"/>
+          </a:fillRef>
+          <a:effectRef idx="0">
+            <a:schemeClr val="accent1"/>
+          </a:effectRef>
+          <a:fontRef idx="minor">
+            <a:schemeClr val="tx1"/>
+          </a:fontRef>
+        </p:style>
+      </p:cxnSp>
+      <p:cxnSp>
+        <p:nvCxnSpPr>
+          <p:cNvPr id="5" name="直線コネクタ 4">
+            <a:extLst>
+              <a:ext uri="{FF2B5EF4-FFF2-40B4-BE49-F238E27FC236}">
+                <a16:creationId xmlns:a16="http://schemas.microsoft.com/office/drawing/2014/main" id="{032A9145-625E-FCC0-93C6-5390FB1D4475}"/>
+              </a:ext>
+            </a:extLst>
+          </p:cNvPr>
+          <p:cNvCxnSpPr>
+            <a:cxnSpLocks/>
+          </p:cNvCxnSpPr>
+          <p:nvPr/>
+        </p:nvCxnSpPr>
+        <p:spPr>
+          <a:xfrm>
+            <a:off x="3131840" y="1268760"/>
+            <a:ext cx="0" cy="3600400"/>
+          </a:xfrm>
+          <a:prstGeom prst="line">
+            <a:avLst/>
+          </a:prstGeom>
+          <a:ln>
+            <a:solidFill>
+              <a:schemeClr val="tx1"/>
+            </a:solidFill>
+            <a:headEnd type="none" w="med" len="med"/>
+            <a:tailEnd type="none" w="med" len="med"/>
+          </a:ln>
+        </p:spPr>
+        <p:style>
+          <a:lnRef idx="1">
+            <a:schemeClr val="accent1"/>
+          </a:lnRef>
+          <a:fillRef idx="0">
+            <a:schemeClr val="accent1"/>
+          </a:fillRef>
+          <a:effectRef idx="0">
+            <a:schemeClr val="accent1"/>
+          </a:effectRef>
+          <a:fontRef idx="minor">
+            <a:schemeClr val="tx1"/>
+          </a:fontRef>
+        </p:style>
+      </p:cxnSp>
+      <p:cxnSp>
+        <p:nvCxnSpPr>
+          <p:cNvPr id="6" name="直線コネクタ 5">
+            <a:extLst>
+              <a:ext uri="{FF2B5EF4-FFF2-40B4-BE49-F238E27FC236}">
+                <a16:creationId xmlns:a16="http://schemas.microsoft.com/office/drawing/2014/main" id="{E08BD092-DE65-F052-70AF-009B0CEC2A59}"/>
+              </a:ext>
+            </a:extLst>
+          </p:cNvPr>
+          <p:cNvCxnSpPr>
+            <a:cxnSpLocks/>
+          </p:cNvCxnSpPr>
+          <p:nvPr/>
+        </p:nvCxnSpPr>
+        <p:spPr>
+          <a:xfrm>
+            <a:off x="3851920" y="1268760"/>
+            <a:ext cx="0" cy="3600400"/>
+          </a:xfrm>
+          <a:prstGeom prst="line">
+            <a:avLst/>
+          </a:prstGeom>
+          <a:ln>
+            <a:solidFill>
+              <a:schemeClr val="tx1"/>
+            </a:solidFill>
+            <a:headEnd type="none" w="med" len="med"/>
+            <a:tailEnd type="none" w="med" len="med"/>
+          </a:ln>
+        </p:spPr>
+        <p:style>
+          <a:lnRef idx="1">
+            <a:schemeClr val="accent1"/>
+          </a:lnRef>
+          <a:fillRef idx="0">
+            <a:schemeClr val="accent1"/>
+          </a:fillRef>
+          <a:effectRef idx="0">
+            <a:schemeClr val="accent1"/>
+          </a:effectRef>
+          <a:fontRef idx="minor">
+            <a:schemeClr val="tx1"/>
+          </a:fontRef>
+        </p:style>
+      </p:cxnSp>
+      <p:cxnSp>
+        <p:nvCxnSpPr>
+          <p:cNvPr id="7" name="直線コネクタ 6">
+            <a:extLst>
+              <a:ext uri="{FF2B5EF4-FFF2-40B4-BE49-F238E27FC236}">
+                <a16:creationId xmlns:a16="http://schemas.microsoft.com/office/drawing/2014/main" id="{A9B84491-569E-3342-C39F-2DF6256BD066}"/>
+              </a:ext>
+            </a:extLst>
+          </p:cNvPr>
+          <p:cNvCxnSpPr>
+            <a:cxnSpLocks/>
+          </p:cNvCxnSpPr>
+          <p:nvPr/>
+        </p:nvCxnSpPr>
+        <p:spPr>
+          <a:xfrm>
+            <a:off x="2411760" y="1268760"/>
+            <a:ext cx="0" cy="3600400"/>
+          </a:xfrm>
+          <a:prstGeom prst="line">
+            <a:avLst/>
+          </a:prstGeom>
+          <a:ln>
+            <a:solidFill>
+              <a:schemeClr val="tx1"/>
+            </a:solidFill>
+            <a:headEnd type="none" w="med" len="med"/>
+            <a:tailEnd type="none" w="med" len="med"/>
+          </a:ln>
+        </p:spPr>
+        <p:style>
+          <a:lnRef idx="1">
+            <a:schemeClr val="accent1"/>
+          </a:lnRef>
+          <a:fillRef idx="0">
+            <a:schemeClr val="accent1"/>
+          </a:fillRef>
+          <a:effectRef idx="0">
+            <a:schemeClr val="accent1"/>
+          </a:effectRef>
+          <a:fontRef idx="minor">
+            <a:schemeClr val="tx1"/>
+          </a:fontRef>
+        </p:style>
+      </p:cxnSp>
+      <p:cxnSp>
+        <p:nvCxnSpPr>
+          <p:cNvPr id="8" name="直線コネクタ 7">
+            <a:extLst>
+              <a:ext uri="{FF2B5EF4-FFF2-40B4-BE49-F238E27FC236}">
+                <a16:creationId xmlns:a16="http://schemas.microsoft.com/office/drawing/2014/main" id="{CC81C79C-2444-E6A7-A8BB-F853FD0C5462}"/>
+              </a:ext>
+            </a:extLst>
+          </p:cNvPr>
+          <p:cNvCxnSpPr>
+            <a:cxnSpLocks/>
+          </p:cNvCxnSpPr>
+          <p:nvPr/>
+        </p:nvCxnSpPr>
+        <p:spPr>
+          <a:xfrm>
+            <a:off x="6012160" y="1268760"/>
+            <a:ext cx="0" cy="3600400"/>
+          </a:xfrm>
+          <a:prstGeom prst="line">
+            <a:avLst/>
+          </a:prstGeom>
+          <a:ln>
+            <a:solidFill>
+              <a:schemeClr val="tx1"/>
+            </a:solidFill>
+            <a:headEnd type="none" w="med" len="med"/>
+            <a:tailEnd type="none" w="med" len="med"/>
+          </a:ln>
+        </p:spPr>
+        <p:style>
+          <a:lnRef idx="1">
+            <a:schemeClr val="accent1"/>
+          </a:lnRef>
+          <a:fillRef idx="0">
+            <a:schemeClr val="accent1"/>
+          </a:fillRef>
+          <a:effectRef idx="0">
+            <a:schemeClr val="accent1"/>
+          </a:effectRef>
+          <a:fontRef idx="minor">
+            <a:schemeClr val="tx1"/>
+          </a:fontRef>
+        </p:style>
+      </p:cxnSp>
+      <p:cxnSp>
+        <p:nvCxnSpPr>
+          <p:cNvPr id="9" name="直線コネクタ 8">
+            <a:extLst>
+              <a:ext uri="{FF2B5EF4-FFF2-40B4-BE49-F238E27FC236}">
+                <a16:creationId xmlns:a16="http://schemas.microsoft.com/office/drawing/2014/main" id="{47057FB9-0C38-F12B-380A-4843B00B9991}"/>
+              </a:ext>
+            </a:extLst>
+          </p:cNvPr>
+          <p:cNvCxnSpPr>
+            <a:cxnSpLocks/>
+          </p:cNvCxnSpPr>
+          <p:nvPr/>
+        </p:nvCxnSpPr>
+        <p:spPr>
+          <a:xfrm>
+            <a:off x="2411760" y="1268760"/>
+            <a:ext cx="3600400" cy="0"/>
+          </a:xfrm>
+          <a:prstGeom prst="line">
+            <a:avLst/>
+          </a:prstGeom>
+          <a:ln>
+            <a:solidFill>
+              <a:schemeClr val="tx1"/>
+            </a:solidFill>
+            <a:headEnd type="none" w="med" len="med"/>
+            <a:tailEnd type="none" w="med" len="med"/>
+          </a:ln>
+        </p:spPr>
+        <p:style>
+          <a:lnRef idx="1">
+            <a:schemeClr val="accent1"/>
+          </a:lnRef>
+          <a:fillRef idx="0">
+            <a:schemeClr val="accent1"/>
+          </a:fillRef>
+          <a:effectRef idx="0">
+            <a:schemeClr val="accent1"/>
+          </a:effectRef>
+          <a:fontRef idx="minor">
+            <a:schemeClr val="tx1"/>
+          </a:fontRef>
+        </p:style>
+      </p:cxnSp>
+      <p:cxnSp>
+        <p:nvCxnSpPr>
+          <p:cNvPr id="10" name="直線コネクタ 9">
+            <a:extLst>
+              <a:ext uri="{FF2B5EF4-FFF2-40B4-BE49-F238E27FC236}">
+                <a16:creationId xmlns:a16="http://schemas.microsoft.com/office/drawing/2014/main" id="{CD49AA4A-B5F9-E995-085D-1F1EE929DF92}"/>
+              </a:ext>
+            </a:extLst>
+          </p:cNvPr>
+          <p:cNvCxnSpPr>
+            <a:cxnSpLocks/>
+          </p:cNvCxnSpPr>
+          <p:nvPr/>
+        </p:nvCxnSpPr>
+        <p:spPr>
+          <a:xfrm>
+            <a:off x="2411760" y="1988840"/>
+            <a:ext cx="3600400" cy="0"/>
+          </a:xfrm>
+          <a:prstGeom prst="line">
+            <a:avLst/>
+          </a:prstGeom>
+          <a:ln>
+            <a:solidFill>
+              <a:schemeClr val="tx1"/>
+            </a:solidFill>
+            <a:headEnd type="none" w="med" len="med"/>
+            <a:tailEnd type="none" w="med" len="med"/>
+          </a:ln>
+        </p:spPr>
+        <p:style>
+          <a:lnRef idx="1">
+            <a:schemeClr val="accent1"/>
+          </a:lnRef>
+          <a:fillRef idx="0">
+            <a:schemeClr val="accent1"/>
+          </a:fillRef>
+          <a:effectRef idx="0">
+            <a:schemeClr val="accent1"/>
+          </a:effectRef>
+          <a:fontRef idx="minor">
+            <a:schemeClr val="tx1"/>
+          </a:fontRef>
+        </p:style>
+      </p:cxnSp>
+      <p:cxnSp>
+        <p:nvCxnSpPr>
+          <p:cNvPr id="11" name="直線コネクタ 10">
+            <a:extLst>
+              <a:ext uri="{FF2B5EF4-FFF2-40B4-BE49-F238E27FC236}">
+                <a16:creationId xmlns:a16="http://schemas.microsoft.com/office/drawing/2014/main" id="{089AADAB-6194-98B5-B1C3-A220EC330F7F}"/>
+              </a:ext>
+            </a:extLst>
+          </p:cNvPr>
+          <p:cNvCxnSpPr>
+            <a:cxnSpLocks/>
+          </p:cNvCxnSpPr>
+          <p:nvPr/>
+        </p:nvCxnSpPr>
+        <p:spPr>
+          <a:xfrm>
+            <a:off x="2411760" y="2708920"/>
+            <a:ext cx="3600400" cy="0"/>
+          </a:xfrm>
+          <a:prstGeom prst="line">
+            <a:avLst/>
+          </a:prstGeom>
+          <a:ln>
+            <a:solidFill>
+              <a:schemeClr val="tx1"/>
+            </a:solidFill>
+            <a:headEnd type="none" w="med" len="med"/>
+            <a:tailEnd type="none" w="med" len="med"/>
+          </a:ln>
+        </p:spPr>
+        <p:style>
+          <a:lnRef idx="1">
+            <a:schemeClr val="accent1"/>
+          </a:lnRef>
+          <a:fillRef idx="0">
+            <a:schemeClr val="accent1"/>
+          </a:fillRef>
+          <a:effectRef idx="0">
+            <a:schemeClr val="accent1"/>
+          </a:effectRef>
+          <a:fontRef idx="minor">
+            <a:schemeClr val="tx1"/>
+          </a:fontRef>
+        </p:style>
+      </p:cxnSp>
+      <p:cxnSp>
+        <p:nvCxnSpPr>
+          <p:cNvPr id="12" name="直線コネクタ 11">
+            <a:extLst>
+              <a:ext uri="{FF2B5EF4-FFF2-40B4-BE49-F238E27FC236}">
+                <a16:creationId xmlns:a16="http://schemas.microsoft.com/office/drawing/2014/main" id="{1573807C-2F62-3C9B-F8F6-D32FA98E42E2}"/>
+              </a:ext>
+            </a:extLst>
+          </p:cNvPr>
+          <p:cNvCxnSpPr>
+            <a:cxnSpLocks/>
+          </p:cNvCxnSpPr>
+          <p:nvPr/>
+        </p:nvCxnSpPr>
+        <p:spPr>
+          <a:xfrm>
+            <a:off x="2411760" y="3429000"/>
+            <a:ext cx="3600400" cy="0"/>
+          </a:xfrm>
+          <a:prstGeom prst="line">
+            <a:avLst/>
+          </a:prstGeom>
+          <a:ln>
+            <a:solidFill>
+              <a:schemeClr val="tx1"/>
+            </a:solidFill>
+            <a:headEnd type="none" w="med" len="med"/>
+            <a:tailEnd type="none" w="med" len="med"/>
+          </a:ln>
+        </p:spPr>
+        <p:style>
+          <a:lnRef idx="1">
+            <a:schemeClr val="accent1"/>
+          </a:lnRef>
+          <a:fillRef idx="0">
+            <a:schemeClr val="accent1"/>
+          </a:fillRef>
+          <a:effectRef idx="0">
+            <a:schemeClr val="accent1"/>
+          </a:effectRef>
+          <a:fontRef idx="minor">
+            <a:schemeClr val="tx1"/>
+          </a:fontRef>
+        </p:style>
+      </p:cxnSp>
+      <p:cxnSp>
+        <p:nvCxnSpPr>
+          <p:cNvPr id="13" name="直線コネクタ 12">
+            <a:extLst>
+              <a:ext uri="{FF2B5EF4-FFF2-40B4-BE49-F238E27FC236}">
+                <a16:creationId xmlns:a16="http://schemas.microsoft.com/office/drawing/2014/main" id="{725D539E-B88D-CB98-5747-D7F72E71F62E}"/>
+              </a:ext>
+            </a:extLst>
+          </p:cNvPr>
+          <p:cNvCxnSpPr>
+            <a:cxnSpLocks/>
+          </p:cNvCxnSpPr>
+          <p:nvPr/>
+        </p:nvCxnSpPr>
+        <p:spPr>
+          <a:xfrm>
+            <a:off x="2411760" y="4149080"/>
+            <a:ext cx="3600400" cy="0"/>
+          </a:xfrm>
+          <a:prstGeom prst="line">
+            <a:avLst/>
+          </a:prstGeom>
+          <a:ln>
+            <a:solidFill>
+              <a:schemeClr val="tx1"/>
+            </a:solidFill>
+            <a:headEnd type="none" w="med" len="med"/>
+            <a:tailEnd type="none" w="med" len="med"/>
+          </a:ln>
+        </p:spPr>
+        <p:style>
+          <a:lnRef idx="1">
+            <a:schemeClr val="accent1"/>
+          </a:lnRef>
+          <a:fillRef idx="0">
+            <a:schemeClr val="accent1"/>
+          </a:fillRef>
+          <a:effectRef idx="0">
+            <a:schemeClr val="accent1"/>
+          </a:effectRef>
+          <a:fontRef idx="minor">
+            <a:schemeClr val="tx1"/>
+          </a:fontRef>
+        </p:style>
+      </p:cxnSp>
+      <p:cxnSp>
+        <p:nvCxnSpPr>
+          <p:cNvPr id="14" name="直線コネクタ 13">
+            <a:extLst>
+              <a:ext uri="{FF2B5EF4-FFF2-40B4-BE49-F238E27FC236}">
+                <a16:creationId xmlns:a16="http://schemas.microsoft.com/office/drawing/2014/main" id="{E77F2B98-2FC8-99C7-23D9-A00749E7D93F}"/>
+              </a:ext>
+            </a:extLst>
+          </p:cNvPr>
+          <p:cNvCxnSpPr>
+            <a:cxnSpLocks/>
+          </p:cNvCxnSpPr>
+          <p:nvPr/>
+        </p:nvCxnSpPr>
+        <p:spPr>
+          <a:xfrm>
+            <a:off x="2411760" y="4869160"/>
+            <a:ext cx="3600400" cy="0"/>
+          </a:xfrm>
+          <a:prstGeom prst="line">
+            <a:avLst/>
+          </a:prstGeom>
+          <a:ln>
+            <a:solidFill>
+              <a:schemeClr val="tx1"/>
+            </a:solidFill>
+            <a:headEnd type="none" w="med" len="med"/>
+            <a:tailEnd type="none" w="med" len="med"/>
+          </a:ln>
+        </p:spPr>
+        <p:style>
+          <a:lnRef idx="1">
+            <a:schemeClr val="accent1"/>
+          </a:lnRef>
+          <a:fillRef idx="0">
+            <a:schemeClr val="accent1"/>
+          </a:fillRef>
+          <a:effectRef idx="0">
+            <a:schemeClr val="accent1"/>
+          </a:effectRef>
+          <a:fontRef idx="minor">
+            <a:schemeClr val="tx1"/>
+          </a:fontRef>
+        </p:style>
+      </p:cxnSp>
+      <p:sp>
+        <p:nvSpPr>
+          <p:cNvPr id="28" name="楕円 27">
+            <a:extLst>
+              <a:ext uri="{FF2B5EF4-FFF2-40B4-BE49-F238E27FC236}">
+                <a16:creationId xmlns:a16="http://schemas.microsoft.com/office/drawing/2014/main" id="{5DBC158F-4B33-269F-C2F5-196767A22E9C}"/>
+              </a:ext>
+            </a:extLst>
+          </p:cNvPr>
+          <p:cNvSpPr/>
+          <p:nvPr/>
+        </p:nvSpPr>
+        <p:spPr>
+          <a:xfrm>
+            <a:off x="4067944" y="2852936"/>
+            <a:ext cx="312035" cy="312035"/>
+          </a:xfrm>
+          <a:prstGeom prst="ellipse">
+            <a:avLst/>
+          </a:prstGeom>
+          <a:solidFill>
+            <a:srgbClr val="FF0000"/>
+          </a:solidFill>
+          <a:ln w="9525">
+            <a:solidFill>
+              <a:schemeClr val="tx1"/>
+            </a:solidFill>
+          </a:ln>
+        </p:spPr>
+        <p:style>
+          <a:lnRef idx="2">
+            <a:schemeClr val="accent1">
+              <a:shade val="50000"/>
+            </a:schemeClr>
+          </a:lnRef>
+          <a:fillRef idx="1">
+            <a:schemeClr val="accent1"/>
+          </a:fillRef>
+          <a:effectRef idx="0">
+            <a:schemeClr val="accent1"/>
+          </a:effectRef>
+          <a:fontRef idx="minor">
+            <a:schemeClr val="lt1"/>
+          </a:fontRef>
+        </p:style>
+        <p:txBody>
+          <a:bodyPr rtlCol="0" anchor="ctr"/>
+          <a:lstStyle/>
+          <a:p>
+            <a:pPr algn="ctr"/>
+            <a:endParaRPr kumimoji="1" lang="ja-JP" altLang="en-US"/>
+          </a:p>
+        </p:txBody>
+      </p:sp>
+      <p:sp>
+        <p:nvSpPr>
+          <p:cNvPr id="29" name="楕円 28">
+            <a:extLst>
+              <a:ext uri="{FF2B5EF4-FFF2-40B4-BE49-F238E27FC236}">
+                <a16:creationId xmlns:a16="http://schemas.microsoft.com/office/drawing/2014/main" id="{A1F6572A-A6A7-31B1-FE57-18C281EC7D13}"/>
+              </a:ext>
+            </a:extLst>
+          </p:cNvPr>
+          <p:cNvSpPr/>
+          <p:nvPr/>
+        </p:nvSpPr>
+        <p:spPr>
+          <a:xfrm>
+            <a:off x="4788024" y="2852936"/>
+            <a:ext cx="312035" cy="312035"/>
+          </a:xfrm>
+          <a:prstGeom prst="ellipse">
+            <a:avLst/>
+          </a:prstGeom>
+          <a:solidFill>
+            <a:srgbClr val="011893"/>
+          </a:solidFill>
+          <a:ln w="9525">
+            <a:solidFill>
+              <a:schemeClr val="tx1"/>
+            </a:solidFill>
+          </a:ln>
+        </p:spPr>
+        <p:style>
+          <a:lnRef idx="2">
+            <a:schemeClr val="accent1">
+              <a:shade val="50000"/>
+            </a:schemeClr>
+          </a:lnRef>
+          <a:fillRef idx="1">
+            <a:schemeClr val="accent1"/>
+          </a:fillRef>
+          <a:effectRef idx="0">
+            <a:schemeClr val="accent1"/>
+          </a:effectRef>
+          <a:fontRef idx="minor">
+            <a:schemeClr val="lt1"/>
+          </a:fontRef>
+        </p:style>
+        <p:txBody>
+          <a:bodyPr rtlCol="0" anchor="ctr"/>
+          <a:lstStyle/>
+          <a:p>
+            <a:pPr algn="ctr"/>
+            <a:endParaRPr kumimoji="1" lang="ja-JP" altLang="en-US"/>
+          </a:p>
+        </p:txBody>
+      </p:sp>
+      <p:sp>
+        <p:nvSpPr>
+          <p:cNvPr id="30" name="楕円 29">
+            <a:extLst>
+              <a:ext uri="{FF2B5EF4-FFF2-40B4-BE49-F238E27FC236}">
+                <a16:creationId xmlns:a16="http://schemas.microsoft.com/office/drawing/2014/main" id="{FFB7783D-89CA-722C-1C40-5C6EC2A6DCAD}"/>
+              </a:ext>
+            </a:extLst>
+          </p:cNvPr>
+          <p:cNvSpPr/>
+          <p:nvPr/>
+        </p:nvSpPr>
+        <p:spPr>
+          <a:xfrm>
+            <a:off x="5436096" y="1628800"/>
+            <a:ext cx="312035" cy="312035"/>
+          </a:xfrm>
+          <a:prstGeom prst="ellipse">
+            <a:avLst/>
+          </a:prstGeom>
+          <a:solidFill>
+            <a:srgbClr val="011893"/>
+          </a:solidFill>
+          <a:ln w="9525">
+            <a:solidFill>
+              <a:schemeClr val="tx1"/>
+            </a:solidFill>
+          </a:ln>
+        </p:spPr>
+        <p:style>
+          <a:lnRef idx="2">
+            <a:schemeClr val="accent1">
+              <a:shade val="50000"/>
+            </a:schemeClr>
+          </a:lnRef>
+          <a:fillRef idx="1">
+            <a:schemeClr val="accent1"/>
+          </a:fillRef>
+          <a:effectRef idx="0">
+            <a:schemeClr val="accent1"/>
+          </a:effectRef>
+          <a:fontRef idx="minor">
+            <a:schemeClr val="lt1"/>
+          </a:fontRef>
+        </p:style>
+        <p:txBody>
+          <a:bodyPr rtlCol="0" anchor="ctr"/>
+          <a:lstStyle/>
+          <a:p>
+            <a:pPr algn="ctr"/>
+            <a:endParaRPr kumimoji="1" lang="ja-JP" altLang="en-US"/>
+          </a:p>
+        </p:txBody>
+      </p:sp>
+      <p:sp>
+        <p:nvSpPr>
+          <p:cNvPr id="31" name="楕円 30">
+            <a:extLst>
+              <a:ext uri="{FF2B5EF4-FFF2-40B4-BE49-F238E27FC236}">
+                <a16:creationId xmlns:a16="http://schemas.microsoft.com/office/drawing/2014/main" id="{A618E155-FB33-C64B-FEB2-F451B3510652}"/>
+              </a:ext>
+            </a:extLst>
+          </p:cNvPr>
+          <p:cNvSpPr/>
+          <p:nvPr/>
+        </p:nvSpPr>
+        <p:spPr>
+          <a:xfrm>
+            <a:off x="4139952" y="2132856"/>
+            <a:ext cx="312035" cy="312035"/>
+          </a:xfrm>
+          <a:prstGeom prst="ellipse">
+            <a:avLst/>
+          </a:prstGeom>
+          <a:solidFill>
+            <a:srgbClr val="011893"/>
+          </a:solidFill>
+          <a:ln w="9525">
+            <a:solidFill>
+              <a:schemeClr val="tx1"/>
+            </a:solidFill>
+          </a:ln>
+        </p:spPr>
+        <p:style>
+          <a:lnRef idx="2">
+            <a:schemeClr val="accent1">
+              <a:shade val="50000"/>
+            </a:schemeClr>
+          </a:lnRef>
+          <a:fillRef idx="1">
+            <a:schemeClr val="accent1"/>
+          </a:fillRef>
+          <a:effectRef idx="0">
+            <a:schemeClr val="accent1"/>
+          </a:effectRef>
+          <a:fontRef idx="minor">
+            <a:schemeClr val="lt1"/>
+          </a:fontRef>
+        </p:style>
+        <p:txBody>
+          <a:bodyPr rtlCol="0" anchor="ctr"/>
+          <a:lstStyle/>
+          <a:p>
+            <a:pPr algn="ctr"/>
+            <a:endParaRPr kumimoji="1" lang="ja-JP" altLang="en-US"/>
+          </a:p>
+        </p:txBody>
+      </p:sp>
+      <p:sp>
+        <p:nvSpPr>
+          <p:cNvPr id="32" name="楕円 31">
+            <a:extLst>
+              <a:ext uri="{FF2B5EF4-FFF2-40B4-BE49-F238E27FC236}">
+                <a16:creationId xmlns:a16="http://schemas.microsoft.com/office/drawing/2014/main" id="{F81AFA4E-EF4B-60B1-0DCE-B22CFF67C245}"/>
+              </a:ext>
+            </a:extLst>
+          </p:cNvPr>
+          <p:cNvSpPr/>
+          <p:nvPr/>
+        </p:nvSpPr>
+        <p:spPr>
+          <a:xfrm>
+            <a:off x="3419872" y="1556792"/>
+            <a:ext cx="312035" cy="312035"/>
+          </a:xfrm>
+          <a:prstGeom prst="ellipse">
+            <a:avLst/>
+          </a:prstGeom>
+          <a:solidFill>
+            <a:srgbClr val="011893"/>
+          </a:solidFill>
+          <a:ln w="9525">
+            <a:solidFill>
+              <a:schemeClr val="tx1"/>
+            </a:solidFill>
+          </a:ln>
+        </p:spPr>
+        <p:style>
+          <a:lnRef idx="2">
+            <a:schemeClr val="accent1">
+              <a:shade val="50000"/>
+            </a:schemeClr>
+          </a:lnRef>
+          <a:fillRef idx="1">
+            <a:schemeClr val="accent1"/>
+          </a:fillRef>
+          <a:effectRef idx="0">
+            <a:schemeClr val="accent1"/>
+          </a:effectRef>
+          <a:fontRef idx="minor">
+            <a:schemeClr val="lt1"/>
+          </a:fontRef>
+        </p:style>
+        <p:txBody>
+          <a:bodyPr rtlCol="0" anchor="ctr"/>
+          <a:lstStyle/>
+          <a:p>
+            <a:pPr algn="ctr"/>
+            <a:endParaRPr kumimoji="1" lang="ja-JP" altLang="en-US"/>
+          </a:p>
+        </p:txBody>
+      </p:sp>
+      <p:sp>
+        <p:nvSpPr>
+          <p:cNvPr id="33" name="楕円 32">
+            <a:extLst>
+              <a:ext uri="{FF2B5EF4-FFF2-40B4-BE49-F238E27FC236}">
+                <a16:creationId xmlns:a16="http://schemas.microsoft.com/office/drawing/2014/main" id="{C5E7C477-0BFE-4A14-62C9-1FB2C96AB881}"/>
+              </a:ext>
+            </a:extLst>
+          </p:cNvPr>
+          <p:cNvSpPr/>
+          <p:nvPr/>
+        </p:nvSpPr>
+        <p:spPr>
+          <a:xfrm>
+            <a:off x="3203848" y="2924944"/>
+            <a:ext cx="312035" cy="312035"/>
+          </a:xfrm>
+          <a:prstGeom prst="ellipse">
+            <a:avLst/>
+          </a:prstGeom>
+          <a:solidFill>
+            <a:srgbClr val="011893"/>
+          </a:solidFill>
+          <a:ln w="9525">
+            <a:solidFill>
+              <a:schemeClr val="tx1"/>
+            </a:solidFill>
+          </a:ln>
+        </p:spPr>
+        <p:style>
+          <a:lnRef idx="2">
+            <a:schemeClr val="accent1">
+              <a:shade val="50000"/>
+            </a:schemeClr>
+          </a:lnRef>
+          <a:fillRef idx="1">
+            <a:schemeClr val="accent1"/>
+          </a:fillRef>
+          <a:effectRef idx="0">
+            <a:schemeClr val="accent1"/>
+          </a:effectRef>
+          <a:fontRef idx="minor">
+            <a:schemeClr val="lt1"/>
+          </a:fontRef>
+        </p:style>
+        <p:txBody>
+          <a:bodyPr rtlCol="0" anchor="ctr"/>
+          <a:lstStyle/>
+          <a:p>
+            <a:pPr algn="ctr"/>
+            <a:endParaRPr kumimoji="1" lang="ja-JP" altLang="en-US"/>
+          </a:p>
+        </p:txBody>
+      </p:sp>
+      <p:sp>
+        <p:nvSpPr>
+          <p:cNvPr id="34" name="楕円 33">
+            <a:extLst>
+              <a:ext uri="{FF2B5EF4-FFF2-40B4-BE49-F238E27FC236}">
+                <a16:creationId xmlns:a16="http://schemas.microsoft.com/office/drawing/2014/main" id="{E9B29444-6A0F-5C16-ED6C-4294D7D8645A}"/>
+              </a:ext>
+            </a:extLst>
+          </p:cNvPr>
+          <p:cNvSpPr/>
+          <p:nvPr/>
+        </p:nvSpPr>
+        <p:spPr>
+          <a:xfrm>
+            <a:off x="4644008" y="3429000"/>
+            <a:ext cx="312035" cy="312035"/>
+          </a:xfrm>
+          <a:prstGeom prst="ellipse">
+            <a:avLst/>
+          </a:prstGeom>
+          <a:solidFill>
+            <a:srgbClr val="011893"/>
+          </a:solidFill>
+          <a:ln w="9525">
+            <a:solidFill>
+              <a:schemeClr val="tx1"/>
+            </a:solidFill>
+          </a:ln>
+        </p:spPr>
+        <p:style>
+          <a:lnRef idx="2">
+            <a:schemeClr val="accent1">
+              <a:shade val="50000"/>
+            </a:schemeClr>
+          </a:lnRef>
+          <a:fillRef idx="1">
+            <a:schemeClr val="accent1"/>
+          </a:fillRef>
+          <a:effectRef idx="0">
+            <a:schemeClr val="accent1"/>
+          </a:effectRef>
+          <a:fontRef idx="minor">
+            <a:schemeClr val="lt1"/>
+          </a:fontRef>
+        </p:style>
+        <p:txBody>
+          <a:bodyPr rtlCol="0" anchor="ctr"/>
+          <a:lstStyle/>
+          <a:p>
+            <a:pPr algn="ctr"/>
+            <a:endParaRPr kumimoji="1" lang="ja-JP" altLang="en-US"/>
+          </a:p>
+        </p:txBody>
+      </p:sp>
+      <p:sp>
+        <p:nvSpPr>
+          <p:cNvPr id="35" name="楕円 34">
+            <a:extLst>
+              <a:ext uri="{FF2B5EF4-FFF2-40B4-BE49-F238E27FC236}">
+                <a16:creationId xmlns:a16="http://schemas.microsoft.com/office/drawing/2014/main" id="{FE1B3D63-9B63-1829-2052-AE611B498185}"/>
+              </a:ext>
+            </a:extLst>
+          </p:cNvPr>
+          <p:cNvSpPr/>
+          <p:nvPr/>
+        </p:nvSpPr>
+        <p:spPr>
+          <a:xfrm>
+            <a:off x="5364088" y="3789040"/>
+            <a:ext cx="312035" cy="312035"/>
+          </a:xfrm>
+          <a:prstGeom prst="ellipse">
+            <a:avLst/>
+          </a:prstGeom>
+          <a:solidFill>
+            <a:srgbClr val="011893"/>
+          </a:solidFill>
+          <a:ln w="9525">
+            <a:solidFill>
+              <a:schemeClr val="tx1"/>
+            </a:solidFill>
+          </a:ln>
+        </p:spPr>
+        <p:style>
+          <a:lnRef idx="2">
+            <a:schemeClr val="accent1">
+              <a:shade val="50000"/>
+            </a:schemeClr>
+          </a:lnRef>
+          <a:fillRef idx="1">
+            <a:schemeClr val="accent1"/>
+          </a:fillRef>
+          <a:effectRef idx="0">
+            <a:schemeClr val="accent1"/>
+          </a:effectRef>
+          <a:fontRef idx="minor">
+            <a:schemeClr val="lt1"/>
+          </a:fontRef>
+        </p:style>
+        <p:txBody>
+          <a:bodyPr rtlCol="0" anchor="ctr"/>
+          <a:lstStyle/>
+          <a:p>
+            <a:pPr algn="ctr"/>
+            <a:endParaRPr kumimoji="1" lang="ja-JP" altLang="en-US"/>
+          </a:p>
+        </p:txBody>
+      </p:sp>
+      <p:sp>
+        <p:nvSpPr>
+          <p:cNvPr id="36" name="楕円 35">
+            <a:extLst>
+              <a:ext uri="{FF2B5EF4-FFF2-40B4-BE49-F238E27FC236}">
+                <a16:creationId xmlns:a16="http://schemas.microsoft.com/office/drawing/2014/main" id="{05B1ECC0-4D02-2E37-1FA0-B6FF61ADD798}"/>
+              </a:ext>
+            </a:extLst>
+          </p:cNvPr>
+          <p:cNvSpPr/>
+          <p:nvPr/>
+        </p:nvSpPr>
+        <p:spPr>
+          <a:xfrm>
+            <a:off x="3347864" y="4221088"/>
+            <a:ext cx="312035" cy="312035"/>
+          </a:xfrm>
+          <a:prstGeom prst="ellipse">
+            <a:avLst/>
+          </a:prstGeom>
+          <a:solidFill>
+            <a:srgbClr val="011893"/>
+          </a:solidFill>
+          <a:ln w="9525">
+            <a:solidFill>
+              <a:schemeClr val="tx1"/>
+            </a:solidFill>
+          </a:ln>
+        </p:spPr>
+        <p:style>
+          <a:lnRef idx="2">
+            <a:schemeClr val="accent1">
+              <a:shade val="50000"/>
+            </a:schemeClr>
+          </a:lnRef>
+          <a:fillRef idx="1">
+            <a:schemeClr val="accent1"/>
+          </a:fillRef>
+          <a:effectRef idx="0">
+            <a:schemeClr val="accent1"/>
+          </a:effectRef>
+          <a:fontRef idx="minor">
+            <a:schemeClr val="lt1"/>
+          </a:fontRef>
+        </p:style>
+        <p:txBody>
+          <a:bodyPr rtlCol="0" anchor="ctr"/>
+          <a:lstStyle/>
+          <a:p>
+            <a:pPr algn="ctr"/>
+            <a:endParaRPr kumimoji="1" lang="ja-JP" altLang="en-US"/>
+          </a:p>
+        </p:txBody>
+      </p:sp>
+      <p:sp>
+        <p:nvSpPr>
+          <p:cNvPr id="37" name="楕円 36">
+            <a:extLst>
+              <a:ext uri="{FF2B5EF4-FFF2-40B4-BE49-F238E27FC236}">
+                <a16:creationId xmlns:a16="http://schemas.microsoft.com/office/drawing/2014/main" id="{F141E933-BB05-027B-4064-39E7569B4723}"/>
+              </a:ext>
+            </a:extLst>
+          </p:cNvPr>
+          <p:cNvSpPr/>
+          <p:nvPr/>
+        </p:nvSpPr>
+        <p:spPr>
+          <a:xfrm>
+            <a:off x="2627784" y="3573016"/>
+            <a:ext cx="312035" cy="312035"/>
+          </a:xfrm>
+          <a:prstGeom prst="ellipse">
+            <a:avLst/>
+          </a:prstGeom>
+          <a:solidFill>
+            <a:srgbClr val="011893"/>
+          </a:solidFill>
+          <a:ln w="9525">
+            <a:solidFill>
+              <a:schemeClr val="tx1"/>
+            </a:solidFill>
+          </a:ln>
+        </p:spPr>
+        <p:style>
+          <a:lnRef idx="2">
+            <a:schemeClr val="accent1">
+              <a:shade val="50000"/>
+            </a:schemeClr>
+          </a:lnRef>
+          <a:fillRef idx="1">
+            <a:schemeClr val="accent1"/>
+          </a:fillRef>
+          <a:effectRef idx="0">
+            <a:schemeClr val="accent1"/>
+          </a:effectRef>
+          <a:fontRef idx="minor">
+            <a:schemeClr val="lt1"/>
+          </a:fontRef>
+        </p:style>
+        <p:txBody>
+          <a:bodyPr rtlCol="0" anchor="ctr"/>
+          <a:lstStyle/>
+          <a:p>
+            <a:pPr algn="ctr"/>
+            <a:endParaRPr kumimoji="1" lang="ja-JP" altLang="en-US"/>
+          </a:p>
+        </p:txBody>
+      </p:sp>
+      <p:sp>
+        <p:nvSpPr>
+          <p:cNvPr id="38" name="楕円 37">
+            <a:extLst>
+              <a:ext uri="{FF2B5EF4-FFF2-40B4-BE49-F238E27FC236}">
+                <a16:creationId xmlns:a16="http://schemas.microsoft.com/office/drawing/2014/main" id="{A8E1D364-D58F-BE68-0B29-629C056010AD}"/>
+              </a:ext>
+            </a:extLst>
+          </p:cNvPr>
+          <p:cNvSpPr/>
+          <p:nvPr/>
+        </p:nvSpPr>
+        <p:spPr>
+          <a:xfrm>
+            <a:off x="2555776" y="2204864"/>
+            <a:ext cx="312035" cy="312035"/>
+          </a:xfrm>
+          <a:prstGeom prst="ellipse">
+            <a:avLst/>
+          </a:prstGeom>
+          <a:solidFill>
+            <a:srgbClr val="011893"/>
+          </a:solidFill>
+          <a:ln w="9525">
+            <a:solidFill>
+              <a:schemeClr val="tx1"/>
+            </a:solidFill>
+          </a:ln>
+        </p:spPr>
+        <p:style>
+          <a:lnRef idx="2">
+            <a:schemeClr val="accent1">
+              <a:shade val="50000"/>
+            </a:schemeClr>
+          </a:lnRef>
+          <a:fillRef idx="1">
+            <a:schemeClr val="accent1"/>
+          </a:fillRef>
+          <a:effectRef idx="0">
+            <a:schemeClr val="accent1"/>
+          </a:effectRef>
+          <a:fontRef idx="minor">
+            <a:schemeClr val="lt1"/>
+          </a:fontRef>
+        </p:style>
+        <p:txBody>
+          <a:bodyPr rtlCol="0" anchor="ctr"/>
+          <a:lstStyle/>
+          <a:p>
+            <a:pPr algn="ctr"/>
+            <a:endParaRPr kumimoji="1" lang="ja-JP" altLang="en-US"/>
+          </a:p>
+        </p:txBody>
+      </p:sp>
+      <p:sp>
+        <p:nvSpPr>
+          <p:cNvPr id="39" name="正方形/長方形 38">
+            <a:extLst>
+              <a:ext uri="{FF2B5EF4-FFF2-40B4-BE49-F238E27FC236}">
+                <a16:creationId xmlns:a16="http://schemas.microsoft.com/office/drawing/2014/main" id="{5DD140BB-99AA-1B3F-6ED6-25CC4AF42436}"/>
+              </a:ext>
+            </a:extLst>
+          </p:cNvPr>
+          <p:cNvSpPr/>
+          <p:nvPr/>
+        </p:nvSpPr>
+        <p:spPr>
+          <a:xfrm>
+            <a:off x="3131840" y="1988840"/>
+            <a:ext cx="2160240" cy="2160240"/>
+          </a:xfrm>
+          <a:prstGeom prst="rect">
+            <a:avLst/>
+          </a:prstGeom>
+          <a:noFill/>
+          <a:ln w="28575">
+            <a:solidFill>
+              <a:srgbClr val="FF0000"/>
+            </a:solidFill>
+          </a:ln>
+        </p:spPr>
+        <p:style>
+          <a:lnRef idx="2">
+            <a:schemeClr val="accent1">
+              <a:shade val="50000"/>
+            </a:schemeClr>
+          </a:lnRef>
+          <a:fillRef idx="1">
+            <a:schemeClr val="accent1"/>
+          </a:fillRef>
+          <a:effectRef idx="0">
+            <a:schemeClr val="accent1"/>
+          </a:effectRef>
+          <a:fontRef idx="minor">
+            <a:schemeClr val="lt1"/>
+          </a:fontRef>
+        </p:style>
+        <p:txBody>
+          <a:bodyPr rtlCol="0" anchor="ctr"/>
+          <a:lstStyle/>
+          <a:p>
+            <a:pPr algn="ctr"/>
+            <a:endParaRPr kumimoji="1" lang="ja-JP" altLang="en-US"/>
+          </a:p>
+        </p:txBody>
+      </p:sp>
+      <p:sp>
+        <p:nvSpPr>
+          <p:cNvPr id="40" name="テキスト ボックス 39">
+            <a:extLst>
+              <a:ext uri="{FF2B5EF4-FFF2-40B4-BE49-F238E27FC236}">
+                <a16:creationId xmlns:a16="http://schemas.microsoft.com/office/drawing/2014/main" id="{46C408FF-CCB0-9CD9-F170-FD62871FF576}"/>
+              </a:ext>
+            </a:extLst>
+          </p:cNvPr>
+          <p:cNvSpPr txBox="1"/>
+          <p:nvPr/>
+        </p:nvSpPr>
+        <p:spPr>
+          <a:xfrm>
+            <a:off x="467544" y="5013176"/>
+            <a:ext cx="7435049" cy="830997"/>
+          </a:xfrm>
+          <a:prstGeom prst="rect">
+            <a:avLst/>
+          </a:prstGeom>
+          <a:noFill/>
+        </p:spPr>
+        <p:txBody>
+          <a:bodyPr wrap="none" rtlCol="0">
+            <a:spAutoFit/>
+          </a:bodyPr>
+          <a:lstStyle/>
+          <a:p>
+            <a:r>
+              <a:rPr kumimoji="1" lang="ja-JP" altLang="en-US" sz="2400"/>
+              <a:t>各原子が所属するセル番号の「住所録」を作る</a:t>
+            </a:r>
+            <a:endParaRPr kumimoji="1" lang="en-US" altLang="ja-JP" sz="2400"/>
+          </a:p>
+          <a:p>
+            <a:r>
+              <a:rPr kumimoji="1" lang="ja-JP" altLang="en-US" sz="2400"/>
+              <a:t>ある粒子について、隣接する</a:t>
+            </a:r>
+            <a:r>
+              <a:rPr kumimoji="1" lang="en-US" altLang="ja-JP" sz="2400"/>
+              <a:t>9</a:t>
+            </a:r>
+            <a:r>
+              <a:rPr kumimoji="1" lang="ja-JP" altLang="en-US" sz="2400"/>
+              <a:t>つのセルのみ探索する</a:t>
+            </a:r>
+          </a:p>
+        </p:txBody>
+      </p:sp>
+      <mc:AlternateContent xmlns:mc="http://schemas.openxmlformats.org/markup-compatibility/2006">
+        <mc:Choice xmlns:a14="http://schemas.microsoft.com/office/drawing/2010/main" Requires="a14">
+          <p:sp>
+            <p:nvSpPr>
+              <p:cNvPr id="41" name="テキスト ボックス 40">
+                <a:extLst>
+                  <a:ext uri="{FF2B5EF4-FFF2-40B4-BE49-F238E27FC236}">
+                    <a16:creationId xmlns:a16="http://schemas.microsoft.com/office/drawing/2014/main" id="{58C8026D-54C2-E45B-FAFE-7EFF241D737F}"/>
+                  </a:ext>
+                </a:extLst>
+              </p:cNvPr>
+              <p:cNvSpPr txBox="1"/>
+              <p:nvPr/>
+            </p:nvSpPr>
+            <p:spPr>
+              <a:xfrm>
+                <a:off x="539552" y="6021288"/>
+                <a:ext cx="7278724" cy="584775"/>
+              </a:xfrm>
+              <a:prstGeom prst="rect">
+                <a:avLst/>
+              </a:prstGeom>
+              <a:noFill/>
+            </p:spPr>
+            <p:txBody>
+              <a:bodyPr wrap="none" rtlCol="0">
+                <a:spAutoFit/>
+              </a:bodyPr>
+              <a:lstStyle/>
+              <a:p>
+                <a:r>
+                  <a:rPr kumimoji="1" lang="ja-JP" altLang="en-US" sz="3200"/>
+                  <a:t>住所録作成、セルの探索どちらも</a:t>
+                </a:r>
+                <a14:m>
+                  <m:oMath xmlns:m="http://schemas.openxmlformats.org/officeDocument/2006/math">
+                    <m:r>
+                      <a:rPr kumimoji="1" lang="en-US" altLang="ja-JP" sz="3200" b="0" i="1" smtClean="0">
+                        <a:latin typeface="Cambria Math" panose="02040503050406030204" pitchFamily="18" charset="0"/>
+                      </a:rPr>
+                      <m:t>𝑂</m:t>
+                    </m:r>
+                    <m:r>
+                      <a:rPr kumimoji="1" lang="en-US" altLang="ja-JP" sz="3200" b="0" i="1" smtClean="0">
+                        <a:latin typeface="Cambria Math" panose="02040503050406030204" pitchFamily="18" charset="0"/>
+                      </a:rPr>
+                      <m:t>(</m:t>
+                    </m:r>
+                    <m:r>
+                      <a:rPr kumimoji="1" lang="en-US" altLang="ja-JP" sz="3200" b="0" i="1" smtClean="0">
+                        <a:latin typeface="Cambria Math" panose="02040503050406030204" pitchFamily="18" charset="0"/>
+                      </a:rPr>
+                      <m:t>𝑁</m:t>
+                    </m:r>
+                    <m:r>
+                      <a:rPr kumimoji="1" lang="en-US" altLang="ja-JP" sz="3200" b="0" i="1" smtClean="0">
+                        <a:latin typeface="Cambria Math" panose="02040503050406030204" pitchFamily="18" charset="0"/>
+                      </a:rPr>
+                      <m:t>)</m:t>
+                    </m:r>
+                  </m:oMath>
+                </a14:m>
+                <a:endParaRPr kumimoji="1" lang="ja-JP" altLang="en-US" sz="3200"/>
+              </a:p>
+            </p:txBody>
+          </p:sp>
+        </mc:Choice>
+        <mc:Fallback>
+          <p:sp>
+            <p:nvSpPr>
+              <p:cNvPr id="41" name="テキスト ボックス 40">
+                <a:extLst>
+                  <a:ext uri="{FF2B5EF4-FFF2-40B4-BE49-F238E27FC236}">
+                    <a16:creationId xmlns:a16="http://schemas.microsoft.com/office/drawing/2014/main" id="{58C8026D-54C2-E45B-FAFE-7EFF241D737F}"/>
+                  </a:ext>
+                </a:extLst>
+              </p:cNvPr>
+              <p:cNvSpPr txBox="1">
+                <a:spLocks noRot="1" noChangeAspect="1" noMove="1" noResize="1" noEditPoints="1" noAdjustHandles="1" noChangeArrowheads="1" noChangeShapeType="1" noTextEdit="1"/>
+              </p:cNvSpPr>
+              <p:nvPr/>
+            </p:nvSpPr>
+            <p:spPr>
+              <a:xfrm>
+                <a:off x="539552" y="6021288"/>
+                <a:ext cx="7278724" cy="584775"/>
+              </a:xfrm>
+              <a:prstGeom prst="rect">
+                <a:avLst/>
+              </a:prstGeom>
+              <a:blipFill>
+                <a:blip r:embed="rId2"/>
+                <a:stretch>
+                  <a:fillRect l="-2178" t="-16667" b="-30208"/>
+                </a:stretch>
+              </a:blipFill>
+            </p:spPr>
+            <p:txBody>
+              <a:bodyPr/>
+              <a:lstStyle/>
+              <a:p>
+                <a:r>
+                  <a:rPr lang="ja-JP" altLang="en-US">
+                    <a:noFill/>
+                  </a:rPr>
+                  <a:t> </a:t>
+                </a:r>
+              </a:p>
+            </p:txBody>
+          </p:sp>
+        </mc:Fallback>
+      </mc:AlternateContent>
+    </p:spTree>
+    <p:extLst>
+      <p:ext uri="{BB962C8B-B14F-4D97-AF65-F5344CB8AC3E}">
+        <p14:creationId xmlns:p14="http://schemas.microsoft.com/office/powerpoint/2010/main" val="3817993701"/>
+      </p:ext>
+    </p:extLst>
+  </p:cSld>
+  <p:clrMapOvr>
+    <a:masterClrMapping/>
+  </p:clrMapOvr>
+</p:sld>
+</file>
+
+<file path=ppt/slides/slide22.xml><?xml version="1.0" encoding="utf-8"?>
 <p:sld xmlns:a="http://schemas.openxmlformats.org/drawingml/2006/main" xmlns:r="http://schemas.openxmlformats.org/officeDocument/2006/relationships" xmlns:p="http://schemas.openxmlformats.org/presentationml/2006/main">
   <p:cSld>
     <p:spTree>
@@ -8742,9 +14843,18 @@
           <a:lstStyle/>
           <a:p>
             <a:r>
-              <a:rPr kumimoji="1" lang="ja-JP" altLang="en-US" dirty="0"/>
-              <a:t>実装の基礎</a:t>
+              <a:rPr kumimoji="1" lang="en-US" altLang="ja-JP"/>
+              <a:t>MD</a:t>
             </a:r>
+            <a:r>
+              <a:rPr kumimoji="1" lang="ja-JP" altLang="en-US"/>
+              <a:t>実装の基礎の</a:t>
+            </a:r>
+            <a:r>
+              <a:rPr lang="ja-JP" altLang="en-US"/>
+              <a:t>まとめ</a:t>
+            </a:r>
+            <a:endParaRPr kumimoji="1" lang="ja-JP" altLang="en-US" dirty="0"/>
           </a:p>
         </p:txBody>
       </p:sp>
@@ -8762,7 +14872,7 @@
         </p:nvSpPr>
         <p:spPr>
           <a:xfrm>
-            <a:off x="323528" y="2132856"/>
+            <a:off x="467544" y="2060848"/>
             <a:ext cx="8340745" cy="1200329"/>
           </a:xfrm>
           <a:prstGeom prst="rect">
@@ -8781,8 +14891,12 @@
               <a:buAutoNum type="arabicPeriod"/>
             </a:pPr>
             <a:r>
+              <a:rPr kumimoji="1" lang="ja-JP" altLang="en-US" sz="2400"/>
+              <a:t>相互</a:t>
+            </a:r>
+            <a:r>
               <a:rPr kumimoji="1" lang="ja-JP" altLang="en-US" sz="2400" dirty="0"/>
-              <a:t>相互作用する原子対を探す</a:t>
+              <a:t>作用する原子対を探す</a:t>
             </a:r>
             <a:endParaRPr kumimoji="1" lang="en-US" altLang="ja-JP" sz="2400" dirty="0"/>
           </a:p>
@@ -8823,7 +14937,7 @@
         </p:nvSpPr>
         <p:spPr>
           <a:xfrm>
-            <a:off x="539552" y="1340768"/>
+            <a:off x="179512" y="1340768"/>
             <a:ext cx="4334841" cy="523220"/>
           </a:xfrm>
           <a:prstGeom prst="rect">
@@ -8852,42 +14966,6 @@
           </a:p>
         </p:txBody>
       </p:sp>
-      <p:sp>
-        <p:nvSpPr>
-          <p:cNvPr id="5" name="テキスト ボックス 4">
-            <a:extLst>
-              <a:ext uri="{FF2B5EF4-FFF2-40B4-BE49-F238E27FC236}">
-                <a16:creationId xmlns:a16="http://schemas.microsoft.com/office/drawing/2014/main" id="{1F5F117F-EBE4-E4EE-B4A8-15B730FB6550}"/>
-              </a:ext>
-            </a:extLst>
-          </p:cNvPr>
-          <p:cNvSpPr txBox="1"/>
-          <p:nvPr/>
-        </p:nvSpPr>
-        <p:spPr>
-          <a:xfrm>
-            <a:off x="395536" y="3933056"/>
-            <a:ext cx="6647974" cy="523220"/>
-          </a:xfrm>
-          <a:prstGeom prst="rect">
-            <a:avLst/>
-          </a:prstGeom>
-          <a:noFill/>
-        </p:spPr>
-        <p:txBody>
-          <a:bodyPr wrap="none" rtlCol="0">
-            <a:spAutoFit/>
-          </a:bodyPr>
-          <a:lstStyle/>
-          <a:p>
-            <a:r>
-              <a:rPr kumimoji="1" lang="ja-JP" altLang="en-US" sz="2800"/>
-              <a:t>あとは上記を好きなだけ繰り返せばよい</a:t>
-            </a:r>
-            <a:endParaRPr kumimoji="1" lang="ja-JP" altLang="en-US" sz="2800" dirty="0"/>
-          </a:p>
-        </p:txBody>
-      </p:sp>
     </p:spTree>
     <p:extLst>
       <p:ext uri="{BB962C8B-B14F-4D97-AF65-F5344CB8AC3E}">
@@ -8901,7 +14979,7 @@
 </p:sld>
 </file>
 
-<file path=ppt/slides/slide17.xml><?xml version="1.0" encoding="utf-8"?>
+<file path=ppt/slides/slide23.xml><?xml version="1.0" encoding="utf-8"?>
 <p:sld xmlns:a="http://schemas.openxmlformats.org/drawingml/2006/main" xmlns:r="http://schemas.openxmlformats.org/officeDocument/2006/relationships" xmlns:p="http://schemas.openxmlformats.org/presentationml/2006/main">
   <p:cSld>
     <p:spTree>
@@ -9885,263 +15963,6 @@
     <p:extLst>
       <p:ext uri="{BB962C8B-B14F-4D97-AF65-F5344CB8AC3E}">
         <p14:creationId xmlns:p14="http://schemas.microsoft.com/office/powerpoint/2010/main" val="1986855414"/>
-      </p:ext>
-    </p:extLst>
-  </p:cSld>
-  <p:clrMapOvr>
-    <a:masterClrMapping/>
-  </p:clrMapOvr>
-</p:sld>
-</file>
-
-<file path=ppt/slides/slide2.xml><?xml version="1.0" encoding="utf-8"?>
-<p:sld xmlns:a="http://schemas.openxmlformats.org/drawingml/2006/main" xmlns:r="http://schemas.openxmlformats.org/officeDocument/2006/relationships" xmlns:p="http://schemas.openxmlformats.org/presentationml/2006/main">
-  <p:cSld>
-    <p:spTree>
-      <p:nvGrpSpPr>
-        <p:cNvPr id="1" name=""/>
-        <p:cNvGrpSpPr/>
-        <p:nvPr/>
-      </p:nvGrpSpPr>
-      <p:grpSpPr>
-        <a:xfrm>
-          <a:off x="0" y="0"/>
-          <a:ext cx="0" cy="0"/>
-          <a:chOff x="0" y="0"/>
-          <a:chExt cx="0" cy="0"/>
-        </a:xfrm>
-      </p:grpSpPr>
-      <p:sp>
-        <p:nvSpPr>
-          <p:cNvPr id="2" name="テキスト プレースホルダー 1">
-            <a:extLst>
-              <a:ext uri="{FF2B5EF4-FFF2-40B4-BE49-F238E27FC236}">
-                <a16:creationId xmlns:a16="http://schemas.microsoft.com/office/drawing/2014/main" id="{7B7782D0-CA79-4CA0-1C5D-E3E73EDBC973}"/>
-              </a:ext>
-            </a:extLst>
-          </p:cNvPr>
-          <p:cNvSpPr>
-            <a:spLocks noGrp="1"/>
-          </p:cNvSpPr>
-          <p:nvPr>
-            <p:ph type="body" sz="quarter" idx="10"/>
-          </p:nvPr>
-        </p:nvSpPr>
-        <p:spPr/>
-        <p:txBody>
-          <a:bodyPr/>
-          <a:lstStyle/>
-          <a:p>
-            <a:r>
-              <a:rPr lang="ja-JP" altLang="en-US" dirty="0"/>
-              <a:t>はじめに</a:t>
-            </a:r>
-            <a:endParaRPr kumimoji="1" lang="ja-JP" altLang="en-US" dirty="0"/>
-          </a:p>
-        </p:txBody>
-      </p:sp>
-      <p:sp>
-        <p:nvSpPr>
-          <p:cNvPr id="3" name="テキスト ボックス 2">
-            <a:extLst>
-              <a:ext uri="{FF2B5EF4-FFF2-40B4-BE49-F238E27FC236}">
-                <a16:creationId xmlns:a16="http://schemas.microsoft.com/office/drawing/2014/main" id="{F430CAAB-52C2-B5C1-67AA-BD8E9079FB19}"/>
-              </a:ext>
-            </a:extLst>
-          </p:cNvPr>
-          <p:cNvSpPr txBox="1"/>
-          <p:nvPr/>
-        </p:nvSpPr>
-        <p:spPr>
-          <a:xfrm>
-            <a:off x="179512" y="1052736"/>
-            <a:ext cx="3416320" cy="523220"/>
-          </a:xfrm>
-          <a:prstGeom prst="rect">
-            <a:avLst/>
-          </a:prstGeom>
-          <a:noFill/>
-        </p:spPr>
-        <p:txBody>
-          <a:bodyPr wrap="none" rtlCol="0">
-            <a:spAutoFit/>
-          </a:bodyPr>
-          <a:lstStyle/>
-          <a:p>
-            <a:r>
-              <a:rPr lang="ja-JP" altLang="en-US" sz="2800" dirty="0">
-                <a:solidFill>
-                  <a:srgbClr val="011893"/>
-                </a:solidFill>
-              </a:rPr>
-              <a:t>分子動力学法の実装</a:t>
-            </a:r>
-            <a:endParaRPr kumimoji="1" lang="ja-JP" altLang="en-US" sz="2800" dirty="0">
-              <a:solidFill>
-                <a:srgbClr val="011893"/>
-              </a:solidFill>
-            </a:endParaRPr>
-          </a:p>
-        </p:txBody>
-      </p:sp>
-      <p:sp>
-        <p:nvSpPr>
-          <p:cNvPr id="4" name="テキスト ボックス 3">
-            <a:extLst>
-              <a:ext uri="{FF2B5EF4-FFF2-40B4-BE49-F238E27FC236}">
-                <a16:creationId xmlns:a16="http://schemas.microsoft.com/office/drawing/2014/main" id="{18CAC2BD-2822-2511-21B0-F19FDFD43935}"/>
-              </a:ext>
-            </a:extLst>
-          </p:cNvPr>
-          <p:cNvSpPr txBox="1"/>
-          <p:nvPr/>
-        </p:nvSpPr>
-        <p:spPr>
-          <a:xfrm>
-            <a:off x="683568" y="1700808"/>
-            <a:ext cx="7560840" cy="1384995"/>
-          </a:xfrm>
-          <a:prstGeom prst="rect">
-            <a:avLst/>
-          </a:prstGeom>
-          <a:noFill/>
-        </p:spPr>
-        <p:txBody>
-          <a:bodyPr wrap="square" rtlCol="0">
-            <a:spAutoFit/>
-          </a:bodyPr>
-          <a:lstStyle/>
-          <a:p>
-            <a:pPr marL="457200" indent="-457200">
-              <a:buFont typeface="Arial" panose="020B0604020202020204" pitchFamily="34" charset="0"/>
-              <a:buChar char="•"/>
-            </a:pPr>
-            <a:r>
-              <a:rPr lang="ja-JP" altLang="en-US" sz="2800" dirty="0"/>
-              <a:t>分子動力学法には様々な種類がある</a:t>
-            </a:r>
-            <a:endParaRPr lang="en-US" altLang="ja-JP" sz="2800" dirty="0"/>
-          </a:p>
-          <a:p>
-            <a:pPr marL="457200" indent="-457200">
-              <a:buFont typeface="Arial" panose="020B0604020202020204" pitchFamily="34" charset="0"/>
-              <a:buChar char="•"/>
-            </a:pPr>
-            <a:r>
-              <a:rPr kumimoji="1" lang="ja-JP" altLang="en-US" sz="2800" dirty="0"/>
-              <a:t>短距離古典分子動力学法のコードは比較的単純</a:t>
-            </a:r>
-            <a:endParaRPr kumimoji="1" lang="en-US" altLang="ja-JP" sz="2800" dirty="0"/>
-          </a:p>
-        </p:txBody>
-      </p:sp>
-      <p:sp>
-        <p:nvSpPr>
-          <p:cNvPr id="5" name="テキスト ボックス 4">
-            <a:extLst>
-              <a:ext uri="{FF2B5EF4-FFF2-40B4-BE49-F238E27FC236}">
-                <a16:creationId xmlns:a16="http://schemas.microsoft.com/office/drawing/2014/main" id="{E28A454D-BAA7-9A28-1995-0083B775C6AA}"/>
-              </a:ext>
-            </a:extLst>
-          </p:cNvPr>
-          <p:cNvSpPr txBox="1"/>
-          <p:nvPr/>
-        </p:nvSpPr>
-        <p:spPr>
-          <a:xfrm>
-            <a:off x="251520" y="3861048"/>
-            <a:ext cx="2339102" cy="523220"/>
-          </a:xfrm>
-          <a:prstGeom prst="rect">
-            <a:avLst/>
-          </a:prstGeom>
-          <a:noFill/>
-        </p:spPr>
-        <p:txBody>
-          <a:bodyPr wrap="none" rtlCol="0">
-            <a:spAutoFit/>
-          </a:bodyPr>
-          <a:lstStyle/>
-          <a:p>
-            <a:r>
-              <a:rPr lang="ja-JP" altLang="en-US" sz="2800" dirty="0">
-                <a:solidFill>
-                  <a:srgbClr val="011893"/>
-                </a:solidFill>
-              </a:rPr>
-              <a:t>本講義の目的</a:t>
-            </a:r>
-            <a:endParaRPr kumimoji="1" lang="ja-JP" altLang="en-US" sz="2800" dirty="0">
-              <a:solidFill>
-                <a:srgbClr val="011893"/>
-              </a:solidFill>
-            </a:endParaRPr>
-          </a:p>
-        </p:txBody>
-      </p:sp>
-      <p:sp>
-        <p:nvSpPr>
-          <p:cNvPr id="7" name="テキスト ボックス 6">
-            <a:extLst>
-              <a:ext uri="{FF2B5EF4-FFF2-40B4-BE49-F238E27FC236}">
-                <a16:creationId xmlns:a16="http://schemas.microsoft.com/office/drawing/2014/main" id="{9145B582-358A-3024-49AA-5BD281927CF0}"/>
-              </a:ext>
-            </a:extLst>
-          </p:cNvPr>
-          <p:cNvSpPr txBox="1"/>
-          <p:nvPr/>
-        </p:nvSpPr>
-        <p:spPr>
-          <a:xfrm>
-            <a:off x="683568" y="4509120"/>
-            <a:ext cx="7560840" cy="1815882"/>
-          </a:xfrm>
-          <a:prstGeom prst="rect">
-            <a:avLst/>
-          </a:prstGeom>
-          <a:noFill/>
-        </p:spPr>
-        <p:txBody>
-          <a:bodyPr wrap="square" rtlCol="0">
-            <a:spAutoFit/>
-          </a:bodyPr>
-          <a:lstStyle/>
-          <a:p>
-            <a:pPr marL="457200" indent="-457200">
-              <a:buFont typeface="Arial" panose="020B0604020202020204" pitchFamily="34" charset="0"/>
-              <a:buChar char="•"/>
-            </a:pPr>
-            <a:r>
-              <a:rPr kumimoji="1" lang="ja-JP" altLang="en-US" sz="2800" dirty="0"/>
-              <a:t>効率の良いコードの実装には、ハードウェアの理解が必須であることを知る</a:t>
-            </a:r>
-            <a:endParaRPr kumimoji="1" lang="en-US" altLang="ja-JP" sz="2800" dirty="0"/>
-          </a:p>
-          <a:p>
-            <a:pPr marL="457200" indent="-457200">
-              <a:buFont typeface="Arial" panose="020B0604020202020204" pitchFamily="34" charset="0"/>
-              <a:buChar char="•"/>
-            </a:pPr>
-            <a:r>
-              <a:rPr lang="ja-JP" altLang="en-US" sz="2800" dirty="0">
-                <a:solidFill>
-                  <a:srgbClr val="FF0000"/>
-                </a:solidFill>
-              </a:rPr>
-              <a:t>単純なコードであっても、計算機の性能を引き出すのは面倒であることを知る</a:t>
-            </a:r>
-            <a:endParaRPr kumimoji="1" lang="en-US" altLang="ja-JP" sz="2800" dirty="0">
-              <a:solidFill>
-                <a:srgbClr val="FF0000"/>
-              </a:solidFill>
-            </a:endParaRPr>
-          </a:p>
-        </p:txBody>
-      </p:sp>
-    </p:spTree>
-    <p:extLst>
-      <p:ext uri="{BB962C8B-B14F-4D97-AF65-F5344CB8AC3E}">
-        <p14:creationId xmlns:p14="http://schemas.microsoft.com/office/powerpoint/2010/main" val="3102113686"/>
       </p:ext>
     </p:extLst>
   </p:cSld>
